--- a/docs/第11回選択法交換法アルゴリズム .pptx
+++ b/docs/第11回選択法交換法アルゴリズム .pptx
@@ -9,7 +9,9 @@
     <p:sldId id="257" r:id="rId3"/>
     <p:sldId id="273" r:id="rId4"/>
     <p:sldId id="274" r:id="rId5"/>
-    <p:sldId id="278" r:id="rId6"/>
+    <p:sldId id="280" r:id="rId6"/>
+    <p:sldId id="278" r:id="rId7"/>
+    <p:sldId id="279" r:id="rId8"/>
   </p:sldIdLst>
   <p:sldSz cx="12192000" cy="6858000"/>
   <p:notesSz cx="6858000" cy="9144000"/>
@@ -247,7 +249,7 @@
           <a:p>
             <a:fld id="{BC217E9B-DFCD-4DFE-B7ED-A5F6001EB7CB}" type="datetimeFigureOut">
               <a:rPr kumimoji="1" lang="ja-JP" altLang="en-US" smtClean="0"/>
-              <a:t>2019/5/16</a:t>
+              <a:t>2019/5/20</a:t>
             </a:fld>
             <a:endParaRPr kumimoji="1" lang="ja-JP" altLang="en-US"/>
           </a:p>
@@ -449,7 +451,7 @@
           <a:p>
             <a:fld id="{BC217E9B-DFCD-4DFE-B7ED-A5F6001EB7CB}" type="datetimeFigureOut">
               <a:rPr kumimoji="1" lang="ja-JP" altLang="en-US" smtClean="0"/>
-              <a:t>2019/5/16</a:t>
+              <a:t>2019/5/20</a:t>
             </a:fld>
             <a:endParaRPr kumimoji="1" lang="ja-JP" altLang="en-US"/>
           </a:p>
@@ -661,7 +663,7 @@
           <a:p>
             <a:fld id="{BC217E9B-DFCD-4DFE-B7ED-A5F6001EB7CB}" type="datetimeFigureOut">
               <a:rPr kumimoji="1" lang="ja-JP" altLang="en-US" smtClean="0"/>
-              <a:t>2019/5/16</a:t>
+              <a:t>2019/5/20</a:t>
             </a:fld>
             <a:endParaRPr kumimoji="1" lang="ja-JP" altLang="en-US"/>
           </a:p>
@@ -863,7 +865,7 @@
           <a:p>
             <a:fld id="{BC217E9B-DFCD-4DFE-B7ED-A5F6001EB7CB}" type="datetimeFigureOut">
               <a:rPr kumimoji="1" lang="ja-JP" altLang="en-US" smtClean="0"/>
-              <a:t>2019/5/16</a:t>
+              <a:t>2019/5/20</a:t>
             </a:fld>
             <a:endParaRPr kumimoji="1" lang="ja-JP" altLang="en-US"/>
           </a:p>
@@ -1109,7 +1111,7 @@
           <a:p>
             <a:fld id="{BC217E9B-DFCD-4DFE-B7ED-A5F6001EB7CB}" type="datetimeFigureOut">
               <a:rPr kumimoji="1" lang="ja-JP" altLang="en-US" smtClean="0"/>
-              <a:t>2019/5/16</a:t>
+              <a:t>2019/5/20</a:t>
             </a:fld>
             <a:endParaRPr kumimoji="1" lang="ja-JP" altLang="en-US"/>
           </a:p>
@@ -1405,7 +1407,7 @@
           <a:p>
             <a:fld id="{BC217E9B-DFCD-4DFE-B7ED-A5F6001EB7CB}" type="datetimeFigureOut">
               <a:rPr kumimoji="1" lang="ja-JP" altLang="en-US" smtClean="0"/>
-              <a:t>2019/5/16</a:t>
+              <a:t>2019/5/20</a:t>
             </a:fld>
             <a:endParaRPr kumimoji="1" lang="ja-JP" altLang="en-US"/>
           </a:p>
@@ -1836,7 +1838,7 @@
           <a:p>
             <a:fld id="{BC217E9B-DFCD-4DFE-B7ED-A5F6001EB7CB}" type="datetimeFigureOut">
               <a:rPr kumimoji="1" lang="ja-JP" altLang="en-US" smtClean="0"/>
-              <a:t>2019/5/16</a:t>
+              <a:t>2019/5/20</a:t>
             </a:fld>
             <a:endParaRPr kumimoji="1" lang="ja-JP" altLang="en-US"/>
           </a:p>
@@ -1954,7 +1956,7 @@
           <a:p>
             <a:fld id="{BC217E9B-DFCD-4DFE-B7ED-A5F6001EB7CB}" type="datetimeFigureOut">
               <a:rPr kumimoji="1" lang="ja-JP" altLang="en-US" smtClean="0"/>
-              <a:t>2019/5/16</a:t>
+              <a:t>2019/5/20</a:t>
             </a:fld>
             <a:endParaRPr kumimoji="1" lang="ja-JP" altLang="en-US"/>
           </a:p>
@@ -2049,7 +2051,7 @@
           <a:p>
             <a:fld id="{BC217E9B-DFCD-4DFE-B7ED-A5F6001EB7CB}" type="datetimeFigureOut">
               <a:rPr kumimoji="1" lang="ja-JP" altLang="en-US" smtClean="0"/>
-              <a:t>2019/5/16</a:t>
+              <a:t>2019/5/20</a:t>
             </a:fld>
             <a:endParaRPr kumimoji="1" lang="ja-JP" altLang="en-US"/>
           </a:p>
@@ -2358,7 +2360,7 @@
           <a:p>
             <a:fld id="{BC217E9B-DFCD-4DFE-B7ED-A5F6001EB7CB}" type="datetimeFigureOut">
               <a:rPr kumimoji="1" lang="ja-JP" altLang="en-US" smtClean="0"/>
-              <a:t>2019/5/16</a:t>
+              <a:t>2019/5/20</a:t>
             </a:fld>
             <a:endParaRPr kumimoji="1" lang="ja-JP" altLang="en-US"/>
           </a:p>
@@ -2611,7 +2613,7 @@
           <a:p>
             <a:fld id="{BC217E9B-DFCD-4DFE-B7ED-A5F6001EB7CB}" type="datetimeFigureOut">
               <a:rPr kumimoji="1" lang="ja-JP" altLang="en-US" smtClean="0"/>
-              <a:t>2019/5/16</a:t>
+              <a:t>2019/5/20</a:t>
             </a:fld>
             <a:endParaRPr kumimoji="1" lang="ja-JP" altLang="en-US"/>
           </a:p>
@@ -2856,7 +2858,7 @@
           <a:p>
             <a:fld id="{BC217E9B-DFCD-4DFE-B7ED-A5F6001EB7CB}" type="datetimeFigureOut">
               <a:rPr kumimoji="1" lang="ja-JP" altLang="en-US" smtClean="0"/>
-              <a:t>2019/5/16</a:t>
+              <a:t>2019/5/20</a:t>
             </a:fld>
             <a:endParaRPr kumimoji="1" lang="ja-JP" altLang="en-US"/>
           </a:p>
@@ -3310,11 +3312,7 @@
             </a:r>
             <a:r>
               <a:rPr lang="ja-JP" altLang="en-US" sz="4000" dirty="0" smtClean="0"/>
-              <a:t>回</a:t>
-            </a:r>
-            <a:r>
-              <a:rPr lang="ja-JP" altLang="en-US" sz="4000" dirty="0" smtClean="0"/>
-              <a:t>授業</a:t>
+              <a:t>回授業</a:t>
             </a:r>
             <a:r>
               <a:rPr lang="en-US" altLang="ja-JP" sz="4000" dirty="0" smtClean="0"/>
@@ -3328,16 +3326,16 @@
               <a:t>“</a:t>
             </a:r>
             <a:r>
+              <a:rPr lang="ja-JP" altLang="en-US" sz="4000" smtClean="0"/>
+              <a:t>アルゴリズム 選択法</a:t>
+            </a:r>
+            <a:r>
               <a:rPr lang="ja-JP" altLang="en-US" sz="4000" dirty="0" smtClean="0"/>
-              <a:t>アルゴリズム　選択法・交換法</a:t>
+              <a:t>・交換法</a:t>
             </a:r>
             <a:r>
               <a:rPr lang="en-US" altLang="ja-JP" sz="4000" dirty="0" smtClean="0"/>
               <a:t>”</a:t>
-            </a:r>
-            <a:r>
-              <a:rPr lang="en-US" altLang="ja-JP" sz="4000" dirty="0" smtClean="0"/>
-              <a:t/>
             </a:r>
             <a:br>
               <a:rPr lang="en-US" altLang="ja-JP" sz="4000" dirty="0" smtClean="0"/>
@@ -3348,11 +3346,7 @@
             </a:r>
             <a:r>
               <a:rPr lang="en-US" altLang="ja-JP" sz="4000" dirty="0" smtClean="0"/>
-              <a:t>Page </a:t>
-            </a:r>
-            <a:r>
-              <a:rPr lang="en-US" altLang="ja-JP" sz="4000" dirty="0" smtClean="0"/>
-              <a:t>71-91)</a:t>
+              <a:t>Page 71-91)</a:t>
             </a:r>
             <a:endParaRPr kumimoji="1" lang="ja-JP" altLang="en-US" sz="4000" dirty="0"/>
           </a:p>
@@ -3482,11 +3476,7 @@
           <a:p>
             <a:r>
               <a:rPr kumimoji="1" lang="ja-JP" altLang="en-US" sz="3600" dirty="0" smtClean="0"/>
-              <a:t>・前回の復習</a:t>
-            </a:r>
-            <a:r>
-              <a:rPr kumimoji="1" lang="ja-JP" altLang="en-US" sz="3600" dirty="0" smtClean="0"/>
-              <a:t>（</a:t>
+              <a:t>・前回の復習（</a:t>
             </a:r>
             <a:r>
               <a:rPr kumimoji="1" lang="en-US" altLang="ja-JP" sz="3600" dirty="0" smtClean="0"/>
@@ -3501,11 +3491,7 @@
           <a:p>
             <a:r>
               <a:rPr kumimoji="1" lang="ja-JP" altLang="en-US" sz="3600" dirty="0" smtClean="0"/>
-              <a:t>・基本アルゴリズム</a:t>
-            </a:r>
-            <a:r>
-              <a:rPr kumimoji="1" lang="ja-JP" altLang="en-US" sz="3600" dirty="0" smtClean="0"/>
-              <a:t>（選択法）</a:t>
+              <a:t>・基本アルゴリズム（選択法）</a:t>
             </a:r>
             <a:endParaRPr lang="en-US" altLang="ja-JP" sz="3600" dirty="0" smtClean="0"/>
           </a:p>
@@ -3516,15 +3502,7 @@
             </a:r>
             <a:r>
               <a:rPr lang="ja-JP" altLang="en-US" sz="3600" dirty="0" smtClean="0"/>
-              <a:t>基本アルゴリズム</a:t>
-            </a:r>
-            <a:r>
-              <a:rPr lang="ja-JP" altLang="en-US" sz="3600" dirty="0" smtClean="0"/>
-              <a:t>（</a:t>
-            </a:r>
-            <a:r>
-              <a:rPr lang="ja-JP" altLang="en-US" sz="3600" dirty="0" smtClean="0"/>
-              <a:t>交換</a:t>
+              <a:t>基本アルゴリズム（交換</a:t>
             </a:r>
             <a:r>
               <a:rPr lang="ja-JP" altLang="en-US" sz="3600" dirty="0"/>
@@ -3592,30 +3570,28 @@
           </a:xfrm>
         </p:spPr>
         <p:txBody>
-          <a:bodyPr/>
-          <a:lstStyle/>
-          <a:p>
-            <a:r>
-              <a:rPr kumimoji="1" lang="en-US" altLang="ja-JP" dirty="0" smtClean="0"/>
+          <a:bodyPr>
+            <a:normAutofit/>
+          </a:bodyPr>
+          <a:lstStyle/>
+          <a:p>
+            <a:r>
+              <a:rPr kumimoji="1" lang="en-US" altLang="ja-JP" sz="3600" dirty="0" smtClean="0"/>
               <a:t>2-4 </a:t>
             </a:r>
             <a:r>
-              <a:rPr kumimoji="1" lang="ja-JP" altLang="en-US" dirty="0" smtClean="0"/>
+              <a:rPr kumimoji="1" lang="ja-JP" altLang="en-US" sz="3600" dirty="0" smtClean="0"/>
               <a:t>基本アルゴリズム</a:t>
             </a:r>
             <a:r>
-              <a:rPr lang="ja-JP" altLang="en-US" dirty="0"/>
+              <a:rPr lang="ja-JP" altLang="en-US" sz="3600" dirty="0"/>
               <a:t>　</a:t>
             </a:r>
             <a:r>
-              <a:rPr lang="ja-JP" altLang="en-US" dirty="0" smtClean="0"/>
-              <a:t>選択</a:t>
-            </a:r>
-            <a:r>
-              <a:rPr lang="ja-JP" altLang="en-US" dirty="0"/>
-              <a:t>法</a:t>
-            </a:r>
-            <a:endParaRPr kumimoji="1" lang="ja-JP" altLang="en-US" dirty="0"/>
+              <a:rPr lang="ja-JP" altLang="en-US" sz="3600" dirty="0" smtClean="0"/>
+              <a:t>選択法（選択ソート）</a:t>
+            </a:r>
+            <a:endParaRPr kumimoji="1" lang="ja-JP" altLang="en-US" sz="3600" dirty="0"/>
           </a:p>
         </p:txBody>
       </p:sp>
@@ -3627,8 +3603,8 @@
         </p:nvSpPr>
         <p:spPr>
           <a:xfrm>
-            <a:off x="189345" y="2362507"/>
-            <a:ext cx="12122229" cy="3970318"/>
+            <a:off x="1211349" y="4615256"/>
+            <a:ext cx="9769301" cy="400110"/>
           </a:xfrm>
           <a:prstGeom prst="rect">
             <a:avLst/>
@@ -3636,95 +3612,101 @@
           <a:noFill/>
         </p:spPr>
         <p:txBody>
+          <a:bodyPr wrap="square" rtlCol="0">
+            <a:spAutoFit/>
+          </a:bodyPr>
+          <a:lstStyle/>
+          <a:p>
+            <a:r>
+              <a:rPr lang="en-US" altLang="ja-JP" sz="2000" dirty="0" smtClean="0"/>
+              <a:t>(</a:t>
+            </a:r>
+            <a:r>
+              <a:rPr lang="en-US" altLang="ja-JP" sz="2000" dirty="0">
+                <a:hlinkClick r:id="rId2"/>
+              </a:rPr>
+              <a:t>https://www.codereading.com/algo_and_ds/algo/selection_sort.html</a:t>
+            </a:r>
+            <a:r>
+              <a:rPr lang="ja-JP" altLang="en-US" sz="2000" dirty="0" smtClean="0"/>
+              <a:t>より）</a:t>
+            </a:r>
+            <a:endParaRPr lang="en-US" altLang="ja-JP" sz="2000" dirty="0" smtClean="0"/>
+          </a:p>
+        </p:txBody>
+      </p:sp>
+      <p:sp>
+        <p:nvSpPr>
+          <p:cNvPr id="4" name="テキスト ボックス 3"/>
+          <p:cNvSpPr txBox="1"/>
+          <p:nvPr/>
+        </p:nvSpPr>
+        <p:spPr>
+          <a:xfrm>
+            <a:off x="1837112" y="2254271"/>
+            <a:ext cx="7571303" cy="1200329"/>
+          </a:xfrm>
+          <a:prstGeom prst="rect">
+            <a:avLst/>
+          </a:prstGeom>
+          <a:noFill/>
+        </p:spPr>
+        <p:txBody>
           <a:bodyPr wrap="none" rtlCol="0">
             <a:spAutoFit/>
           </a:bodyPr>
           <a:lstStyle/>
           <a:p>
             <a:r>
-              <a:rPr lang="ja-JP" altLang="en-US" sz="2800" dirty="0"/>
-              <a:t>線形探索（せん</a:t>
-            </a:r>
-            <a:r>
-              <a:rPr lang="ja-JP" altLang="en-US" sz="2800" dirty="0" err="1"/>
-              <a:t>けい</a:t>
-            </a:r>
-            <a:r>
-              <a:rPr lang="ja-JP" altLang="en-US" sz="2800" dirty="0"/>
-              <a:t>たんさく、英</a:t>
-            </a:r>
-            <a:r>
-              <a:rPr lang="en-US" altLang="ja-JP" sz="2800" dirty="0"/>
-              <a:t>: linear search, sequential search</a:t>
-            </a:r>
-            <a:r>
-              <a:rPr lang="ja-JP" altLang="en-US" sz="2800" dirty="0" smtClean="0"/>
-              <a:t>）は、</a:t>
-            </a:r>
-            <a:endParaRPr lang="en-US" altLang="ja-JP" sz="2800" dirty="0" smtClean="0"/>
-          </a:p>
-          <a:p>
-            <a:r>
-              <a:rPr lang="ja-JP" altLang="en-US" sz="2800" dirty="0" smtClean="0"/>
-              <a:t>検索</a:t>
-            </a:r>
-            <a:r>
-              <a:rPr lang="ja-JP" altLang="en-US" sz="2800" dirty="0"/>
-              <a:t>のアルゴリズムの</a:t>
-            </a:r>
-            <a:r>
-              <a:rPr lang="ja-JP" altLang="en-US" sz="2800" dirty="0" smtClean="0"/>
-              <a:t>一つである</a:t>
-            </a:r>
-            <a:r>
-              <a:rPr lang="ja-JP" altLang="en-US" sz="2800" dirty="0"/>
+              <a:rPr lang="ja-JP" altLang="en-US" dirty="0"/>
+              <a:t>選択ソートは配列の最小値</a:t>
+            </a:r>
+            <a:r>
+              <a:rPr lang="en-US" altLang="ja-JP" dirty="0"/>
+              <a:t>(</a:t>
+            </a:r>
+            <a:r>
+              <a:rPr lang="ja-JP" altLang="en-US" dirty="0"/>
+              <a:t>最大値</a:t>
+            </a:r>
+            <a:r>
+              <a:rPr lang="en-US" altLang="ja-JP" dirty="0"/>
+              <a:t>)</a:t>
+            </a:r>
+            <a:r>
+              <a:rPr lang="ja-JP" altLang="en-US" dirty="0"/>
+              <a:t>を持つ要素を探して</a:t>
+            </a:r>
+            <a:r>
+              <a:rPr lang="ja-JP" altLang="en-US" dirty="0" smtClean="0"/>
+              <a:t>、</a:t>
+            </a:r>
+            <a:endParaRPr lang="en-US" altLang="ja-JP" dirty="0" smtClean="0"/>
+          </a:p>
+          <a:p>
+            <a:r>
+              <a:rPr lang="ja-JP" altLang="en-US" dirty="0" smtClean="0"/>
+              <a:t>それ</a:t>
+            </a:r>
+            <a:r>
+              <a:rPr lang="ja-JP" altLang="en-US" dirty="0"/>
+              <a:t>を配列の先頭要素と交換することで整列を行うアルゴリズムです</a:t>
+            </a:r>
+            <a:r>
+              <a:rPr lang="ja-JP" altLang="en-US" dirty="0" smtClean="0"/>
               <a:t>。</a:t>
             </a:r>
-          </a:p>
-          <a:p>
-            <a:r>
-              <a:rPr lang="ja-JP" altLang="en-US" sz="2800" dirty="0"/>
-              <a:t>リストや配列に入ったデータに対する検索を行うにあたって、 </a:t>
-            </a:r>
-            <a:endParaRPr lang="en-US" altLang="ja-JP" sz="2800" dirty="0" smtClean="0"/>
-          </a:p>
-          <a:p>
-            <a:r>
-              <a:rPr lang="ja-JP" altLang="en-US" sz="2800" dirty="0" smtClean="0"/>
-              <a:t>先頭</a:t>
-            </a:r>
-            <a:r>
-              <a:rPr lang="ja-JP" altLang="en-US" sz="2800" dirty="0"/>
-              <a:t>から順に比較を行い、それが見つかれば終了する</a:t>
-            </a:r>
-            <a:r>
-              <a:rPr lang="ja-JP" altLang="en-US" sz="2800" dirty="0" smtClean="0"/>
-              <a:t>。</a:t>
-            </a:r>
-            <a:endParaRPr lang="en-US" altLang="ja-JP" sz="2800" dirty="0" smtClean="0"/>
-          </a:p>
-          <a:p>
-            <a:endParaRPr lang="en-US" altLang="ja-JP" sz="2800" dirty="0"/>
-          </a:p>
-          <a:p>
-            <a:r>
-              <a:rPr lang="en-US" altLang="ja-JP" sz="2800" dirty="0" smtClean="0"/>
-              <a:t>(WIKIPEDIA</a:t>
-            </a:r>
-            <a:r>
-              <a:rPr lang="ja-JP" altLang="en-US" sz="2800" dirty="0" smtClean="0"/>
-              <a:t>より）</a:t>
-            </a:r>
-            <a:endParaRPr lang="en-US" altLang="ja-JP" sz="2800" dirty="0" smtClean="0"/>
-          </a:p>
-          <a:p>
-            <a:endParaRPr lang="en-US" altLang="ja-JP" sz="2800" dirty="0"/>
-          </a:p>
-          <a:p>
-            <a:endParaRPr lang="ja-JP" altLang="en-US" sz="2800" dirty="0"/>
-          </a:p>
-          <a:p>
-            <a:endParaRPr kumimoji="1" lang="ja-JP" altLang="en-US" sz="2800" dirty="0"/>
+            <a:endParaRPr lang="en-US" altLang="ja-JP" dirty="0" smtClean="0"/>
+          </a:p>
+          <a:p>
+            <a:r>
+              <a:rPr lang="ja-JP" altLang="en-US" dirty="0" smtClean="0"/>
+              <a:t>（ホワイトボートで説明する）</a:t>
+            </a:r>
+            <a:endParaRPr lang="ja-JP" altLang="en-US" dirty="0"/>
+          </a:p>
+          <a:p>
+            <a:endParaRPr lang="ja-JP" altLang="en-US" dirty="0"/>
           </a:p>
         </p:txBody>
       </p:sp>
@@ -3760,46 +3742,14 @@
       </p:grpSpPr>
       <p:sp>
         <p:nvSpPr>
-          <p:cNvPr id="2" name="タイトル 1"/>
-          <p:cNvSpPr>
-            <a:spLocks noGrp="1"/>
-          </p:cNvSpPr>
-          <p:nvPr>
-            <p:ph type="title"/>
-          </p:nvPr>
-        </p:nvSpPr>
-        <p:spPr>
-          <a:xfrm>
-            <a:off x="1330910" y="82493"/>
-            <a:ext cx="7937781" cy="790343"/>
-          </a:xfrm>
-        </p:spPr>
-        <p:txBody>
-          <a:bodyPr/>
-          <a:lstStyle/>
-          <a:p>
-            <a:r>
-              <a:rPr lang="en-US" altLang="ja-JP" dirty="0" smtClean="0"/>
-              <a:t>58</a:t>
-            </a:r>
-            <a:r>
-              <a:rPr lang="ja-JP" altLang="en-US" dirty="0" smtClean="0"/>
-              <a:t>ページサンプルプログラム</a:t>
-            </a:r>
-            <a:endParaRPr kumimoji="1" lang="ja-JP" altLang="en-US" dirty="0"/>
-          </a:p>
-        </p:txBody>
-      </p:sp>
-      <p:sp>
-        <p:nvSpPr>
           <p:cNvPr id="3" name="テキスト ボックス 2"/>
           <p:cNvSpPr txBox="1"/>
           <p:nvPr/>
         </p:nvSpPr>
         <p:spPr>
           <a:xfrm>
-            <a:off x="847898" y="872836"/>
-            <a:ext cx="5557932" cy="5509200"/>
+            <a:off x="590204" y="307571"/>
+            <a:ext cx="5763116" cy="6247864"/>
           </a:xfrm>
           <a:prstGeom prst="rect">
             <a:avLst/>
@@ -3814,7 +3764,7 @@
           <a:p>
             <a:r>
               <a:rPr lang="ja-JP" altLang="en-US" sz="1600" dirty="0"/>
-              <a:t>○プログラム名：線形探索 </a:t>
+              <a:t>○プログラム名：選択ソート </a:t>
             </a:r>
             <a:r>
               <a:rPr lang="en-US" altLang="ja-JP" sz="1600" dirty="0"/>
@@ -3826,7 +3776,7 @@
             </a:r>
             <a:r>
               <a:rPr lang="en-US" altLang="ja-JP" sz="1600" dirty="0"/>
-              <a:t>58</a:t>
+              <a:t>75</a:t>
             </a:r>
             <a:r>
               <a:rPr lang="ja-JP" altLang="en-US" sz="1600" dirty="0"/>
@@ -3848,56 +3798,23 @@
             </a:r>
             <a:r>
               <a:rPr lang="en-US" altLang="ja-JP" sz="1600" dirty="0"/>
-              <a:t>Ret</a:t>
-            </a:r>
-          </a:p>
-          <a:p>
-            <a:endParaRPr lang="en-US" altLang="ja-JP" sz="1600" dirty="0"/>
-          </a:p>
-          <a:p>
+              <a:t>SelectionSort1(</a:t>
+            </a:r>
+            <a:r>
+              <a:rPr lang="ja-JP" altLang="en-US" sz="1600" dirty="0"/>
+              <a:t>整数型：</a:t>
+            </a:r>
             <a:r>
               <a:rPr lang="en-US" altLang="ja-JP" sz="1600" dirty="0"/>
-              <a:t>●Ret ← LinerSearch1(6</a:t>
-            </a:r>
-            <a:r>
-              <a:rPr lang="en-US" altLang="ja-JP" sz="1600" dirty="0" smtClean="0"/>
-              <a:t>)</a:t>
-            </a:r>
-            <a:r>
-              <a:rPr lang="ja-JP" altLang="en-US" sz="1600" dirty="0" smtClean="0"/>
-              <a:t>　　</a:t>
-            </a:r>
-            <a:endParaRPr lang="en-US" altLang="ja-JP" sz="1600" dirty="0"/>
-          </a:p>
-          <a:p>
+              <a:t>T[],</a:t>
+            </a:r>
+            <a:r>
+              <a:rPr lang="ja-JP" altLang="en-US" sz="1600" dirty="0"/>
+              <a:t>整数型：</a:t>
+            </a:r>
             <a:r>
               <a:rPr lang="en-US" altLang="ja-JP" sz="1600" dirty="0"/>
-              <a:t>●</a:t>
-            </a:r>
-            <a:r>
-              <a:rPr lang="ja-JP" altLang="en-US" sz="1600" dirty="0"/>
-              <a:t>表示処理</a:t>
-            </a:r>
-            <a:r>
-              <a:rPr lang="en-US" altLang="ja-JP" sz="1600" dirty="0"/>
-              <a:t>(Ret)</a:t>
-            </a:r>
-          </a:p>
-          <a:p>
-            <a:endParaRPr lang="en-US" altLang="ja-JP" sz="1600" dirty="0"/>
-          </a:p>
-          <a:p>
-            <a:r>
-              <a:rPr lang="en-US" altLang="ja-JP" sz="1600" dirty="0"/>
-              <a:t>/* </a:t>
-            </a:r>
-            <a:r>
-              <a:rPr lang="ja-JP" altLang="en-US" sz="1600" dirty="0"/>
-              <a:t>以下関数となる *</a:t>
-            </a:r>
-            <a:r>
-              <a:rPr lang="en-US" altLang="ja-JP" sz="1600" dirty="0"/>
-              <a:t>/</a:t>
+              <a:t>N)</a:t>
             </a:r>
           </a:p>
           <a:p>
@@ -3911,16 +3828,23 @@
             </a:r>
             <a:r>
               <a:rPr lang="en-US" altLang="ja-JP" sz="1600" dirty="0"/>
-              <a:t>LinerSearch1(</a:t>
+              <a:t>Head</a:t>
+            </a:r>
+          </a:p>
+          <a:p>
+            <a:r>
+              <a:rPr lang="en-US" altLang="ja-JP" sz="1600" dirty="0"/>
+              <a:t>○</a:t>
             </a:r>
             <a:r>
               <a:rPr lang="ja-JP" altLang="en-US" sz="1600" dirty="0"/>
               <a:t>整数型：</a:t>
             </a:r>
             <a:r>
-              <a:rPr lang="en-US" altLang="ja-JP" sz="1600" dirty="0"/>
-              <a:t>X)</a:t>
-            </a:r>
+              <a:rPr lang="en-US" altLang="ja-JP" sz="1600" dirty="0" err="1"/>
+              <a:t>Idx</a:t>
+            </a:r>
+            <a:endParaRPr lang="en-US" altLang="ja-JP" sz="1600" dirty="0"/>
           </a:p>
           <a:p>
             <a:r>
@@ -3932,9 +3856,10 @@
               <a:t>整数型：</a:t>
             </a:r>
             <a:r>
-              <a:rPr lang="en-US" altLang="ja-JP" sz="1600" dirty="0"/>
-              <a:t>T[5]</a:t>
-            </a:r>
+              <a:rPr lang="en-US" altLang="ja-JP" sz="1600" dirty="0" err="1"/>
+              <a:t>MinIdx</a:t>
+            </a:r>
+            <a:endParaRPr lang="en-US" altLang="ja-JP" sz="1600" dirty="0"/>
           </a:p>
           <a:p>
             <a:r>
@@ -3946,60 +3871,173 @@
               <a:t>整数型：</a:t>
             </a:r>
             <a:r>
+              <a:rPr lang="en-US" altLang="ja-JP" sz="1600" dirty="0"/>
+              <a:t>Work</a:t>
+            </a:r>
+          </a:p>
+          <a:p>
+            <a:endParaRPr lang="en-US" altLang="ja-JP" sz="1600" dirty="0"/>
+          </a:p>
+          <a:p>
+            <a:r>
+              <a:rPr lang="en-US" altLang="ja-JP" sz="1600" dirty="0"/>
+              <a:t>●Head ← </a:t>
+            </a:r>
+            <a:r>
+              <a:rPr lang="en-US" altLang="ja-JP" sz="1600" dirty="0" smtClean="0"/>
+              <a:t>0</a:t>
+            </a:r>
+            <a:endParaRPr lang="en-US" altLang="ja-JP" sz="1600" dirty="0"/>
+          </a:p>
+          <a:p>
+            <a:r>
+              <a:rPr lang="en-US" altLang="ja-JP" sz="1600" dirty="0"/>
+              <a:t>■Head &lt; N -1</a:t>
+            </a:r>
+          </a:p>
+          <a:p>
+            <a:r>
+              <a:rPr lang="ja-JP" altLang="en-US" sz="1600" dirty="0"/>
+              <a:t>｜●</a:t>
+            </a:r>
+            <a:r>
+              <a:rPr lang="en-US" altLang="ja-JP" sz="1600" dirty="0" err="1"/>
+              <a:t>MinIdx</a:t>
+            </a:r>
+            <a:r>
+              <a:rPr lang="en-US" altLang="ja-JP" sz="1600" dirty="0"/>
+              <a:t> ←</a:t>
+            </a:r>
+            <a:r>
+              <a:rPr lang="ja-JP" altLang="en-US" sz="1600" dirty="0"/>
+              <a:t>　</a:t>
+            </a:r>
+            <a:r>
+              <a:rPr lang="en-US" altLang="ja-JP" sz="1600" dirty="0"/>
+              <a:t>Head</a:t>
+            </a:r>
+          </a:p>
+          <a:p>
+            <a:r>
+              <a:rPr lang="ja-JP" altLang="en-US" sz="1600" dirty="0"/>
+              <a:t>｜●</a:t>
+            </a:r>
+            <a:r>
               <a:rPr lang="en-US" altLang="ja-JP" sz="1600" dirty="0" err="1"/>
               <a:t>Idx</a:t>
             </a:r>
-            <a:endParaRPr lang="en-US" altLang="ja-JP" sz="1600" dirty="0"/>
-          </a:p>
-          <a:p>
             <a:r>
               <a:rPr lang="en-US" altLang="ja-JP" sz="1600" dirty="0"/>
-              <a:t>●T[0] ← 5</a:t>
-            </a:r>
-          </a:p>
-          <a:p>
+              <a:t> ← Head </a:t>
+            </a:r>
+            <a:r>
+              <a:rPr lang="ja-JP" altLang="en-US" sz="1600" dirty="0"/>
+              <a:t>＋ </a:t>
+            </a:r>
             <a:r>
               <a:rPr lang="en-US" altLang="ja-JP" sz="1600" dirty="0"/>
-              <a:t>●T[1] ← 4</a:t>
-            </a:r>
-          </a:p>
-          <a:p>
-            <a:r>
-              <a:rPr lang="en-US" altLang="ja-JP" sz="1600" dirty="0"/>
-              <a:t>●T[2] ← 2</a:t>
-            </a:r>
-          </a:p>
-          <a:p>
-            <a:r>
-              <a:rPr lang="en-US" altLang="ja-JP" sz="1600" dirty="0"/>
-              <a:t>●T[3] ← 1</a:t>
-            </a:r>
-          </a:p>
-          <a:p>
-            <a:r>
-              <a:rPr lang="en-US" altLang="ja-JP" sz="1600" dirty="0"/>
-              <a:t>●T[4] ← 6</a:t>
-            </a:r>
-          </a:p>
-          <a:p>
-            <a:endParaRPr lang="en-US" altLang="ja-JP" sz="1600" dirty="0"/>
-          </a:p>
-          <a:p>
-            <a:r>
-              <a:rPr lang="en-US" altLang="ja-JP" sz="1600" dirty="0"/>
-              <a:t>■</a:t>
+              <a:t>1</a:t>
+            </a:r>
+          </a:p>
+          <a:p>
+            <a:r>
+              <a:rPr lang="ja-JP" altLang="en-US" sz="1600" dirty="0"/>
+              <a:t>｜■</a:t>
             </a:r>
             <a:r>
               <a:rPr lang="en-US" altLang="ja-JP" sz="1600" dirty="0" err="1"/>
               <a:t>Idx</a:t>
             </a:r>
             <a:r>
+              <a:rPr lang="en-US" altLang="ja-JP" sz="1600" dirty="0"/>
+              <a:t> &lt; N</a:t>
+            </a:r>
+          </a:p>
+          <a:p>
+            <a:r>
               <a:rPr lang="ja-JP" altLang="en-US" sz="1600" dirty="0"/>
-              <a:t>：</a:t>
+              <a:t>｜｜▲</a:t>
             </a:r>
             <a:r>
               <a:rPr lang="en-US" altLang="ja-JP" sz="1600" dirty="0"/>
-              <a:t>0,Idx&lt;5,1</a:t>
+              <a:t>T[</a:t>
+            </a:r>
+            <a:r>
+              <a:rPr lang="en-US" altLang="ja-JP" sz="1600" dirty="0" err="1"/>
+              <a:t>MinIdx</a:t>
+            </a:r>
+            <a:r>
+              <a:rPr lang="en-US" altLang="ja-JP" sz="1600" dirty="0"/>
+              <a:t>]&gt;T[</a:t>
+            </a:r>
+            <a:r>
+              <a:rPr lang="en-US" altLang="ja-JP" sz="1600" dirty="0" err="1"/>
+              <a:t>Idx</a:t>
+            </a:r>
+            <a:r>
+              <a:rPr lang="en-US" altLang="ja-JP" sz="1600" dirty="0"/>
+              <a:t>]</a:t>
+            </a:r>
+          </a:p>
+          <a:p>
+            <a:r>
+              <a:rPr lang="ja-JP" altLang="en-US" sz="1600" dirty="0"/>
+              <a:t>｜｜｜●</a:t>
+            </a:r>
+            <a:r>
+              <a:rPr lang="en-US" altLang="ja-JP" sz="1600" dirty="0" err="1"/>
+              <a:t>MinIdx</a:t>
+            </a:r>
+            <a:r>
+              <a:rPr lang="en-US" altLang="ja-JP" sz="1600" dirty="0"/>
+              <a:t> ← </a:t>
+            </a:r>
+            <a:r>
+              <a:rPr lang="en-US" altLang="ja-JP" sz="1600" dirty="0" err="1"/>
+              <a:t>Idx</a:t>
+            </a:r>
+            <a:endParaRPr lang="en-US" altLang="ja-JP" sz="1600" dirty="0"/>
+          </a:p>
+          <a:p>
+            <a:r>
+              <a:rPr lang="ja-JP" altLang="en-US" sz="1600" dirty="0"/>
+              <a:t>｜｜▼</a:t>
+            </a:r>
+          </a:p>
+          <a:p>
+            <a:r>
+              <a:rPr lang="ja-JP" altLang="en-US" sz="1600" dirty="0"/>
+              <a:t>｜｜●</a:t>
+            </a:r>
+            <a:r>
+              <a:rPr lang="en-US" altLang="ja-JP" sz="1600" dirty="0" err="1"/>
+              <a:t>Idx</a:t>
+            </a:r>
+            <a:r>
+              <a:rPr lang="en-US" altLang="ja-JP" sz="1600" dirty="0"/>
+              <a:t> ← </a:t>
+            </a:r>
+            <a:r>
+              <a:rPr lang="en-US" altLang="ja-JP" sz="1600" dirty="0" err="1"/>
+              <a:t>Idx</a:t>
+            </a:r>
+            <a:r>
+              <a:rPr lang="en-US" altLang="ja-JP" sz="1600" dirty="0"/>
+              <a:t> </a:t>
+            </a:r>
+            <a:r>
+              <a:rPr lang="ja-JP" altLang="en-US" sz="1600" dirty="0"/>
+              <a:t>＋ </a:t>
+            </a:r>
+            <a:r>
+              <a:rPr lang="en-US" altLang="ja-JP" sz="1600" dirty="0"/>
+              <a:t>1</a:t>
+            </a:r>
+          </a:p>
+          <a:p>
+            <a:r>
+              <a:rPr lang="ja-JP" altLang="en-US" sz="1600" dirty="0"/>
+              <a:t>｜□</a:t>
             </a:r>
           </a:p>
           <a:p>
@@ -4009,33 +4047,58 @@
             </a:r>
             <a:r>
               <a:rPr lang="en-US" altLang="ja-JP" sz="1600" dirty="0"/>
+              <a:t>Head ≠ </a:t>
+            </a:r>
+            <a:r>
+              <a:rPr lang="en-US" altLang="ja-JP" sz="1600" dirty="0" err="1"/>
+              <a:t>MinIdx</a:t>
+            </a:r>
+            <a:endParaRPr lang="en-US" altLang="ja-JP" sz="1600" dirty="0"/>
+          </a:p>
+          <a:p>
+            <a:r>
+              <a:rPr lang="ja-JP" altLang="en-US" sz="1600" dirty="0"/>
+              <a:t>｜｜●</a:t>
+            </a:r>
+            <a:r>
+              <a:rPr lang="en-US" altLang="ja-JP" sz="1600" dirty="0"/>
+              <a:t>Work ← T[Head]</a:t>
+            </a:r>
+          </a:p>
+          <a:p>
+            <a:r>
+              <a:rPr lang="ja-JP" altLang="en-US" sz="1600" dirty="0"/>
+              <a:t>｜｜●</a:t>
+            </a:r>
+            <a:r>
+              <a:rPr lang="en-US" altLang="ja-JP" sz="1600" dirty="0"/>
+              <a:t>T[Head] ← T[</a:t>
+            </a:r>
+            <a:r>
+              <a:rPr lang="en-US" altLang="ja-JP" sz="1600" dirty="0" err="1"/>
+              <a:t>MinIdx</a:t>
+            </a:r>
+            <a:r>
+              <a:rPr lang="en-US" altLang="ja-JP" sz="1600" dirty="0"/>
+              <a:t>]</a:t>
+            </a:r>
+          </a:p>
+          <a:p>
+            <a:r>
+              <a:rPr lang="ja-JP" altLang="en-US" sz="1600" dirty="0"/>
+              <a:t>｜｜●</a:t>
+            </a:r>
+            <a:r>
+              <a:rPr lang="en-US" altLang="ja-JP" sz="1600" dirty="0"/>
               <a:t>T[</a:t>
             </a:r>
             <a:r>
               <a:rPr lang="en-US" altLang="ja-JP" sz="1600" dirty="0" err="1"/>
-              <a:t>Idx</a:t>
+              <a:t>MinIdx</a:t>
             </a:r>
             <a:r>
               <a:rPr lang="en-US" altLang="ja-JP" sz="1600" dirty="0"/>
-              <a:t>]=X</a:t>
-            </a:r>
-          </a:p>
-          <a:p>
-            <a:r>
-              <a:rPr lang="ja-JP" altLang="en-US" sz="1600" dirty="0"/>
-              <a:t>｜｜  ●</a:t>
-            </a:r>
-            <a:r>
-              <a:rPr lang="en-US" altLang="ja-JP" sz="1600" dirty="0"/>
-              <a:t>return(</a:t>
-            </a:r>
-            <a:r>
-              <a:rPr lang="en-US" altLang="ja-JP" sz="1600" dirty="0" err="1"/>
-              <a:t>Idx</a:t>
-            </a:r>
-            <a:r>
-              <a:rPr lang="en-US" altLang="ja-JP" sz="1600" dirty="0"/>
-              <a:t>)</a:t>
+              <a:t>] ← Work</a:t>
             </a:r>
           </a:p>
           <a:p>
@@ -4047,286 +4110,21 @@
           <a:p>
             <a:r>
               <a:rPr lang="ja-JP" altLang="en-US" sz="1600" dirty="0"/>
+              <a:t>｜●</a:t>
+            </a:r>
+            <a:r>
+              <a:rPr lang="en-US" altLang="ja-JP" sz="1600" dirty="0"/>
+              <a:t>Head ← Head + 1</a:t>
+            </a:r>
+          </a:p>
+          <a:p>
+            <a:r>
+              <a:rPr lang="en-US" altLang="ja-JP" sz="1600" dirty="0"/>
               <a:t>□</a:t>
             </a:r>
           </a:p>
           <a:p>
-            <a:r>
-              <a:rPr lang="ja-JP" altLang="en-US" sz="1600" dirty="0"/>
-              <a:t>●</a:t>
-            </a:r>
-            <a:r>
-              <a:rPr lang="en-US" altLang="ja-JP" sz="1600" dirty="0"/>
-              <a:t>return(-1</a:t>
-            </a:r>
-            <a:r>
-              <a:rPr lang="en-US" altLang="ja-JP" sz="1600" dirty="0" smtClean="0"/>
-              <a:t>)</a:t>
-            </a:r>
-          </a:p>
-        </p:txBody>
-      </p:sp>
-      <p:sp>
-        <p:nvSpPr>
-          <p:cNvPr id="5" name="正方形/長方形 4"/>
-          <p:cNvSpPr/>
-          <p:nvPr/>
-        </p:nvSpPr>
-        <p:spPr>
-          <a:xfrm>
-            <a:off x="556757" y="2302211"/>
-            <a:ext cx="5278777" cy="4128874"/>
-          </a:xfrm>
-          <a:prstGeom prst="rect">
-            <a:avLst/>
-          </a:prstGeom>
-          <a:noFill/>
-          <a:ln w="57150">
-            <a:solidFill>
-              <a:srgbClr val="FF0000"/>
-            </a:solidFill>
-          </a:ln>
-        </p:spPr>
-        <p:style>
-          <a:lnRef idx="2">
-            <a:schemeClr val="accent1">
-              <a:shade val="50000"/>
-            </a:schemeClr>
-          </a:lnRef>
-          <a:fillRef idx="1">
-            <a:schemeClr val="accent1"/>
-          </a:fillRef>
-          <a:effectRef idx="0">
-            <a:schemeClr val="accent1"/>
-          </a:effectRef>
-          <a:fontRef idx="minor">
-            <a:schemeClr val="lt1"/>
-          </a:fontRef>
-        </p:style>
-        <p:txBody>
-          <a:bodyPr rtlCol="0" anchor="ctr"/>
-          <a:lstStyle/>
-          <a:p>
-            <a:pPr algn="ctr"/>
-            <a:endParaRPr kumimoji="1" lang="ja-JP" altLang="en-US">
-              <a:solidFill>
-                <a:srgbClr val="FF0000"/>
-              </a:solidFill>
-            </a:endParaRPr>
-          </a:p>
-        </p:txBody>
-      </p:sp>
-      <p:sp>
-        <p:nvSpPr>
-          <p:cNvPr id="6" name="テキスト ボックス 5"/>
-          <p:cNvSpPr txBox="1"/>
-          <p:nvPr/>
-        </p:nvSpPr>
-        <p:spPr>
-          <a:xfrm>
-            <a:off x="3524596" y="1496290"/>
-            <a:ext cx="2698175" cy="523220"/>
-          </a:xfrm>
-          <a:prstGeom prst="rect">
-            <a:avLst/>
-          </a:prstGeom>
-          <a:noFill/>
-        </p:spPr>
-        <p:txBody>
-          <a:bodyPr wrap="none" rtlCol="0">
-            <a:spAutoFit/>
-          </a:bodyPr>
-          <a:lstStyle/>
-          <a:p>
-            <a:r>
-              <a:rPr kumimoji="1" lang="ja-JP" altLang="en-US" sz="2800" b="1" dirty="0" smtClean="0">
-                <a:solidFill>
-                  <a:srgbClr val="FF0000"/>
-                </a:solidFill>
-              </a:rPr>
-              <a:t>関数の呼び出し</a:t>
-            </a:r>
-            <a:endParaRPr kumimoji="1" lang="ja-JP" altLang="en-US" sz="2800" b="1" dirty="0">
-              <a:solidFill>
-                <a:srgbClr val="FF0000"/>
-              </a:solidFill>
-            </a:endParaRPr>
-          </a:p>
-        </p:txBody>
-      </p:sp>
-      <p:sp>
-        <p:nvSpPr>
-          <p:cNvPr id="7" name="正方形/長方形 6"/>
-          <p:cNvSpPr/>
-          <p:nvPr/>
-        </p:nvSpPr>
-        <p:spPr>
-          <a:xfrm>
-            <a:off x="1415547" y="5286897"/>
-            <a:ext cx="1369217" cy="357446"/>
-          </a:xfrm>
-          <a:prstGeom prst="rect">
-            <a:avLst/>
-          </a:prstGeom>
-          <a:noFill/>
-          <a:ln w="57150">
-            <a:solidFill>
-              <a:srgbClr val="FF0000"/>
-            </a:solidFill>
-          </a:ln>
-        </p:spPr>
-        <p:style>
-          <a:lnRef idx="2">
-            <a:schemeClr val="accent1">
-              <a:shade val="50000"/>
-            </a:schemeClr>
-          </a:lnRef>
-          <a:fillRef idx="1">
-            <a:schemeClr val="accent1"/>
-          </a:fillRef>
-          <a:effectRef idx="0">
-            <a:schemeClr val="accent1"/>
-          </a:effectRef>
-          <a:fontRef idx="minor">
-            <a:schemeClr val="lt1"/>
-          </a:fontRef>
-        </p:style>
-        <p:txBody>
-          <a:bodyPr rtlCol="0" anchor="ctr"/>
-          <a:lstStyle/>
-          <a:p>
-            <a:pPr algn="ctr"/>
-            <a:endParaRPr kumimoji="1" lang="ja-JP" altLang="en-US">
-              <a:solidFill>
-                <a:srgbClr val="FF0000"/>
-              </a:solidFill>
-            </a:endParaRPr>
-          </a:p>
-        </p:txBody>
-      </p:sp>
-      <p:sp>
-        <p:nvSpPr>
-          <p:cNvPr id="8" name="正方形/長方形 7"/>
-          <p:cNvSpPr/>
-          <p:nvPr/>
-        </p:nvSpPr>
-        <p:spPr>
-          <a:xfrm>
-            <a:off x="814646" y="5974712"/>
-            <a:ext cx="1369217" cy="357446"/>
-          </a:xfrm>
-          <a:prstGeom prst="rect">
-            <a:avLst/>
-          </a:prstGeom>
-          <a:noFill/>
-          <a:ln w="57150">
-            <a:solidFill>
-              <a:srgbClr val="FF0000"/>
-            </a:solidFill>
-          </a:ln>
-        </p:spPr>
-        <p:style>
-          <a:lnRef idx="2">
-            <a:schemeClr val="accent1">
-              <a:shade val="50000"/>
-            </a:schemeClr>
-          </a:lnRef>
-          <a:fillRef idx="1">
-            <a:schemeClr val="accent1"/>
-          </a:fillRef>
-          <a:effectRef idx="0">
-            <a:schemeClr val="accent1"/>
-          </a:effectRef>
-          <a:fontRef idx="minor">
-            <a:schemeClr val="lt1"/>
-          </a:fontRef>
-        </p:style>
-        <p:txBody>
-          <a:bodyPr rtlCol="0" anchor="ctr"/>
-          <a:lstStyle/>
-          <a:p>
-            <a:pPr algn="ctr"/>
-            <a:endParaRPr kumimoji="1" lang="ja-JP" altLang="en-US">
-              <a:solidFill>
-                <a:srgbClr val="FF0000"/>
-              </a:solidFill>
-            </a:endParaRPr>
-          </a:p>
-        </p:txBody>
-      </p:sp>
-      <p:sp>
-        <p:nvSpPr>
-          <p:cNvPr id="9" name="テキスト ボックス 8"/>
-          <p:cNvSpPr txBox="1"/>
-          <p:nvPr/>
-        </p:nvSpPr>
-        <p:spPr>
-          <a:xfrm>
-            <a:off x="2784764" y="5204010"/>
-            <a:ext cx="2698175" cy="523220"/>
-          </a:xfrm>
-          <a:prstGeom prst="rect">
-            <a:avLst/>
-          </a:prstGeom>
-          <a:noFill/>
-        </p:spPr>
-        <p:txBody>
-          <a:bodyPr wrap="none" rtlCol="0">
-            <a:spAutoFit/>
-          </a:bodyPr>
-          <a:lstStyle/>
-          <a:p>
-            <a:r>
-              <a:rPr lang="ja-JP" altLang="en-US" sz="2800" b="1" dirty="0" smtClean="0">
-                <a:solidFill>
-                  <a:srgbClr val="FF0000"/>
-                </a:solidFill>
-              </a:rPr>
-              <a:t>発見された場合</a:t>
-            </a:r>
-            <a:endParaRPr kumimoji="1" lang="ja-JP" altLang="en-US" sz="2800" b="1" dirty="0">
-              <a:solidFill>
-                <a:srgbClr val="FF0000"/>
-              </a:solidFill>
-            </a:endParaRPr>
-          </a:p>
-        </p:txBody>
-      </p:sp>
-      <p:sp>
-        <p:nvSpPr>
-          <p:cNvPr id="10" name="テキスト ボックス 9"/>
-          <p:cNvSpPr txBox="1"/>
-          <p:nvPr/>
-        </p:nvSpPr>
-        <p:spPr>
-          <a:xfrm>
-            <a:off x="2217115" y="5907865"/>
-            <a:ext cx="3057247" cy="523220"/>
-          </a:xfrm>
-          <a:prstGeom prst="rect">
-            <a:avLst/>
-          </a:prstGeom>
-          <a:noFill/>
-        </p:spPr>
-        <p:txBody>
-          <a:bodyPr wrap="none" rtlCol="0">
-            <a:spAutoFit/>
-          </a:bodyPr>
-          <a:lstStyle/>
-          <a:p>
-            <a:r>
-              <a:rPr lang="ja-JP" altLang="en-US" sz="2800" b="1" dirty="0" smtClean="0">
-                <a:solidFill>
-                  <a:srgbClr val="FF0000"/>
-                </a:solidFill>
-              </a:rPr>
-              <a:t>発見されない場合</a:t>
-            </a:r>
-            <a:endParaRPr kumimoji="1" lang="ja-JP" altLang="en-US" sz="2800" b="1" dirty="0">
-              <a:solidFill>
-                <a:srgbClr val="FF0000"/>
-              </a:solidFill>
-            </a:endParaRPr>
+            <a:endParaRPr lang="en-US" altLang="ja-JP" sz="1600" dirty="0" smtClean="0"/>
           </a:p>
         </p:txBody>
       </p:sp>
@@ -4339,13 +4137,13 @@
           <p:nvPr>
             <p:extLst>
               <p:ext uri="{D42A27DB-BD31-4B8C-83A1-F6EECF244321}">
-                <p14:modId xmlns:p14="http://schemas.microsoft.com/office/powerpoint/2010/main" val="3729916396"/>
+                <p14:modId xmlns:p14="http://schemas.microsoft.com/office/powerpoint/2010/main" val="1422845385"/>
               </p:ext>
             </p:extLst>
           </p:nvPr>
         </p:nvGraphicFramePr>
         <p:xfrm>
-          <a:off x="6562436" y="2989041"/>
+          <a:off x="6353320" y="1358733"/>
           <a:ext cx="4917440" cy="731520"/>
         </p:xfrm>
         <a:graphic>
@@ -4504,35 +4302,35 @@
                     <a:p>
                       <a:r>
                         <a:rPr kumimoji="1" lang="en-US" altLang="ja-JP" dirty="0" smtClean="0"/>
+                        <a:t>1</a:t>
+                      </a:r>
+                      <a:endParaRPr kumimoji="1" lang="ja-JP" altLang="en-US" dirty="0"/>
+                    </a:p>
+                  </a:txBody>
+                  <a:tcPr/>
+                </a:tc>
+                <a:tc>
+                  <a:txBody>
+                    <a:bodyPr/>
+                    <a:lstStyle/>
+                    <a:p>
+                      <a:r>
+                        <a:rPr kumimoji="1" lang="en-US" altLang="ja-JP" dirty="0" smtClean="0"/>
+                        <a:t>8</a:t>
+                      </a:r>
+                      <a:endParaRPr kumimoji="1" lang="ja-JP" altLang="en-US" dirty="0"/>
+                    </a:p>
+                  </a:txBody>
+                  <a:tcPr/>
+                </a:tc>
+                <a:tc>
+                  <a:txBody>
+                    <a:bodyPr/>
+                    <a:lstStyle/>
+                    <a:p>
+                      <a:r>
+                        <a:rPr kumimoji="1" lang="en-US" altLang="ja-JP" dirty="0" smtClean="0"/>
                         <a:t>2</a:t>
-                      </a:r>
-                      <a:endParaRPr kumimoji="1" lang="ja-JP" altLang="en-US" dirty="0"/>
-                    </a:p>
-                  </a:txBody>
-                  <a:tcPr/>
-                </a:tc>
-                <a:tc>
-                  <a:txBody>
-                    <a:bodyPr/>
-                    <a:lstStyle/>
-                    <a:p>
-                      <a:r>
-                        <a:rPr kumimoji="1" lang="en-US" altLang="ja-JP" dirty="0" smtClean="0"/>
-                        <a:t>1</a:t>
-                      </a:r>
-                      <a:endParaRPr kumimoji="1" lang="ja-JP" altLang="en-US" dirty="0"/>
-                    </a:p>
-                  </a:txBody>
-                  <a:tcPr/>
-                </a:tc>
-                <a:tc>
-                  <a:txBody>
-                    <a:bodyPr/>
-                    <a:lstStyle/>
-                    <a:p>
-                      <a:r>
-                        <a:rPr kumimoji="1" lang="en-US" altLang="ja-JP" dirty="0" smtClean="0"/>
-                        <a:t>6</a:t>
                       </a:r>
                       <a:endParaRPr kumimoji="1" lang="ja-JP" altLang="en-US" dirty="0"/>
                     </a:p>
@@ -4549,20 +4347,905 @@
           </a:graphicData>
         </a:graphic>
       </p:graphicFrame>
-      <p:sp>
-        <p:nvSpPr>
-          <p:cNvPr id="12" name="下矢印 11"/>
+      <p:graphicFrame>
+        <p:nvGraphicFramePr>
+          <p:cNvPr id="14" name="表 13"/>
+          <p:cNvGraphicFramePr>
+            <a:graphicFrameLocks noGrp="1"/>
+          </p:cNvGraphicFramePr>
+          <p:nvPr>
+            <p:extLst>
+              <p:ext uri="{D42A27DB-BD31-4B8C-83A1-F6EECF244321}">
+                <p14:modId xmlns:p14="http://schemas.microsoft.com/office/powerpoint/2010/main" val="3933378897"/>
+              </p:ext>
+            </p:extLst>
+          </p:nvPr>
+        </p:nvGraphicFramePr>
+        <p:xfrm>
+          <a:off x="6353320" y="2442159"/>
+          <a:ext cx="4917440" cy="731520"/>
+        </p:xfrm>
+        <a:graphic>
+          <a:graphicData uri="http://schemas.openxmlformats.org/drawingml/2006/table">
+            <a:tbl>
+              <a:tblPr firstRow="1" bandRow="1">
+                <a:tableStyleId>{5C22544A-7EE6-4342-B048-85BDC9FD1C3A}</a:tableStyleId>
+              </a:tblPr>
+              <a:tblGrid>
+                <a:gridCol w="983488">
+                  <a:extLst>
+                    <a:ext uri="{9D8B030D-6E8A-4147-A177-3AD203B41FA5}">
+                      <a16:colId xmlns:a16="http://schemas.microsoft.com/office/drawing/2014/main" val="269848708"/>
+                    </a:ext>
+                  </a:extLst>
+                </a:gridCol>
+                <a:gridCol w="983488">
+                  <a:extLst>
+                    <a:ext uri="{9D8B030D-6E8A-4147-A177-3AD203B41FA5}">
+                      <a16:colId xmlns:a16="http://schemas.microsoft.com/office/drawing/2014/main" val="3426576138"/>
+                    </a:ext>
+                  </a:extLst>
+                </a:gridCol>
+                <a:gridCol w="983488">
+                  <a:extLst>
+                    <a:ext uri="{9D8B030D-6E8A-4147-A177-3AD203B41FA5}">
+                      <a16:colId xmlns:a16="http://schemas.microsoft.com/office/drawing/2014/main" val="2126635011"/>
+                    </a:ext>
+                  </a:extLst>
+                </a:gridCol>
+                <a:gridCol w="983488">
+                  <a:extLst>
+                    <a:ext uri="{9D8B030D-6E8A-4147-A177-3AD203B41FA5}">
+                      <a16:colId xmlns:a16="http://schemas.microsoft.com/office/drawing/2014/main" val="4080494730"/>
+                    </a:ext>
+                  </a:extLst>
+                </a:gridCol>
+                <a:gridCol w="983488">
+                  <a:extLst>
+                    <a:ext uri="{9D8B030D-6E8A-4147-A177-3AD203B41FA5}">
+                      <a16:colId xmlns:a16="http://schemas.microsoft.com/office/drawing/2014/main" val="2782661137"/>
+                    </a:ext>
+                  </a:extLst>
+                </a:gridCol>
+              </a:tblGrid>
+              <a:tr h="342593">
+                <a:tc>
+                  <a:txBody>
+                    <a:bodyPr/>
+                    <a:lstStyle/>
+                    <a:p>
+                      <a:r>
+                        <a:rPr kumimoji="1" lang="en-US" altLang="ja-JP" dirty="0" smtClean="0"/>
+                        <a:t>T[0]</a:t>
+                      </a:r>
+                      <a:endParaRPr kumimoji="1" lang="ja-JP" altLang="en-US" dirty="0"/>
+                    </a:p>
+                  </a:txBody>
+                  <a:tcPr/>
+                </a:tc>
+                <a:tc>
+                  <a:txBody>
+                    <a:bodyPr/>
+                    <a:lstStyle/>
+                    <a:p>
+                      <a:r>
+                        <a:rPr kumimoji="1" lang="en-US" altLang="ja-JP" dirty="0" smtClean="0"/>
+                        <a:t>T[1]</a:t>
+                      </a:r>
+                      <a:endParaRPr kumimoji="1" lang="ja-JP" altLang="en-US" dirty="0"/>
+                    </a:p>
+                  </a:txBody>
+                  <a:tcPr/>
+                </a:tc>
+                <a:tc>
+                  <a:txBody>
+                    <a:bodyPr/>
+                    <a:lstStyle/>
+                    <a:p>
+                      <a:r>
+                        <a:rPr kumimoji="1" lang="en-US" altLang="ja-JP" dirty="0" smtClean="0"/>
+                        <a:t>T[2]</a:t>
+                      </a:r>
+                      <a:endParaRPr kumimoji="1" lang="ja-JP" altLang="en-US" dirty="0"/>
+                    </a:p>
+                  </a:txBody>
+                  <a:tcPr/>
+                </a:tc>
+                <a:tc>
+                  <a:txBody>
+                    <a:bodyPr/>
+                    <a:lstStyle/>
+                    <a:p>
+                      <a:r>
+                        <a:rPr kumimoji="1" lang="en-US" altLang="ja-JP" dirty="0" smtClean="0"/>
+                        <a:t>T[3]</a:t>
+                      </a:r>
+                      <a:endParaRPr kumimoji="1" lang="ja-JP" altLang="en-US" dirty="0"/>
+                    </a:p>
+                  </a:txBody>
+                  <a:tcPr/>
+                </a:tc>
+                <a:tc>
+                  <a:txBody>
+                    <a:bodyPr/>
+                    <a:lstStyle/>
+                    <a:p>
+                      <a:r>
+                        <a:rPr kumimoji="1" lang="en-US" altLang="ja-JP" dirty="0" smtClean="0"/>
+                        <a:t>T[4]</a:t>
+                      </a:r>
+                      <a:endParaRPr kumimoji="1" lang="ja-JP" altLang="en-US" dirty="0"/>
+                    </a:p>
+                  </a:txBody>
+                  <a:tcPr/>
+                </a:tc>
+                <a:extLst>
+                  <a:ext uri="{0D108BD9-81ED-4DB2-BD59-A6C34878D82A}">
+                    <a16:rowId xmlns:a16="http://schemas.microsoft.com/office/drawing/2014/main" val="284480592"/>
+                  </a:ext>
+                </a:extLst>
+              </a:tr>
+              <a:tr h="342593">
+                <a:tc>
+                  <a:txBody>
+                    <a:bodyPr/>
+                    <a:lstStyle/>
+                    <a:p>
+                      <a:r>
+                        <a:rPr kumimoji="1" lang="en-US" altLang="ja-JP" dirty="0" smtClean="0"/>
+                        <a:t>1</a:t>
+                      </a:r>
+                      <a:endParaRPr kumimoji="1" lang="ja-JP" altLang="en-US" dirty="0"/>
+                    </a:p>
+                  </a:txBody>
+                  <a:tcPr/>
+                </a:tc>
+                <a:tc>
+                  <a:txBody>
+                    <a:bodyPr/>
+                    <a:lstStyle/>
+                    <a:p>
+                      <a:r>
+                        <a:rPr kumimoji="1" lang="en-US" altLang="ja-JP" dirty="0" smtClean="0"/>
+                        <a:t>4</a:t>
+                      </a:r>
+                      <a:endParaRPr kumimoji="1" lang="ja-JP" altLang="en-US" dirty="0"/>
+                    </a:p>
+                  </a:txBody>
+                  <a:tcPr/>
+                </a:tc>
+                <a:tc>
+                  <a:txBody>
+                    <a:bodyPr/>
+                    <a:lstStyle/>
+                    <a:p>
+                      <a:r>
+                        <a:rPr kumimoji="1" lang="en-US" altLang="ja-JP" dirty="0" smtClean="0"/>
+                        <a:t>5</a:t>
+                      </a:r>
+                      <a:endParaRPr kumimoji="1" lang="ja-JP" altLang="en-US" dirty="0"/>
+                    </a:p>
+                  </a:txBody>
+                  <a:tcPr/>
+                </a:tc>
+                <a:tc>
+                  <a:txBody>
+                    <a:bodyPr/>
+                    <a:lstStyle/>
+                    <a:p>
+                      <a:r>
+                        <a:rPr kumimoji="1" lang="en-US" altLang="ja-JP" dirty="0" smtClean="0"/>
+                        <a:t>8</a:t>
+                      </a:r>
+                      <a:endParaRPr kumimoji="1" lang="ja-JP" altLang="en-US" dirty="0"/>
+                    </a:p>
+                  </a:txBody>
+                  <a:tcPr/>
+                </a:tc>
+                <a:tc>
+                  <a:txBody>
+                    <a:bodyPr/>
+                    <a:lstStyle/>
+                    <a:p>
+                      <a:r>
+                        <a:rPr kumimoji="1" lang="en-US" altLang="ja-JP" dirty="0" smtClean="0"/>
+                        <a:t>2</a:t>
+                      </a:r>
+                      <a:endParaRPr kumimoji="1" lang="ja-JP" altLang="en-US" dirty="0"/>
+                    </a:p>
+                  </a:txBody>
+                  <a:tcPr/>
+                </a:tc>
+                <a:extLst>
+                  <a:ext uri="{0D108BD9-81ED-4DB2-BD59-A6C34878D82A}">
+                    <a16:rowId xmlns:a16="http://schemas.microsoft.com/office/drawing/2014/main" val="4276714201"/>
+                  </a:ext>
+                </a:extLst>
+              </a:tr>
+            </a:tbl>
+          </a:graphicData>
+        </a:graphic>
+      </p:graphicFrame>
+      <p:graphicFrame>
+        <p:nvGraphicFramePr>
+          <p:cNvPr id="15" name="表 14"/>
+          <p:cNvGraphicFramePr>
+            <a:graphicFrameLocks noGrp="1"/>
+          </p:cNvGraphicFramePr>
+          <p:nvPr>
+            <p:extLst>
+              <p:ext uri="{D42A27DB-BD31-4B8C-83A1-F6EECF244321}">
+                <p14:modId xmlns:p14="http://schemas.microsoft.com/office/powerpoint/2010/main" val="2499819825"/>
+              </p:ext>
+            </p:extLst>
+          </p:nvPr>
+        </p:nvGraphicFramePr>
+        <p:xfrm>
+          <a:off x="6347775" y="3459083"/>
+          <a:ext cx="4917440" cy="731520"/>
+        </p:xfrm>
+        <a:graphic>
+          <a:graphicData uri="http://schemas.openxmlformats.org/drawingml/2006/table">
+            <a:tbl>
+              <a:tblPr firstRow="1" bandRow="1">
+                <a:tableStyleId>{5C22544A-7EE6-4342-B048-85BDC9FD1C3A}</a:tableStyleId>
+              </a:tblPr>
+              <a:tblGrid>
+                <a:gridCol w="983488">
+                  <a:extLst>
+                    <a:ext uri="{9D8B030D-6E8A-4147-A177-3AD203B41FA5}">
+                      <a16:colId xmlns:a16="http://schemas.microsoft.com/office/drawing/2014/main" val="269848708"/>
+                    </a:ext>
+                  </a:extLst>
+                </a:gridCol>
+                <a:gridCol w="983488">
+                  <a:extLst>
+                    <a:ext uri="{9D8B030D-6E8A-4147-A177-3AD203B41FA5}">
+                      <a16:colId xmlns:a16="http://schemas.microsoft.com/office/drawing/2014/main" val="3426576138"/>
+                    </a:ext>
+                  </a:extLst>
+                </a:gridCol>
+                <a:gridCol w="983488">
+                  <a:extLst>
+                    <a:ext uri="{9D8B030D-6E8A-4147-A177-3AD203B41FA5}">
+                      <a16:colId xmlns:a16="http://schemas.microsoft.com/office/drawing/2014/main" val="2126635011"/>
+                    </a:ext>
+                  </a:extLst>
+                </a:gridCol>
+                <a:gridCol w="983488">
+                  <a:extLst>
+                    <a:ext uri="{9D8B030D-6E8A-4147-A177-3AD203B41FA5}">
+                      <a16:colId xmlns:a16="http://schemas.microsoft.com/office/drawing/2014/main" val="4080494730"/>
+                    </a:ext>
+                  </a:extLst>
+                </a:gridCol>
+                <a:gridCol w="983488">
+                  <a:extLst>
+                    <a:ext uri="{9D8B030D-6E8A-4147-A177-3AD203B41FA5}">
+                      <a16:colId xmlns:a16="http://schemas.microsoft.com/office/drawing/2014/main" val="2782661137"/>
+                    </a:ext>
+                  </a:extLst>
+                </a:gridCol>
+              </a:tblGrid>
+              <a:tr h="342593">
+                <a:tc>
+                  <a:txBody>
+                    <a:bodyPr/>
+                    <a:lstStyle/>
+                    <a:p>
+                      <a:r>
+                        <a:rPr kumimoji="1" lang="en-US" altLang="ja-JP" dirty="0" smtClean="0"/>
+                        <a:t>T[0]</a:t>
+                      </a:r>
+                      <a:endParaRPr kumimoji="1" lang="ja-JP" altLang="en-US" dirty="0"/>
+                    </a:p>
+                  </a:txBody>
+                  <a:tcPr/>
+                </a:tc>
+                <a:tc>
+                  <a:txBody>
+                    <a:bodyPr/>
+                    <a:lstStyle/>
+                    <a:p>
+                      <a:r>
+                        <a:rPr kumimoji="1" lang="en-US" altLang="ja-JP" dirty="0" smtClean="0"/>
+                        <a:t>T[1]</a:t>
+                      </a:r>
+                      <a:endParaRPr kumimoji="1" lang="ja-JP" altLang="en-US" dirty="0"/>
+                    </a:p>
+                  </a:txBody>
+                  <a:tcPr/>
+                </a:tc>
+                <a:tc>
+                  <a:txBody>
+                    <a:bodyPr/>
+                    <a:lstStyle/>
+                    <a:p>
+                      <a:r>
+                        <a:rPr kumimoji="1" lang="en-US" altLang="ja-JP" dirty="0" smtClean="0"/>
+                        <a:t>T[2]</a:t>
+                      </a:r>
+                      <a:endParaRPr kumimoji="1" lang="ja-JP" altLang="en-US" dirty="0"/>
+                    </a:p>
+                  </a:txBody>
+                  <a:tcPr/>
+                </a:tc>
+                <a:tc>
+                  <a:txBody>
+                    <a:bodyPr/>
+                    <a:lstStyle/>
+                    <a:p>
+                      <a:r>
+                        <a:rPr kumimoji="1" lang="en-US" altLang="ja-JP" dirty="0" smtClean="0"/>
+                        <a:t>T[3]</a:t>
+                      </a:r>
+                      <a:endParaRPr kumimoji="1" lang="ja-JP" altLang="en-US" dirty="0"/>
+                    </a:p>
+                  </a:txBody>
+                  <a:tcPr/>
+                </a:tc>
+                <a:tc>
+                  <a:txBody>
+                    <a:bodyPr/>
+                    <a:lstStyle/>
+                    <a:p>
+                      <a:r>
+                        <a:rPr kumimoji="1" lang="en-US" altLang="ja-JP" dirty="0" smtClean="0"/>
+                        <a:t>T[4]</a:t>
+                      </a:r>
+                      <a:endParaRPr kumimoji="1" lang="ja-JP" altLang="en-US" dirty="0"/>
+                    </a:p>
+                  </a:txBody>
+                  <a:tcPr/>
+                </a:tc>
+                <a:extLst>
+                  <a:ext uri="{0D108BD9-81ED-4DB2-BD59-A6C34878D82A}">
+                    <a16:rowId xmlns:a16="http://schemas.microsoft.com/office/drawing/2014/main" val="284480592"/>
+                  </a:ext>
+                </a:extLst>
+              </a:tr>
+              <a:tr h="342593">
+                <a:tc>
+                  <a:txBody>
+                    <a:bodyPr/>
+                    <a:lstStyle/>
+                    <a:p>
+                      <a:r>
+                        <a:rPr kumimoji="1" lang="en-US" altLang="ja-JP" dirty="0" smtClean="0"/>
+                        <a:t>1</a:t>
+                      </a:r>
+                      <a:endParaRPr kumimoji="1" lang="ja-JP" altLang="en-US" dirty="0"/>
+                    </a:p>
+                  </a:txBody>
+                  <a:tcPr/>
+                </a:tc>
+                <a:tc>
+                  <a:txBody>
+                    <a:bodyPr/>
+                    <a:lstStyle/>
+                    <a:p>
+                      <a:r>
+                        <a:rPr kumimoji="1" lang="en-US" altLang="ja-JP" dirty="0" smtClean="0"/>
+                        <a:t>2</a:t>
+                      </a:r>
+                      <a:endParaRPr kumimoji="1" lang="ja-JP" altLang="en-US" dirty="0"/>
+                    </a:p>
+                  </a:txBody>
+                  <a:tcPr/>
+                </a:tc>
+                <a:tc>
+                  <a:txBody>
+                    <a:bodyPr/>
+                    <a:lstStyle/>
+                    <a:p>
+                      <a:r>
+                        <a:rPr kumimoji="1" lang="en-US" altLang="ja-JP" dirty="0" smtClean="0"/>
+                        <a:t>5</a:t>
+                      </a:r>
+                      <a:endParaRPr kumimoji="1" lang="ja-JP" altLang="en-US" dirty="0"/>
+                    </a:p>
+                  </a:txBody>
+                  <a:tcPr/>
+                </a:tc>
+                <a:tc>
+                  <a:txBody>
+                    <a:bodyPr/>
+                    <a:lstStyle/>
+                    <a:p>
+                      <a:r>
+                        <a:rPr kumimoji="1" lang="en-US" altLang="ja-JP" dirty="0" smtClean="0"/>
+                        <a:t>8</a:t>
+                      </a:r>
+                      <a:endParaRPr kumimoji="1" lang="ja-JP" altLang="en-US" dirty="0"/>
+                    </a:p>
+                  </a:txBody>
+                  <a:tcPr/>
+                </a:tc>
+                <a:tc>
+                  <a:txBody>
+                    <a:bodyPr/>
+                    <a:lstStyle/>
+                    <a:p>
+                      <a:r>
+                        <a:rPr kumimoji="1" lang="en-US" altLang="ja-JP" dirty="0" smtClean="0"/>
+                        <a:t>4</a:t>
+                      </a:r>
+                      <a:endParaRPr kumimoji="1" lang="ja-JP" altLang="en-US" dirty="0"/>
+                    </a:p>
+                  </a:txBody>
+                  <a:tcPr/>
+                </a:tc>
+                <a:extLst>
+                  <a:ext uri="{0D108BD9-81ED-4DB2-BD59-A6C34878D82A}">
+                    <a16:rowId xmlns:a16="http://schemas.microsoft.com/office/drawing/2014/main" val="4276714201"/>
+                  </a:ext>
+                </a:extLst>
+              </a:tr>
+            </a:tbl>
+          </a:graphicData>
+        </a:graphic>
+      </p:graphicFrame>
+      <p:sp>
+        <p:nvSpPr>
+          <p:cNvPr id="16" name="テキスト ボックス 15"/>
+          <p:cNvSpPr txBox="1"/>
+          <p:nvPr/>
+        </p:nvSpPr>
+        <p:spPr>
+          <a:xfrm>
+            <a:off x="5004262" y="1539827"/>
+            <a:ext cx="774571" cy="369332"/>
+          </a:xfrm>
+          <a:prstGeom prst="rect">
+            <a:avLst/>
+          </a:prstGeom>
+          <a:noFill/>
+        </p:spPr>
+        <p:txBody>
+          <a:bodyPr wrap="none" rtlCol="0">
+            <a:spAutoFit/>
+          </a:bodyPr>
+          <a:lstStyle/>
+          <a:p>
+            <a:r>
+              <a:rPr kumimoji="1" lang="en-US" altLang="ja-JP" b="1" dirty="0" smtClean="0">
+                <a:solidFill>
+                  <a:srgbClr val="FF0000"/>
+                </a:solidFill>
+              </a:rPr>
+              <a:t>0</a:t>
+            </a:r>
+            <a:r>
+              <a:rPr kumimoji="1" lang="ja-JP" altLang="en-US" b="1" dirty="0" smtClean="0">
+                <a:solidFill>
+                  <a:srgbClr val="FF0000"/>
+                </a:solidFill>
+              </a:rPr>
+              <a:t>回目</a:t>
+            </a:r>
+            <a:endParaRPr kumimoji="1" lang="ja-JP" altLang="en-US" b="1" dirty="0">
+              <a:solidFill>
+                <a:srgbClr val="FF0000"/>
+              </a:solidFill>
+            </a:endParaRPr>
+          </a:p>
+        </p:txBody>
+      </p:sp>
+      <p:sp>
+        <p:nvSpPr>
+          <p:cNvPr id="17" name="テキスト ボックス 16"/>
+          <p:cNvSpPr txBox="1"/>
+          <p:nvPr/>
+        </p:nvSpPr>
+        <p:spPr>
+          <a:xfrm>
+            <a:off x="5004261" y="2531813"/>
+            <a:ext cx="779381" cy="369332"/>
+          </a:xfrm>
+          <a:prstGeom prst="rect">
+            <a:avLst/>
+          </a:prstGeom>
+          <a:noFill/>
+        </p:spPr>
+        <p:txBody>
+          <a:bodyPr wrap="none" rtlCol="0">
+            <a:spAutoFit/>
+          </a:bodyPr>
+          <a:lstStyle/>
+          <a:p>
+            <a:r>
+              <a:rPr lang="en-US" altLang="ja-JP" b="1" dirty="0">
+                <a:solidFill>
+                  <a:srgbClr val="FF0000"/>
+                </a:solidFill>
+              </a:rPr>
+              <a:t>1</a:t>
+            </a:r>
+            <a:r>
+              <a:rPr kumimoji="1" lang="ja-JP" altLang="en-US" b="1" dirty="0" smtClean="0">
+                <a:solidFill>
+                  <a:srgbClr val="FF0000"/>
+                </a:solidFill>
+              </a:rPr>
+              <a:t>回目</a:t>
+            </a:r>
+            <a:endParaRPr kumimoji="1" lang="ja-JP" altLang="en-US" b="1" dirty="0">
+              <a:solidFill>
+                <a:srgbClr val="FF0000"/>
+              </a:solidFill>
+            </a:endParaRPr>
+          </a:p>
+        </p:txBody>
+      </p:sp>
+      <p:sp>
+        <p:nvSpPr>
+          <p:cNvPr id="18" name="テキスト ボックス 17"/>
+          <p:cNvSpPr txBox="1"/>
+          <p:nvPr/>
+        </p:nvSpPr>
+        <p:spPr>
+          <a:xfrm>
+            <a:off x="4999452" y="3523799"/>
+            <a:ext cx="779381" cy="369332"/>
+          </a:xfrm>
+          <a:prstGeom prst="rect">
+            <a:avLst/>
+          </a:prstGeom>
+          <a:noFill/>
+        </p:spPr>
+        <p:txBody>
+          <a:bodyPr wrap="none" rtlCol="0">
+            <a:spAutoFit/>
+          </a:bodyPr>
+          <a:lstStyle/>
+          <a:p>
+            <a:r>
+              <a:rPr lang="en-US" altLang="ja-JP" b="1" dirty="0" smtClean="0">
+                <a:solidFill>
+                  <a:srgbClr val="FF0000"/>
+                </a:solidFill>
+              </a:rPr>
+              <a:t>2</a:t>
+            </a:r>
+            <a:r>
+              <a:rPr kumimoji="1" lang="ja-JP" altLang="en-US" b="1" dirty="0" smtClean="0">
+                <a:solidFill>
+                  <a:srgbClr val="FF0000"/>
+                </a:solidFill>
+              </a:rPr>
+              <a:t>回目</a:t>
+            </a:r>
+            <a:endParaRPr kumimoji="1" lang="ja-JP" altLang="en-US" b="1" dirty="0">
+              <a:solidFill>
+                <a:srgbClr val="FF0000"/>
+              </a:solidFill>
+            </a:endParaRPr>
+          </a:p>
+        </p:txBody>
+      </p:sp>
+      <p:graphicFrame>
+        <p:nvGraphicFramePr>
+          <p:cNvPr id="19" name="表 18"/>
+          <p:cNvGraphicFramePr>
+            <a:graphicFrameLocks noGrp="1"/>
+          </p:cNvGraphicFramePr>
+          <p:nvPr>
+            <p:extLst>
+              <p:ext uri="{D42A27DB-BD31-4B8C-83A1-F6EECF244321}">
+                <p14:modId xmlns:p14="http://schemas.microsoft.com/office/powerpoint/2010/main" val="2622755477"/>
+              </p:ext>
+            </p:extLst>
+          </p:nvPr>
+        </p:nvGraphicFramePr>
+        <p:xfrm>
+          <a:off x="6347775" y="4542509"/>
+          <a:ext cx="4917440" cy="731520"/>
+        </p:xfrm>
+        <a:graphic>
+          <a:graphicData uri="http://schemas.openxmlformats.org/drawingml/2006/table">
+            <a:tbl>
+              <a:tblPr firstRow="1" bandRow="1">
+                <a:tableStyleId>{5C22544A-7EE6-4342-B048-85BDC9FD1C3A}</a:tableStyleId>
+              </a:tblPr>
+              <a:tblGrid>
+                <a:gridCol w="983488">
+                  <a:extLst>
+                    <a:ext uri="{9D8B030D-6E8A-4147-A177-3AD203B41FA5}">
+                      <a16:colId xmlns:a16="http://schemas.microsoft.com/office/drawing/2014/main" val="269848708"/>
+                    </a:ext>
+                  </a:extLst>
+                </a:gridCol>
+                <a:gridCol w="983488">
+                  <a:extLst>
+                    <a:ext uri="{9D8B030D-6E8A-4147-A177-3AD203B41FA5}">
+                      <a16:colId xmlns:a16="http://schemas.microsoft.com/office/drawing/2014/main" val="3426576138"/>
+                    </a:ext>
+                  </a:extLst>
+                </a:gridCol>
+                <a:gridCol w="983488">
+                  <a:extLst>
+                    <a:ext uri="{9D8B030D-6E8A-4147-A177-3AD203B41FA5}">
+                      <a16:colId xmlns:a16="http://schemas.microsoft.com/office/drawing/2014/main" val="2126635011"/>
+                    </a:ext>
+                  </a:extLst>
+                </a:gridCol>
+                <a:gridCol w="983488">
+                  <a:extLst>
+                    <a:ext uri="{9D8B030D-6E8A-4147-A177-3AD203B41FA5}">
+                      <a16:colId xmlns:a16="http://schemas.microsoft.com/office/drawing/2014/main" val="4080494730"/>
+                    </a:ext>
+                  </a:extLst>
+                </a:gridCol>
+                <a:gridCol w="983488">
+                  <a:extLst>
+                    <a:ext uri="{9D8B030D-6E8A-4147-A177-3AD203B41FA5}">
+                      <a16:colId xmlns:a16="http://schemas.microsoft.com/office/drawing/2014/main" val="2782661137"/>
+                    </a:ext>
+                  </a:extLst>
+                </a:gridCol>
+              </a:tblGrid>
+              <a:tr h="342593">
+                <a:tc>
+                  <a:txBody>
+                    <a:bodyPr/>
+                    <a:lstStyle/>
+                    <a:p>
+                      <a:r>
+                        <a:rPr kumimoji="1" lang="en-US" altLang="ja-JP" dirty="0" smtClean="0"/>
+                        <a:t>T[0]</a:t>
+                      </a:r>
+                      <a:endParaRPr kumimoji="1" lang="ja-JP" altLang="en-US" dirty="0"/>
+                    </a:p>
+                  </a:txBody>
+                  <a:tcPr/>
+                </a:tc>
+                <a:tc>
+                  <a:txBody>
+                    <a:bodyPr/>
+                    <a:lstStyle/>
+                    <a:p>
+                      <a:r>
+                        <a:rPr kumimoji="1" lang="en-US" altLang="ja-JP" dirty="0" smtClean="0"/>
+                        <a:t>T[1]</a:t>
+                      </a:r>
+                      <a:endParaRPr kumimoji="1" lang="ja-JP" altLang="en-US" dirty="0"/>
+                    </a:p>
+                  </a:txBody>
+                  <a:tcPr/>
+                </a:tc>
+                <a:tc>
+                  <a:txBody>
+                    <a:bodyPr/>
+                    <a:lstStyle/>
+                    <a:p>
+                      <a:r>
+                        <a:rPr kumimoji="1" lang="en-US" altLang="ja-JP" dirty="0" smtClean="0"/>
+                        <a:t>T[2]</a:t>
+                      </a:r>
+                      <a:endParaRPr kumimoji="1" lang="ja-JP" altLang="en-US" dirty="0"/>
+                    </a:p>
+                  </a:txBody>
+                  <a:tcPr/>
+                </a:tc>
+                <a:tc>
+                  <a:txBody>
+                    <a:bodyPr/>
+                    <a:lstStyle/>
+                    <a:p>
+                      <a:r>
+                        <a:rPr kumimoji="1" lang="en-US" altLang="ja-JP" dirty="0" smtClean="0"/>
+                        <a:t>T[3]</a:t>
+                      </a:r>
+                      <a:endParaRPr kumimoji="1" lang="ja-JP" altLang="en-US" dirty="0"/>
+                    </a:p>
+                  </a:txBody>
+                  <a:tcPr/>
+                </a:tc>
+                <a:tc>
+                  <a:txBody>
+                    <a:bodyPr/>
+                    <a:lstStyle/>
+                    <a:p>
+                      <a:r>
+                        <a:rPr kumimoji="1" lang="en-US" altLang="ja-JP" dirty="0" smtClean="0"/>
+                        <a:t>T[4]</a:t>
+                      </a:r>
+                      <a:endParaRPr kumimoji="1" lang="ja-JP" altLang="en-US" dirty="0"/>
+                    </a:p>
+                  </a:txBody>
+                  <a:tcPr/>
+                </a:tc>
+                <a:extLst>
+                  <a:ext uri="{0D108BD9-81ED-4DB2-BD59-A6C34878D82A}">
+                    <a16:rowId xmlns:a16="http://schemas.microsoft.com/office/drawing/2014/main" val="284480592"/>
+                  </a:ext>
+                </a:extLst>
+              </a:tr>
+              <a:tr h="342593">
+                <a:tc>
+                  <a:txBody>
+                    <a:bodyPr/>
+                    <a:lstStyle/>
+                    <a:p>
+                      <a:r>
+                        <a:rPr kumimoji="1" lang="en-US" altLang="ja-JP" dirty="0" smtClean="0"/>
+                        <a:t>1</a:t>
+                      </a:r>
+                      <a:endParaRPr kumimoji="1" lang="ja-JP" altLang="en-US" dirty="0"/>
+                    </a:p>
+                  </a:txBody>
+                  <a:tcPr/>
+                </a:tc>
+                <a:tc>
+                  <a:txBody>
+                    <a:bodyPr/>
+                    <a:lstStyle/>
+                    <a:p>
+                      <a:r>
+                        <a:rPr kumimoji="1" lang="en-US" altLang="ja-JP" dirty="0" smtClean="0"/>
+                        <a:t>2</a:t>
+                      </a:r>
+                      <a:endParaRPr kumimoji="1" lang="ja-JP" altLang="en-US" dirty="0"/>
+                    </a:p>
+                  </a:txBody>
+                  <a:tcPr/>
+                </a:tc>
+                <a:tc>
+                  <a:txBody>
+                    <a:bodyPr/>
+                    <a:lstStyle/>
+                    <a:p>
+                      <a:r>
+                        <a:rPr kumimoji="1" lang="en-US" altLang="ja-JP" dirty="0" smtClean="0"/>
+                        <a:t>4</a:t>
+                      </a:r>
+                      <a:endParaRPr kumimoji="1" lang="ja-JP" altLang="en-US" dirty="0"/>
+                    </a:p>
+                  </a:txBody>
+                  <a:tcPr/>
+                </a:tc>
+                <a:tc>
+                  <a:txBody>
+                    <a:bodyPr/>
+                    <a:lstStyle/>
+                    <a:p>
+                      <a:r>
+                        <a:rPr kumimoji="1" lang="en-US" altLang="ja-JP" dirty="0" smtClean="0"/>
+                        <a:t>8</a:t>
+                      </a:r>
+                      <a:endParaRPr kumimoji="1" lang="ja-JP" altLang="en-US" dirty="0"/>
+                    </a:p>
+                  </a:txBody>
+                  <a:tcPr/>
+                </a:tc>
+                <a:tc>
+                  <a:txBody>
+                    <a:bodyPr/>
+                    <a:lstStyle/>
+                    <a:p>
+                      <a:r>
+                        <a:rPr kumimoji="1" lang="en-US" altLang="ja-JP" dirty="0" smtClean="0"/>
+                        <a:t>5</a:t>
+                      </a:r>
+                      <a:endParaRPr kumimoji="1" lang="ja-JP" altLang="en-US" dirty="0"/>
+                    </a:p>
+                  </a:txBody>
+                  <a:tcPr/>
+                </a:tc>
+                <a:extLst>
+                  <a:ext uri="{0D108BD9-81ED-4DB2-BD59-A6C34878D82A}">
+                    <a16:rowId xmlns:a16="http://schemas.microsoft.com/office/drawing/2014/main" val="4276714201"/>
+                  </a:ext>
+                </a:extLst>
+              </a:tr>
+            </a:tbl>
+          </a:graphicData>
+        </a:graphic>
+      </p:graphicFrame>
+      <p:sp>
+        <p:nvSpPr>
+          <p:cNvPr id="20" name="テキスト ボックス 19"/>
+          <p:cNvSpPr txBox="1"/>
+          <p:nvPr/>
+        </p:nvSpPr>
+        <p:spPr>
+          <a:xfrm>
+            <a:off x="4999452" y="4670285"/>
+            <a:ext cx="779381" cy="369332"/>
+          </a:xfrm>
+          <a:prstGeom prst="rect">
+            <a:avLst/>
+          </a:prstGeom>
+          <a:noFill/>
+        </p:spPr>
+        <p:txBody>
+          <a:bodyPr wrap="none" rtlCol="0">
+            <a:spAutoFit/>
+          </a:bodyPr>
+          <a:lstStyle/>
+          <a:p>
+            <a:r>
+              <a:rPr kumimoji="1" lang="en-US" altLang="ja-JP" b="1" dirty="0" smtClean="0">
+                <a:solidFill>
+                  <a:srgbClr val="FF0000"/>
+                </a:solidFill>
+              </a:rPr>
+              <a:t>3</a:t>
+            </a:r>
+            <a:r>
+              <a:rPr kumimoji="1" lang="ja-JP" altLang="en-US" b="1" dirty="0" smtClean="0">
+                <a:solidFill>
+                  <a:srgbClr val="FF0000"/>
+                </a:solidFill>
+              </a:rPr>
+              <a:t>回目</a:t>
+            </a:r>
+            <a:endParaRPr kumimoji="1" lang="ja-JP" altLang="en-US" b="1" dirty="0">
+              <a:solidFill>
+                <a:srgbClr val="FF0000"/>
+              </a:solidFill>
+            </a:endParaRPr>
+          </a:p>
+        </p:txBody>
+      </p:sp>
+      <p:sp>
+        <p:nvSpPr>
+          <p:cNvPr id="21" name="テキスト ボックス 20"/>
+          <p:cNvSpPr txBox="1"/>
+          <p:nvPr/>
+        </p:nvSpPr>
+        <p:spPr>
+          <a:xfrm>
+            <a:off x="8340437" y="828430"/>
+            <a:ext cx="877163" cy="369332"/>
+          </a:xfrm>
+          <a:prstGeom prst="rect">
+            <a:avLst/>
+          </a:prstGeom>
+          <a:noFill/>
+        </p:spPr>
+        <p:txBody>
+          <a:bodyPr wrap="none" rtlCol="0">
+            <a:spAutoFit/>
+          </a:bodyPr>
+          <a:lstStyle/>
+          <a:p>
+            <a:r>
+              <a:rPr kumimoji="1" lang="ja-JP" altLang="en-US" b="1" dirty="0" smtClean="0">
+                <a:solidFill>
+                  <a:srgbClr val="FF0000"/>
+                </a:solidFill>
+              </a:rPr>
+              <a:t>最小値</a:t>
+            </a:r>
+            <a:endParaRPr kumimoji="1" lang="ja-JP" altLang="en-US" b="1" dirty="0">
+              <a:solidFill>
+                <a:srgbClr val="FF0000"/>
+              </a:solidFill>
+            </a:endParaRPr>
+          </a:p>
+        </p:txBody>
+      </p:sp>
+      <p:sp>
+        <p:nvSpPr>
+          <p:cNvPr id="23" name="正方形/長方形 22"/>
           <p:cNvSpPr/>
           <p:nvPr/>
         </p:nvSpPr>
         <p:spPr>
           <a:xfrm>
-            <a:off x="10731731" y="2502131"/>
-            <a:ext cx="307571" cy="280971"/>
+            <a:off x="8303200" y="1300544"/>
+            <a:ext cx="914400" cy="914400"/>
           </a:xfrm>
-          <a:prstGeom prst="downArrow">
+          <a:prstGeom prst="rect">
             <a:avLst/>
           </a:prstGeom>
+          <a:noFill/>
+          <a:ln w="38100">
+            <a:solidFill>
+              <a:srgbClr val="FF0000"/>
+            </a:solidFill>
+          </a:ln>
         </p:spPr>
         <p:style>
           <a:lnRef idx="2">
@@ -4591,14 +5274,106 @@
       </p:sp>
       <p:sp>
         <p:nvSpPr>
-          <p:cNvPr id="13" name="テキスト ボックス 12"/>
+          <p:cNvPr id="24" name="正方形/長方形 23"/>
+          <p:cNvSpPr/>
+          <p:nvPr/>
+        </p:nvSpPr>
+        <p:spPr>
+          <a:xfrm>
+            <a:off x="6250040" y="1300544"/>
+            <a:ext cx="914400" cy="914400"/>
+          </a:xfrm>
+          <a:prstGeom prst="rect">
+            <a:avLst/>
+          </a:prstGeom>
+          <a:noFill/>
+          <a:ln w="38100">
+            <a:solidFill>
+              <a:srgbClr val="FF0000"/>
+            </a:solidFill>
+          </a:ln>
+        </p:spPr>
+        <p:style>
+          <a:lnRef idx="2">
+            <a:schemeClr val="accent1">
+              <a:shade val="50000"/>
+            </a:schemeClr>
+          </a:lnRef>
+          <a:fillRef idx="1">
+            <a:schemeClr val="accent1"/>
+          </a:fillRef>
+          <a:effectRef idx="0">
+            <a:schemeClr val="accent1"/>
+          </a:effectRef>
+          <a:fontRef idx="minor">
+            <a:schemeClr val="lt1"/>
+          </a:fontRef>
+        </p:style>
+        <p:txBody>
+          <a:bodyPr rtlCol="0" anchor="ctr"/>
+          <a:lstStyle/>
+          <a:p>
+            <a:pPr algn="ctr"/>
+            <a:endParaRPr kumimoji="1" lang="ja-JP" altLang="en-US"/>
+          </a:p>
+        </p:txBody>
+      </p:sp>
+      <p:sp>
+        <p:nvSpPr>
+          <p:cNvPr id="25" name="正方形/長方形 24"/>
+          <p:cNvSpPr/>
+          <p:nvPr/>
+        </p:nvSpPr>
+        <p:spPr>
+          <a:xfrm>
+            <a:off x="10197699" y="2292014"/>
+            <a:ext cx="913644" cy="815163"/>
+          </a:xfrm>
+          <a:prstGeom prst="rect">
+            <a:avLst/>
+          </a:prstGeom>
+          <a:noFill/>
+          <a:ln w="38100">
+            <a:solidFill>
+              <a:srgbClr val="FF0000"/>
+            </a:solidFill>
+          </a:ln>
+        </p:spPr>
+        <p:style>
+          <a:lnRef idx="2">
+            <a:schemeClr val="accent1">
+              <a:shade val="50000"/>
+            </a:schemeClr>
+          </a:lnRef>
+          <a:fillRef idx="1">
+            <a:schemeClr val="accent1"/>
+          </a:fillRef>
+          <a:effectRef idx="0">
+            <a:schemeClr val="accent1"/>
+          </a:effectRef>
+          <a:fontRef idx="minor">
+            <a:schemeClr val="lt1"/>
+          </a:fontRef>
+        </p:style>
+        <p:txBody>
+          <a:bodyPr rtlCol="0" anchor="ctr"/>
+          <a:lstStyle/>
+          <a:p>
+            <a:pPr algn="ctr"/>
+            <a:endParaRPr kumimoji="1" lang="ja-JP" altLang="en-US"/>
+          </a:p>
+        </p:txBody>
+      </p:sp>
+      <p:sp>
+        <p:nvSpPr>
+          <p:cNvPr id="26" name="テキスト ボックス 25"/>
           <p:cNvSpPr txBox="1"/>
           <p:nvPr/>
         </p:nvSpPr>
         <p:spPr>
           <a:xfrm>
-            <a:off x="10036565" y="2111526"/>
-            <a:ext cx="1697901" cy="369332"/>
+            <a:off x="10386579" y="3128252"/>
+            <a:ext cx="877163" cy="369332"/>
           </a:xfrm>
           <a:prstGeom prst="rect">
             <a:avLst/>
@@ -4612,28 +5387,575 @@
           <a:lstStyle/>
           <a:p>
             <a:r>
-              <a:rPr lang="ja-JP" altLang="en-US" b="1" dirty="0" smtClean="0">
+              <a:rPr kumimoji="1" lang="ja-JP" altLang="en-US" b="1" dirty="0" smtClean="0">
                 <a:solidFill>
                   <a:srgbClr val="FF0000"/>
                 </a:solidFill>
               </a:rPr>
-              <a:t>ここで</a:t>
-            </a:r>
-            <a:r>
-              <a:rPr lang="en-US" altLang="ja-JP" b="1" dirty="0" smtClean="0">
+              <a:t>最小値</a:t>
+            </a:r>
+            <a:endParaRPr kumimoji="1" lang="ja-JP" altLang="en-US" b="1" dirty="0">
+              <a:solidFill>
+                <a:srgbClr val="FF0000"/>
+              </a:solidFill>
+            </a:endParaRPr>
+          </a:p>
+        </p:txBody>
+      </p:sp>
+      <p:sp>
+        <p:nvSpPr>
+          <p:cNvPr id="27" name="正方形/長方形 26"/>
+          <p:cNvSpPr/>
+          <p:nvPr/>
+        </p:nvSpPr>
+        <p:spPr>
+          <a:xfrm>
+            <a:off x="7369900" y="2375657"/>
+            <a:ext cx="914400" cy="914400"/>
+          </a:xfrm>
+          <a:prstGeom prst="rect">
+            <a:avLst/>
+          </a:prstGeom>
+          <a:noFill/>
+          <a:ln w="38100">
+            <a:solidFill>
+              <a:srgbClr val="FF0000"/>
+            </a:solidFill>
+          </a:ln>
+        </p:spPr>
+        <p:style>
+          <a:lnRef idx="2">
+            <a:schemeClr val="accent1">
+              <a:shade val="50000"/>
+            </a:schemeClr>
+          </a:lnRef>
+          <a:fillRef idx="1">
+            <a:schemeClr val="accent1"/>
+          </a:fillRef>
+          <a:effectRef idx="0">
+            <a:schemeClr val="accent1"/>
+          </a:effectRef>
+          <a:fontRef idx="minor">
+            <a:schemeClr val="lt1"/>
+          </a:fontRef>
+        </p:style>
+        <p:txBody>
+          <a:bodyPr rtlCol="0" anchor="ctr"/>
+          <a:lstStyle/>
+          <a:p>
+            <a:pPr algn="ctr"/>
+            <a:endParaRPr kumimoji="1" lang="ja-JP" altLang="en-US"/>
+          </a:p>
+        </p:txBody>
+      </p:sp>
+      <p:sp>
+        <p:nvSpPr>
+          <p:cNvPr id="28" name="正方形/長方形 27"/>
+          <p:cNvSpPr/>
+          <p:nvPr/>
+        </p:nvSpPr>
+        <p:spPr>
+          <a:xfrm>
+            <a:off x="10197699" y="3452156"/>
+            <a:ext cx="914400" cy="914400"/>
+          </a:xfrm>
+          <a:prstGeom prst="rect">
+            <a:avLst/>
+          </a:prstGeom>
+          <a:noFill/>
+          <a:ln w="38100">
+            <a:solidFill>
+              <a:srgbClr val="FF0000"/>
+            </a:solidFill>
+          </a:ln>
+        </p:spPr>
+        <p:style>
+          <a:lnRef idx="2">
+            <a:schemeClr val="accent1">
+              <a:shade val="50000"/>
+            </a:schemeClr>
+          </a:lnRef>
+          <a:fillRef idx="1">
+            <a:schemeClr val="accent1"/>
+          </a:fillRef>
+          <a:effectRef idx="0">
+            <a:schemeClr val="accent1"/>
+          </a:effectRef>
+          <a:fontRef idx="minor">
+            <a:schemeClr val="lt1"/>
+          </a:fontRef>
+        </p:style>
+        <p:txBody>
+          <a:bodyPr rtlCol="0" anchor="ctr"/>
+          <a:lstStyle/>
+          <a:p>
+            <a:pPr algn="ctr"/>
+            <a:endParaRPr kumimoji="1" lang="ja-JP" altLang="en-US"/>
+          </a:p>
+        </p:txBody>
+      </p:sp>
+      <p:sp>
+        <p:nvSpPr>
+          <p:cNvPr id="29" name="正方形/長方形 28"/>
+          <p:cNvSpPr/>
+          <p:nvPr/>
+        </p:nvSpPr>
+        <p:spPr>
+          <a:xfrm>
+            <a:off x="8303200" y="3431503"/>
+            <a:ext cx="914400" cy="914400"/>
+          </a:xfrm>
+          <a:prstGeom prst="rect">
+            <a:avLst/>
+          </a:prstGeom>
+          <a:noFill/>
+          <a:ln w="38100">
+            <a:solidFill>
+              <a:srgbClr val="FF0000"/>
+            </a:solidFill>
+          </a:ln>
+        </p:spPr>
+        <p:style>
+          <a:lnRef idx="2">
+            <a:schemeClr val="accent1">
+              <a:shade val="50000"/>
+            </a:schemeClr>
+          </a:lnRef>
+          <a:fillRef idx="1">
+            <a:schemeClr val="accent1"/>
+          </a:fillRef>
+          <a:effectRef idx="0">
+            <a:schemeClr val="accent1"/>
+          </a:effectRef>
+          <a:fontRef idx="minor">
+            <a:schemeClr val="lt1"/>
+          </a:fontRef>
+        </p:style>
+        <p:txBody>
+          <a:bodyPr rtlCol="0" anchor="ctr"/>
+          <a:lstStyle/>
+          <a:p>
+            <a:pPr algn="ctr"/>
+            <a:endParaRPr kumimoji="1" lang="ja-JP" altLang="en-US"/>
+          </a:p>
+        </p:txBody>
+      </p:sp>
+      <p:sp>
+        <p:nvSpPr>
+          <p:cNvPr id="30" name="テキスト ボックス 29"/>
+          <p:cNvSpPr txBox="1"/>
+          <p:nvPr/>
+        </p:nvSpPr>
+        <p:spPr>
+          <a:xfrm>
+            <a:off x="10373479" y="1959220"/>
+            <a:ext cx="877163" cy="369332"/>
+          </a:xfrm>
+          <a:prstGeom prst="rect">
+            <a:avLst/>
+          </a:prstGeom>
+          <a:noFill/>
+        </p:spPr>
+        <p:txBody>
+          <a:bodyPr wrap="none" rtlCol="0">
+            <a:spAutoFit/>
+          </a:bodyPr>
+          <a:lstStyle/>
+          <a:p>
+            <a:r>
+              <a:rPr kumimoji="1" lang="ja-JP" altLang="en-US" b="1" dirty="0" smtClean="0">
                 <a:solidFill>
                   <a:srgbClr val="FF0000"/>
                 </a:solidFill>
               </a:rPr>
-              <a:t>6</a:t>
-            </a:r>
-            <a:r>
-              <a:rPr lang="ja-JP" altLang="en-US" b="1" dirty="0" smtClean="0">
+              <a:t>最小値</a:t>
+            </a:r>
+            <a:endParaRPr kumimoji="1" lang="ja-JP" altLang="en-US" b="1" dirty="0">
+              <a:solidFill>
+                <a:srgbClr val="FF0000"/>
+              </a:solidFill>
+            </a:endParaRPr>
+          </a:p>
+        </p:txBody>
+      </p:sp>
+      <p:graphicFrame>
+        <p:nvGraphicFramePr>
+          <p:cNvPr id="31" name="表 30"/>
+          <p:cNvGraphicFramePr>
+            <a:graphicFrameLocks noGrp="1"/>
+          </p:cNvGraphicFramePr>
+          <p:nvPr>
+            <p:extLst>
+              <p:ext uri="{D42A27DB-BD31-4B8C-83A1-F6EECF244321}">
+                <p14:modId xmlns:p14="http://schemas.microsoft.com/office/powerpoint/2010/main" val="1747117527"/>
+              </p:ext>
+            </p:extLst>
+          </p:nvPr>
+        </p:nvGraphicFramePr>
+        <p:xfrm>
+          <a:off x="6353320" y="5579872"/>
+          <a:ext cx="4917440" cy="731520"/>
+        </p:xfrm>
+        <a:graphic>
+          <a:graphicData uri="http://schemas.openxmlformats.org/drawingml/2006/table">
+            <a:tbl>
+              <a:tblPr firstRow="1" bandRow="1">
+                <a:tableStyleId>{5C22544A-7EE6-4342-B048-85BDC9FD1C3A}</a:tableStyleId>
+              </a:tblPr>
+              <a:tblGrid>
+                <a:gridCol w="983488">
+                  <a:extLst>
+                    <a:ext uri="{9D8B030D-6E8A-4147-A177-3AD203B41FA5}">
+                      <a16:colId xmlns:a16="http://schemas.microsoft.com/office/drawing/2014/main" val="269848708"/>
+                    </a:ext>
+                  </a:extLst>
+                </a:gridCol>
+                <a:gridCol w="983488">
+                  <a:extLst>
+                    <a:ext uri="{9D8B030D-6E8A-4147-A177-3AD203B41FA5}">
+                      <a16:colId xmlns:a16="http://schemas.microsoft.com/office/drawing/2014/main" val="3426576138"/>
+                    </a:ext>
+                  </a:extLst>
+                </a:gridCol>
+                <a:gridCol w="983488">
+                  <a:extLst>
+                    <a:ext uri="{9D8B030D-6E8A-4147-A177-3AD203B41FA5}">
+                      <a16:colId xmlns:a16="http://schemas.microsoft.com/office/drawing/2014/main" val="2126635011"/>
+                    </a:ext>
+                  </a:extLst>
+                </a:gridCol>
+                <a:gridCol w="983488">
+                  <a:extLst>
+                    <a:ext uri="{9D8B030D-6E8A-4147-A177-3AD203B41FA5}">
+                      <a16:colId xmlns:a16="http://schemas.microsoft.com/office/drawing/2014/main" val="4080494730"/>
+                    </a:ext>
+                  </a:extLst>
+                </a:gridCol>
+                <a:gridCol w="983488">
+                  <a:extLst>
+                    <a:ext uri="{9D8B030D-6E8A-4147-A177-3AD203B41FA5}">
+                      <a16:colId xmlns:a16="http://schemas.microsoft.com/office/drawing/2014/main" val="2782661137"/>
+                    </a:ext>
+                  </a:extLst>
+                </a:gridCol>
+              </a:tblGrid>
+              <a:tr h="342593">
+                <a:tc>
+                  <a:txBody>
+                    <a:bodyPr/>
+                    <a:lstStyle/>
+                    <a:p>
+                      <a:r>
+                        <a:rPr kumimoji="1" lang="en-US" altLang="ja-JP" dirty="0" smtClean="0"/>
+                        <a:t>T[0]</a:t>
+                      </a:r>
+                      <a:endParaRPr kumimoji="1" lang="ja-JP" altLang="en-US" dirty="0"/>
+                    </a:p>
+                  </a:txBody>
+                  <a:tcPr/>
+                </a:tc>
+                <a:tc>
+                  <a:txBody>
+                    <a:bodyPr/>
+                    <a:lstStyle/>
+                    <a:p>
+                      <a:r>
+                        <a:rPr kumimoji="1" lang="en-US" altLang="ja-JP" dirty="0" smtClean="0"/>
+                        <a:t>T[1]</a:t>
+                      </a:r>
+                      <a:endParaRPr kumimoji="1" lang="ja-JP" altLang="en-US" dirty="0"/>
+                    </a:p>
+                  </a:txBody>
+                  <a:tcPr/>
+                </a:tc>
+                <a:tc>
+                  <a:txBody>
+                    <a:bodyPr/>
+                    <a:lstStyle/>
+                    <a:p>
+                      <a:r>
+                        <a:rPr kumimoji="1" lang="en-US" altLang="ja-JP" dirty="0" smtClean="0"/>
+                        <a:t>T[2]</a:t>
+                      </a:r>
+                      <a:endParaRPr kumimoji="1" lang="ja-JP" altLang="en-US" dirty="0"/>
+                    </a:p>
+                  </a:txBody>
+                  <a:tcPr/>
+                </a:tc>
+                <a:tc>
+                  <a:txBody>
+                    <a:bodyPr/>
+                    <a:lstStyle/>
+                    <a:p>
+                      <a:r>
+                        <a:rPr kumimoji="1" lang="en-US" altLang="ja-JP" dirty="0" smtClean="0"/>
+                        <a:t>T[3]</a:t>
+                      </a:r>
+                      <a:endParaRPr kumimoji="1" lang="ja-JP" altLang="en-US" dirty="0"/>
+                    </a:p>
+                  </a:txBody>
+                  <a:tcPr/>
+                </a:tc>
+                <a:tc>
+                  <a:txBody>
+                    <a:bodyPr/>
+                    <a:lstStyle/>
+                    <a:p>
+                      <a:r>
+                        <a:rPr kumimoji="1" lang="en-US" altLang="ja-JP" dirty="0" smtClean="0"/>
+                        <a:t>T[4]</a:t>
+                      </a:r>
+                      <a:endParaRPr kumimoji="1" lang="ja-JP" altLang="en-US" dirty="0"/>
+                    </a:p>
+                  </a:txBody>
+                  <a:tcPr/>
+                </a:tc>
+                <a:extLst>
+                  <a:ext uri="{0D108BD9-81ED-4DB2-BD59-A6C34878D82A}">
+                    <a16:rowId xmlns:a16="http://schemas.microsoft.com/office/drawing/2014/main" val="284480592"/>
+                  </a:ext>
+                </a:extLst>
+              </a:tr>
+              <a:tr h="342593">
+                <a:tc>
+                  <a:txBody>
+                    <a:bodyPr/>
+                    <a:lstStyle/>
+                    <a:p>
+                      <a:r>
+                        <a:rPr kumimoji="1" lang="en-US" altLang="ja-JP" dirty="0" smtClean="0"/>
+                        <a:t>1</a:t>
+                      </a:r>
+                      <a:endParaRPr kumimoji="1" lang="ja-JP" altLang="en-US" dirty="0"/>
+                    </a:p>
+                  </a:txBody>
+                  <a:tcPr/>
+                </a:tc>
+                <a:tc>
+                  <a:txBody>
+                    <a:bodyPr/>
+                    <a:lstStyle/>
+                    <a:p>
+                      <a:r>
+                        <a:rPr kumimoji="1" lang="en-US" altLang="ja-JP" dirty="0" smtClean="0"/>
+                        <a:t>2</a:t>
+                      </a:r>
+                      <a:endParaRPr kumimoji="1" lang="ja-JP" altLang="en-US" dirty="0"/>
+                    </a:p>
+                  </a:txBody>
+                  <a:tcPr/>
+                </a:tc>
+                <a:tc>
+                  <a:txBody>
+                    <a:bodyPr/>
+                    <a:lstStyle/>
+                    <a:p>
+                      <a:r>
+                        <a:rPr kumimoji="1" lang="en-US" altLang="ja-JP" dirty="0" smtClean="0"/>
+                        <a:t>4</a:t>
+                      </a:r>
+                      <a:endParaRPr kumimoji="1" lang="ja-JP" altLang="en-US" dirty="0"/>
+                    </a:p>
+                  </a:txBody>
+                  <a:tcPr/>
+                </a:tc>
+                <a:tc>
+                  <a:txBody>
+                    <a:bodyPr/>
+                    <a:lstStyle/>
+                    <a:p>
+                      <a:r>
+                        <a:rPr kumimoji="1" lang="en-US" altLang="ja-JP" dirty="0" smtClean="0"/>
+                        <a:t>5</a:t>
+                      </a:r>
+                      <a:endParaRPr kumimoji="1" lang="ja-JP" altLang="en-US" dirty="0"/>
+                    </a:p>
+                  </a:txBody>
+                  <a:tcPr/>
+                </a:tc>
+                <a:tc>
+                  <a:txBody>
+                    <a:bodyPr/>
+                    <a:lstStyle/>
+                    <a:p>
+                      <a:r>
+                        <a:rPr kumimoji="1" lang="en-US" altLang="ja-JP" dirty="0" smtClean="0"/>
+                        <a:t>8</a:t>
+                      </a:r>
+                      <a:endParaRPr kumimoji="1" lang="ja-JP" altLang="en-US" dirty="0"/>
+                    </a:p>
+                  </a:txBody>
+                  <a:tcPr/>
+                </a:tc>
+                <a:extLst>
+                  <a:ext uri="{0D108BD9-81ED-4DB2-BD59-A6C34878D82A}">
+                    <a16:rowId xmlns:a16="http://schemas.microsoft.com/office/drawing/2014/main" val="4276714201"/>
+                  </a:ext>
+                </a:extLst>
+              </a:tr>
+            </a:tbl>
+          </a:graphicData>
+        </a:graphic>
+      </p:graphicFrame>
+      <p:sp>
+        <p:nvSpPr>
+          <p:cNvPr id="32" name="テキスト ボックス 31"/>
+          <p:cNvSpPr txBox="1"/>
+          <p:nvPr/>
+        </p:nvSpPr>
+        <p:spPr>
+          <a:xfrm>
+            <a:off x="4999452" y="5663055"/>
+            <a:ext cx="646331" cy="369332"/>
+          </a:xfrm>
+          <a:prstGeom prst="rect">
+            <a:avLst/>
+          </a:prstGeom>
+          <a:noFill/>
+        </p:spPr>
+        <p:txBody>
+          <a:bodyPr wrap="none" rtlCol="0">
+            <a:spAutoFit/>
+          </a:bodyPr>
+          <a:lstStyle/>
+          <a:p>
+            <a:r>
+              <a:rPr kumimoji="1" lang="ja-JP" altLang="en-US" b="1" dirty="0" smtClean="0">
                 <a:solidFill>
                   <a:srgbClr val="FF0000"/>
                 </a:solidFill>
               </a:rPr>
-              <a:t>を発見</a:t>
+              <a:t>終了</a:t>
+            </a:r>
+            <a:endParaRPr kumimoji="1" lang="ja-JP" altLang="en-US" b="1" dirty="0">
+              <a:solidFill>
+                <a:srgbClr val="FF0000"/>
+              </a:solidFill>
+            </a:endParaRPr>
+          </a:p>
+        </p:txBody>
+      </p:sp>
+      <p:sp>
+        <p:nvSpPr>
+          <p:cNvPr id="33" name="正方形/長方形 32"/>
+          <p:cNvSpPr/>
+          <p:nvPr/>
+        </p:nvSpPr>
+        <p:spPr>
+          <a:xfrm>
+            <a:off x="10197699" y="4478039"/>
+            <a:ext cx="914400" cy="914400"/>
+          </a:xfrm>
+          <a:prstGeom prst="rect">
+            <a:avLst/>
+          </a:prstGeom>
+          <a:noFill/>
+          <a:ln w="38100">
+            <a:solidFill>
+              <a:srgbClr val="FF0000"/>
+            </a:solidFill>
+          </a:ln>
+        </p:spPr>
+        <p:style>
+          <a:lnRef idx="2">
+            <a:schemeClr val="accent1">
+              <a:shade val="50000"/>
+            </a:schemeClr>
+          </a:lnRef>
+          <a:fillRef idx="1">
+            <a:schemeClr val="accent1"/>
+          </a:fillRef>
+          <a:effectRef idx="0">
+            <a:schemeClr val="accent1"/>
+          </a:effectRef>
+          <a:fontRef idx="minor">
+            <a:schemeClr val="lt1"/>
+          </a:fontRef>
+        </p:style>
+        <p:txBody>
+          <a:bodyPr rtlCol="0" anchor="ctr"/>
+          <a:lstStyle/>
+          <a:p>
+            <a:pPr algn="ctr"/>
+            <a:endParaRPr kumimoji="1" lang="ja-JP" altLang="en-US"/>
+          </a:p>
+        </p:txBody>
+      </p:sp>
+      <p:sp>
+        <p:nvSpPr>
+          <p:cNvPr id="34" name="正方形/長方形 33"/>
+          <p:cNvSpPr/>
+          <p:nvPr/>
+        </p:nvSpPr>
+        <p:spPr>
+          <a:xfrm>
+            <a:off x="9209287" y="4492633"/>
+            <a:ext cx="914400" cy="914400"/>
+          </a:xfrm>
+          <a:prstGeom prst="rect">
+            <a:avLst/>
+          </a:prstGeom>
+          <a:noFill/>
+          <a:ln w="38100">
+            <a:solidFill>
+              <a:srgbClr val="FF0000"/>
+            </a:solidFill>
+          </a:ln>
+        </p:spPr>
+        <p:style>
+          <a:lnRef idx="2">
+            <a:schemeClr val="accent1">
+              <a:shade val="50000"/>
+            </a:schemeClr>
+          </a:lnRef>
+          <a:fillRef idx="1">
+            <a:schemeClr val="accent1"/>
+          </a:fillRef>
+          <a:effectRef idx="0">
+            <a:schemeClr val="accent1"/>
+          </a:effectRef>
+          <a:fontRef idx="minor">
+            <a:schemeClr val="lt1"/>
+          </a:fontRef>
+        </p:style>
+        <p:txBody>
+          <a:bodyPr rtlCol="0" anchor="ctr"/>
+          <a:lstStyle/>
+          <a:p>
+            <a:pPr algn="ctr"/>
+            <a:endParaRPr kumimoji="1" lang="ja-JP" altLang="en-US"/>
+          </a:p>
+        </p:txBody>
+      </p:sp>
+      <p:sp>
+        <p:nvSpPr>
+          <p:cNvPr id="35" name="テキスト ボックス 34"/>
+          <p:cNvSpPr txBox="1"/>
+          <p:nvPr/>
+        </p:nvSpPr>
+        <p:spPr>
+          <a:xfrm>
+            <a:off x="11097822" y="4433796"/>
+            <a:ext cx="877163" cy="369332"/>
+          </a:xfrm>
+          <a:prstGeom prst="rect">
+            <a:avLst/>
+          </a:prstGeom>
+          <a:noFill/>
+        </p:spPr>
+        <p:txBody>
+          <a:bodyPr wrap="none" rtlCol="0">
+            <a:spAutoFit/>
+          </a:bodyPr>
+          <a:lstStyle/>
+          <a:p>
+            <a:r>
+              <a:rPr kumimoji="1" lang="ja-JP" altLang="en-US" b="1" dirty="0" smtClean="0">
+                <a:solidFill>
+                  <a:srgbClr val="FF0000"/>
+                </a:solidFill>
+              </a:rPr>
+              <a:t>最小値</a:t>
             </a:r>
             <a:endParaRPr kumimoji="1" lang="ja-JP" altLang="en-US" b="1" dirty="0">
               <a:solidFill>
@@ -4675,6 +5997,2167 @@
       </p:grpSpPr>
       <p:sp>
         <p:nvSpPr>
+          <p:cNvPr id="3" name="テキスト ボックス 2"/>
+          <p:cNvSpPr txBox="1"/>
+          <p:nvPr/>
+        </p:nvSpPr>
+        <p:spPr>
+          <a:xfrm>
+            <a:off x="590204" y="307571"/>
+            <a:ext cx="5763116" cy="5509200"/>
+          </a:xfrm>
+          <a:prstGeom prst="rect">
+            <a:avLst/>
+          </a:prstGeom>
+          <a:noFill/>
+        </p:spPr>
+        <p:txBody>
+          <a:bodyPr wrap="none" rtlCol="0">
+            <a:spAutoFit/>
+          </a:bodyPr>
+          <a:lstStyle/>
+          <a:p>
+            <a:r>
+              <a:rPr lang="ja-JP" altLang="en-US" sz="1600" dirty="0"/>
+              <a:t>○プログラム名：選択ソート </a:t>
+            </a:r>
+            <a:r>
+              <a:rPr lang="en-US" altLang="ja-JP" sz="1600" dirty="0"/>
+              <a:t>/* </a:t>
+            </a:r>
+            <a:r>
+              <a:rPr lang="ja-JP" altLang="en-US" sz="1600" dirty="0"/>
+              <a:t>教科書 </a:t>
+            </a:r>
+            <a:r>
+              <a:rPr lang="en-US" altLang="ja-JP" sz="1600" dirty="0"/>
+              <a:t>76</a:t>
+            </a:r>
+            <a:r>
+              <a:rPr lang="ja-JP" altLang="en-US" sz="1600" dirty="0"/>
+              <a:t>ページサンプル *</a:t>
+            </a:r>
+            <a:r>
+              <a:rPr lang="en-US" altLang="ja-JP" sz="1600" dirty="0"/>
+              <a:t>/</a:t>
+            </a:r>
+          </a:p>
+          <a:p>
+            <a:endParaRPr lang="en-US" altLang="ja-JP" sz="1600" dirty="0"/>
+          </a:p>
+          <a:p>
+            <a:r>
+              <a:rPr lang="en-US" altLang="ja-JP" sz="1600" dirty="0"/>
+              <a:t>○</a:t>
+            </a:r>
+            <a:r>
+              <a:rPr lang="ja-JP" altLang="en-US" sz="1600" dirty="0"/>
+              <a:t>整数型：</a:t>
+            </a:r>
+            <a:r>
+              <a:rPr lang="en-US" altLang="ja-JP" sz="1600" dirty="0"/>
+              <a:t>SelectionSort2(</a:t>
+            </a:r>
+            <a:r>
+              <a:rPr lang="ja-JP" altLang="en-US" sz="1600" dirty="0"/>
+              <a:t>整数型：</a:t>
+            </a:r>
+            <a:r>
+              <a:rPr lang="en-US" altLang="ja-JP" sz="1600" dirty="0"/>
+              <a:t>T[],</a:t>
+            </a:r>
+            <a:r>
+              <a:rPr lang="ja-JP" altLang="en-US" sz="1600" dirty="0"/>
+              <a:t>整数型：</a:t>
+            </a:r>
+            <a:r>
+              <a:rPr lang="en-US" altLang="ja-JP" sz="1600" dirty="0"/>
+              <a:t>N)</a:t>
+            </a:r>
+          </a:p>
+          <a:p>
+            <a:r>
+              <a:rPr lang="en-US" altLang="ja-JP" sz="1600" dirty="0"/>
+              <a:t>○</a:t>
+            </a:r>
+            <a:r>
+              <a:rPr lang="ja-JP" altLang="en-US" sz="1600" dirty="0"/>
+              <a:t>整数型：</a:t>
+            </a:r>
+            <a:r>
+              <a:rPr lang="en-US" altLang="ja-JP" sz="1600" dirty="0"/>
+              <a:t>Head</a:t>
+            </a:r>
+          </a:p>
+          <a:p>
+            <a:r>
+              <a:rPr lang="en-US" altLang="ja-JP" sz="1600" dirty="0"/>
+              <a:t>○</a:t>
+            </a:r>
+            <a:r>
+              <a:rPr lang="ja-JP" altLang="en-US" sz="1600" dirty="0"/>
+              <a:t>整数型：</a:t>
+            </a:r>
+            <a:r>
+              <a:rPr lang="en-US" altLang="ja-JP" sz="1600" dirty="0" err="1"/>
+              <a:t>Idx</a:t>
+            </a:r>
+            <a:endParaRPr lang="en-US" altLang="ja-JP" sz="1600" dirty="0"/>
+          </a:p>
+          <a:p>
+            <a:r>
+              <a:rPr lang="en-US" altLang="ja-JP" sz="1600" dirty="0"/>
+              <a:t>○</a:t>
+            </a:r>
+            <a:r>
+              <a:rPr lang="ja-JP" altLang="en-US" sz="1600" dirty="0"/>
+              <a:t>整数型：</a:t>
+            </a:r>
+            <a:r>
+              <a:rPr lang="en-US" altLang="ja-JP" sz="1600" dirty="0" err="1"/>
+              <a:t>MinIdx</a:t>
+            </a:r>
+            <a:endParaRPr lang="en-US" altLang="ja-JP" sz="1600" dirty="0"/>
+          </a:p>
+          <a:p>
+            <a:r>
+              <a:rPr lang="en-US" altLang="ja-JP" sz="1600" dirty="0"/>
+              <a:t>○</a:t>
+            </a:r>
+            <a:r>
+              <a:rPr lang="ja-JP" altLang="en-US" sz="1600" dirty="0"/>
+              <a:t>整数型：</a:t>
+            </a:r>
+            <a:r>
+              <a:rPr lang="en-US" altLang="ja-JP" sz="1600" dirty="0"/>
+              <a:t>Work</a:t>
+            </a:r>
+          </a:p>
+          <a:p>
+            <a:endParaRPr lang="en-US" altLang="ja-JP" sz="1600" dirty="0"/>
+          </a:p>
+          <a:p>
+            <a:r>
+              <a:rPr lang="en-US" altLang="ja-JP" sz="1600" dirty="0"/>
+              <a:t>■Head:0,Head &lt; N-1,1</a:t>
+            </a:r>
+          </a:p>
+          <a:p>
+            <a:r>
+              <a:rPr lang="ja-JP" altLang="en-US" sz="1600" dirty="0"/>
+              <a:t>｜●</a:t>
+            </a:r>
+            <a:r>
+              <a:rPr lang="en-US" altLang="ja-JP" sz="1600" dirty="0" err="1"/>
+              <a:t>MinIdx</a:t>
+            </a:r>
+            <a:r>
+              <a:rPr lang="en-US" altLang="ja-JP" sz="1600" dirty="0"/>
+              <a:t> ←</a:t>
+            </a:r>
+            <a:r>
+              <a:rPr lang="ja-JP" altLang="en-US" sz="1600" dirty="0"/>
+              <a:t>　</a:t>
+            </a:r>
+            <a:r>
+              <a:rPr lang="en-US" altLang="ja-JP" sz="1600" dirty="0"/>
+              <a:t>Head</a:t>
+            </a:r>
+          </a:p>
+          <a:p>
+            <a:r>
+              <a:rPr lang="ja-JP" altLang="en-US" sz="1600" dirty="0"/>
+              <a:t>｜■</a:t>
+            </a:r>
+            <a:r>
+              <a:rPr lang="en-US" altLang="ja-JP" sz="1600" dirty="0"/>
+              <a:t>Idx:Head+1,Idx &lt; N, 1</a:t>
+            </a:r>
+          </a:p>
+          <a:p>
+            <a:r>
+              <a:rPr lang="ja-JP" altLang="en-US" sz="1600" dirty="0"/>
+              <a:t>｜｜▲</a:t>
+            </a:r>
+            <a:r>
+              <a:rPr lang="en-US" altLang="ja-JP" sz="1600" dirty="0"/>
+              <a:t>T[</a:t>
+            </a:r>
+            <a:r>
+              <a:rPr lang="en-US" altLang="ja-JP" sz="1600" dirty="0" err="1"/>
+              <a:t>MinIdx</a:t>
+            </a:r>
+            <a:r>
+              <a:rPr lang="en-US" altLang="ja-JP" sz="1600" dirty="0"/>
+              <a:t>]&gt;T[</a:t>
+            </a:r>
+            <a:r>
+              <a:rPr lang="en-US" altLang="ja-JP" sz="1600" dirty="0" err="1"/>
+              <a:t>Idx</a:t>
+            </a:r>
+            <a:r>
+              <a:rPr lang="en-US" altLang="ja-JP" sz="1600" dirty="0"/>
+              <a:t>]</a:t>
+            </a:r>
+          </a:p>
+          <a:p>
+            <a:r>
+              <a:rPr lang="ja-JP" altLang="en-US" sz="1600" dirty="0"/>
+              <a:t>｜｜｜●</a:t>
+            </a:r>
+            <a:r>
+              <a:rPr lang="en-US" altLang="ja-JP" sz="1600" dirty="0" err="1"/>
+              <a:t>MinIdx</a:t>
+            </a:r>
+            <a:r>
+              <a:rPr lang="en-US" altLang="ja-JP" sz="1600" dirty="0"/>
+              <a:t> ← </a:t>
+            </a:r>
+            <a:r>
+              <a:rPr lang="en-US" altLang="ja-JP" sz="1600" dirty="0" err="1"/>
+              <a:t>Idx</a:t>
+            </a:r>
+            <a:endParaRPr lang="en-US" altLang="ja-JP" sz="1600" dirty="0"/>
+          </a:p>
+          <a:p>
+            <a:r>
+              <a:rPr lang="ja-JP" altLang="en-US" sz="1600" dirty="0"/>
+              <a:t>｜｜▼</a:t>
+            </a:r>
+          </a:p>
+          <a:p>
+            <a:r>
+              <a:rPr lang="ja-JP" altLang="en-US" sz="1600" dirty="0"/>
+              <a:t>｜□</a:t>
+            </a:r>
+          </a:p>
+          <a:p>
+            <a:r>
+              <a:rPr lang="ja-JP" altLang="en-US" sz="1600" dirty="0"/>
+              <a:t>｜▲</a:t>
+            </a:r>
+            <a:r>
+              <a:rPr lang="en-US" altLang="ja-JP" sz="1600" dirty="0"/>
+              <a:t>Head ≠ </a:t>
+            </a:r>
+            <a:r>
+              <a:rPr lang="en-US" altLang="ja-JP" sz="1600" dirty="0" err="1"/>
+              <a:t>MinIdx</a:t>
+            </a:r>
+            <a:endParaRPr lang="en-US" altLang="ja-JP" sz="1600" dirty="0"/>
+          </a:p>
+          <a:p>
+            <a:r>
+              <a:rPr lang="ja-JP" altLang="en-US" sz="1600" dirty="0"/>
+              <a:t>｜｜●</a:t>
+            </a:r>
+            <a:r>
+              <a:rPr lang="en-US" altLang="ja-JP" sz="1600" dirty="0"/>
+              <a:t>Work ← T[Head]</a:t>
+            </a:r>
+          </a:p>
+          <a:p>
+            <a:r>
+              <a:rPr lang="ja-JP" altLang="en-US" sz="1600" dirty="0"/>
+              <a:t>｜｜●</a:t>
+            </a:r>
+            <a:r>
+              <a:rPr lang="en-US" altLang="ja-JP" sz="1600" dirty="0"/>
+              <a:t>T[Head] ← T[</a:t>
+            </a:r>
+            <a:r>
+              <a:rPr lang="en-US" altLang="ja-JP" sz="1600" dirty="0" err="1"/>
+              <a:t>MinIdx</a:t>
+            </a:r>
+            <a:r>
+              <a:rPr lang="en-US" altLang="ja-JP" sz="1600" dirty="0"/>
+              <a:t>]</a:t>
+            </a:r>
+          </a:p>
+          <a:p>
+            <a:r>
+              <a:rPr lang="ja-JP" altLang="en-US" sz="1600" dirty="0"/>
+              <a:t>｜｜●</a:t>
+            </a:r>
+            <a:r>
+              <a:rPr lang="en-US" altLang="ja-JP" sz="1600" dirty="0"/>
+              <a:t>T[</a:t>
+            </a:r>
+            <a:r>
+              <a:rPr lang="en-US" altLang="ja-JP" sz="1600" dirty="0" err="1"/>
+              <a:t>MinIdx</a:t>
+            </a:r>
+            <a:r>
+              <a:rPr lang="en-US" altLang="ja-JP" sz="1600" dirty="0"/>
+              <a:t>] ← Work</a:t>
+            </a:r>
+          </a:p>
+          <a:p>
+            <a:r>
+              <a:rPr lang="ja-JP" altLang="en-US" sz="1600" dirty="0"/>
+              <a:t>｜▼</a:t>
+            </a:r>
+          </a:p>
+          <a:p>
+            <a:r>
+              <a:rPr lang="ja-JP" altLang="en-US" sz="1600" dirty="0"/>
+              <a:t>□</a:t>
+            </a:r>
+          </a:p>
+          <a:p>
+            <a:endParaRPr lang="en-US" altLang="ja-JP" sz="1600" dirty="0" smtClean="0"/>
+          </a:p>
+        </p:txBody>
+      </p:sp>
+      <p:graphicFrame>
+        <p:nvGraphicFramePr>
+          <p:cNvPr id="11" name="表 10"/>
+          <p:cNvGraphicFramePr>
+            <a:graphicFrameLocks noGrp="1"/>
+          </p:cNvGraphicFramePr>
+          <p:nvPr>
+            <p:extLst/>
+          </p:nvPr>
+        </p:nvGraphicFramePr>
+        <p:xfrm>
+          <a:off x="6353320" y="1358733"/>
+          <a:ext cx="4917440" cy="731520"/>
+        </p:xfrm>
+        <a:graphic>
+          <a:graphicData uri="http://schemas.openxmlformats.org/drawingml/2006/table">
+            <a:tbl>
+              <a:tblPr firstRow="1" bandRow="1">
+                <a:tableStyleId>{5C22544A-7EE6-4342-B048-85BDC9FD1C3A}</a:tableStyleId>
+              </a:tblPr>
+              <a:tblGrid>
+                <a:gridCol w="983488">
+                  <a:extLst>
+                    <a:ext uri="{9D8B030D-6E8A-4147-A177-3AD203B41FA5}">
+                      <a16:colId xmlns:a16="http://schemas.microsoft.com/office/drawing/2014/main" val="269848708"/>
+                    </a:ext>
+                  </a:extLst>
+                </a:gridCol>
+                <a:gridCol w="983488">
+                  <a:extLst>
+                    <a:ext uri="{9D8B030D-6E8A-4147-A177-3AD203B41FA5}">
+                      <a16:colId xmlns:a16="http://schemas.microsoft.com/office/drawing/2014/main" val="3426576138"/>
+                    </a:ext>
+                  </a:extLst>
+                </a:gridCol>
+                <a:gridCol w="983488">
+                  <a:extLst>
+                    <a:ext uri="{9D8B030D-6E8A-4147-A177-3AD203B41FA5}">
+                      <a16:colId xmlns:a16="http://schemas.microsoft.com/office/drawing/2014/main" val="2126635011"/>
+                    </a:ext>
+                  </a:extLst>
+                </a:gridCol>
+                <a:gridCol w="983488">
+                  <a:extLst>
+                    <a:ext uri="{9D8B030D-6E8A-4147-A177-3AD203B41FA5}">
+                      <a16:colId xmlns:a16="http://schemas.microsoft.com/office/drawing/2014/main" val="4080494730"/>
+                    </a:ext>
+                  </a:extLst>
+                </a:gridCol>
+                <a:gridCol w="983488">
+                  <a:extLst>
+                    <a:ext uri="{9D8B030D-6E8A-4147-A177-3AD203B41FA5}">
+                      <a16:colId xmlns:a16="http://schemas.microsoft.com/office/drawing/2014/main" val="2782661137"/>
+                    </a:ext>
+                  </a:extLst>
+                </a:gridCol>
+              </a:tblGrid>
+              <a:tr h="342593">
+                <a:tc>
+                  <a:txBody>
+                    <a:bodyPr/>
+                    <a:lstStyle/>
+                    <a:p>
+                      <a:r>
+                        <a:rPr kumimoji="1" lang="en-US" altLang="ja-JP" dirty="0" smtClean="0"/>
+                        <a:t>T[0]</a:t>
+                      </a:r>
+                      <a:endParaRPr kumimoji="1" lang="ja-JP" altLang="en-US" dirty="0"/>
+                    </a:p>
+                  </a:txBody>
+                  <a:tcPr/>
+                </a:tc>
+                <a:tc>
+                  <a:txBody>
+                    <a:bodyPr/>
+                    <a:lstStyle/>
+                    <a:p>
+                      <a:r>
+                        <a:rPr kumimoji="1" lang="en-US" altLang="ja-JP" dirty="0" smtClean="0"/>
+                        <a:t>T[1]</a:t>
+                      </a:r>
+                      <a:endParaRPr kumimoji="1" lang="ja-JP" altLang="en-US" dirty="0"/>
+                    </a:p>
+                  </a:txBody>
+                  <a:tcPr/>
+                </a:tc>
+                <a:tc>
+                  <a:txBody>
+                    <a:bodyPr/>
+                    <a:lstStyle/>
+                    <a:p>
+                      <a:r>
+                        <a:rPr kumimoji="1" lang="en-US" altLang="ja-JP" dirty="0" smtClean="0"/>
+                        <a:t>T[2]</a:t>
+                      </a:r>
+                      <a:endParaRPr kumimoji="1" lang="ja-JP" altLang="en-US" dirty="0"/>
+                    </a:p>
+                  </a:txBody>
+                  <a:tcPr/>
+                </a:tc>
+                <a:tc>
+                  <a:txBody>
+                    <a:bodyPr/>
+                    <a:lstStyle/>
+                    <a:p>
+                      <a:r>
+                        <a:rPr kumimoji="1" lang="en-US" altLang="ja-JP" dirty="0" smtClean="0"/>
+                        <a:t>T[3]</a:t>
+                      </a:r>
+                      <a:endParaRPr kumimoji="1" lang="ja-JP" altLang="en-US" dirty="0"/>
+                    </a:p>
+                  </a:txBody>
+                  <a:tcPr/>
+                </a:tc>
+                <a:tc>
+                  <a:txBody>
+                    <a:bodyPr/>
+                    <a:lstStyle/>
+                    <a:p>
+                      <a:r>
+                        <a:rPr kumimoji="1" lang="en-US" altLang="ja-JP" dirty="0" smtClean="0"/>
+                        <a:t>T[4]</a:t>
+                      </a:r>
+                      <a:endParaRPr kumimoji="1" lang="ja-JP" altLang="en-US" dirty="0"/>
+                    </a:p>
+                  </a:txBody>
+                  <a:tcPr/>
+                </a:tc>
+                <a:extLst>
+                  <a:ext uri="{0D108BD9-81ED-4DB2-BD59-A6C34878D82A}">
+                    <a16:rowId xmlns:a16="http://schemas.microsoft.com/office/drawing/2014/main" val="284480592"/>
+                  </a:ext>
+                </a:extLst>
+              </a:tr>
+              <a:tr h="342593">
+                <a:tc>
+                  <a:txBody>
+                    <a:bodyPr/>
+                    <a:lstStyle/>
+                    <a:p>
+                      <a:r>
+                        <a:rPr kumimoji="1" lang="en-US" altLang="ja-JP" dirty="0" smtClean="0"/>
+                        <a:t>5</a:t>
+                      </a:r>
+                      <a:endParaRPr kumimoji="1" lang="ja-JP" altLang="en-US" dirty="0"/>
+                    </a:p>
+                  </a:txBody>
+                  <a:tcPr/>
+                </a:tc>
+                <a:tc>
+                  <a:txBody>
+                    <a:bodyPr/>
+                    <a:lstStyle/>
+                    <a:p>
+                      <a:r>
+                        <a:rPr kumimoji="1" lang="en-US" altLang="ja-JP" dirty="0" smtClean="0"/>
+                        <a:t>4</a:t>
+                      </a:r>
+                      <a:endParaRPr kumimoji="1" lang="ja-JP" altLang="en-US" dirty="0"/>
+                    </a:p>
+                  </a:txBody>
+                  <a:tcPr/>
+                </a:tc>
+                <a:tc>
+                  <a:txBody>
+                    <a:bodyPr/>
+                    <a:lstStyle/>
+                    <a:p>
+                      <a:r>
+                        <a:rPr kumimoji="1" lang="en-US" altLang="ja-JP" dirty="0" smtClean="0"/>
+                        <a:t>1</a:t>
+                      </a:r>
+                      <a:endParaRPr kumimoji="1" lang="ja-JP" altLang="en-US" dirty="0"/>
+                    </a:p>
+                  </a:txBody>
+                  <a:tcPr/>
+                </a:tc>
+                <a:tc>
+                  <a:txBody>
+                    <a:bodyPr/>
+                    <a:lstStyle/>
+                    <a:p>
+                      <a:r>
+                        <a:rPr kumimoji="1" lang="en-US" altLang="ja-JP" dirty="0" smtClean="0"/>
+                        <a:t>8</a:t>
+                      </a:r>
+                      <a:endParaRPr kumimoji="1" lang="ja-JP" altLang="en-US" dirty="0"/>
+                    </a:p>
+                  </a:txBody>
+                  <a:tcPr/>
+                </a:tc>
+                <a:tc>
+                  <a:txBody>
+                    <a:bodyPr/>
+                    <a:lstStyle/>
+                    <a:p>
+                      <a:r>
+                        <a:rPr kumimoji="1" lang="en-US" altLang="ja-JP" dirty="0" smtClean="0"/>
+                        <a:t>2</a:t>
+                      </a:r>
+                      <a:endParaRPr kumimoji="1" lang="ja-JP" altLang="en-US" dirty="0"/>
+                    </a:p>
+                  </a:txBody>
+                  <a:tcPr/>
+                </a:tc>
+                <a:extLst>
+                  <a:ext uri="{0D108BD9-81ED-4DB2-BD59-A6C34878D82A}">
+                    <a16:rowId xmlns:a16="http://schemas.microsoft.com/office/drawing/2014/main" val="4276714201"/>
+                  </a:ext>
+                </a:extLst>
+              </a:tr>
+            </a:tbl>
+          </a:graphicData>
+        </a:graphic>
+      </p:graphicFrame>
+      <p:graphicFrame>
+        <p:nvGraphicFramePr>
+          <p:cNvPr id="14" name="表 13"/>
+          <p:cNvGraphicFramePr>
+            <a:graphicFrameLocks noGrp="1"/>
+          </p:cNvGraphicFramePr>
+          <p:nvPr>
+            <p:extLst/>
+          </p:nvPr>
+        </p:nvGraphicFramePr>
+        <p:xfrm>
+          <a:off x="6353320" y="2442159"/>
+          <a:ext cx="4917440" cy="731520"/>
+        </p:xfrm>
+        <a:graphic>
+          <a:graphicData uri="http://schemas.openxmlformats.org/drawingml/2006/table">
+            <a:tbl>
+              <a:tblPr firstRow="1" bandRow="1">
+                <a:tableStyleId>{5C22544A-7EE6-4342-B048-85BDC9FD1C3A}</a:tableStyleId>
+              </a:tblPr>
+              <a:tblGrid>
+                <a:gridCol w="983488">
+                  <a:extLst>
+                    <a:ext uri="{9D8B030D-6E8A-4147-A177-3AD203B41FA5}">
+                      <a16:colId xmlns:a16="http://schemas.microsoft.com/office/drawing/2014/main" val="269848708"/>
+                    </a:ext>
+                  </a:extLst>
+                </a:gridCol>
+                <a:gridCol w="983488">
+                  <a:extLst>
+                    <a:ext uri="{9D8B030D-6E8A-4147-A177-3AD203B41FA5}">
+                      <a16:colId xmlns:a16="http://schemas.microsoft.com/office/drawing/2014/main" val="3426576138"/>
+                    </a:ext>
+                  </a:extLst>
+                </a:gridCol>
+                <a:gridCol w="983488">
+                  <a:extLst>
+                    <a:ext uri="{9D8B030D-6E8A-4147-A177-3AD203B41FA5}">
+                      <a16:colId xmlns:a16="http://schemas.microsoft.com/office/drawing/2014/main" val="2126635011"/>
+                    </a:ext>
+                  </a:extLst>
+                </a:gridCol>
+                <a:gridCol w="983488">
+                  <a:extLst>
+                    <a:ext uri="{9D8B030D-6E8A-4147-A177-3AD203B41FA5}">
+                      <a16:colId xmlns:a16="http://schemas.microsoft.com/office/drawing/2014/main" val="4080494730"/>
+                    </a:ext>
+                  </a:extLst>
+                </a:gridCol>
+                <a:gridCol w="983488">
+                  <a:extLst>
+                    <a:ext uri="{9D8B030D-6E8A-4147-A177-3AD203B41FA5}">
+                      <a16:colId xmlns:a16="http://schemas.microsoft.com/office/drawing/2014/main" val="2782661137"/>
+                    </a:ext>
+                  </a:extLst>
+                </a:gridCol>
+              </a:tblGrid>
+              <a:tr h="342593">
+                <a:tc>
+                  <a:txBody>
+                    <a:bodyPr/>
+                    <a:lstStyle/>
+                    <a:p>
+                      <a:r>
+                        <a:rPr kumimoji="1" lang="en-US" altLang="ja-JP" dirty="0" smtClean="0"/>
+                        <a:t>T[0]</a:t>
+                      </a:r>
+                      <a:endParaRPr kumimoji="1" lang="ja-JP" altLang="en-US" dirty="0"/>
+                    </a:p>
+                  </a:txBody>
+                  <a:tcPr/>
+                </a:tc>
+                <a:tc>
+                  <a:txBody>
+                    <a:bodyPr/>
+                    <a:lstStyle/>
+                    <a:p>
+                      <a:r>
+                        <a:rPr kumimoji="1" lang="en-US" altLang="ja-JP" dirty="0" smtClean="0"/>
+                        <a:t>T[1]</a:t>
+                      </a:r>
+                      <a:endParaRPr kumimoji="1" lang="ja-JP" altLang="en-US" dirty="0"/>
+                    </a:p>
+                  </a:txBody>
+                  <a:tcPr/>
+                </a:tc>
+                <a:tc>
+                  <a:txBody>
+                    <a:bodyPr/>
+                    <a:lstStyle/>
+                    <a:p>
+                      <a:r>
+                        <a:rPr kumimoji="1" lang="en-US" altLang="ja-JP" dirty="0" smtClean="0"/>
+                        <a:t>T[2]</a:t>
+                      </a:r>
+                      <a:endParaRPr kumimoji="1" lang="ja-JP" altLang="en-US" dirty="0"/>
+                    </a:p>
+                  </a:txBody>
+                  <a:tcPr/>
+                </a:tc>
+                <a:tc>
+                  <a:txBody>
+                    <a:bodyPr/>
+                    <a:lstStyle/>
+                    <a:p>
+                      <a:r>
+                        <a:rPr kumimoji="1" lang="en-US" altLang="ja-JP" dirty="0" smtClean="0"/>
+                        <a:t>T[3]</a:t>
+                      </a:r>
+                      <a:endParaRPr kumimoji="1" lang="ja-JP" altLang="en-US" dirty="0"/>
+                    </a:p>
+                  </a:txBody>
+                  <a:tcPr/>
+                </a:tc>
+                <a:tc>
+                  <a:txBody>
+                    <a:bodyPr/>
+                    <a:lstStyle/>
+                    <a:p>
+                      <a:r>
+                        <a:rPr kumimoji="1" lang="en-US" altLang="ja-JP" dirty="0" smtClean="0"/>
+                        <a:t>T[4]</a:t>
+                      </a:r>
+                      <a:endParaRPr kumimoji="1" lang="ja-JP" altLang="en-US" dirty="0"/>
+                    </a:p>
+                  </a:txBody>
+                  <a:tcPr/>
+                </a:tc>
+                <a:extLst>
+                  <a:ext uri="{0D108BD9-81ED-4DB2-BD59-A6C34878D82A}">
+                    <a16:rowId xmlns:a16="http://schemas.microsoft.com/office/drawing/2014/main" val="284480592"/>
+                  </a:ext>
+                </a:extLst>
+              </a:tr>
+              <a:tr h="342593">
+                <a:tc>
+                  <a:txBody>
+                    <a:bodyPr/>
+                    <a:lstStyle/>
+                    <a:p>
+                      <a:r>
+                        <a:rPr kumimoji="1" lang="en-US" altLang="ja-JP" dirty="0" smtClean="0"/>
+                        <a:t>1</a:t>
+                      </a:r>
+                      <a:endParaRPr kumimoji="1" lang="ja-JP" altLang="en-US" dirty="0"/>
+                    </a:p>
+                  </a:txBody>
+                  <a:tcPr/>
+                </a:tc>
+                <a:tc>
+                  <a:txBody>
+                    <a:bodyPr/>
+                    <a:lstStyle/>
+                    <a:p>
+                      <a:r>
+                        <a:rPr kumimoji="1" lang="en-US" altLang="ja-JP" dirty="0" smtClean="0"/>
+                        <a:t>4</a:t>
+                      </a:r>
+                      <a:endParaRPr kumimoji="1" lang="ja-JP" altLang="en-US" dirty="0"/>
+                    </a:p>
+                  </a:txBody>
+                  <a:tcPr/>
+                </a:tc>
+                <a:tc>
+                  <a:txBody>
+                    <a:bodyPr/>
+                    <a:lstStyle/>
+                    <a:p>
+                      <a:r>
+                        <a:rPr kumimoji="1" lang="en-US" altLang="ja-JP" dirty="0" smtClean="0"/>
+                        <a:t>5</a:t>
+                      </a:r>
+                      <a:endParaRPr kumimoji="1" lang="ja-JP" altLang="en-US" dirty="0"/>
+                    </a:p>
+                  </a:txBody>
+                  <a:tcPr/>
+                </a:tc>
+                <a:tc>
+                  <a:txBody>
+                    <a:bodyPr/>
+                    <a:lstStyle/>
+                    <a:p>
+                      <a:r>
+                        <a:rPr kumimoji="1" lang="en-US" altLang="ja-JP" dirty="0" smtClean="0"/>
+                        <a:t>8</a:t>
+                      </a:r>
+                      <a:endParaRPr kumimoji="1" lang="ja-JP" altLang="en-US" dirty="0"/>
+                    </a:p>
+                  </a:txBody>
+                  <a:tcPr/>
+                </a:tc>
+                <a:tc>
+                  <a:txBody>
+                    <a:bodyPr/>
+                    <a:lstStyle/>
+                    <a:p>
+                      <a:r>
+                        <a:rPr kumimoji="1" lang="en-US" altLang="ja-JP" dirty="0" smtClean="0"/>
+                        <a:t>2</a:t>
+                      </a:r>
+                      <a:endParaRPr kumimoji="1" lang="ja-JP" altLang="en-US" dirty="0"/>
+                    </a:p>
+                  </a:txBody>
+                  <a:tcPr/>
+                </a:tc>
+                <a:extLst>
+                  <a:ext uri="{0D108BD9-81ED-4DB2-BD59-A6C34878D82A}">
+                    <a16:rowId xmlns:a16="http://schemas.microsoft.com/office/drawing/2014/main" val="4276714201"/>
+                  </a:ext>
+                </a:extLst>
+              </a:tr>
+            </a:tbl>
+          </a:graphicData>
+        </a:graphic>
+      </p:graphicFrame>
+      <p:graphicFrame>
+        <p:nvGraphicFramePr>
+          <p:cNvPr id="15" name="表 14"/>
+          <p:cNvGraphicFramePr>
+            <a:graphicFrameLocks noGrp="1"/>
+          </p:cNvGraphicFramePr>
+          <p:nvPr>
+            <p:extLst/>
+          </p:nvPr>
+        </p:nvGraphicFramePr>
+        <p:xfrm>
+          <a:off x="6347775" y="3459083"/>
+          <a:ext cx="4917440" cy="731520"/>
+        </p:xfrm>
+        <a:graphic>
+          <a:graphicData uri="http://schemas.openxmlformats.org/drawingml/2006/table">
+            <a:tbl>
+              <a:tblPr firstRow="1" bandRow="1">
+                <a:tableStyleId>{5C22544A-7EE6-4342-B048-85BDC9FD1C3A}</a:tableStyleId>
+              </a:tblPr>
+              <a:tblGrid>
+                <a:gridCol w="983488">
+                  <a:extLst>
+                    <a:ext uri="{9D8B030D-6E8A-4147-A177-3AD203B41FA5}">
+                      <a16:colId xmlns:a16="http://schemas.microsoft.com/office/drawing/2014/main" val="269848708"/>
+                    </a:ext>
+                  </a:extLst>
+                </a:gridCol>
+                <a:gridCol w="983488">
+                  <a:extLst>
+                    <a:ext uri="{9D8B030D-6E8A-4147-A177-3AD203B41FA5}">
+                      <a16:colId xmlns:a16="http://schemas.microsoft.com/office/drawing/2014/main" val="3426576138"/>
+                    </a:ext>
+                  </a:extLst>
+                </a:gridCol>
+                <a:gridCol w="983488">
+                  <a:extLst>
+                    <a:ext uri="{9D8B030D-6E8A-4147-A177-3AD203B41FA5}">
+                      <a16:colId xmlns:a16="http://schemas.microsoft.com/office/drawing/2014/main" val="2126635011"/>
+                    </a:ext>
+                  </a:extLst>
+                </a:gridCol>
+                <a:gridCol w="983488">
+                  <a:extLst>
+                    <a:ext uri="{9D8B030D-6E8A-4147-A177-3AD203B41FA5}">
+                      <a16:colId xmlns:a16="http://schemas.microsoft.com/office/drawing/2014/main" val="4080494730"/>
+                    </a:ext>
+                  </a:extLst>
+                </a:gridCol>
+                <a:gridCol w="983488">
+                  <a:extLst>
+                    <a:ext uri="{9D8B030D-6E8A-4147-A177-3AD203B41FA5}">
+                      <a16:colId xmlns:a16="http://schemas.microsoft.com/office/drawing/2014/main" val="2782661137"/>
+                    </a:ext>
+                  </a:extLst>
+                </a:gridCol>
+              </a:tblGrid>
+              <a:tr h="342593">
+                <a:tc>
+                  <a:txBody>
+                    <a:bodyPr/>
+                    <a:lstStyle/>
+                    <a:p>
+                      <a:r>
+                        <a:rPr kumimoji="1" lang="en-US" altLang="ja-JP" dirty="0" smtClean="0"/>
+                        <a:t>T[0]</a:t>
+                      </a:r>
+                      <a:endParaRPr kumimoji="1" lang="ja-JP" altLang="en-US" dirty="0"/>
+                    </a:p>
+                  </a:txBody>
+                  <a:tcPr/>
+                </a:tc>
+                <a:tc>
+                  <a:txBody>
+                    <a:bodyPr/>
+                    <a:lstStyle/>
+                    <a:p>
+                      <a:r>
+                        <a:rPr kumimoji="1" lang="en-US" altLang="ja-JP" dirty="0" smtClean="0"/>
+                        <a:t>T[1]</a:t>
+                      </a:r>
+                      <a:endParaRPr kumimoji="1" lang="ja-JP" altLang="en-US" dirty="0"/>
+                    </a:p>
+                  </a:txBody>
+                  <a:tcPr/>
+                </a:tc>
+                <a:tc>
+                  <a:txBody>
+                    <a:bodyPr/>
+                    <a:lstStyle/>
+                    <a:p>
+                      <a:r>
+                        <a:rPr kumimoji="1" lang="en-US" altLang="ja-JP" dirty="0" smtClean="0"/>
+                        <a:t>T[2]</a:t>
+                      </a:r>
+                      <a:endParaRPr kumimoji="1" lang="ja-JP" altLang="en-US" dirty="0"/>
+                    </a:p>
+                  </a:txBody>
+                  <a:tcPr/>
+                </a:tc>
+                <a:tc>
+                  <a:txBody>
+                    <a:bodyPr/>
+                    <a:lstStyle/>
+                    <a:p>
+                      <a:r>
+                        <a:rPr kumimoji="1" lang="en-US" altLang="ja-JP" dirty="0" smtClean="0"/>
+                        <a:t>T[3]</a:t>
+                      </a:r>
+                      <a:endParaRPr kumimoji="1" lang="ja-JP" altLang="en-US" dirty="0"/>
+                    </a:p>
+                  </a:txBody>
+                  <a:tcPr/>
+                </a:tc>
+                <a:tc>
+                  <a:txBody>
+                    <a:bodyPr/>
+                    <a:lstStyle/>
+                    <a:p>
+                      <a:r>
+                        <a:rPr kumimoji="1" lang="en-US" altLang="ja-JP" dirty="0" smtClean="0"/>
+                        <a:t>T[4]</a:t>
+                      </a:r>
+                      <a:endParaRPr kumimoji="1" lang="ja-JP" altLang="en-US" dirty="0"/>
+                    </a:p>
+                  </a:txBody>
+                  <a:tcPr/>
+                </a:tc>
+                <a:extLst>
+                  <a:ext uri="{0D108BD9-81ED-4DB2-BD59-A6C34878D82A}">
+                    <a16:rowId xmlns:a16="http://schemas.microsoft.com/office/drawing/2014/main" val="284480592"/>
+                  </a:ext>
+                </a:extLst>
+              </a:tr>
+              <a:tr h="342593">
+                <a:tc>
+                  <a:txBody>
+                    <a:bodyPr/>
+                    <a:lstStyle/>
+                    <a:p>
+                      <a:r>
+                        <a:rPr kumimoji="1" lang="en-US" altLang="ja-JP" dirty="0" smtClean="0"/>
+                        <a:t>1</a:t>
+                      </a:r>
+                      <a:endParaRPr kumimoji="1" lang="ja-JP" altLang="en-US" dirty="0"/>
+                    </a:p>
+                  </a:txBody>
+                  <a:tcPr/>
+                </a:tc>
+                <a:tc>
+                  <a:txBody>
+                    <a:bodyPr/>
+                    <a:lstStyle/>
+                    <a:p>
+                      <a:r>
+                        <a:rPr kumimoji="1" lang="en-US" altLang="ja-JP" dirty="0" smtClean="0"/>
+                        <a:t>2</a:t>
+                      </a:r>
+                      <a:endParaRPr kumimoji="1" lang="ja-JP" altLang="en-US" dirty="0"/>
+                    </a:p>
+                  </a:txBody>
+                  <a:tcPr/>
+                </a:tc>
+                <a:tc>
+                  <a:txBody>
+                    <a:bodyPr/>
+                    <a:lstStyle/>
+                    <a:p>
+                      <a:r>
+                        <a:rPr kumimoji="1" lang="en-US" altLang="ja-JP" dirty="0" smtClean="0"/>
+                        <a:t>5</a:t>
+                      </a:r>
+                      <a:endParaRPr kumimoji="1" lang="ja-JP" altLang="en-US" dirty="0"/>
+                    </a:p>
+                  </a:txBody>
+                  <a:tcPr/>
+                </a:tc>
+                <a:tc>
+                  <a:txBody>
+                    <a:bodyPr/>
+                    <a:lstStyle/>
+                    <a:p>
+                      <a:r>
+                        <a:rPr kumimoji="1" lang="en-US" altLang="ja-JP" dirty="0" smtClean="0"/>
+                        <a:t>8</a:t>
+                      </a:r>
+                      <a:endParaRPr kumimoji="1" lang="ja-JP" altLang="en-US" dirty="0"/>
+                    </a:p>
+                  </a:txBody>
+                  <a:tcPr/>
+                </a:tc>
+                <a:tc>
+                  <a:txBody>
+                    <a:bodyPr/>
+                    <a:lstStyle/>
+                    <a:p>
+                      <a:r>
+                        <a:rPr kumimoji="1" lang="en-US" altLang="ja-JP" dirty="0" smtClean="0"/>
+                        <a:t>4</a:t>
+                      </a:r>
+                      <a:endParaRPr kumimoji="1" lang="ja-JP" altLang="en-US" dirty="0"/>
+                    </a:p>
+                  </a:txBody>
+                  <a:tcPr/>
+                </a:tc>
+                <a:extLst>
+                  <a:ext uri="{0D108BD9-81ED-4DB2-BD59-A6C34878D82A}">
+                    <a16:rowId xmlns:a16="http://schemas.microsoft.com/office/drawing/2014/main" val="4276714201"/>
+                  </a:ext>
+                </a:extLst>
+              </a:tr>
+            </a:tbl>
+          </a:graphicData>
+        </a:graphic>
+      </p:graphicFrame>
+      <p:sp>
+        <p:nvSpPr>
+          <p:cNvPr id="16" name="テキスト ボックス 15"/>
+          <p:cNvSpPr txBox="1"/>
+          <p:nvPr/>
+        </p:nvSpPr>
+        <p:spPr>
+          <a:xfrm>
+            <a:off x="5004262" y="1539827"/>
+            <a:ext cx="774571" cy="369332"/>
+          </a:xfrm>
+          <a:prstGeom prst="rect">
+            <a:avLst/>
+          </a:prstGeom>
+          <a:noFill/>
+        </p:spPr>
+        <p:txBody>
+          <a:bodyPr wrap="none" rtlCol="0">
+            <a:spAutoFit/>
+          </a:bodyPr>
+          <a:lstStyle/>
+          <a:p>
+            <a:r>
+              <a:rPr kumimoji="1" lang="en-US" altLang="ja-JP" b="1" dirty="0" smtClean="0">
+                <a:solidFill>
+                  <a:srgbClr val="FF0000"/>
+                </a:solidFill>
+              </a:rPr>
+              <a:t>0</a:t>
+            </a:r>
+            <a:r>
+              <a:rPr kumimoji="1" lang="ja-JP" altLang="en-US" b="1" dirty="0" smtClean="0">
+                <a:solidFill>
+                  <a:srgbClr val="FF0000"/>
+                </a:solidFill>
+              </a:rPr>
+              <a:t>回目</a:t>
+            </a:r>
+            <a:endParaRPr kumimoji="1" lang="ja-JP" altLang="en-US" b="1" dirty="0">
+              <a:solidFill>
+                <a:srgbClr val="FF0000"/>
+              </a:solidFill>
+            </a:endParaRPr>
+          </a:p>
+        </p:txBody>
+      </p:sp>
+      <p:sp>
+        <p:nvSpPr>
+          <p:cNvPr id="17" name="テキスト ボックス 16"/>
+          <p:cNvSpPr txBox="1"/>
+          <p:nvPr/>
+        </p:nvSpPr>
+        <p:spPr>
+          <a:xfrm>
+            <a:off x="5004261" y="2531813"/>
+            <a:ext cx="779381" cy="369332"/>
+          </a:xfrm>
+          <a:prstGeom prst="rect">
+            <a:avLst/>
+          </a:prstGeom>
+          <a:noFill/>
+        </p:spPr>
+        <p:txBody>
+          <a:bodyPr wrap="none" rtlCol="0">
+            <a:spAutoFit/>
+          </a:bodyPr>
+          <a:lstStyle/>
+          <a:p>
+            <a:r>
+              <a:rPr lang="en-US" altLang="ja-JP" b="1" dirty="0">
+                <a:solidFill>
+                  <a:srgbClr val="FF0000"/>
+                </a:solidFill>
+              </a:rPr>
+              <a:t>1</a:t>
+            </a:r>
+            <a:r>
+              <a:rPr kumimoji="1" lang="ja-JP" altLang="en-US" b="1" dirty="0" smtClean="0">
+                <a:solidFill>
+                  <a:srgbClr val="FF0000"/>
+                </a:solidFill>
+              </a:rPr>
+              <a:t>回目</a:t>
+            </a:r>
+            <a:endParaRPr kumimoji="1" lang="ja-JP" altLang="en-US" b="1" dirty="0">
+              <a:solidFill>
+                <a:srgbClr val="FF0000"/>
+              </a:solidFill>
+            </a:endParaRPr>
+          </a:p>
+        </p:txBody>
+      </p:sp>
+      <p:sp>
+        <p:nvSpPr>
+          <p:cNvPr id="18" name="テキスト ボックス 17"/>
+          <p:cNvSpPr txBox="1"/>
+          <p:nvPr/>
+        </p:nvSpPr>
+        <p:spPr>
+          <a:xfrm>
+            <a:off x="4999452" y="3523799"/>
+            <a:ext cx="779381" cy="369332"/>
+          </a:xfrm>
+          <a:prstGeom prst="rect">
+            <a:avLst/>
+          </a:prstGeom>
+          <a:noFill/>
+        </p:spPr>
+        <p:txBody>
+          <a:bodyPr wrap="none" rtlCol="0">
+            <a:spAutoFit/>
+          </a:bodyPr>
+          <a:lstStyle/>
+          <a:p>
+            <a:r>
+              <a:rPr lang="en-US" altLang="ja-JP" b="1" dirty="0" smtClean="0">
+                <a:solidFill>
+                  <a:srgbClr val="FF0000"/>
+                </a:solidFill>
+              </a:rPr>
+              <a:t>2</a:t>
+            </a:r>
+            <a:r>
+              <a:rPr kumimoji="1" lang="ja-JP" altLang="en-US" b="1" dirty="0" smtClean="0">
+                <a:solidFill>
+                  <a:srgbClr val="FF0000"/>
+                </a:solidFill>
+              </a:rPr>
+              <a:t>回目</a:t>
+            </a:r>
+            <a:endParaRPr kumimoji="1" lang="ja-JP" altLang="en-US" b="1" dirty="0">
+              <a:solidFill>
+                <a:srgbClr val="FF0000"/>
+              </a:solidFill>
+            </a:endParaRPr>
+          </a:p>
+        </p:txBody>
+      </p:sp>
+      <p:graphicFrame>
+        <p:nvGraphicFramePr>
+          <p:cNvPr id="19" name="表 18"/>
+          <p:cNvGraphicFramePr>
+            <a:graphicFrameLocks noGrp="1"/>
+          </p:cNvGraphicFramePr>
+          <p:nvPr>
+            <p:extLst/>
+          </p:nvPr>
+        </p:nvGraphicFramePr>
+        <p:xfrm>
+          <a:off x="6347775" y="4542509"/>
+          <a:ext cx="4917440" cy="731520"/>
+        </p:xfrm>
+        <a:graphic>
+          <a:graphicData uri="http://schemas.openxmlformats.org/drawingml/2006/table">
+            <a:tbl>
+              <a:tblPr firstRow="1" bandRow="1">
+                <a:tableStyleId>{5C22544A-7EE6-4342-B048-85BDC9FD1C3A}</a:tableStyleId>
+              </a:tblPr>
+              <a:tblGrid>
+                <a:gridCol w="983488">
+                  <a:extLst>
+                    <a:ext uri="{9D8B030D-6E8A-4147-A177-3AD203B41FA5}">
+                      <a16:colId xmlns:a16="http://schemas.microsoft.com/office/drawing/2014/main" val="269848708"/>
+                    </a:ext>
+                  </a:extLst>
+                </a:gridCol>
+                <a:gridCol w="983488">
+                  <a:extLst>
+                    <a:ext uri="{9D8B030D-6E8A-4147-A177-3AD203B41FA5}">
+                      <a16:colId xmlns:a16="http://schemas.microsoft.com/office/drawing/2014/main" val="3426576138"/>
+                    </a:ext>
+                  </a:extLst>
+                </a:gridCol>
+                <a:gridCol w="983488">
+                  <a:extLst>
+                    <a:ext uri="{9D8B030D-6E8A-4147-A177-3AD203B41FA5}">
+                      <a16:colId xmlns:a16="http://schemas.microsoft.com/office/drawing/2014/main" val="2126635011"/>
+                    </a:ext>
+                  </a:extLst>
+                </a:gridCol>
+                <a:gridCol w="983488">
+                  <a:extLst>
+                    <a:ext uri="{9D8B030D-6E8A-4147-A177-3AD203B41FA5}">
+                      <a16:colId xmlns:a16="http://schemas.microsoft.com/office/drawing/2014/main" val="4080494730"/>
+                    </a:ext>
+                  </a:extLst>
+                </a:gridCol>
+                <a:gridCol w="983488">
+                  <a:extLst>
+                    <a:ext uri="{9D8B030D-6E8A-4147-A177-3AD203B41FA5}">
+                      <a16:colId xmlns:a16="http://schemas.microsoft.com/office/drawing/2014/main" val="2782661137"/>
+                    </a:ext>
+                  </a:extLst>
+                </a:gridCol>
+              </a:tblGrid>
+              <a:tr h="342593">
+                <a:tc>
+                  <a:txBody>
+                    <a:bodyPr/>
+                    <a:lstStyle/>
+                    <a:p>
+                      <a:r>
+                        <a:rPr kumimoji="1" lang="en-US" altLang="ja-JP" dirty="0" smtClean="0"/>
+                        <a:t>T[0]</a:t>
+                      </a:r>
+                      <a:endParaRPr kumimoji="1" lang="ja-JP" altLang="en-US" dirty="0"/>
+                    </a:p>
+                  </a:txBody>
+                  <a:tcPr/>
+                </a:tc>
+                <a:tc>
+                  <a:txBody>
+                    <a:bodyPr/>
+                    <a:lstStyle/>
+                    <a:p>
+                      <a:r>
+                        <a:rPr kumimoji="1" lang="en-US" altLang="ja-JP" dirty="0" smtClean="0"/>
+                        <a:t>T[1]</a:t>
+                      </a:r>
+                      <a:endParaRPr kumimoji="1" lang="ja-JP" altLang="en-US" dirty="0"/>
+                    </a:p>
+                  </a:txBody>
+                  <a:tcPr/>
+                </a:tc>
+                <a:tc>
+                  <a:txBody>
+                    <a:bodyPr/>
+                    <a:lstStyle/>
+                    <a:p>
+                      <a:r>
+                        <a:rPr kumimoji="1" lang="en-US" altLang="ja-JP" dirty="0" smtClean="0"/>
+                        <a:t>T[2]</a:t>
+                      </a:r>
+                      <a:endParaRPr kumimoji="1" lang="ja-JP" altLang="en-US" dirty="0"/>
+                    </a:p>
+                  </a:txBody>
+                  <a:tcPr/>
+                </a:tc>
+                <a:tc>
+                  <a:txBody>
+                    <a:bodyPr/>
+                    <a:lstStyle/>
+                    <a:p>
+                      <a:r>
+                        <a:rPr kumimoji="1" lang="en-US" altLang="ja-JP" dirty="0" smtClean="0"/>
+                        <a:t>T[3]</a:t>
+                      </a:r>
+                      <a:endParaRPr kumimoji="1" lang="ja-JP" altLang="en-US" dirty="0"/>
+                    </a:p>
+                  </a:txBody>
+                  <a:tcPr/>
+                </a:tc>
+                <a:tc>
+                  <a:txBody>
+                    <a:bodyPr/>
+                    <a:lstStyle/>
+                    <a:p>
+                      <a:r>
+                        <a:rPr kumimoji="1" lang="en-US" altLang="ja-JP" dirty="0" smtClean="0"/>
+                        <a:t>T[4]</a:t>
+                      </a:r>
+                      <a:endParaRPr kumimoji="1" lang="ja-JP" altLang="en-US" dirty="0"/>
+                    </a:p>
+                  </a:txBody>
+                  <a:tcPr/>
+                </a:tc>
+                <a:extLst>
+                  <a:ext uri="{0D108BD9-81ED-4DB2-BD59-A6C34878D82A}">
+                    <a16:rowId xmlns:a16="http://schemas.microsoft.com/office/drawing/2014/main" val="284480592"/>
+                  </a:ext>
+                </a:extLst>
+              </a:tr>
+              <a:tr h="342593">
+                <a:tc>
+                  <a:txBody>
+                    <a:bodyPr/>
+                    <a:lstStyle/>
+                    <a:p>
+                      <a:r>
+                        <a:rPr kumimoji="1" lang="en-US" altLang="ja-JP" dirty="0" smtClean="0"/>
+                        <a:t>1</a:t>
+                      </a:r>
+                      <a:endParaRPr kumimoji="1" lang="ja-JP" altLang="en-US" dirty="0"/>
+                    </a:p>
+                  </a:txBody>
+                  <a:tcPr/>
+                </a:tc>
+                <a:tc>
+                  <a:txBody>
+                    <a:bodyPr/>
+                    <a:lstStyle/>
+                    <a:p>
+                      <a:r>
+                        <a:rPr kumimoji="1" lang="en-US" altLang="ja-JP" dirty="0" smtClean="0"/>
+                        <a:t>2</a:t>
+                      </a:r>
+                      <a:endParaRPr kumimoji="1" lang="ja-JP" altLang="en-US" dirty="0"/>
+                    </a:p>
+                  </a:txBody>
+                  <a:tcPr/>
+                </a:tc>
+                <a:tc>
+                  <a:txBody>
+                    <a:bodyPr/>
+                    <a:lstStyle/>
+                    <a:p>
+                      <a:r>
+                        <a:rPr kumimoji="1" lang="en-US" altLang="ja-JP" dirty="0" smtClean="0"/>
+                        <a:t>4</a:t>
+                      </a:r>
+                      <a:endParaRPr kumimoji="1" lang="ja-JP" altLang="en-US" dirty="0"/>
+                    </a:p>
+                  </a:txBody>
+                  <a:tcPr/>
+                </a:tc>
+                <a:tc>
+                  <a:txBody>
+                    <a:bodyPr/>
+                    <a:lstStyle/>
+                    <a:p>
+                      <a:r>
+                        <a:rPr kumimoji="1" lang="en-US" altLang="ja-JP" dirty="0" smtClean="0"/>
+                        <a:t>8</a:t>
+                      </a:r>
+                      <a:endParaRPr kumimoji="1" lang="ja-JP" altLang="en-US" dirty="0"/>
+                    </a:p>
+                  </a:txBody>
+                  <a:tcPr/>
+                </a:tc>
+                <a:tc>
+                  <a:txBody>
+                    <a:bodyPr/>
+                    <a:lstStyle/>
+                    <a:p>
+                      <a:r>
+                        <a:rPr kumimoji="1" lang="en-US" altLang="ja-JP" dirty="0" smtClean="0"/>
+                        <a:t>5</a:t>
+                      </a:r>
+                      <a:endParaRPr kumimoji="1" lang="ja-JP" altLang="en-US" dirty="0"/>
+                    </a:p>
+                  </a:txBody>
+                  <a:tcPr/>
+                </a:tc>
+                <a:extLst>
+                  <a:ext uri="{0D108BD9-81ED-4DB2-BD59-A6C34878D82A}">
+                    <a16:rowId xmlns:a16="http://schemas.microsoft.com/office/drawing/2014/main" val="4276714201"/>
+                  </a:ext>
+                </a:extLst>
+              </a:tr>
+            </a:tbl>
+          </a:graphicData>
+        </a:graphic>
+      </p:graphicFrame>
+      <p:sp>
+        <p:nvSpPr>
+          <p:cNvPr id="20" name="テキスト ボックス 19"/>
+          <p:cNvSpPr txBox="1"/>
+          <p:nvPr/>
+        </p:nvSpPr>
+        <p:spPr>
+          <a:xfrm>
+            <a:off x="4999452" y="4670285"/>
+            <a:ext cx="779381" cy="369332"/>
+          </a:xfrm>
+          <a:prstGeom prst="rect">
+            <a:avLst/>
+          </a:prstGeom>
+          <a:noFill/>
+        </p:spPr>
+        <p:txBody>
+          <a:bodyPr wrap="none" rtlCol="0">
+            <a:spAutoFit/>
+          </a:bodyPr>
+          <a:lstStyle/>
+          <a:p>
+            <a:r>
+              <a:rPr kumimoji="1" lang="en-US" altLang="ja-JP" b="1" dirty="0" smtClean="0">
+                <a:solidFill>
+                  <a:srgbClr val="FF0000"/>
+                </a:solidFill>
+              </a:rPr>
+              <a:t>3</a:t>
+            </a:r>
+            <a:r>
+              <a:rPr kumimoji="1" lang="ja-JP" altLang="en-US" b="1" dirty="0" smtClean="0">
+                <a:solidFill>
+                  <a:srgbClr val="FF0000"/>
+                </a:solidFill>
+              </a:rPr>
+              <a:t>回目</a:t>
+            </a:r>
+            <a:endParaRPr kumimoji="1" lang="ja-JP" altLang="en-US" b="1" dirty="0">
+              <a:solidFill>
+                <a:srgbClr val="FF0000"/>
+              </a:solidFill>
+            </a:endParaRPr>
+          </a:p>
+        </p:txBody>
+      </p:sp>
+      <p:sp>
+        <p:nvSpPr>
+          <p:cNvPr id="21" name="テキスト ボックス 20"/>
+          <p:cNvSpPr txBox="1"/>
+          <p:nvPr/>
+        </p:nvSpPr>
+        <p:spPr>
+          <a:xfrm>
+            <a:off x="8340437" y="828430"/>
+            <a:ext cx="877163" cy="369332"/>
+          </a:xfrm>
+          <a:prstGeom prst="rect">
+            <a:avLst/>
+          </a:prstGeom>
+          <a:noFill/>
+        </p:spPr>
+        <p:txBody>
+          <a:bodyPr wrap="none" rtlCol="0">
+            <a:spAutoFit/>
+          </a:bodyPr>
+          <a:lstStyle/>
+          <a:p>
+            <a:r>
+              <a:rPr kumimoji="1" lang="ja-JP" altLang="en-US" b="1" dirty="0" smtClean="0">
+                <a:solidFill>
+                  <a:srgbClr val="FF0000"/>
+                </a:solidFill>
+              </a:rPr>
+              <a:t>最小値</a:t>
+            </a:r>
+            <a:endParaRPr kumimoji="1" lang="ja-JP" altLang="en-US" b="1" dirty="0">
+              <a:solidFill>
+                <a:srgbClr val="FF0000"/>
+              </a:solidFill>
+            </a:endParaRPr>
+          </a:p>
+        </p:txBody>
+      </p:sp>
+      <p:sp>
+        <p:nvSpPr>
+          <p:cNvPr id="23" name="正方形/長方形 22"/>
+          <p:cNvSpPr/>
+          <p:nvPr/>
+        </p:nvSpPr>
+        <p:spPr>
+          <a:xfrm>
+            <a:off x="8303200" y="1300544"/>
+            <a:ext cx="914400" cy="914400"/>
+          </a:xfrm>
+          <a:prstGeom prst="rect">
+            <a:avLst/>
+          </a:prstGeom>
+          <a:noFill/>
+          <a:ln w="38100">
+            <a:solidFill>
+              <a:srgbClr val="FF0000"/>
+            </a:solidFill>
+          </a:ln>
+        </p:spPr>
+        <p:style>
+          <a:lnRef idx="2">
+            <a:schemeClr val="accent1">
+              <a:shade val="50000"/>
+            </a:schemeClr>
+          </a:lnRef>
+          <a:fillRef idx="1">
+            <a:schemeClr val="accent1"/>
+          </a:fillRef>
+          <a:effectRef idx="0">
+            <a:schemeClr val="accent1"/>
+          </a:effectRef>
+          <a:fontRef idx="minor">
+            <a:schemeClr val="lt1"/>
+          </a:fontRef>
+        </p:style>
+        <p:txBody>
+          <a:bodyPr rtlCol="0" anchor="ctr"/>
+          <a:lstStyle/>
+          <a:p>
+            <a:pPr algn="ctr"/>
+            <a:endParaRPr kumimoji="1" lang="ja-JP" altLang="en-US"/>
+          </a:p>
+        </p:txBody>
+      </p:sp>
+      <p:sp>
+        <p:nvSpPr>
+          <p:cNvPr id="24" name="正方形/長方形 23"/>
+          <p:cNvSpPr/>
+          <p:nvPr/>
+        </p:nvSpPr>
+        <p:spPr>
+          <a:xfrm>
+            <a:off x="6250040" y="1300544"/>
+            <a:ext cx="914400" cy="914400"/>
+          </a:xfrm>
+          <a:prstGeom prst="rect">
+            <a:avLst/>
+          </a:prstGeom>
+          <a:noFill/>
+          <a:ln w="38100">
+            <a:solidFill>
+              <a:srgbClr val="FF0000"/>
+            </a:solidFill>
+          </a:ln>
+        </p:spPr>
+        <p:style>
+          <a:lnRef idx="2">
+            <a:schemeClr val="accent1">
+              <a:shade val="50000"/>
+            </a:schemeClr>
+          </a:lnRef>
+          <a:fillRef idx="1">
+            <a:schemeClr val="accent1"/>
+          </a:fillRef>
+          <a:effectRef idx="0">
+            <a:schemeClr val="accent1"/>
+          </a:effectRef>
+          <a:fontRef idx="minor">
+            <a:schemeClr val="lt1"/>
+          </a:fontRef>
+        </p:style>
+        <p:txBody>
+          <a:bodyPr rtlCol="0" anchor="ctr"/>
+          <a:lstStyle/>
+          <a:p>
+            <a:pPr algn="ctr"/>
+            <a:endParaRPr kumimoji="1" lang="ja-JP" altLang="en-US"/>
+          </a:p>
+        </p:txBody>
+      </p:sp>
+      <p:sp>
+        <p:nvSpPr>
+          <p:cNvPr id="25" name="正方形/長方形 24"/>
+          <p:cNvSpPr/>
+          <p:nvPr/>
+        </p:nvSpPr>
+        <p:spPr>
+          <a:xfrm>
+            <a:off x="10197699" y="2292014"/>
+            <a:ext cx="913644" cy="815163"/>
+          </a:xfrm>
+          <a:prstGeom prst="rect">
+            <a:avLst/>
+          </a:prstGeom>
+          <a:noFill/>
+          <a:ln w="38100">
+            <a:solidFill>
+              <a:srgbClr val="FF0000"/>
+            </a:solidFill>
+          </a:ln>
+        </p:spPr>
+        <p:style>
+          <a:lnRef idx="2">
+            <a:schemeClr val="accent1">
+              <a:shade val="50000"/>
+            </a:schemeClr>
+          </a:lnRef>
+          <a:fillRef idx="1">
+            <a:schemeClr val="accent1"/>
+          </a:fillRef>
+          <a:effectRef idx="0">
+            <a:schemeClr val="accent1"/>
+          </a:effectRef>
+          <a:fontRef idx="minor">
+            <a:schemeClr val="lt1"/>
+          </a:fontRef>
+        </p:style>
+        <p:txBody>
+          <a:bodyPr rtlCol="0" anchor="ctr"/>
+          <a:lstStyle/>
+          <a:p>
+            <a:pPr algn="ctr"/>
+            <a:endParaRPr kumimoji="1" lang="ja-JP" altLang="en-US"/>
+          </a:p>
+        </p:txBody>
+      </p:sp>
+      <p:sp>
+        <p:nvSpPr>
+          <p:cNvPr id="26" name="テキスト ボックス 25"/>
+          <p:cNvSpPr txBox="1"/>
+          <p:nvPr/>
+        </p:nvSpPr>
+        <p:spPr>
+          <a:xfrm>
+            <a:off x="10386579" y="3128252"/>
+            <a:ext cx="877163" cy="369332"/>
+          </a:xfrm>
+          <a:prstGeom prst="rect">
+            <a:avLst/>
+          </a:prstGeom>
+          <a:noFill/>
+        </p:spPr>
+        <p:txBody>
+          <a:bodyPr wrap="none" rtlCol="0">
+            <a:spAutoFit/>
+          </a:bodyPr>
+          <a:lstStyle/>
+          <a:p>
+            <a:r>
+              <a:rPr kumimoji="1" lang="ja-JP" altLang="en-US" b="1" dirty="0" smtClean="0">
+                <a:solidFill>
+                  <a:srgbClr val="FF0000"/>
+                </a:solidFill>
+              </a:rPr>
+              <a:t>最小値</a:t>
+            </a:r>
+            <a:endParaRPr kumimoji="1" lang="ja-JP" altLang="en-US" b="1" dirty="0">
+              <a:solidFill>
+                <a:srgbClr val="FF0000"/>
+              </a:solidFill>
+            </a:endParaRPr>
+          </a:p>
+        </p:txBody>
+      </p:sp>
+      <p:sp>
+        <p:nvSpPr>
+          <p:cNvPr id="27" name="正方形/長方形 26"/>
+          <p:cNvSpPr/>
+          <p:nvPr/>
+        </p:nvSpPr>
+        <p:spPr>
+          <a:xfrm>
+            <a:off x="7369900" y="2375657"/>
+            <a:ext cx="914400" cy="914400"/>
+          </a:xfrm>
+          <a:prstGeom prst="rect">
+            <a:avLst/>
+          </a:prstGeom>
+          <a:noFill/>
+          <a:ln w="38100">
+            <a:solidFill>
+              <a:srgbClr val="FF0000"/>
+            </a:solidFill>
+          </a:ln>
+        </p:spPr>
+        <p:style>
+          <a:lnRef idx="2">
+            <a:schemeClr val="accent1">
+              <a:shade val="50000"/>
+            </a:schemeClr>
+          </a:lnRef>
+          <a:fillRef idx="1">
+            <a:schemeClr val="accent1"/>
+          </a:fillRef>
+          <a:effectRef idx="0">
+            <a:schemeClr val="accent1"/>
+          </a:effectRef>
+          <a:fontRef idx="minor">
+            <a:schemeClr val="lt1"/>
+          </a:fontRef>
+        </p:style>
+        <p:txBody>
+          <a:bodyPr rtlCol="0" anchor="ctr"/>
+          <a:lstStyle/>
+          <a:p>
+            <a:pPr algn="ctr"/>
+            <a:endParaRPr kumimoji="1" lang="ja-JP" altLang="en-US"/>
+          </a:p>
+        </p:txBody>
+      </p:sp>
+      <p:sp>
+        <p:nvSpPr>
+          <p:cNvPr id="28" name="正方形/長方形 27"/>
+          <p:cNvSpPr/>
+          <p:nvPr/>
+        </p:nvSpPr>
+        <p:spPr>
+          <a:xfrm>
+            <a:off x="10197699" y="3452156"/>
+            <a:ext cx="914400" cy="914400"/>
+          </a:xfrm>
+          <a:prstGeom prst="rect">
+            <a:avLst/>
+          </a:prstGeom>
+          <a:noFill/>
+          <a:ln w="38100">
+            <a:solidFill>
+              <a:srgbClr val="FF0000"/>
+            </a:solidFill>
+          </a:ln>
+        </p:spPr>
+        <p:style>
+          <a:lnRef idx="2">
+            <a:schemeClr val="accent1">
+              <a:shade val="50000"/>
+            </a:schemeClr>
+          </a:lnRef>
+          <a:fillRef idx="1">
+            <a:schemeClr val="accent1"/>
+          </a:fillRef>
+          <a:effectRef idx="0">
+            <a:schemeClr val="accent1"/>
+          </a:effectRef>
+          <a:fontRef idx="minor">
+            <a:schemeClr val="lt1"/>
+          </a:fontRef>
+        </p:style>
+        <p:txBody>
+          <a:bodyPr rtlCol="0" anchor="ctr"/>
+          <a:lstStyle/>
+          <a:p>
+            <a:pPr algn="ctr"/>
+            <a:endParaRPr kumimoji="1" lang="ja-JP" altLang="en-US"/>
+          </a:p>
+        </p:txBody>
+      </p:sp>
+      <p:sp>
+        <p:nvSpPr>
+          <p:cNvPr id="29" name="正方形/長方形 28"/>
+          <p:cNvSpPr/>
+          <p:nvPr/>
+        </p:nvSpPr>
+        <p:spPr>
+          <a:xfrm>
+            <a:off x="8303200" y="3431503"/>
+            <a:ext cx="914400" cy="914400"/>
+          </a:xfrm>
+          <a:prstGeom prst="rect">
+            <a:avLst/>
+          </a:prstGeom>
+          <a:noFill/>
+          <a:ln w="38100">
+            <a:solidFill>
+              <a:srgbClr val="FF0000"/>
+            </a:solidFill>
+          </a:ln>
+        </p:spPr>
+        <p:style>
+          <a:lnRef idx="2">
+            <a:schemeClr val="accent1">
+              <a:shade val="50000"/>
+            </a:schemeClr>
+          </a:lnRef>
+          <a:fillRef idx="1">
+            <a:schemeClr val="accent1"/>
+          </a:fillRef>
+          <a:effectRef idx="0">
+            <a:schemeClr val="accent1"/>
+          </a:effectRef>
+          <a:fontRef idx="minor">
+            <a:schemeClr val="lt1"/>
+          </a:fontRef>
+        </p:style>
+        <p:txBody>
+          <a:bodyPr rtlCol="0" anchor="ctr"/>
+          <a:lstStyle/>
+          <a:p>
+            <a:pPr algn="ctr"/>
+            <a:endParaRPr kumimoji="1" lang="ja-JP" altLang="en-US"/>
+          </a:p>
+        </p:txBody>
+      </p:sp>
+      <p:sp>
+        <p:nvSpPr>
+          <p:cNvPr id="30" name="テキスト ボックス 29"/>
+          <p:cNvSpPr txBox="1"/>
+          <p:nvPr/>
+        </p:nvSpPr>
+        <p:spPr>
+          <a:xfrm>
+            <a:off x="10373479" y="1959220"/>
+            <a:ext cx="877163" cy="369332"/>
+          </a:xfrm>
+          <a:prstGeom prst="rect">
+            <a:avLst/>
+          </a:prstGeom>
+          <a:noFill/>
+        </p:spPr>
+        <p:txBody>
+          <a:bodyPr wrap="none" rtlCol="0">
+            <a:spAutoFit/>
+          </a:bodyPr>
+          <a:lstStyle/>
+          <a:p>
+            <a:r>
+              <a:rPr kumimoji="1" lang="ja-JP" altLang="en-US" b="1" dirty="0" smtClean="0">
+                <a:solidFill>
+                  <a:srgbClr val="FF0000"/>
+                </a:solidFill>
+              </a:rPr>
+              <a:t>最小値</a:t>
+            </a:r>
+            <a:endParaRPr kumimoji="1" lang="ja-JP" altLang="en-US" b="1" dirty="0">
+              <a:solidFill>
+                <a:srgbClr val="FF0000"/>
+              </a:solidFill>
+            </a:endParaRPr>
+          </a:p>
+        </p:txBody>
+      </p:sp>
+      <p:graphicFrame>
+        <p:nvGraphicFramePr>
+          <p:cNvPr id="31" name="表 30"/>
+          <p:cNvGraphicFramePr>
+            <a:graphicFrameLocks noGrp="1"/>
+          </p:cNvGraphicFramePr>
+          <p:nvPr>
+            <p:extLst/>
+          </p:nvPr>
+        </p:nvGraphicFramePr>
+        <p:xfrm>
+          <a:off x="6353320" y="5579872"/>
+          <a:ext cx="4917440" cy="731520"/>
+        </p:xfrm>
+        <a:graphic>
+          <a:graphicData uri="http://schemas.openxmlformats.org/drawingml/2006/table">
+            <a:tbl>
+              <a:tblPr firstRow="1" bandRow="1">
+                <a:tableStyleId>{5C22544A-7EE6-4342-B048-85BDC9FD1C3A}</a:tableStyleId>
+              </a:tblPr>
+              <a:tblGrid>
+                <a:gridCol w="983488">
+                  <a:extLst>
+                    <a:ext uri="{9D8B030D-6E8A-4147-A177-3AD203B41FA5}">
+                      <a16:colId xmlns:a16="http://schemas.microsoft.com/office/drawing/2014/main" val="269848708"/>
+                    </a:ext>
+                  </a:extLst>
+                </a:gridCol>
+                <a:gridCol w="983488">
+                  <a:extLst>
+                    <a:ext uri="{9D8B030D-6E8A-4147-A177-3AD203B41FA5}">
+                      <a16:colId xmlns:a16="http://schemas.microsoft.com/office/drawing/2014/main" val="3426576138"/>
+                    </a:ext>
+                  </a:extLst>
+                </a:gridCol>
+                <a:gridCol w="983488">
+                  <a:extLst>
+                    <a:ext uri="{9D8B030D-6E8A-4147-A177-3AD203B41FA5}">
+                      <a16:colId xmlns:a16="http://schemas.microsoft.com/office/drawing/2014/main" val="2126635011"/>
+                    </a:ext>
+                  </a:extLst>
+                </a:gridCol>
+                <a:gridCol w="983488">
+                  <a:extLst>
+                    <a:ext uri="{9D8B030D-6E8A-4147-A177-3AD203B41FA5}">
+                      <a16:colId xmlns:a16="http://schemas.microsoft.com/office/drawing/2014/main" val="4080494730"/>
+                    </a:ext>
+                  </a:extLst>
+                </a:gridCol>
+                <a:gridCol w="983488">
+                  <a:extLst>
+                    <a:ext uri="{9D8B030D-6E8A-4147-A177-3AD203B41FA5}">
+                      <a16:colId xmlns:a16="http://schemas.microsoft.com/office/drawing/2014/main" val="2782661137"/>
+                    </a:ext>
+                  </a:extLst>
+                </a:gridCol>
+              </a:tblGrid>
+              <a:tr h="342593">
+                <a:tc>
+                  <a:txBody>
+                    <a:bodyPr/>
+                    <a:lstStyle/>
+                    <a:p>
+                      <a:r>
+                        <a:rPr kumimoji="1" lang="en-US" altLang="ja-JP" dirty="0" smtClean="0"/>
+                        <a:t>T[0]</a:t>
+                      </a:r>
+                      <a:endParaRPr kumimoji="1" lang="ja-JP" altLang="en-US" dirty="0"/>
+                    </a:p>
+                  </a:txBody>
+                  <a:tcPr/>
+                </a:tc>
+                <a:tc>
+                  <a:txBody>
+                    <a:bodyPr/>
+                    <a:lstStyle/>
+                    <a:p>
+                      <a:r>
+                        <a:rPr kumimoji="1" lang="en-US" altLang="ja-JP" dirty="0" smtClean="0"/>
+                        <a:t>T[1]</a:t>
+                      </a:r>
+                      <a:endParaRPr kumimoji="1" lang="ja-JP" altLang="en-US" dirty="0"/>
+                    </a:p>
+                  </a:txBody>
+                  <a:tcPr/>
+                </a:tc>
+                <a:tc>
+                  <a:txBody>
+                    <a:bodyPr/>
+                    <a:lstStyle/>
+                    <a:p>
+                      <a:r>
+                        <a:rPr kumimoji="1" lang="en-US" altLang="ja-JP" dirty="0" smtClean="0"/>
+                        <a:t>T[2]</a:t>
+                      </a:r>
+                      <a:endParaRPr kumimoji="1" lang="ja-JP" altLang="en-US" dirty="0"/>
+                    </a:p>
+                  </a:txBody>
+                  <a:tcPr/>
+                </a:tc>
+                <a:tc>
+                  <a:txBody>
+                    <a:bodyPr/>
+                    <a:lstStyle/>
+                    <a:p>
+                      <a:r>
+                        <a:rPr kumimoji="1" lang="en-US" altLang="ja-JP" dirty="0" smtClean="0"/>
+                        <a:t>T[3]</a:t>
+                      </a:r>
+                      <a:endParaRPr kumimoji="1" lang="ja-JP" altLang="en-US" dirty="0"/>
+                    </a:p>
+                  </a:txBody>
+                  <a:tcPr/>
+                </a:tc>
+                <a:tc>
+                  <a:txBody>
+                    <a:bodyPr/>
+                    <a:lstStyle/>
+                    <a:p>
+                      <a:r>
+                        <a:rPr kumimoji="1" lang="en-US" altLang="ja-JP" dirty="0" smtClean="0"/>
+                        <a:t>T[4]</a:t>
+                      </a:r>
+                      <a:endParaRPr kumimoji="1" lang="ja-JP" altLang="en-US" dirty="0"/>
+                    </a:p>
+                  </a:txBody>
+                  <a:tcPr/>
+                </a:tc>
+                <a:extLst>
+                  <a:ext uri="{0D108BD9-81ED-4DB2-BD59-A6C34878D82A}">
+                    <a16:rowId xmlns:a16="http://schemas.microsoft.com/office/drawing/2014/main" val="284480592"/>
+                  </a:ext>
+                </a:extLst>
+              </a:tr>
+              <a:tr h="342593">
+                <a:tc>
+                  <a:txBody>
+                    <a:bodyPr/>
+                    <a:lstStyle/>
+                    <a:p>
+                      <a:r>
+                        <a:rPr kumimoji="1" lang="en-US" altLang="ja-JP" dirty="0" smtClean="0"/>
+                        <a:t>1</a:t>
+                      </a:r>
+                      <a:endParaRPr kumimoji="1" lang="ja-JP" altLang="en-US" dirty="0"/>
+                    </a:p>
+                  </a:txBody>
+                  <a:tcPr/>
+                </a:tc>
+                <a:tc>
+                  <a:txBody>
+                    <a:bodyPr/>
+                    <a:lstStyle/>
+                    <a:p>
+                      <a:r>
+                        <a:rPr kumimoji="1" lang="en-US" altLang="ja-JP" dirty="0" smtClean="0"/>
+                        <a:t>2</a:t>
+                      </a:r>
+                      <a:endParaRPr kumimoji="1" lang="ja-JP" altLang="en-US" dirty="0"/>
+                    </a:p>
+                  </a:txBody>
+                  <a:tcPr/>
+                </a:tc>
+                <a:tc>
+                  <a:txBody>
+                    <a:bodyPr/>
+                    <a:lstStyle/>
+                    <a:p>
+                      <a:r>
+                        <a:rPr kumimoji="1" lang="en-US" altLang="ja-JP" dirty="0" smtClean="0"/>
+                        <a:t>4</a:t>
+                      </a:r>
+                      <a:endParaRPr kumimoji="1" lang="ja-JP" altLang="en-US" dirty="0"/>
+                    </a:p>
+                  </a:txBody>
+                  <a:tcPr/>
+                </a:tc>
+                <a:tc>
+                  <a:txBody>
+                    <a:bodyPr/>
+                    <a:lstStyle/>
+                    <a:p>
+                      <a:r>
+                        <a:rPr kumimoji="1" lang="en-US" altLang="ja-JP" dirty="0" smtClean="0"/>
+                        <a:t>5</a:t>
+                      </a:r>
+                      <a:endParaRPr kumimoji="1" lang="ja-JP" altLang="en-US" dirty="0"/>
+                    </a:p>
+                  </a:txBody>
+                  <a:tcPr/>
+                </a:tc>
+                <a:tc>
+                  <a:txBody>
+                    <a:bodyPr/>
+                    <a:lstStyle/>
+                    <a:p>
+                      <a:r>
+                        <a:rPr kumimoji="1" lang="en-US" altLang="ja-JP" dirty="0" smtClean="0"/>
+                        <a:t>8</a:t>
+                      </a:r>
+                      <a:endParaRPr kumimoji="1" lang="ja-JP" altLang="en-US" dirty="0"/>
+                    </a:p>
+                  </a:txBody>
+                  <a:tcPr/>
+                </a:tc>
+                <a:extLst>
+                  <a:ext uri="{0D108BD9-81ED-4DB2-BD59-A6C34878D82A}">
+                    <a16:rowId xmlns:a16="http://schemas.microsoft.com/office/drawing/2014/main" val="4276714201"/>
+                  </a:ext>
+                </a:extLst>
+              </a:tr>
+            </a:tbl>
+          </a:graphicData>
+        </a:graphic>
+      </p:graphicFrame>
+      <p:sp>
+        <p:nvSpPr>
+          <p:cNvPr id="32" name="テキスト ボックス 31"/>
+          <p:cNvSpPr txBox="1"/>
+          <p:nvPr/>
+        </p:nvSpPr>
+        <p:spPr>
+          <a:xfrm>
+            <a:off x="4999452" y="5663055"/>
+            <a:ext cx="646331" cy="369332"/>
+          </a:xfrm>
+          <a:prstGeom prst="rect">
+            <a:avLst/>
+          </a:prstGeom>
+          <a:noFill/>
+        </p:spPr>
+        <p:txBody>
+          <a:bodyPr wrap="none" rtlCol="0">
+            <a:spAutoFit/>
+          </a:bodyPr>
+          <a:lstStyle/>
+          <a:p>
+            <a:r>
+              <a:rPr kumimoji="1" lang="ja-JP" altLang="en-US" b="1" dirty="0" smtClean="0">
+                <a:solidFill>
+                  <a:srgbClr val="FF0000"/>
+                </a:solidFill>
+              </a:rPr>
+              <a:t>終了</a:t>
+            </a:r>
+            <a:endParaRPr kumimoji="1" lang="ja-JP" altLang="en-US" b="1" dirty="0">
+              <a:solidFill>
+                <a:srgbClr val="FF0000"/>
+              </a:solidFill>
+            </a:endParaRPr>
+          </a:p>
+        </p:txBody>
+      </p:sp>
+      <p:sp>
+        <p:nvSpPr>
+          <p:cNvPr id="33" name="正方形/長方形 32"/>
+          <p:cNvSpPr/>
+          <p:nvPr/>
+        </p:nvSpPr>
+        <p:spPr>
+          <a:xfrm>
+            <a:off x="10197699" y="4478039"/>
+            <a:ext cx="914400" cy="914400"/>
+          </a:xfrm>
+          <a:prstGeom prst="rect">
+            <a:avLst/>
+          </a:prstGeom>
+          <a:noFill/>
+          <a:ln w="38100">
+            <a:solidFill>
+              <a:srgbClr val="FF0000"/>
+            </a:solidFill>
+          </a:ln>
+        </p:spPr>
+        <p:style>
+          <a:lnRef idx="2">
+            <a:schemeClr val="accent1">
+              <a:shade val="50000"/>
+            </a:schemeClr>
+          </a:lnRef>
+          <a:fillRef idx="1">
+            <a:schemeClr val="accent1"/>
+          </a:fillRef>
+          <a:effectRef idx="0">
+            <a:schemeClr val="accent1"/>
+          </a:effectRef>
+          <a:fontRef idx="minor">
+            <a:schemeClr val="lt1"/>
+          </a:fontRef>
+        </p:style>
+        <p:txBody>
+          <a:bodyPr rtlCol="0" anchor="ctr"/>
+          <a:lstStyle/>
+          <a:p>
+            <a:pPr algn="ctr"/>
+            <a:endParaRPr kumimoji="1" lang="ja-JP" altLang="en-US"/>
+          </a:p>
+        </p:txBody>
+      </p:sp>
+      <p:sp>
+        <p:nvSpPr>
+          <p:cNvPr id="34" name="正方形/長方形 33"/>
+          <p:cNvSpPr/>
+          <p:nvPr/>
+        </p:nvSpPr>
+        <p:spPr>
+          <a:xfrm>
+            <a:off x="9209287" y="4492633"/>
+            <a:ext cx="914400" cy="914400"/>
+          </a:xfrm>
+          <a:prstGeom prst="rect">
+            <a:avLst/>
+          </a:prstGeom>
+          <a:noFill/>
+          <a:ln w="38100">
+            <a:solidFill>
+              <a:srgbClr val="FF0000"/>
+            </a:solidFill>
+          </a:ln>
+        </p:spPr>
+        <p:style>
+          <a:lnRef idx="2">
+            <a:schemeClr val="accent1">
+              <a:shade val="50000"/>
+            </a:schemeClr>
+          </a:lnRef>
+          <a:fillRef idx="1">
+            <a:schemeClr val="accent1"/>
+          </a:fillRef>
+          <a:effectRef idx="0">
+            <a:schemeClr val="accent1"/>
+          </a:effectRef>
+          <a:fontRef idx="minor">
+            <a:schemeClr val="lt1"/>
+          </a:fontRef>
+        </p:style>
+        <p:txBody>
+          <a:bodyPr rtlCol="0" anchor="ctr"/>
+          <a:lstStyle/>
+          <a:p>
+            <a:pPr algn="ctr"/>
+            <a:endParaRPr kumimoji="1" lang="ja-JP" altLang="en-US"/>
+          </a:p>
+        </p:txBody>
+      </p:sp>
+      <p:sp>
+        <p:nvSpPr>
+          <p:cNvPr id="35" name="テキスト ボックス 34"/>
+          <p:cNvSpPr txBox="1"/>
+          <p:nvPr/>
+        </p:nvSpPr>
+        <p:spPr>
+          <a:xfrm>
+            <a:off x="11097822" y="4433796"/>
+            <a:ext cx="877163" cy="369332"/>
+          </a:xfrm>
+          <a:prstGeom prst="rect">
+            <a:avLst/>
+          </a:prstGeom>
+          <a:noFill/>
+        </p:spPr>
+        <p:txBody>
+          <a:bodyPr wrap="none" rtlCol="0">
+            <a:spAutoFit/>
+          </a:bodyPr>
+          <a:lstStyle/>
+          <a:p>
+            <a:r>
+              <a:rPr kumimoji="1" lang="ja-JP" altLang="en-US" b="1" dirty="0" smtClean="0">
+                <a:solidFill>
+                  <a:srgbClr val="FF0000"/>
+                </a:solidFill>
+              </a:rPr>
+              <a:t>最小値</a:t>
+            </a:r>
+            <a:endParaRPr kumimoji="1" lang="ja-JP" altLang="en-US" b="1" dirty="0">
+              <a:solidFill>
+                <a:srgbClr val="FF0000"/>
+              </a:solidFill>
+            </a:endParaRPr>
+          </a:p>
+        </p:txBody>
+      </p:sp>
+    </p:spTree>
+    <p:extLst>
+      <p:ext uri="{BB962C8B-B14F-4D97-AF65-F5344CB8AC3E}">
+        <p14:creationId xmlns:p14="http://schemas.microsoft.com/office/powerpoint/2010/main" val="276934397"/>
+      </p:ext>
+    </p:extLst>
+  </p:cSld>
+  <p:clrMapOvr>
+    <a:masterClrMapping/>
+  </p:clrMapOvr>
+</p:sld>
+</file>
+
+<file path=ppt/slides/slide6.xml><?xml version="1.0" encoding="utf-8"?>
+<p:sld xmlns:a="http://schemas.openxmlformats.org/drawingml/2006/main" xmlns:r="http://schemas.openxmlformats.org/officeDocument/2006/relationships" xmlns:p="http://schemas.openxmlformats.org/presentationml/2006/main">
+  <p:cSld>
+    <p:spTree>
+      <p:nvGrpSpPr>
+        <p:cNvPr id="1" name=""/>
+        <p:cNvGrpSpPr/>
+        <p:nvPr/>
+      </p:nvGrpSpPr>
+      <p:grpSpPr>
+        <a:xfrm>
+          <a:off x="0" y="0"/>
+          <a:ext cx="0" cy="0"/>
+          <a:chOff x="0" y="0"/>
+          <a:chExt cx="0" cy="0"/>
+        </a:xfrm>
+      </p:grpSpPr>
+      <p:sp>
+        <p:nvSpPr>
           <p:cNvPr id="2" name="タイトル 1"/>
           <p:cNvSpPr>
             <a:spLocks noGrp="1"/>
@@ -4685,13 +8168,13 @@
         </p:nvSpPr>
         <p:spPr>
           <a:xfrm>
-            <a:off x="2791689" y="2659439"/>
-            <a:ext cx="7299961" cy="1447049"/>
+            <a:off x="4229791" y="2518124"/>
+            <a:ext cx="3858493" cy="1106226"/>
           </a:xfrm>
         </p:spPr>
         <p:txBody>
           <a:bodyPr>
-            <a:normAutofit fontScale="90000"/>
+            <a:normAutofit/>
           </a:bodyPr>
           <a:lstStyle/>
           <a:p>
@@ -4705,25 +8188,7 @@
             </a:r>
             <a:r>
               <a:rPr kumimoji="1" lang="en-US" altLang="ja-JP" dirty="0" smtClean="0"/>
-              <a:t>2-3</a:t>
-            </a:r>
-            <a:br>
-              <a:rPr kumimoji="1" lang="en-US" altLang="ja-JP" dirty="0" smtClean="0"/>
-            </a:br>
-            <a:r>
-              <a:rPr lang="en-US" altLang="ja-JP" dirty="0"/>
-              <a:t/>
-            </a:r>
-            <a:br>
-              <a:rPr lang="en-US" altLang="ja-JP" dirty="0"/>
-            </a:br>
-            <a:r>
-              <a:rPr lang="en-US" altLang="ja-JP" dirty="0" smtClean="0"/>
-              <a:t>2</a:t>
-            </a:r>
-            <a:r>
-              <a:rPr lang="ja-JP" altLang="en-US" dirty="0" smtClean="0"/>
-              <a:t>分探索を理解できてるかどうかがポイントとなる。</a:t>
+              <a:t>2-4</a:t>
             </a:r>
             <a:endParaRPr kumimoji="1" lang="ja-JP" altLang="en-US" dirty="0"/>
           </a:p>
@@ -4733,6 +8198,74 @@
     <p:extLst>
       <p:ext uri="{BB962C8B-B14F-4D97-AF65-F5344CB8AC3E}">
         <p14:creationId xmlns:p14="http://schemas.microsoft.com/office/powerpoint/2010/main" val="3041200670"/>
+      </p:ext>
+    </p:extLst>
+  </p:cSld>
+  <p:clrMapOvr>
+    <a:masterClrMapping/>
+  </p:clrMapOvr>
+</p:sld>
+</file>
+
+<file path=ppt/slides/slide7.xml><?xml version="1.0" encoding="utf-8"?>
+<p:sld xmlns:a="http://schemas.openxmlformats.org/drawingml/2006/main" xmlns:r="http://schemas.openxmlformats.org/officeDocument/2006/relationships" xmlns:p="http://schemas.openxmlformats.org/presentationml/2006/main">
+  <p:cSld>
+    <p:spTree>
+      <p:nvGrpSpPr>
+        <p:cNvPr id="1" name=""/>
+        <p:cNvGrpSpPr/>
+        <p:nvPr/>
+      </p:nvGrpSpPr>
+      <p:grpSpPr>
+        <a:xfrm>
+          <a:off x="0" y="0"/>
+          <a:ext cx="0" cy="0"/>
+          <a:chOff x="0" y="0"/>
+          <a:chExt cx="0" cy="0"/>
+        </a:xfrm>
+      </p:grpSpPr>
+      <p:sp>
+        <p:nvSpPr>
+          <p:cNvPr id="2" name="タイトル 1"/>
+          <p:cNvSpPr>
+            <a:spLocks noGrp="1"/>
+          </p:cNvSpPr>
+          <p:nvPr>
+            <p:ph type="title"/>
+          </p:nvPr>
+        </p:nvSpPr>
+        <p:spPr>
+          <a:xfrm>
+            <a:off x="4229791" y="2518124"/>
+            <a:ext cx="3858493" cy="1106226"/>
+          </a:xfrm>
+        </p:spPr>
+        <p:txBody>
+          <a:bodyPr>
+            <a:normAutofit/>
+          </a:bodyPr>
+          <a:lstStyle/>
+          <a:p>
+            <a:r>
+              <a:rPr kumimoji="1" lang="en-US" altLang="ja-JP" dirty="0" smtClean="0"/>
+              <a:t>Training</a:t>
+            </a:r>
+            <a:r>
+              <a:rPr kumimoji="1" lang="ja-JP" altLang="en-US" dirty="0" smtClean="0"/>
+              <a:t>　</a:t>
+            </a:r>
+            <a:r>
+              <a:rPr kumimoji="1" lang="en-US" altLang="ja-JP" dirty="0" smtClean="0"/>
+              <a:t>2-5</a:t>
+            </a:r>
+            <a:endParaRPr kumimoji="1" lang="ja-JP" altLang="en-US" dirty="0"/>
+          </a:p>
+        </p:txBody>
+      </p:sp>
+    </p:spTree>
+    <p:extLst>
+      <p:ext uri="{BB962C8B-B14F-4D97-AF65-F5344CB8AC3E}">
+        <p14:creationId xmlns:p14="http://schemas.microsoft.com/office/powerpoint/2010/main" val="3812349210"/>
       </p:ext>
     </p:extLst>
   </p:cSld>

--- a/docs/第11回選択法交換法アルゴリズム .pptx
+++ b/docs/第11回選択法交換法アルゴリズム .pptx
@@ -10,8 +10,9 @@
     <p:sldId id="273" r:id="rId4"/>
     <p:sldId id="274" r:id="rId5"/>
     <p:sldId id="280" r:id="rId6"/>
-    <p:sldId id="278" r:id="rId7"/>
-    <p:sldId id="279" r:id="rId8"/>
+    <p:sldId id="281" r:id="rId7"/>
+    <p:sldId id="278" r:id="rId8"/>
+    <p:sldId id="279" r:id="rId9"/>
   </p:sldIdLst>
   <p:sldSz cx="12192000" cy="6858000"/>
   <p:notesSz cx="6858000" cy="9144000"/>
@@ -8158,6 +8159,2097 @@
       </p:grpSpPr>
       <p:sp>
         <p:nvSpPr>
+          <p:cNvPr id="3" name="テキスト ボックス 2"/>
+          <p:cNvSpPr txBox="1"/>
+          <p:nvPr/>
+        </p:nvSpPr>
+        <p:spPr>
+          <a:xfrm>
+            <a:off x="590204" y="307571"/>
+            <a:ext cx="5968301" cy="5509200"/>
+          </a:xfrm>
+          <a:prstGeom prst="rect">
+            <a:avLst/>
+          </a:prstGeom>
+          <a:noFill/>
+        </p:spPr>
+        <p:txBody>
+          <a:bodyPr wrap="none" rtlCol="0">
+            <a:spAutoFit/>
+          </a:bodyPr>
+          <a:lstStyle/>
+          <a:p>
+            <a:r>
+              <a:rPr lang="ja-JP" altLang="en-US" sz="1600" dirty="0"/>
+              <a:t>○プログラム名：バブルソート </a:t>
+            </a:r>
+            <a:r>
+              <a:rPr lang="en-US" altLang="ja-JP" sz="1600" dirty="0"/>
+              <a:t>/* </a:t>
+            </a:r>
+            <a:r>
+              <a:rPr lang="ja-JP" altLang="en-US" sz="1600" dirty="0"/>
+              <a:t>教科書 </a:t>
+            </a:r>
+            <a:r>
+              <a:rPr lang="en-US" altLang="ja-JP" sz="1600" dirty="0"/>
+              <a:t>84</a:t>
+            </a:r>
+            <a:r>
+              <a:rPr lang="ja-JP" altLang="en-US" sz="1600" dirty="0"/>
+              <a:t>ページサンプル *</a:t>
+            </a:r>
+            <a:r>
+              <a:rPr lang="en-US" altLang="ja-JP" sz="1600" dirty="0"/>
+              <a:t>/</a:t>
+            </a:r>
+          </a:p>
+          <a:p>
+            <a:endParaRPr lang="en-US" altLang="ja-JP" sz="1600" dirty="0"/>
+          </a:p>
+          <a:p>
+            <a:r>
+              <a:rPr lang="en-US" altLang="ja-JP" sz="1600" dirty="0"/>
+              <a:t>○</a:t>
+            </a:r>
+            <a:r>
+              <a:rPr lang="ja-JP" altLang="en-US" sz="1600" dirty="0"/>
+              <a:t>整数型：</a:t>
+            </a:r>
+            <a:r>
+              <a:rPr lang="en-US" altLang="ja-JP" sz="1600" dirty="0"/>
+              <a:t>BubbleSort1(</a:t>
+            </a:r>
+            <a:r>
+              <a:rPr lang="ja-JP" altLang="en-US" sz="1600" dirty="0"/>
+              <a:t>整数型：</a:t>
+            </a:r>
+            <a:r>
+              <a:rPr lang="en-US" altLang="ja-JP" sz="1600" dirty="0"/>
+              <a:t>T[],</a:t>
+            </a:r>
+            <a:r>
+              <a:rPr lang="ja-JP" altLang="en-US" sz="1600" dirty="0"/>
+              <a:t>整数型：</a:t>
+            </a:r>
+            <a:r>
+              <a:rPr lang="en-US" altLang="ja-JP" sz="1600" dirty="0"/>
+              <a:t>N)</a:t>
+            </a:r>
+          </a:p>
+          <a:p>
+            <a:r>
+              <a:rPr lang="en-US" altLang="ja-JP" sz="1600" dirty="0"/>
+              <a:t>○</a:t>
+            </a:r>
+            <a:r>
+              <a:rPr lang="ja-JP" altLang="en-US" sz="1600" dirty="0"/>
+              <a:t>整数型：</a:t>
+            </a:r>
+            <a:r>
+              <a:rPr lang="en-US" altLang="ja-JP" sz="1600" dirty="0"/>
+              <a:t>Tail</a:t>
+            </a:r>
+          </a:p>
+          <a:p>
+            <a:r>
+              <a:rPr lang="en-US" altLang="ja-JP" sz="1600" dirty="0"/>
+              <a:t>○</a:t>
+            </a:r>
+            <a:r>
+              <a:rPr lang="ja-JP" altLang="en-US" sz="1600" dirty="0"/>
+              <a:t>整数型：</a:t>
+            </a:r>
+            <a:r>
+              <a:rPr lang="en-US" altLang="ja-JP" sz="1600" dirty="0" err="1"/>
+              <a:t>Idx</a:t>
+            </a:r>
+            <a:endParaRPr lang="en-US" altLang="ja-JP" sz="1600" dirty="0"/>
+          </a:p>
+          <a:p>
+            <a:r>
+              <a:rPr lang="en-US" altLang="ja-JP" sz="1600" dirty="0"/>
+              <a:t>○</a:t>
+            </a:r>
+            <a:r>
+              <a:rPr lang="ja-JP" altLang="en-US" sz="1600" dirty="0"/>
+              <a:t>整数型：</a:t>
+            </a:r>
+            <a:r>
+              <a:rPr lang="en-US" altLang="ja-JP" sz="1600" dirty="0"/>
+              <a:t>Work</a:t>
+            </a:r>
+          </a:p>
+          <a:p>
+            <a:endParaRPr lang="en-US" altLang="ja-JP" sz="1600" dirty="0"/>
+          </a:p>
+          <a:p>
+            <a:r>
+              <a:rPr lang="en-US" altLang="ja-JP" sz="1600" dirty="0"/>
+              <a:t>●Tail ←</a:t>
+            </a:r>
+            <a:r>
+              <a:rPr lang="ja-JP" altLang="en-US" sz="1600" dirty="0"/>
+              <a:t>　</a:t>
+            </a:r>
+            <a:r>
+              <a:rPr lang="en-US" altLang="ja-JP" sz="1600" dirty="0"/>
+              <a:t>N-1</a:t>
+            </a:r>
+          </a:p>
+          <a:p>
+            <a:endParaRPr lang="en-US" altLang="ja-JP" sz="1600" dirty="0"/>
+          </a:p>
+          <a:p>
+            <a:r>
+              <a:rPr lang="en-US" altLang="ja-JP" sz="1600" dirty="0"/>
+              <a:t>■Tail &gt; 0</a:t>
+            </a:r>
+          </a:p>
+          <a:p>
+            <a:r>
+              <a:rPr lang="ja-JP" altLang="en-US" sz="1600" dirty="0"/>
+              <a:t>｜●</a:t>
+            </a:r>
+            <a:r>
+              <a:rPr lang="en-US" altLang="ja-JP" sz="1600" dirty="0" err="1"/>
+              <a:t>Idx</a:t>
+            </a:r>
+            <a:r>
+              <a:rPr lang="en-US" altLang="ja-JP" sz="1600" dirty="0"/>
+              <a:t> ← 0</a:t>
+            </a:r>
+          </a:p>
+          <a:p>
+            <a:r>
+              <a:rPr lang="ja-JP" altLang="en-US" sz="1600" dirty="0"/>
+              <a:t>｜■</a:t>
+            </a:r>
+            <a:r>
+              <a:rPr lang="en-US" altLang="ja-JP" sz="1600" dirty="0" err="1"/>
+              <a:t>Idx</a:t>
+            </a:r>
+            <a:r>
+              <a:rPr lang="en-US" altLang="ja-JP" sz="1600" dirty="0"/>
+              <a:t> &lt; Tail</a:t>
+            </a:r>
+          </a:p>
+          <a:p>
+            <a:r>
+              <a:rPr lang="ja-JP" altLang="en-US" sz="1600" dirty="0"/>
+              <a:t>｜｜▲</a:t>
+            </a:r>
+            <a:r>
+              <a:rPr lang="en-US" altLang="ja-JP" sz="1600" dirty="0"/>
+              <a:t>T[</a:t>
+            </a:r>
+            <a:r>
+              <a:rPr lang="en-US" altLang="ja-JP" sz="1600" dirty="0" err="1"/>
+              <a:t>Idx</a:t>
+            </a:r>
+            <a:r>
+              <a:rPr lang="en-US" altLang="ja-JP" sz="1600" dirty="0"/>
+              <a:t>]&gt;T[Idx+1]</a:t>
+            </a:r>
+          </a:p>
+          <a:p>
+            <a:r>
+              <a:rPr lang="ja-JP" altLang="en-US" sz="1600" dirty="0"/>
+              <a:t>｜｜｜●</a:t>
+            </a:r>
+            <a:r>
+              <a:rPr lang="en-US" altLang="ja-JP" sz="1600" dirty="0"/>
+              <a:t>Work ← T[</a:t>
+            </a:r>
+            <a:r>
+              <a:rPr lang="en-US" altLang="ja-JP" sz="1600" dirty="0" err="1"/>
+              <a:t>Idx</a:t>
+            </a:r>
+            <a:r>
+              <a:rPr lang="en-US" altLang="ja-JP" sz="1600" dirty="0"/>
+              <a:t>]</a:t>
+            </a:r>
+          </a:p>
+          <a:p>
+            <a:r>
+              <a:rPr lang="ja-JP" altLang="en-US" sz="1600" dirty="0"/>
+              <a:t>｜｜｜●</a:t>
+            </a:r>
+            <a:r>
+              <a:rPr lang="en-US" altLang="ja-JP" sz="1600" dirty="0"/>
+              <a:t>T[</a:t>
+            </a:r>
+            <a:r>
+              <a:rPr lang="en-US" altLang="ja-JP" sz="1600" dirty="0" err="1"/>
+              <a:t>Idx</a:t>
+            </a:r>
+            <a:r>
+              <a:rPr lang="en-US" altLang="ja-JP" sz="1600" dirty="0"/>
+              <a:t>] ← T[Idx+1]</a:t>
+            </a:r>
+          </a:p>
+          <a:p>
+            <a:r>
+              <a:rPr lang="ja-JP" altLang="en-US" sz="1600" dirty="0"/>
+              <a:t>｜｜｜●</a:t>
+            </a:r>
+            <a:r>
+              <a:rPr lang="en-US" altLang="ja-JP" sz="1600" dirty="0"/>
+              <a:t>T[Idx+1] ← Work</a:t>
+            </a:r>
+          </a:p>
+          <a:p>
+            <a:r>
+              <a:rPr lang="ja-JP" altLang="en-US" sz="1600" dirty="0"/>
+              <a:t>｜｜▼</a:t>
+            </a:r>
+          </a:p>
+          <a:p>
+            <a:r>
+              <a:rPr lang="ja-JP" altLang="en-US" sz="1600" dirty="0"/>
+              <a:t>｜｜●</a:t>
+            </a:r>
+            <a:r>
+              <a:rPr lang="en-US" altLang="ja-JP" sz="1600" dirty="0" err="1"/>
+              <a:t>Idx</a:t>
+            </a:r>
+            <a:r>
+              <a:rPr lang="en-US" altLang="ja-JP" sz="1600" dirty="0"/>
+              <a:t> ← </a:t>
+            </a:r>
+            <a:r>
+              <a:rPr lang="en-US" altLang="ja-JP" sz="1600" dirty="0" err="1"/>
+              <a:t>Idx</a:t>
+            </a:r>
+            <a:r>
+              <a:rPr lang="en-US" altLang="ja-JP" sz="1600" dirty="0"/>
+              <a:t> + 1</a:t>
+            </a:r>
+          </a:p>
+          <a:p>
+            <a:r>
+              <a:rPr lang="ja-JP" altLang="en-US" sz="1600" dirty="0"/>
+              <a:t>｜□</a:t>
+            </a:r>
+          </a:p>
+          <a:p>
+            <a:r>
+              <a:rPr lang="ja-JP" altLang="en-US" sz="1600" dirty="0"/>
+              <a:t>｜●</a:t>
+            </a:r>
+            <a:r>
+              <a:rPr lang="en-US" altLang="ja-JP" sz="1600" dirty="0"/>
+              <a:t>Tail ← Tail - 1</a:t>
+            </a:r>
+          </a:p>
+          <a:p>
+            <a:r>
+              <a:rPr lang="en-US" altLang="ja-JP" sz="1600" dirty="0"/>
+              <a:t>□</a:t>
+            </a:r>
+          </a:p>
+          <a:p>
+            <a:endParaRPr lang="en-US" altLang="ja-JP" sz="1600" dirty="0" smtClean="0"/>
+          </a:p>
+        </p:txBody>
+      </p:sp>
+      <p:graphicFrame>
+        <p:nvGraphicFramePr>
+          <p:cNvPr id="11" name="表 10"/>
+          <p:cNvGraphicFramePr>
+            <a:graphicFrameLocks noGrp="1"/>
+          </p:cNvGraphicFramePr>
+          <p:nvPr>
+            <p:extLst/>
+          </p:nvPr>
+        </p:nvGraphicFramePr>
+        <p:xfrm>
+          <a:off x="6353320" y="1358733"/>
+          <a:ext cx="4917440" cy="731520"/>
+        </p:xfrm>
+        <a:graphic>
+          <a:graphicData uri="http://schemas.openxmlformats.org/drawingml/2006/table">
+            <a:tbl>
+              <a:tblPr firstRow="1" bandRow="1">
+                <a:tableStyleId>{5C22544A-7EE6-4342-B048-85BDC9FD1C3A}</a:tableStyleId>
+              </a:tblPr>
+              <a:tblGrid>
+                <a:gridCol w="983488">
+                  <a:extLst>
+                    <a:ext uri="{9D8B030D-6E8A-4147-A177-3AD203B41FA5}">
+                      <a16:colId xmlns:a16="http://schemas.microsoft.com/office/drawing/2014/main" val="269848708"/>
+                    </a:ext>
+                  </a:extLst>
+                </a:gridCol>
+                <a:gridCol w="983488">
+                  <a:extLst>
+                    <a:ext uri="{9D8B030D-6E8A-4147-A177-3AD203B41FA5}">
+                      <a16:colId xmlns:a16="http://schemas.microsoft.com/office/drawing/2014/main" val="3426576138"/>
+                    </a:ext>
+                  </a:extLst>
+                </a:gridCol>
+                <a:gridCol w="983488">
+                  <a:extLst>
+                    <a:ext uri="{9D8B030D-6E8A-4147-A177-3AD203B41FA5}">
+                      <a16:colId xmlns:a16="http://schemas.microsoft.com/office/drawing/2014/main" val="2126635011"/>
+                    </a:ext>
+                  </a:extLst>
+                </a:gridCol>
+                <a:gridCol w="983488">
+                  <a:extLst>
+                    <a:ext uri="{9D8B030D-6E8A-4147-A177-3AD203B41FA5}">
+                      <a16:colId xmlns:a16="http://schemas.microsoft.com/office/drawing/2014/main" val="4080494730"/>
+                    </a:ext>
+                  </a:extLst>
+                </a:gridCol>
+                <a:gridCol w="983488">
+                  <a:extLst>
+                    <a:ext uri="{9D8B030D-6E8A-4147-A177-3AD203B41FA5}">
+                      <a16:colId xmlns:a16="http://schemas.microsoft.com/office/drawing/2014/main" val="2782661137"/>
+                    </a:ext>
+                  </a:extLst>
+                </a:gridCol>
+              </a:tblGrid>
+              <a:tr h="342593">
+                <a:tc>
+                  <a:txBody>
+                    <a:bodyPr/>
+                    <a:lstStyle/>
+                    <a:p>
+                      <a:r>
+                        <a:rPr kumimoji="1" lang="en-US" altLang="ja-JP" dirty="0" smtClean="0"/>
+                        <a:t>T[0]</a:t>
+                      </a:r>
+                      <a:endParaRPr kumimoji="1" lang="ja-JP" altLang="en-US" dirty="0"/>
+                    </a:p>
+                  </a:txBody>
+                  <a:tcPr/>
+                </a:tc>
+                <a:tc>
+                  <a:txBody>
+                    <a:bodyPr/>
+                    <a:lstStyle/>
+                    <a:p>
+                      <a:r>
+                        <a:rPr kumimoji="1" lang="en-US" altLang="ja-JP" dirty="0" smtClean="0"/>
+                        <a:t>T[1]</a:t>
+                      </a:r>
+                      <a:endParaRPr kumimoji="1" lang="ja-JP" altLang="en-US" dirty="0"/>
+                    </a:p>
+                  </a:txBody>
+                  <a:tcPr/>
+                </a:tc>
+                <a:tc>
+                  <a:txBody>
+                    <a:bodyPr/>
+                    <a:lstStyle/>
+                    <a:p>
+                      <a:r>
+                        <a:rPr kumimoji="1" lang="en-US" altLang="ja-JP" dirty="0" smtClean="0"/>
+                        <a:t>T[2]</a:t>
+                      </a:r>
+                      <a:endParaRPr kumimoji="1" lang="ja-JP" altLang="en-US" dirty="0"/>
+                    </a:p>
+                  </a:txBody>
+                  <a:tcPr/>
+                </a:tc>
+                <a:tc>
+                  <a:txBody>
+                    <a:bodyPr/>
+                    <a:lstStyle/>
+                    <a:p>
+                      <a:r>
+                        <a:rPr kumimoji="1" lang="en-US" altLang="ja-JP" dirty="0" smtClean="0"/>
+                        <a:t>T[3]</a:t>
+                      </a:r>
+                      <a:endParaRPr kumimoji="1" lang="ja-JP" altLang="en-US" dirty="0"/>
+                    </a:p>
+                  </a:txBody>
+                  <a:tcPr/>
+                </a:tc>
+                <a:tc>
+                  <a:txBody>
+                    <a:bodyPr/>
+                    <a:lstStyle/>
+                    <a:p>
+                      <a:r>
+                        <a:rPr kumimoji="1" lang="en-US" altLang="ja-JP" dirty="0" smtClean="0"/>
+                        <a:t>T[4]</a:t>
+                      </a:r>
+                      <a:endParaRPr kumimoji="1" lang="ja-JP" altLang="en-US" dirty="0"/>
+                    </a:p>
+                  </a:txBody>
+                  <a:tcPr/>
+                </a:tc>
+                <a:extLst>
+                  <a:ext uri="{0D108BD9-81ED-4DB2-BD59-A6C34878D82A}">
+                    <a16:rowId xmlns:a16="http://schemas.microsoft.com/office/drawing/2014/main" val="284480592"/>
+                  </a:ext>
+                </a:extLst>
+              </a:tr>
+              <a:tr h="342593">
+                <a:tc>
+                  <a:txBody>
+                    <a:bodyPr/>
+                    <a:lstStyle/>
+                    <a:p>
+                      <a:r>
+                        <a:rPr kumimoji="1" lang="en-US" altLang="ja-JP" dirty="0" smtClean="0"/>
+                        <a:t>5</a:t>
+                      </a:r>
+                      <a:endParaRPr kumimoji="1" lang="ja-JP" altLang="en-US" dirty="0"/>
+                    </a:p>
+                  </a:txBody>
+                  <a:tcPr/>
+                </a:tc>
+                <a:tc>
+                  <a:txBody>
+                    <a:bodyPr/>
+                    <a:lstStyle/>
+                    <a:p>
+                      <a:r>
+                        <a:rPr kumimoji="1" lang="en-US" altLang="ja-JP" dirty="0" smtClean="0"/>
+                        <a:t>4</a:t>
+                      </a:r>
+                      <a:endParaRPr kumimoji="1" lang="ja-JP" altLang="en-US" dirty="0"/>
+                    </a:p>
+                  </a:txBody>
+                  <a:tcPr/>
+                </a:tc>
+                <a:tc>
+                  <a:txBody>
+                    <a:bodyPr/>
+                    <a:lstStyle/>
+                    <a:p>
+                      <a:r>
+                        <a:rPr kumimoji="1" lang="en-US" altLang="ja-JP" dirty="0" smtClean="0"/>
+                        <a:t>1</a:t>
+                      </a:r>
+                      <a:endParaRPr kumimoji="1" lang="ja-JP" altLang="en-US" dirty="0"/>
+                    </a:p>
+                  </a:txBody>
+                  <a:tcPr/>
+                </a:tc>
+                <a:tc>
+                  <a:txBody>
+                    <a:bodyPr/>
+                    <a:lstStyle/>
+                    <a:p>
+                      <a:r>
+                        <a:rPr kumimoji="1" lang="en-US" altLang="ja-JP" dirty="0" smtClean="0"/>
+                        <a:t>8</a:t>
+                      </a:r>
+                      <a:endParaRPr kumimoji="1" lang="ja-JP" altLang="en-US" dirty="0"/>
+                    </a:p>
+                  </a:txBody>
+                  <a:tcPr/>
+                </a:tc>
+                <a:tc>
+                  <a:txBody>
+                    <a:bodyPr/>
+                    <a:lstStyle/>
+                    <a:p>
+                      <a:r>
+                        <a:rPr kumimoji="1" lang="en-US" altLang="ja-JP" dirty="0" smtClean="0"/>
+                        <a:t>2</a:t>
+                      </a:r>
+                      <a:endParaRPr kumimoji="1" lang="ja-JP" altLang="en-US" dirty="0"/>
+                    </a:p>
+                  </a:txBody>
+                  <a:tcPr/>
+                </a:tc>
+                <a:extLst>
+                  <a:ext uri="{0D108BD9-81ED-4DB2-BD59-A6C34878D82A}">
+                    <a16:rowId xmlns:a16="http://schemas.microsoft.com/office/drawing/2014/main" val="4276714201"/>
+                  </a:ext>
+                </a:extLst>
+              </a:tr>
+            </a:tbl>
+          </a:graphicData>
+        </a:graphic>
+      </p:graphicFrame>
+      <p:graphicFrame>
+        <p:nvGraphicFramePr>
+          <p:cNvPr id="14" name="表 13"/>
+          <p:cNvGraphicFramePr>
+            <a:graphicFrameLocks noGrp="1"/>
+          </p:cNvGraphicFramePr>
+          <p:nvPr>
+            <p:extLst>
+              <p:ext uri="{D42A27DB-BD31-4B8C-83A1-F6EECF244321}">
+                <p14:modId xmlns:p14="http://schemas.microsoft.com/office/powerpoint/2010/main" val="1388922585"/>
+              </p:ext>
+            </p:extLst>
+          </p:nvPr>
+        </p:nvGraphicFramePr>
+        <p:xfrm>
+          <a:off x="6353320" y="2442159"/>
+          <a:ext cx="4917440" cy="731520"/>
+        </p:xfrm>
+        <a:graphic>
+          <a:graphicData uri="http://schemas.openxmlformats.org/drawingml/2006/table">
+            <a:tbl>
+              <a:tblPr firstRow="1" bandRow="1">
+                <a:tableStyleId>{5C22544A-7EE6-4342-B048-85BDC9FD1C3A}</a:tableStyleId>
+              </a:tblPr>
+              <a:tblGrid>
+                <a:gridCol w="983488">
+                  <a:extLst>
+                    <a:ext uri="{9D8B030D-6E8A-4147-A177-3AD203B41FA5}">
+                      <a16:colId xmlns:a16="http://schemas.microsoft.com/office/drawing/2014/main" val="269848708"/>
+                    </a:ext>
+                  </a:extLst>
+                </a:gridCol>
+                <a:gridCol w="983488">
+                  <a:extLst>
+                    <a:ext uri="{9D8B030D-6E8A-4147-A177-3AD203B41FA5}">
+                      <a16:colId xmlns:a16="http://schemas.microsoft.com/office/drawing/2014/main" val="3426576138"/>
+                    </a:ext>
+                  </a:extLst>
+                </a:gridCol>
+                <a:gridCol w="983488">
+                  <a:extLst>
+                    <a:ext uri="{9D8B030D-6E8A-4147-A177-3AD203B41FA5}">
+                      <a16:colId xmlns:a16="http://schemas.microsoft.com/office/drawing/2014/main" val="2126635011"/>
+                    </a:ext>
+                  </a:extLst>
+                </a:gridCol>
+                <a:gridCol w="983488">
+                  <a:extLst>
+                    <a:ext uri="{9D8B030D-6E8A-4147-A177-3AD203B41FA5}">
+                      <a16:colId xmlns:a16="http://schemas.microsoft.com/office/drawing/2014/main" val="4080494730"/>
+                    </a:ext>
+                  </a:extLst>
+                </a:gridCol>
+                <a:gridCol w="983488">
+                  <a:extLst>
+                    <a:ext uri="{9D8B030D-6E8A-4147-A177-3AD203B41FA5}">
+                      <a16:colId xmlns:a16="http://schemas.microsoft.com/office/drawing/2014/main" val="2782661137"/>
+                    </a:ext>
+                  </a:extLst>
+                </a:gridCol>
+              </a:tblGrid>
+              <a:tr h="342593">
+                <a:tc>
+                  <a:txBody>
+                    <a:bodyPr/>
+                    <a:lstStyle/>
+                    <a:p>
+                      <a:r>
+                        <a:rPr kumimoji="1" lang="en-US" altLang="ja-JP" dirty="0" smtClean="0"/>
+                        <a:t>T[0]</a:t>
+                      </a:r>
+                      <a:endParaRPr kumimoji="1" lang="ja-JP" altLang="en-US" dirty="0"/>
+                    </a:p>
+                  </a:txBody>
+                  <a:tcPr/>
+                </a:tc>
+                <a:tc>
+                  <a:txBody>
+                    <a:bodyPr/>
+                    <a:lstStyle/>
+                    <a:p>
+                      <a:r>
+                        <a:rPr kumimoji="1" lang="en-US" altLang="ja-JP" dirty="0" smtClean="0"/>
+                        <a:t>T[1]</a:t>
+                      </a:r>
+                      <a:endParaRPr kumimoji="1" lang="ja-JP" altLang="en-US" dirty="0"/>
+                    </a:p>
+                  </a:txBody>
+                  <a:tcPr/>
+                </a:tc>
+                <a:tc>
+                  <a:txBody>
+                    <a:bodyPr/>
+                    <a:lstStyle/>
+                    <a:p>
+                      <a:r>
+                        <a:rPr kumimoji="1" lang="en-US" altLang="ja-JP" dirty="0" smtClean="0"/>
+                        <a:t>T[2]</a:t>
+                      </a:r>
+                      <a:endParaRPr kumimoji="1" lang="ja-JP" altLang="en-US" dirty="0"/>
+                    </a:p>
+                  </a:txBody>
+                  <a:tcPr/>
+                </a:tc>
+                <a:tc>
+                  <a:txBody>
+                    <a:bodyPr/>
+                    <a:lstStyle/>
+                    <a:p>
+                      <a:r>
+                        <a:rPr kumimoji="1" lang="en-US" altLang="ja-JP" dirty="0" smtClean="0"/>
+                        <a:t>T[3]</a:t>
+                      </a:r>
+                      <a:endParaRPr kumimoji="1" lang="ja-JP" altLang="en-US" dirty="0"/>
+                    </a:p>
+                  </a:txBody>
+                  <a:tcPr/>
+                </a:tc>
+                <a:tc>
+                  <a:txBody>
+                    <a:bodyPr/>
+                    <a:lstStyle/>
+                    <a:p>
+                      <a:r>
+                        <a:rPr kumimoji="1" lang="en-US" altLang="ja-JP" dirty="0" smtClean="0"/>
+                        <a:t>T[4]</a:t>
+                      </a:r>
+                      <a:endParaRPr kumimoji="1" lang="ja-JP" altLang="en-US" dirty="0"/>
+                    </a:p>
+                  </a:txBody>
+                  <a:tcPr/>
+                </a:tc>
+                <a:extLst>
+                  <a:ext uri="{0D108BD9-81ED-4DB2-BD59-A6C34878D82A}">
+                    <a16:rowId xmlns:a16="http://schemas.microsoft.com/office/drawing/2014/main" val="284480592"/>
+                  </a:ext>
+                </a:extLst>
+              </a:tr>
+              <a:tr h="342593">
+                <a:tc>
+                  <a:txBody>
+                    <a:bodyPr/>
+                    <a:lstStyle/>
+                    <a:p>
+                      <a:r>
+                        <a:rPr kumimoji="1" lang="en-US" altLang="ja-JP" dirty="0" smtClean="0"/>
+                        <a:t>4</a:t>
+                      </a:r>
+                      <a:endParaRPr kumimoji="1" lang="ja-JP" altLang="en-US" dirty="0"/>
+                    </a:p>
+                  </a:txBody>
+                  <a:tcPr/>
+                </a:tc>
+                <a:tc>
+                  <a:txBody>
+                    <a:bodyPr/>
+                    <a:lstStyle/>
+                    <a:p>
+                      <a:r>
+                        <a:rPr kumimoji="1" lang="en-US" altLang="ja-JP" dirty="0" smtClean="0"/>
+                        <a:t>5</a:t>
+                      </a:r>
+                      <a:endParaRPr kumimoji="1" lang="ja-JP" altLang="en-US" dirty="0"/>
+                    </a:p>
+                  </a:txBody>
+                  <a:tcPr/>
+                </a:tc>
+                <a:tc>
+                  <a:txBody>
+                    <a:bodyPr/>
+                    <a:lstStyle/>
+                    <a:p>
+                      <a:r>
+                        <a:rPr kumimoji="1" lang="en-US" altLang="ja-JP" dirty="0" smtClean="0"/>
+                        <a:t>1</a:t>
+                      </a:r>
+                      <a:endParaRPr kumimoji="1" lang="ja-JP" altLang="en-US" dirty="0"/>
+                    </a:p>
+                  </a:txBody>
+                  <a:tcPr/>
+                </a:tc>
+                <a:tc>
+                  <a:txBody>
+                    <a:bodyPr/>
+                    <a:lstStyle/>
+                    <a:p>
+                      <a:r>
+                        <a:rPr kumimoji="1" lang="en-US" altLang="ja-JP" dirty="0" smtClean="0"/>
+                        <a:t>8</a:t>
+                      </a:r>
+                      <a:endParaRPr kumimoji="1" lang="ja-JP" altLang="en-US" dirty="0"/>
+                    </a:p>
+                  </a:txBody>
+                  <a:tcPr/>
+                </a:tc>
+                <a:tc>
+                  <a:txBody>
+                    <a:bodyPr/>
+                    <a:lstStyle/>
+                    <a:p>
+                      <a:r>
+                        <a:rPr kumimoji="1" lang="en-US" altLang="ja-JP" dirty="0" smtClean="0"/>
+                        <a:t>2</a:t>
+                      </a:r>
+                      <a:endParaRPr kumimoji="1" lang="ja-JP" altLang="en-US" dirty="0"/>
+                    </a:p>
+                  </a:txBody>
+                  <a:tcPr/>
+                </a:tc>
+                <a:extLst>
+                  <a:ext uri="{0D108BD9-81ED-4DB2-BD59-A6C34878D82A}">
+                    <a16:rowId xmlns:a16="http://schemas.microsoft.com/office/drawing/2014/main" val="4276714201"/>
+                  </a:ext>
+                </a:extLst>
+              </a:tr>
+            </a:tbl>
+          </a:graphicData>
+        </a:graphic>
+      </p:graphicFrame>
+      <p:graphicFrame>
+        <p:nvGraphicFramePr>
+          <p:cNvPr id="15" name="表 14"/>
+          <p:cNvGraphicFramePr>
+            <a:graphicFrameLocks noGrp="1"/>
+          </p:cNvGraphicFramePr>
+          <p:nvPr>
+            <p:extLst>
+              <p:ext uri="{D42A27DB-BD31-4B8C-83A1-F6EECF244321}">
+                <p14:modId xmlns:p14="http://schemas.microsoft.com/office/powerpoint/2010/main" val="3399114485"/>
+              </p:ext>
+            </p:extLst>
+          </p:nvPr>
+        </p:nvGraphicFramePr>
+        <p:xfrm>
+          <a:off x="6347775" y="3459083"/>
+          <a:ext cx="4917440" cy="731520"/>
+        </p:xfrm>
+        <a:graphic>
+          <a:graphicData uri="http://schemas.openxmlformats.org/drawingml/2006/table">
+            <a:tbl>
+              <a:tblPr firstRow="1" bandRow="1">
+                <a:tableStyleId>{5C22544A-7EE6-4342-B048-85BDC9FD1C3A}</a:tableStyleId>
+              </a:tblPr>
+              <a:tblGrid>
+                <a:gridCol w="983488">
+                  <a:extLst>
+                    <a:ext uri="{9D8B030D-6E8A-4147-A177-3AD203B41FA5}">
+                      <a16:colId xmlns:a16="http://schemas.microsoft.com/office/drawing/2014/main" val="269848708"/>
+                    </a:ext>
+                  </a:extLst>
+                </a:gridCol>
+                <a:gridCol w="983488">
+                  <a:extLst>
+                    <a:ext uri="{9D8B030D-6E8A-4147-A177-3AD203B41FA5}">
+                      <a16:colId xmlns:a16="http://schemas.microsoft.com/office/drawing/2014/main" val="3426576138"/>
+                    </a:ext>
+                  </a:extLst>
+                </a:gridCol>
+                <a:gridCol w="983488">
+                  <a:extLst>
+                    <a:ext uri="{9D8B030D-6E8A-4147-A177-3AD203B41FA5}">
+                      <a16:colId xmlns:a16="http://schemas.microsoft.com/office/drawing/2014/main" val="2126635011"/>
+                    </a:ext>
+                  </a:extLst>
+                </a:gridCol>
+                <a:gridCol w="983488">
+                  <a:extLst>
+                    <a:ext uri="{9D8B030D-6E8A-4147-A177-3AD203B41FA5}">
+                      <a16:colId xmlns:a16="http://schemas.microsoft.com/office/drawing/2014/main" val="4080494730"/>
+                    </a:ext>
+                  </a:extLst>
+                </a:gridCol>
+                <a:gridCol w="983488">
+                  <a:extLst>
+                    <a:ext uri="{9D8B030D-6E8A-4147-A177-3AD203B41FA5}">
+                      <a16:colId xmlns:a16="http://schemas.microsoft.com/office/drawing/2014/main" val="2782661137"/>
+                    </a:ext>
+                  </a:extLst>
+                </a:gridCol>
+              </a:tblGrid>
+              <a:tr h="342593">
+                <a:tc>
+                  <a:txBody>
+                    <a:bodyPr/>
+                    <a:lstStyle/>
+                    <a:p>
+                      <a:r>
+                        <a:rPr kumimoji="1" lang="en-US" altLang="ja-JP" dirty="0" smtClean="0"/>
+                        <a:t>T[0]</a:t>
+                      </a:r>
+                      <a:endParaRPr kumimoji="1" lang="ja-JP" altLang="en-US" dirty="0"/>
+                    </a:p>
+                  </a:txBody>
+                  <a:tcPr/>
+                </a:tc>
+                <a:tc>
+                  <a:txBody>
+                    <a:bodyPr/>
+                    <a:lstStyle/>
+                    <a:p>
+                      <a:r>
+                        <a:rPr kumimoji="1" lang="en-US" altLang="ja-JP" dirty="0" smtClean="0"/>
+                        <a:t>T[1]</a:t>
+                      </a:r>
+                      <a:endParaRPr kumimoji="1" lang="ja-JP" altLang="en-US" dirty="0"/>
+                    </a:p>
+                  </a:txBody>
+                  <a:tcPr/>
+                </a:tc>
+                <a:tc>
+                  <a:txBody>
+                    <a:bodyPr/>
+                    <a:lstStyle/>
+                    <a:p>
+                      <a:r>
+                        <a:rPr kumimoji="1" lang="en-US" altLang="ja-JP" dirty="0" smtClean="0"/>
+                        <a:t>T[2]</a:t>
+                      </a:r>
+                      <a:endParaRPr kumimoji="1" lang="ja-JP" altLang="en-US" dirty="0"/>
+                    </a:p>
+                  </a:txBody>
+                  <a:tcPr/>
+                </a:tc>
+                <a:tc>
+                  <a:txBody>
+                    <a:bodyPr/>
+                    <a:lstStyle/>
+                    <a:p>
+                      <a:r>
+                        <a:rPr kumimoji="1" lang="en-US" altLang="ja-JP" dirty="0" smtClean="0"/>
+                        <a:t>T[3]</a:t>
+                      </a:r>
+                      <a:endParaRPr kumimoji="1" lang="ja-JP" altLang="en-US" dirty="0"/>
+                    </a:p>
+                  </a:txBody>
+                  <a:tcPr/>
+                </a:tc>
+                <a:tc>
+                  <a:txBody>
+                    <a:bodyPr/>
+                    <a:lstStyle/>
+                    <a:p>
+                      <a:r>
+                        <a:rPr kumimoji="1" lang="en-US" altLang="ja-JP" dirty="0" smtClean="0"/>
+                        <a:t>T[4]</a:t>
+                      </a:r>
+                      <a:endParaRPr kumimoji="1" lang="ja-JP" altLang="en-US" dirty="0"/>
+                    </a:p>
+                  </a:txBody>
+                  <a:tcPr/>
+                </a:tc>
+                <a:extLst>
+                  <a:ext uri="{0D108BD9-81ED-4DB2-BD59-A6C34878D82A}">
+                    <a16:rowId xmlns:a16="http://schemas.microsoft.com/office/drawing/2014/main" val="284480592"/>
+                  </a:ext>
+                </a:extLst>
+              </a:tr>
+              <a:tr h="342593">
+                <a:tc>
+                  <a:txBody>
+                    <a:bodyPr/>
+                    <a:lstStyle/>
+                    <a:p>
+                      <a:r>
+                        <a:rPr kumimoji="1" lang="en-US" altLang="ja-JP" dirty="0" smtClean="0"/>
+                        <a:t>4</a:t>
+                      </a:r>
+                      <a:endParaRPr kumimoji="1" lang="ja-JP" altLang="en-US" dirty="0"/>
+                    </a:p>
+                  </a:txBody>
+                  <a:tcPr/>
+                </a:tc>
+                <a:tc>
+                  <a:txBody>
+                    <a:bodyPr/>
+                    <a:lstStyle/>
+                    <a:p>
+                      <a:r>
+                        <a:rPr kumimoji="1" lang="en-US" altLang="ja-JP" dirty="0" smtClean="0"/>
+                        <a:t>1</a:t>
+                      </a:r>
+                      <a:endParaRPr kumimoji="1" lang="ja-JP" altLang="en-US" dirty="0"/>
+                    </a:p>
+                  </a:txBody>
+                  <a:tcPr/>
+                </a:tc>
+                <a:tc>
+                  <a:txBody>
+                    <a:bodyPr/>
+                    <a:lstStyle/>
+                    <a:p>
+                      <a:r>
+                        <a:rPr kumimoji="1" lang="en-US" altLang="ja-JP" dirty="0" smtClean="0"/>
+                        <a:t>5</a:t>
+                      </a:r>
+                      <a:endParaRPr kumimoji="1" lang="ja-JP" altLang="en-US" dirty="0"/>
+                    </a:p>
+                  </a:txBody>
+                  <a:tcPr/>
+                </a:tc>
+                <a:tc>
+                  <a:txBody>
+                    <a:bodyPr/>
+                    <a:lstStyle/>
+                    <a:p>
+                      <a:r>
+                        <a:rPr kumimoji="1" lang="en-US" altLang="ja-JP" dirty="0" smtClean="0"/>
+                        <a:t>8</a:t>
+                      </a:r>
+                      <a:endParaRPr kumimoji="1" lang="ja-JP" altLang="en-US" dirty="0"/>
+                    </a:p>
+                  </a:txBody>
+                  <a:tcPr/>
+                </a:tc>
+                <a:tc>
+                  <a:txBody>
+                    <a:bodyPr/>
+                    <a:lstStyle/>
+                    <a:p>
+                      <a:r>
+                        <a:rPr kumimoji="1" lang="en-US" altLang="ja-JP" dirty="0" smtClean="0"/>
+                        <a:t>2</a:t>
+                      </a:r>
+                      <a:endParaRPr kumimoji="1" lang="ja-JP" altLang="en-US" dirty="0"/>
+                    </a:p>
+                  </a:txBody>
+                  <a:tcPr/>
+                </a:tc>
+                <a:extLst>
+                  <a:ext uri="{0D108BD9-81ED-4DB2-BD59-A6C34878D82A}">
+                    <a16:rowId xmlns:a16="http://schemas.microsoft.com/office/drawing/2014/main" val="4276714201"/>
+                  </a:ext>
+                </a:extLst>
+              </a:tr>
+            </a:tbl>
+          </a:graphicData>
+        </a:graphic>
+      </p:graphicFrame>
+      <p:sp>
+        <p:nvSpPr>
+          <p:cNvPr id="16" name="テキスト ボックス 15"/>
+          <p:cNvSpPr txBox="1"/>
+          <p:nvPr/>
+        </p:nvSpPr>
+        <p:spPr>
+          <a:xfrm>
+            <a:off x="5004262" y="1539827"/>
+            <a:ext cx="779381" cy="369332"/>
+          </a:xfrm>
+          <a:prstGeom prst="rect">
+            <a:avLst/>
+          </a:prstGeom>
+          <a:noFill/>
+        </p:spPr>
+        <p:txBody>
+          <a:bodyPr wrap="none" rtlCol="0">
+            <a:spAutoFit/>
+          </a:bodyPr>
+          <a:lstStyle/>
+          <a:p>
+            <a:r>
+              <a:rPr lang="en-US" altLang="ja-JP" b="1" dirty="0">
+                <a:solidFill>
+                  <a:srgbClr val="FF0000"/>
+                </a:solidFill>
+              </a:rPr>
+              <a:t>1</a:t>
+            </a:r>
+            <a:r>
+              <a:rPr kumimoji="1" lang="ja-JP" altLang="en-US" b="1" dirty="0" smtClean="0">
+                <a:solidFill>
+                  <a:srgbClr val="FF0000"/>
+                </a:solidFill>
+              </a:rPr>
+              <a:t>回目</a:t>
+            </a:r>
+            <a:endParaRPr kumimoji="1" lang="ja-JP" altLang="en-US" b="1" dirty="0">
+              <a:solidFill>
+                <a:srgbClr val="FF0000"/>
+              </a:solidFill>
+            </a:endParaRPr>
+          </a:p>
+        </p:txBody>
+      </p:sp>
+      <p:sp>
+        <p:nvSpPr>
+          <p:cNvPr id="17" name="テキスト ボックス 16"/>
+          <p:cNvSpPr txBox="1"/>
+          <p:nvPr/>
+        </p:nvSpPr>
+        <p:spPr>
+          <a:xfrm>
+            <a:off x="5004261" y="2531813"/>
+            <a:ext cx="779381" cy="369332"/>
+          </a:xfrm>
+          <a:prstGeom prst="rect">
+            <a:avLst/>
+          </a:prstGeom>
+          <a:noFill/>
+        </p:spPr>
+        <p:txBody>
+          <a:bodyPr wrap="none" rtlCol="0">
+            <a:spAutoFit/>
+          </a:bodyPr>
+          <a:lstStyle/>
+          <a:p>
+            <a:r>
+              <a:rPr lang="en-US" altLang="ja-JP" b="1" dirty="0">
+                <a:solidFill>
+                  <a:srgbClr val="FF0000"/>
+                </a:solidFill>
+              </a:rPr>
+              <a:t>1</a:t>
+            </a:r>
+            <a:r>
+              <a:rPr kumimoji="1" lang="ja-JP" altLang="en-US" b="1" dirty="0" smtClean="0">
+                <a:solidFill>
+                  <a:srgbClr val="FF0000"/>
+                </a:solidFill>
+              </a:rPr>
+              <a:t>回目</a:t>
+            </a:r>
+            <a:endParaRPr kumimoji="1" lang="ja-JP" altLang="en-US" b="1" dirty="0">
+              <a:solidFill>
+                <a:srgbClr val="FF0000"/>
+              </a:solidFill>
+            </a:endParaRPr>
+          </a:p>
+        </p:txBody>
+      </p:sp>
+      <p:sp>
+        <p:nvSpPr>
+          <p:cNvPr id="18" name="テキスト ボックス 17"/>
+          <p:cNvSpPr txBox="1"/>
+          <p:nvPr/>
+        </p:nvSpPr>
+        <p:spPr>
+          <a:xfrm>
+            <a:off x="4999452" y="3523799"/>
+            <a:ext cx="779381" cy="369332"/>
+          </a:xfrm>
+          <a:prstGeom prst="rect">
+            <a:avLst/>
+          </a:prstGeom>
+          <a:noFill/>
+        </p:spPr>
+        <p:txBody>
+          <a:bodyPr wrap="none" rtlCol="0">
+            <a:spAutoFit/>
+          </a:bodyPr>
+          <a:lstStyle/>
+          <a:p>
+            <a:r>
+              <a:rPr kumimoji="1" lang="en-US" altLang="ja-JP" b="1" dirty="0" smtClean="0">
+                <a:solidFill>
+                  <a:srgbClr val="FF0000"/>
+                </a:solidFill>
+              </a:rPr>
+              <a:t>3</a:t>
+            </a:r>
+            <a:r>
+              <a:rPr kumimoji="1" lang="ja-JP" altLang="en-US" b="1" dirty="0" smtClean="0">
+                <a:solidFill>
+                  <a:srgbClr val="FF0000"/>
+                </a:solidFill>
+              </a:rPr>
+              <a:t>回目</a:t>
+            </a:r>
+            <a:endParaRPr kumimoji="1" lang="ja-JP" altLang="en-US" b="1" dirty="0">
+              <a:solidFill>
+                <a:srgbClr val="FF0000"/>
+              </a:solidFill>
+            </a:endParaRPr>
+          </a:p>
+        </p:txBody>
+      </p:sp>
+      <p:graphicFrame>
+        <p:nvGraphicFramePr>
+          <p:cNvPr id="19" name="表 18"/>
+          <p:cNvGraphicFramePr>
+            <a:graphicFrameLocks noGrp="1"/>
+          </p:cNvGraphicFramePr>
+          <p:nvPr>
+            <p:extLst>
+              <p:ext uri="{D42A27DB-BD31-4B8C-83A1-F6EECF244321}">
+                <p14:modId xmlns:p14="http://schemas.microsoft.com/office/powerpoint/2010/main" val="2159774630"/>
+              </p:ext>
+            </p:extLst>
+          </p:nvPr>
+        </p:nvGraphicFramePr>
+        <p:xfrm>
+          <a:off x="6347775" y="4542509"/>
+          <a:ext cx="4917440" cy="731520"/>
+        </p:xfrm>
+        <a:graphic>
+          <a:graphicData uri="http://schemas.openxmlformats.org/drawingml/2006/table">
+            <a:tbl>
+              <a:tblPr firstRow="1" bandRow="1">
+                <a:tableStyleId>{5C22544A-7EE6-4342-B048-85BDC9FD1C3A}</a:tableStyleId>
+              </a:tblPr>
+              <a:tblGrid>
+                <a:gridCol w="983488">
+                  <a:extLst>
+                    <a:ext uri="{9D8B030D-6E8A-4147-A177-3AD203B41FA5}">
+                      <a16:colId xmlns:a16="http://schemas.microsoft.com/office/drawing/2014/main" val="269848708"/>
+                    </a:ext>
+                  </a:extLst>
+                </a:gridCol>
+                <a:gridCol w="983488">
+                  <a:extLst>
+                    <a:ext uri="{9D8B030D-6E8A-4147-A177-3AD203B41FA5}">
+                      <a16:colId xmlns:a16="http://schemas.microsoft.com/office/drawing/2014/main" val="3426576138"/>
+                    </a:ext>
+                  </a:extLst>
+                </a:gridCol>
+                <a:gridCol w="983488">
+                  <a:extLst>
+                    <a:ext uri="{9D8B030D-6E8A-4147-A177-3AD203B41FA5}">
+                      <a16:colId xmlns:a16="http://schemas.microsoft.com/office/drawing/2014/main" val="2126635011"/>
+                    </a:ext>
+                  </a:extLst>
+                </a:gridCol>
+                <a:gridCol w="983488">
+                  <a:extLst>
+                    <a:ext uri="{9D8B030D-6E8A-4147-A177-3AD203B41FA5}">
+                      <a16:colId xmlns:a16="http://schemas.microsoft.com/office/drawing/2014/main" val="4080494730"/>
+                    </a:ext>
+                  </a:extLst>
+                </a:gridCol>
+                <a:gridCol w="983488">
+                  <a:extLst>
+                    <a:ext uri="{9D8B030D-6E8A-4147-A177-3AD203B41FA5}">
+                      <a16:colId xmlns:a16="http://schemas.microsoft.com/office/drawing/2014/main" val="2782661137"/>
+                    </a:ext>
+                  </a:extLst>
+                </a:gridCol>
+              </a:tblGrid>
+              <a:tr h="342593">
+                <a:tc>
+                  <a:txBody>
+                    <a:bodyPr/>
+                    <a:lstStyle/>
+                    <a:p>
+                      <a:r>
+                        <a:rPr kumimoji="1" lang="en-US" altLang="ja-JP" dirty="0" smtClean="0"/>
+                        <a:t>T[0]</a:t>
+                      </a:r>
+                      <a:endParaRPr kumimoji="1" lang="ja-JP" altLang="en-US" dirty="0"/>
+                    </a:p>
+                  </a:txBody>
+                  <a:tcPr/>
+                </a:tc>
+                <a:tc>
+                  <a:txBody>
+                    <a:bodyPr/>
+                    <a:lstStyle/>
+                    <a:p>
+                      <a:r>
+                        <a:rPr kumimoji="1" lang="en-US" altLang="ja-JP" dirty="0" smtClean="0"/>
+                        <a:t>T[1]</a:t>
+                      </a:r>
+                      <a:endParaRPr kumimoji="1" lang="ja-JP" altLang="en-US" dirty="0"/>
+                    </a:p>
+                  </a:txBody>
+                  <a:tcPr/>
+                </a:tc>
+                <a:tc>
+                  <a:txBody>
+                    <a:bodyPr/>
+                    <a:lstStyle/>
+                    <a:p>
+                      <a:r>
+                        <a:rPr kumimoji="1" lang="en-US" altLang="ja-JP" dirty="0" smtClean="0"/>
+                        <a:t>T[2]</a:t>
+                      </a:r>
+                      <a:endParaRPr kumimoji="1" lang="ja-JP" altLang="en-US" dirty="0"/>
+                    </a:p>
+                  </a:txBody>
+                  <a:tcPr/>
+                </a:tc>
+                <a:tc>
+                  <a:txBody>
+                    <a:bodyPr/>
+                    <a:lstStyle/>
+                    <a:p>
+                      <a:r>
+                        <a:rPr kumimoji="1" lang="en-US" altLang="ja-JP" dirty="0" smtClean="0"/>
+                        <a:t>T[3]</a:t>
+                      </a:r>
+                      <a:endParaRPr kumimoji="1" lang="ja-JP" altLang="en-US" dirty="0"/>
+                    </a:p>
+                  </a:txBody>
+                  <a:tcPr/>
+                </a:tc>
+                <a:tc>
+                  <a:txBody>
+                    <a:bodyPr/>
+                    <a:lstStyle/>
+                    <a:p>
+                      <a:r>
+                        <a:rPr kumimoji="1" lang="en-US" altLang="ja-JP" dirty="0" smtClean="0"/>
+                        <a:t>T[4]</a:t>
+                      </a:r>
+                      <a:endParaRPr kumimoji="1" lang="ja-JP" altLang="en-US" dirty="0"/>
+                    </a:p>
+                  </a:txBody>
+                  <a:tcPr/>
+                </a:tc>
+                <a:extLst>
+                  <a:ext uri="{0D108BD9-81ED-4DB2-BD59-A6C34878D82A}">
+                    <a16:rowId xmlns:a16="http://schemas.microsoft.com/office/drawing/2014/main" val="284480592"/>
+                  </a:ext>
+                </a:extLst>
+              </a:tr>
+              <a:tr h="342593">
+                <a:tc>
+                  <a:txBody>
+                    <a:bodyPr/>
+                    <a:lstStyle/>
+                    <a:p>
+                      <a:r>
+                        <a:rPr kumimoji="1" lang="en-US" altLang="ja-JP" dirty="0" smtClean="0"/>
+                        <a:t>4</a:t>
+                      </a:r>
+                      <a:endParaRPr kumimoji="1" lang="ja-JP" altLang="en-US" dirty="0"/>
+                    </a:p>
+                  </a:txBody>
+                  <a:tcPr/>
+                </a:tc>
+                <a:tc>
+                  <a:txBody>
+                    <a:bodyPr/>
+                    <a:lstStyle/>
+                    <a:p>
+                      <a:r>
+                        <a:rPr kumimoji="1" lang="en-US" altLang="ja-JP" dirty="0" smtClean="0"/>
+                        <a:t>1</a:t>
+                      </a:r>
+                      <a:endParaRPr kumimoji="1" lang="ja-JP" altLang="en-US" dirty="0"/>
+                    </a:p>
+                  </a:txBody>
+                  <a:tcPr/>
+                </a:tc>
+                <a:tc>
+                  <a:txBody>
+                    <a:bodyPr/>
+                    <a:lstStyle/>
+                    <a:p>
+                      <a:r>
+                        <a:rPr kumimoji="1" lang="en-US" altLang="ja-JP" dirty="0" smtClean="0"/>
+                        <a:t>5</a:t>
+                      </a:r>
+                      <a:endParaRPr kumimoji="1" lang="ja-JP" altLang="en-US" dirty="0"/>
+                    </a:p>
+                  </a:txBody>
+                  <a:tcPr/>
+                </a:tc>
+                <a:tc>
+                  <a:txBody>
+                    <a:bodyPr/>
+                    <a:lstStyle/>
+                    <a:p>
+                      <a:r>
+                        <a:rPr kumimoji="1" lang="en-US" altLang="ja-JP" dirty="0" smtClean="0"/>
+                        <a:t>8</a:t>
+                      </a:r>
+                      <a:endParaRPr kumimoji="1" lang="ja-JP" altLang="en-US" dirty="0"/>
+                    </a:p>
+                  </a:txBody>
+                  <a:tcPr/>
+                </a:tc>
+                <a:tc>
+                  <a:txBody>
+                    <a:bodyPr/>
+                    <a:lstStyle/>
+                    <a:p>
+                      <a:r>
+                        <a:rPr kumimoji="1" lang="en-US" altLang="ja-JP" dirty="0" smtClean="0"/>
+                        <a:t>2</a:t>
+                      </a:r>
+                      <a:endParaRPr kumimoji="1" lang="ja-JP" altLang="en-US" dirty="0"/>
+                    </a:p>
+                  </a:txBody>
+                  <a:tcPr/>
+                </a:tc>
+                <a:extLst>
+                  <a:ext uri="{0D108BD9-81ED-4DB2-BD59-A6C34878D82A}">
+                    <a16:rowId xmlns:a16="http://schemas.microsoft.com/office/drawing/2014/main" val="4276714201"/>
+                  </a:ext>
+                </a:extLst>
+              </a:tr>
+            </a:tbl>
+          </a:graphicData>
+        </a:graphic>
+      </p:graphicFrame>
+      <p:sp>
+        <p:nvSpPr>
+          <p:cNvPr id="20" name="テキスト ボックス 19"/>
+          <p:cNvSpPr txBox="1"/>
+          <p:nvPr/>
+        </p:nvSpPr>
+        <p:spPr>
+          <a:xfrm>
+            <a:off x="4999452" y="4670285"/>
+            <a:ext cx="779381" cy="369332"/>
+          </a:xfrm>
+          <a:prstGeom prst="rect">
+            <a:avLst/>
+          </a:prstGeom>
+          <a:noFill/>
+        </p:spPr>
+        <p:txBody>
+          <a:bodyPr wrap="none" rtlCol="0">
+            <a:spAutoFit/>
+          </a:bodyPr>
+          <a:lstStyle/>
+          <a:p>
+            <a:r>
+              <a:rPr lang="en-US" altLang="ja-JP" b="1" dirty="0">
+                <a:solidFill>
+                  <a:srgbClr val="FF0000"/>
+                </a:solidFill>
+              </a:rPr>
+              <a:t>4</a:t>
+            </a:r>
+            <a:r>
+              <a:rPr kumimoji="1" lang="ja-JP" altLang="en-US" b="1" dirty="0" smtClean="0">
+                <a:solidFill>
+                  <a:srgbClr val="FF0000"/>
+                </a:solidFill>
+              </a:rPr>
+              <a:t>回目</a:t>
+            </a:r>
+            <a:endParaRPr kumimoji="1" lang="ja-JP" altLang="en-US" b="1" dirty="0">
+              <a:solidFill>
+                <a:srgbClr val="FF0000"/>
+              </a:solidFill>
+            </a:endParaRPr>
+          </a:p>
+        </p:txBody>
+      </p:sp>
+      <p:sp>
+        <p:nvSpPr>
+          <p:cNvPr id="23" name="正方形/長方形 22"/>
+          <p:cNvSpPr/>
+          <p:nvPr/>
+        </p:nvSpPr>
+        <p:spPr>
+          <a:xfrm>
+            <a:off x="7369900" y="1294987"/>
+            <a:ext cx="914400" cy="914400"/>
+          </a:xfrm>
+          <a:prstGeom prst="rect">
+            <a:avLst/>
+          </a:prstGeom>
+          <a:noFill/>
+          <a:ln w="38100">
+            <a:solidFill>
+              <a:srgbClr val="FF0000"/>
+            </a:solidFill>
+          </a:ln>
+        </p:spPr>
+        <p:style>
+          <a:lnRef idx="2">
+            <a:schemeClr val="accent1">
+              <a:shade val="50000"/>
+            </a:schemeClr>
+          </a:lnRef>
+          <a:fillRef idx="1">
+            <a:schemeClr val="accent1"/>
+          </a:fillRef>
+          <a:effectRef idx="0">
+            <a:schemeClr val="accent1"/>
+          </a:effectRef>
+          <a:fontRef idx="minor">
+            <a:schemeClr val="lt1"/>
+          </a:fontRef>
+        </p:style>
+        <p:txBody>
+          <a:bodyPr rtlCol="0" anchor="ctr"/>
+          <a:lstStyle/>
+          <a:p>
+            <a:pPr algn="ctr"/>
+            <a:endParaRPr kumimoji="1" lang="ja-JP" altLang="en-US"/>
+          </a:p>
+        </p:txBody>
+      </p:sp>
+      <p:sp>
+        <p:nvSpPr>
+          <p:cNvPr id="24" name="正方形/長方形 23"/>
+          <p:cNvSpPr/>
+          <p:nvPr/>
+        </p:nvSpPr>
+        <p:spPr>
+          <a:xfrm>
+            <a:off x="6250040" y="1300544"/>
+            <a:ext cx="914400" cy="914400"/>
+          </a:xfrm>
+          <a:prstGeom prst="rect">
+            <a:avLst/>
+          </a:prstGeom>
+          <a:noFill/>
+          <a:ln w="38100">
+            <a:solidFill>
+              <a:srgbClr val="FF0000"/>
+            </a:solidFill>
+          </a:ln>
+        </p:spPr>
+        <p:style>
+          <a:lnRef idx="2">
+            <a:schemeClr val="accent1">
+              <a:shade val="50000"/>
+            </a:schemeClr>
+          </a:lnRef>
+          <a:fillRef idx="1">
+            <a:schemeClr val="accent1"/>
+          </a:fillRef>
+          <a:effectRef idx="0">
+            <a:schemeClr val="accent1"/>
+          </a:effectRef>
+          <a:fontRef idx="minor">
+            <a:schemeClr val="lt1"/>
+          </a:fontRef>
+        </p:style>
+        <p:txBody>
+          <a:bodyPr rtlCol="0" anchor="ctr"/>
+          <a:lstStyle/>
+          <a:p>
+            <a:pPr algn="ctr"/>
+            <a:endParaRPr kumimoji="1" lang="ja-JP" altLang="en-US"/>
+          </a:p>
+        </p:txBody>
+      </p:sp>
+      <p:sp>
+        <p:nvSpPr>
+          <p:cNvPr id="25" name="正方形/長方形 24"/>
+          <p:cNvSpPr/>
+          <p:nvPr/>
+        </p:nvSpPr>
+        <p:spPr>
+          <a:xfrm>
+            <a:off x="8349673" y="2375657"/>
+            <a:ext cx="867927" cy="922842"/>
+          </a:xfrm>
+          <a:prstGeom prst="rect">
+            <a:avLst/>
+          </a:prstGeom>
+          <a:noFill/>
+          <a:ln w="38100">
+            <a:solidFill>
+              <a:srgbClr val="FF0000"/>
+            </a:solidFill>
+          </a:ln>
+        </p:spPr>
+        <p:style>
+          <a:lnRef idx="2">
+            <a:schemeClr val="accent1">
+              <a:shade val="50000"/>
+            </a:schemeClr>
+          </a:lnRef>
+          <a:fillRef idx="1">
+            <a:schemeClr val="accent1"/>
+          </a:fillRef>
+          <a:effectRef idx="0">
+            <a:schemeClr val="accent1"/>
+          </a:effectRef>
+          <a:fontRef idx="minor">
+            <a:schemeClr val="lt1"/>
+          </a:fontRef>
+        </p:style>
+        <p:txBody>
+          <a:bodyPr rtlCol="0" anchor="ctr"/>
+          <a:lstStyle/>
+          <a:p>
+            <a:pPr algn="ctr"/>
+            <a:endParaRPr kumimoji="1" lang="ja-JP" altLang="en-US"/>
+          </a:p>
+        </p:txBody>
+      </p:sp>
+      <p:sp>
+        <p:nvSpPr>
+          <p:cNvPr id="26" name="テキスト ボックス 25"/>
+          <p:cNvSpPr txBox="1"/>
+          <p:nvPr/>
+        </p:nvSpPr>
+        <p:spPr>
+          <a:xfrm>
+            <a:off x="6386680" y="858196"/>
+            <a:ext cx="522900" cy="369332"/>
+          </a:xfrm>
+          <a:prstGeom prst="rect">
+            <a:avLst/>
+          </a:prstGeom>
+          <a:noFill/>
+        </p:spPr>
+        <p:txBody>
+          <a:bodyPr wrap="none" rtlCol="0">
+            <a:spAutoFit/>
+          </a:bodyPr>
+          <a:lstStyle/>
+          <a:p>
+            <a:r>
+              <a:rPr kumimoji="1" lang="en-US" altLang="ja-JP" b="1" dirty="0" err="1" smtClean="0">
+                <a:solidFill>
+                  <a:srgbClr val="FF0000"/>
+                </a:solidFill>
+              </a:rPr>
+              <a:t>Idx</a:t>
+            </a:r>
+            <a:endParaRPr kumimoji="1" lang="ja-JP" altLang="en-US" b="1" dirty="0">
+              <a:solidFill>
+                <a:srgbClr val="FF0000"/>
+              </a:solidFill>
+            </a:endParaRPr>
+          </a:p>
+        </p:txBody>
+      </p:sp>
+      <p:sp>
+        <p:nvSpPr>
+          <p:cNvPr id="27" name="正方形/長方形 26"/>
+          <p:cNvSpPr/>
+          <p:nvPr/>
+        </p:nvSpPr>
+        <p:spPr>
+          <a:xfrm>
+            <a:off x="7369900" y="2375657"/>
+            <a:ext cx="914400" cy="914400"/>
+          </a:xfrm>
+          <a:prstGeom prst="rect">
+            <a:avLst/>
+          </a:prstGeom>
+          <a:noFill/>
+          <a:ln w="38100">
+            <a:solidFill>
+              <a:srgbClr val="FF0000"/>
+            </a:solidFill>
+          </a:ln>
+        </p:spPr>
+        <p:style>
+          <a:lnRef idx="2">
+            <a:schemeClr val="accent1">
+              <a:shade val="50000"/>
+            </a:schemeClr>
+          </a:lnRef>
+          <a:fillRef idx="1">
+            <a:schemeClr val="accent1"/>
+          </a:fillRef>
+          <a:effectRef idx="0">
+            <a:schemeClr val="accent1"/>
+          </a:effectRef>
+          <a:fontRef idx="minor">
+            <a:schemeClr val="lt1"/>
+          </a:fontRef>
+        </p:style>
+        <p:txBody>
+          <a:bodyPr rtlCol="0" anchor="ctr"/>
+          <a:lstStyle/>
+          <a:p>
+            <a:pPr algn="ctr"/>
+            <a:endParaRPr kumimoji="1" lang="ja-JP" altLang="en-US"/>
+          </a:p>
+        </p:txBody>
+      </p:sp>
+      <p:sp>
+        <p:nvSpPr>
+          <p:cNvPr id="28" name="正方形/長方形 27"/>
+          <p:cNvSpPr/>
+          <p:nvPr/>
+        </p:nvSpPr>
+        <p:spPr>
+          <a:xfrm>
+            <a:off x="9298495" y="3435931"/>
+            <a:ext cx="914400" cy="914400"/>
+          </a:xfrm>
+          <a:prstGeom prst="rect">
+            <a:avLst/>
+          </a:prstGeom>
+          <a:noFill/>
+          <a:ln w="38100">
+            <a:solidFill>
+              <a:srgbClr val="FF0000"/>
+            </a:solidFill>
+          </a:ln>
+        </p:spPr>
+        <p:style>
+          <a:lnRef idx="2">
+            <a:schemeClr val="accent1">
+              <a:shade val="50000"/>
+            </a:schemeClr>
+          </a:lnRef>
+          <a:fillRef idx="1">
+            <a:schemeClr val="accent1"/>
+          </a:fillRef>
+          <a:effectRef idx="0">
+            <a:schemeClr val="accent1"/>
+          </a:effectRef>
+          <a:fontRef idx="minor">
+            <a:schemeClr val="lt1"/>
+          </a:fontRef>
+        </p:style>
+        <p:txBody>
+          <a:bodyPr rtlCol="0" anchor="ctr"/>
+          <a:lstStyle/>
+          <a:p>
+            <a:pPr algn="ctr"/>
+            <a:endParaRPr kumimoji="1" lang="ja-JP" altLang="en-US"/>
+          </a:p>
+        </p:txBody>
+      </p:sp>
+      <p:sp>
+        <p:nvSpPr>
+          <p:cNvPr id="29" name="正方形/長方形 28"/>
+          <p:cNvSpPr/>
+          <p:nvPr/>
+        </p:nvSpPr>
+        <p:spPr>
+          <a:xfrm>
+            <a:off x="8303200" y="3431503"/>
+            <a:ext cx="914400" cy="914400"/>
+          </a:xfrm>
+          <a:prstGeom prst="rect">
+            <a:avLst/>
+          </a:prstGeom>
+          <a:noFill/>
+          <a:ln w="38100">
+            <a:solidFill>
+              <a:srgbClr val="FF0000"/>
+            </a:solidFill>
+          </a:ln>
+        </p:spPr>
+        <p:style>
+          <a:lnRef idx="2">
+            <a:schemeClr val="accent1">
+              <a:shade val="50000"/>
+            </a:schemeClr>
+          </a:lnRef>
+          <a:fillRef idx="1">
+            <a:schemeClr val="accent1"/>
+          </a:fillRef>
+          <a:effectRef idx="0">
+            <a:schemeClr val="accent1"/>
+          </a:effectRef>
+          <a:fontRef idx="minor">
+            <a:schemeClr val="lt1"/>
+          </a:fontRef>
+        </p:style>
+        <p:txBody>
+          <a:bodyPr rtlCol="0" anchor="ctr"/>
+          <a:lstStyle/>
+          <a:p>
+            <a:pPr algn="ctr"/>
+            <a:endParaRPr kumimoji="1" lang="ja-JP" altLang="en-US"/>
+          </a:p>
+        </p:txBody>
+      </p:sp>
+      <p:graphicFrame>
+        <p:nvGraphicFramePr>
+          <p:cNvPr id="31" name="表 30"/>
+          <p:cNvGraphicFramePr>
+            <a:graphicFrameLocks noGrp="1"/>
+          </p:cNvGraphicFramePr>
+          <p:nvPr>
+            <p:extLst>
+              <p:ext uri="{D42A27DB-BD31-4B8C-83A1-F6EECF244321}">
+                <p14:modId xmlns:p14="http://schemas.microsoft.com/office/powerpoint/2010/main" val="480801450"/>
+              </p:ext>
+            </p:extLst>
+          </p:nvPr>
+        </p:nvGraphicFramePr>
+        <p:xfrm>
+          <a:off x="6353320" y="5579872"/>
+          <a:ext cx="4917440" cy="731520"/>
+        </p:xfrm>
+        <a:graphic>
+          <a:graphicData uri="http://schemas.openxmlformats.org/drawingml/2006/table">
+            <a:tbl>
+              <a:tblPr firstRow="1" bandRow="1">
+                <a:tableStyleId>{5C22544A-7EE6-4342-B048-85BDC9FD1C3A}</a:tableStyleId>
+              </a:tblPr>
+              <a:tblGrid>
+                <a:gridCol w="983488">
+                  <a:extLst>
+                    <a:ext uri="{9D8B030D-6E8A-4147-A177-3AD203B41FA5}">
+                      <a16:colId xmlns:a16="http://schemas.microsoft.com/office/drawing/2014/main" val="269848708"/>
+                    </a:ext>
+                  </a:extLst>
+                </a:gridCol>
+                <a:gridCol w="983488">
+                  <a:extLst>
+                    <a:ext uri="{9D8B030D-6E8A-4147-A177-3AD203B41FA5}">
+                      <a16:colId xmlns:a16="http://schemas.microsoft.com/office/drawing/2014/main" val="3426576138"/>
+                    </a:ext>
+                  </a:extLst>
+                </a:gridCol>
+                <a:gridCol w="983488">
+                  <a:extLst>
+                    <a:ext uri="{9D8B030D-6E8A-4147-A177-3AD203B41FA5}">
+                      <a16:colId xmlns:a16="http://schemas.microsoft.com/office/drawing/2014/main" val="2126635011"/>
+                    </a:ext>
+                  </a:extLst>
+                </a:gridCol>
+                <a:gridCol w="983488">
+                  <a:extLst>
+                    <a:ext uri="{9D8B030D-6E8A-4147-A177-3AD203B41FA5}">
+                      <a16:colId xmlns:a16="http://schemas.microsoft.com/office/drawing/2014/main" val="4080494730"/>
+                    </a:ext>
+                  </a:extLst>
+                </a:gridCol>
+                <a:gridCol w="983488">
+                  <a:extLst>
+                    <a:ext uri="{9D8B030D-6E8A-4147-A177-3AD203B41FA5}">
+                      <a16:colId xmlns:a16="http://schemas.microsoft.com/office/drawing/2014/main" val="2782661137"/>
+                    </a:ext>
+                  </a:extLst>
+                </a:gridCol>
+              </a:tblGrid>
+              <a:tr h="342593">
+                <a:tc>
+                  <a:txBody>
+                    <a:bodyPr/>
+                    <a:lstStyle/>
+                    <a:p>
+                      <a:r>
+                        <a:rPr kumimoji="1" lang="en-US" altLang="ja-JP" dirty="0" smtClean="0"/>
+                        <a:t>T[0]</a:t>
+                      </a:r>
+                      <a:endParaRPr kumimoji="1" lang="ja-JP" altLang="en-US" dirty="0"/>
+                    </a:p>
+                  </a:txBody>
+                  <a:tcPr/>
+                </a:tc>
+                <a:tc>
+                  <a:txBody>
+                    <a:bodyPr/>
+                    <a:lstStyle/>
+                    <a:p>
+                      <a:r>
+                        <a:rPr kumimoji="1" lang="en-US" altLang="ja-JP" dirty="0" smtClean="0"/>
+                        <a:t>T[1]</a:t>
+                      </a:r>
+                      <a:endParaRPr kumimoji="1" lang="ja-JP" altLang="en-US" dirty="0"/>
+                    </a:p>
+                  </a:txBody>
+                  <a:tcPr/>
+                </a:tc>
+                <a:tc>
+                  <a:txBody>
+                    <a:bodyPr/>
+                    <a:lstStyle/>
+                    <a:p>
+                      <a:r>
+                        <a:rPr kumimoji="1" lang="en-US" altLang="ja-JP" dirty="0" smtClean="0"/>
+                        <a:t>T[2]</a:t>
+                      </a:r>
+                      <a:endParaRPr kumimoji="1" lang="ja-JP" altLang="en-US" dirty="0"/>
+                    </a:p>
+                  </a:txBody>
+                  <a:tcPr/>
+                </a:tc>
+                <a:tc>
+                  <a:txBody>
+                    <a:bodyPr/>
+                    <a:lstStyle/>
+                    <a:p>
+                      <a:r>
+                        <a:rPr kumimoji="1" lang="en-US" altLang="ja-JP" dirty="0" smtClean="0"/>
+                        <a:t>T[3]</a:t>
+                      </a:r>
+                      <a:endParaRPr kumimoji="1" lang="ja-JP" altLang="en-US" dirty="0"/>
+                    </a:p>
+                  </a:txBody>
+                  <a:tcPr/>
+                </a:tc>
+                <a:tc>
+                  <a:txBody>
+                    <a:bodyPr/>
+                    <a:lstStyle/>
+                    <a:p>
+                      <a:r>
+                        <a:rPr kumimoji="1" lang="en-US" altLang="ja-JP" dirty="0" smtClean="0"/>
+                        <a:t>T[4]</a:t>
+                      </a:r>
+                      <a:endParaRPr kumimoji="1" lang="ja-JP" altLang="en-US" dirty="0"/>
+                    </a:p>
+                  </a:txBody>
+                  <a:tcPr/>
+                </a:tc>
+                <a:extLst>
+                  <a:ext uri="{0D108BD9-81ED-4DB2-BD59-A6C34878D82A}">
+                    <a16:rowId xmlns:a16="http://schemas.microsoft.com/office/drawing/2014/main" val="284480592"/>
+                  </a:ext>
+                </a:extLst>
+              </a:tr>
+              <a:tr h="342593">
+                <a:tc>
+                  <a:txBody>
+                    <a:bodyPr/>
+                    <a:lstStyle/>
+                    <a:p>
+                      <a:r>
+                        <a:rPr kumimoji="1" lang="en-US" altLang="ja-JP" dirty="0" smtClean="0"/>
+                        <a:t>4</a:t>
+                      </a:r>
+                      <a:endParaRPr kumimoji="1" lang="ja-JP" altLang="en-US" dirty="0"/>
+                    </a:p>
+                  </a:txBody>
+                  <a:tcPr/>
+                </a:tc>
+                <a:tc>
+                  <a:txBody>
+                    <a:bodyPr/>
+                    <a:lstStyle/>
+                    <a:p>
+                      <a:r>
+                        <a:rPr kumimoji="1" lang="en-US" altLang="ja-JP" dirty="0" smtClean="0"/>
+                        <a:t>1</a:t>
+                      </a:r>
+                      <a:endParaRPr kumimoji="1" lang="ja-JP" altLang="en-US" dirty="0"/>
+                    </a:p>
+                  </a:txBody>
+                  <a:tcPr/>
+                </a:tc>
+                <a:tc>
+                  <a:txBody>
+                    <a:bodyPr/>
+                    <a:lstStyle/>
+                    <a:p>
+                      <a:r>
+                        <a:rPr kumimoji="1" lang="en-US" altLang="ja-JP" dirty="0" smtClean="0"/>
+                        <a:t>5</a:t>
+                      </a:r>
+                      <a:endParaRPr kumimoji="1" lang="ja-JP" altLang="en-US" dirty="0"/>
+                    </a:p>
+                  </a:txBody>
+                  <a:tcPr/>
+                </a:tc>
+                <a:tc>
+                  <a:txBody>
+                    <a:bodyPr/>
+                    <a:lstStyle/>
+                    <a:p>
+                      <a:r>
+                        <a:rPr kumimoji="1" lang="en-US" altLang="ja-JP" dirty="0" smtClean="0"/>
+                        <a:t>2</a:t>
+                      </a:r>
+                      <a:endParaRPr kumimoji="1" lang="ja-JP" altLang="en-US" dirty="0"/>
+                    </a:p>
+                  </a:txBody>
+                  <a:tcPr/>
+                </a:tc>
+                <a:tc>
+                  <a:txBody>
+                    <a:bodyPr/>
+                    <a:lstStyle/>
+                    <a:p>
+                      <a:r>
+                        <a:rPr kumimoji="1" lang="en-US" altLang="ja-JP" dirty="0" smtClean="0"/>
+                        <a:t>8</a:t>
+                      </a:r>
+                      <a:endParaRPr kumimoji="1" lang="ja-JP" altLang="en-US" dirty="0"/>
+                    </a:p>
+                  </a:txBody>
+                  <a:tcPr/>
+                </a:tc>
+                <a:extLst>
+                  <a:ext uri="{0D108BD9-81ED-4DB2-BD59-A6C34878D82A}">
+                    <a16:rowId xmlns:a16="http://schemas.microsoft.com/office/drawing/2014/main" val="4276714201"/>
+                  </a:ext>
+                </a:extLst>
+              </a:tr>
+            </a:tbl>
+          </a:graphicData>
+        </a:graphic>
+      </p:graphicFrame>
+      <p:sp>
+        <p:nvSpPr>
+          <p:cNvPr id="32" name="テキスト ボックス 31"/>
+          <p:cNvSpPr txBox="1"/>
+          <p:nvPr/>
+        </p:nvSpPr>
+        <p:spPr>
+          <a:xfrm>
+            <a:off x="4604312" y="5748041"/>
+            <a:ext cx="1569660" cy="369332"/>
+          </a:xfrm>
+          <a:prstGeom prst="rect">
+            <a:avLst/>
+          </a:prstGeom>
+          <a:noFill/>
+        </p:spPr>
+        <p:txBody>
+          <a:bodyPr wrap="none" rtlCol="0">
+            <a:spAutoFit/>
+          </a:bodyPr>
+          <a:lstStyle/>
+          <a:p>
+            <a:r>
+              <a:rPr lang="ja-JP" altLang="en-US" b="1" dirty="0" smtClean="0">
+                <a:solidFill>
+                  <a:srgbClr val="FF0000"/>
+                </a:solidFill>
+              </a:rPr>
+              <a:t>いったん</a:t>
+            </a:r>
+            <a:r>
+              <a:rPr kumimoji="1" lang="ja-JP" altLang="en-US" b="1" dirty="0" smtClean="0">
+                <a:solidFill>
+                  <a:srgbClr val="FF0000"/>
+                </a:solidFill>
+              </a:rPr>
+              <a:t>終了</a:t>
+            </a:r>
+            <a:endParaRPr kumimoji="1" lang="ja-JP" altLang="en-US" b="1" dirty="0">
+              <a:solidFill>
+                <a:srgbClr val="FF0000"/>
+              </a:solidFill>
+            </a:endParaRPr>
+          </a:p>
+        </p:txBody>
+      </p:sp>
+      <p:sp>
+        <p:nvSpPr>
+          <p:cNvPr id="33" name="正方形/長方形 32"/>
+          <p:cNvSpPr/>
+          <p:nvPr/>
+        </p:nvSpPr>
+        <p:spPr>
+          <a:xfrm>
+            <a:off x="10197699" y="4478039"/>
+            <a:ext cx="914400" cy="914400"/>
+          </a:xfrm>
+          <a:prstGeom prst="rect">
+            <a:avLst/>
+          </a:prstGeom>
+          <a:noFill/>
+          <a:ln w="38100">
+            <a:solidFill>
+              <a:srgbClr val="FF0000"/>
+            </a:solidFill>
+          </a:ln>
+        </p:spPr>
+        <p:style>
+          <a:lnRef idx="2">
+            <a:schemeClr val="accent1">
+              <a:shade val="50000"/>
+            </a:schemeClr>
+          </a:lnRef>
+          <a:fillRef idx="1">
+            <a:schemeClr val="accent1"/>
+          </a:fillRef>
+          <a:effectRef idx="0">
+            <a:schemeClr val="accent1"/>
+          </a:effectRef>
+          <a:fontRef idx="minor">
+            <a:schemeClr val="lt1"/>
+          </a:fontRef>
+        </p:style>
+        <p:txBody>
+          <a:bodyPr rtlCol="0" anchor="ctr"/>
+          <a:lstStyle/>
+          <a:p>
+            <a:pPr algn="ctr"/>
+            <a:endParaRPr kumimoji="1" lang="ja-JP" altLang="en-US"/>
+          </a:p>
+        </p:txBody>
+      </p:sp>
+      <p:sp>
+        <p:nvSpPr>
+          <p:cNvPr id="34" name="正方形/長方形 33"/>
+          <p:cNvSpPr/>
+          <p:nvPr/>
+        </p:nvSpPr>
+        <p:spPr>
+          <a:xfrm>
+            <a:off x="9209287" y="4492633"/>
+            <a:ext cx="914400" cy="914400"/>
+          </a:xfrm>
+          <a:prstGeom prst="rect">
+            <a:avLst/>
+          </a:prstGeom>
+          <a:noFill/>
+          <a:ln w="38100">
+            <a:solidFill>
+              <a:srgbClr val="FF0000"/>
+            </a:solidFill>
+          </a:ln>
+        </p:spPr>
+        <p:style>
+          <a:lnRef idx="2">
+            <a:schemeClr val="accent1">
+              <a:shade val="50000"/>
+            </a:schemeClr>
+          </a:lnRef>
+          <a:fillRef idx="1">
+            <a:schemeClr val="accent1"/>
+          </a:fillRef>
+          <a:effectRef idx="0">
+            <a:schemeClr val="accent1"/>
+          </a:effectRef>
+          <a:fontRef idx="minor">
+            <a:schemeClr val="lt1"/>
+          </a:fontRef>
+        </p:style>
+        <p:txBody>
+          <a:bodyPr rtlCol="0" anchor="ctr"/>
+          <a:lstStyle/>
+          <a:p>
+            <a:pPr algn="ctr"/>
+            <a:endParaRPr kumimoji="1" lang="ja-JP" altLang="en-US"/>
+          </a:p>
+        </p:txBody>
+      </p:sp>
+      <p:sp>
+        <p:nvSpPr>
+          <p:cNvPr id="36" name="テキスト ボックス 35"/>
+          <p:cNvSpPr txBox="1"/>
+          <p:nvPr/>
+        </p:nvSpPr>
+        <p:spPr>
+          <a:xfrm>
+            <a:off x="7405600" y="861542"/>
+            <a:ext cx="827471" cy="369332"/>
+          </a:xfrm>
+          <a:prstGeom prst="rect">
+            <a:avLst/>
+          </a:prstGeom>
+          <a:noFill/>
+        </p:spPr>
+        <p:txBody>
+          <a:bodyPr wrap="none" rtlCol="0">
+            <a:spAutoFit/>
+          </a:bodyPr>
+          <a:lstStyle/>
+          <a:p>
+            <a:r>
+              <a:rPr kumimoji="1" lang="en-US" altLang="ja-JP" b="1" dirty="0" smtClean="0">
+                <a:solidFill>
+                  <a:srgbClr val="FF0000"/>
+                </a:solidFill>
+              </a:rPr>
+              <a:t>Idx+1</a:t>
+            </a:r>
+            <a:endParaRPr kumimoji="1" lang="ja-JP" altLang="en-US" b="1" dirty="0">
+              <a:solidFill>
+                <a:srgbClr val="FF0000"/>
+              </a:solidFill>
+            </a:endParaRPr>
+          </a:p>
+        </p:txBody>
+      </p:sp>
+    </p:spTree>
+    <p:extLst>
+      <p:ext uri="{BB962C8B-B14F-4D97-AF65-F5344CB8AC3E}">
+        <p14:creationId xmlns:p14="http://schemas.microsoft.com/office/powerpoint/2010/main" val="3933360771"/>
+      </p:ext>
+    </p:extLst>
+  </p:cSld>
+  <p:clrMapOvr>
+    <a:masterClrMapping/>
+  </p:clrMapOvr>
+</p:sld>
+</file>
+
+<file path=ppt/slides/slide7.xml><?xml version="1.0" encoding="utf-8"?>
+<p:sld xmlns:a="http://schemas.openxmlformats.org/drawingml/2006/main" xmlns:r="http://schemas.openxmlformats.org/officeDocument/2006/relationships" xmlns:p="http://schemas.openxmlformats.org/presentationml/2006/main">
+  <p:cSld>
+    <p:spTree>
+      <p:nvGrpSpPr>
+        <p:cNvPr id="1" name=""/>
+        <p:cNvGrpSpPr/>
+        <p:nvPr/>
+      </p:nvGrpSpPr>
+      <p:grpSpPr>
+        <a:xfrm>
+          <a:off x="0" y="0"/>
+          <a:ext cx="0" cy="0"/>
+          <a:chOff x="0" y="0"/>
+          <a:chExt cx="0" cy="0"/>
+        </a:xfrm>
+      </p:grpSpPr>
+      <p:sp>
+        <p:nvSpPr>
           <p:cNvPr id="2" name="タイトル 1"/>
           <p:cNvSpPr>
             <a:spLocks noGrp="1"/>
@@ -8168,13 +10260,13 @@
         </p:nvSpPr>
         <p:spPr>
           <a:xfrm>
-            <a:off x="4229791" y="2518124"/>
-            <a:ext cx="3858493" cy="1106226"/>
+            <a:off x="375243" y="2053889"/>
+            <a:ext cx="11638565" cy="2771329"/>
           </a:xfrm>
         </p:spPr>
         <p:txBody>
           <a:bodyPr>
-            <a:normAutofit/>
+            <a:normAutofit fontScale="90000"/>
           </a:bodyPr>
           <a:lstStyle/>
           <a:p>
@@ -8189,6 +10281,35 @@
             <a:r>
               <a:rPr kumimoji="1" lang="en-US" altLang="ja-JP" dirty="0" smtClean="0"/>
               <a:t>2-4</a:t>
+            </a:r>
+            <a:br>
+              <a:rPr kumimoji="1" lang="en-US" altLang="ja-JP" dirty="0" smtClean="0"/>
+            </a:br>
+            <a:r>
+              <a:rPr lang="en-US" altLang="ja-JP" dirty="0"/>
+              <a:t/>
+            </a:r>
+            <a:br>
+              <a:rPr lang="en-US" altLang="ja-JP" dirty="0"/>
+            </a:br>
+            <a:r>
+              <a:rPr lang="ja-JP" altLang="en-US" dirty="0" smtClean="0"/>
+              <a:t>計算を省略して高速化する</a:t>
+            </a:r>
+            <a:r>
+              <a:rPr lang="en-US" altLang="ja-JP" dirty="0" smtClean="0"/>
+              <a:t/>
+            </a:r>
+            <a:br>
+              <a:rPr lang="en-US" altLang="ja-JP" dirty="0" smtClean="0"/>
+            </a:br>
+            <a:r>
+              <a:rPr lang="en-US" altLang="ja-JP" dirty="0" err="1" smtClean="0"/>
+              <a:t>LastSwap</a:t>
+            </a:r>
+            <a:r>
+              <a:rPr lang="ja-JP" altLang="en-US" dirty="0" smtClean="0"/>
+              <a:t>した値の手前まで隣接交換すると考える。</a:t>
             </a:r>
             <a:endParaRPr kumimoji="1" lang="ja-JP" altLang="en-US" dirty="0"/>
           </a:p>
@@ -8207,7 +10328,7 @@
 </p:sld>
 </file>
 
-<file path=ppt/slides/slide7.xml><?xml version="1.0" encoding="utf-8"?>
+<file path=ppt/slides/slide8.xml><?xml version="1.0" encoding="utf-8"?>
 <p:sld xmlns:a="http://schemas.openxmlformats.org/drawingml/2006/main" xmlns:r="http://schemas.openxmlformats.org/officeDocument/2006/relationships" xmlns:p="http://schemas.openxmlformats.org/presentationml/2006/main">
   <p:cSld>
     <p:spTree>

--- a/docs/第11回選択法交換法アルゴリズム .pptx
+++ b/docs/第11回選択法交換法アルゴリズム .pptx
@@ -12,10 +12,12 @@
     <p:sldId id="280" r:id="rId6"/>
     <p:sldId id="281" r:id="rId7"/>
     <p:sldId id="278" r:id="rId8"/>
-    <p:sldId id="279" r:id="rId9"/>
+    <p:sldId id="282" r:id="rId9"/>
+    <p:sldId id="279" r:id="rId10"/>
+    <p:sldId id="283" r:id="rId11"/>
   </p:sldIdLst>
   <p:sldSz cx="12192000" cy="6858000"/>
-  <p:notesSz cx="6858000" cy="9144000"/>
+  <p:notesSz cx="6735763" cy="9869488"/>
   <p:defaultTextStyle>
     <a:defPPr>
       <a:defRPr lang="ja-JP"/>
@@ -250,7 +252,7 @@
           <a:p>
             <a:fld id="{BC217E9B-DFCD-4DFE-B7ED-A5F6001EB7CB}" type="datetimeFigureOut">
               <a:rPr kumimoji="1" lang="ja-JP" altLang="en-US" smtClean="0"/>
-              <a:t>2019/5/20</a:t>
+              <a:t>2019/7/2</a:t>
             </a:fld>
             <a:endParaRPr kumimoji="1" lang="ja-JP" altLang="en-US"/>
           </a:p>
@@ -452,7 +454,7 @@
           <a:p>
             <a:fld id="{BC217E9B-DFCD-4DFE-B7ED-A5F6001EB7CB}" type="datetimeFigureOut">
               <a:rPr kumimoji="1" lang="ja-JP" altLang="en-US" smtClean="0"/>
-              <a:t>2019/5/20</a:t>
+              <a:t>2019/7/2</a:t>
             </a:fld>
             <a:endParaRPr kumimoji="1" lang="ja-JP" altLang="en-US"/>
           </a:p>
@@ -664,7 +666,7 @@
           <a:p>
             <a:fld id="{BC217E9B-DFCD-4DFE-B7ED-A5F6001EB7CB}" type="datetimeFigureOut">
               <a:rPr kumimoji="1" lang="ja-JP" altLang="en-US" smtClean="0"/>
-              <a:t>2019/5/20</a:t>
+              <a:t>2019/7/2</a:t>
             </a:fld>
             <a:endParaRPr kumimoji="1" lang="ja-JP" altLang="en-US"/>
           </a:p>
@@ -866,7 +868,7 @@
           <a:p>
             <a:fld id="{BC217E9B-DFCD-4DFE-B7ED-A5F6001EB7CB}" type="datetimeFigureOut">
               <a:rPr kumimoji="1" lang="ja-JP" altLang="en-US" smtClean="0"/>
-              <a:t>2019/5/20</a:t>
+              <a:t>2019/7/2</a:t>
             </a:fld>
             <a:endParaRPr kumimoji="1" lang="ja-JP" altLang="en-US"/>
           </a:p>
@@ -1112,7 +1114,7 @@
           <a:p>
             <a:fld id="{BC217E9B-DFCD-4DFE-B7ED-A5F6001EB7CB}" type="datetimeFigureOut">
               <a:rPr kumimoji="1" lang="ja-JP" altLang="en-US" smtClean="0"/>
-              <a:t>2019/5/20</a:t>
+              <a:t>2019/7/2</a:t>
             </a:fld>
             <a:endParaRPr kumimoji="1" lang="ja-JP" altLang="en-US"/>
           </a:p>
@@ -1408,7 +1410,7 @@
           <a:p>
             <a:fld id="{BC217E9B-DFCD-4DFE-B7ED-A5F6001EB7CB}" type="datetimeFigureOut">
               <a:rPr kumimoji="1" lang="ja-JP" altLang="en-US" smtClean="0"/>
-              <a:t>2019/5/20</a:t>
+              <a:t>2019/7/2</a:t>
             </a:fld>
             <a:endParaRPr kumimoji="1" lang="ja-JP" altLang="en-US"/>
           </a:p>
@@ -1839,7 +1841,7 @@
           <a:p>
             <a:fld id="{BC217E9B-DFCD-4DFE-B7ED-A5F6001EB7CB}" type="datetimeFigureOut">
               <a:rPr kumimoji="1" lang="ja-JP" altLang="en-US" smtClean="0"/>
-              <a:t>2019/5/20</a:t>
+              <a:t>2019/7/2</a:t>
             </a:fld>
             <a:endParaRPr kumimoji="1" lang="ja-JP" altLang="en-US"/>
           </a:p>
@@ -1957,7 +1959,7 @@
           <a:p>
             <a:fld id="{BC217E9B-DFCD-4DFE-B7ED-A5F6001EB7CB}" type="datetimeFigureOut">
               <a:rPr kumimoji="1" lang="ja-JP" altLang="en-US" smtClean="0"/>
-              <a:t>2019/5/20</a:t>
+              <a:t>2019/7/2</a:t>
             </a:fld>
             <a:endParaRPr kumimoji="1" lang="ja-JP" altLang="en-US"/>
           </a:p>
@@ -2052,7 +2054,7 @@
           <a:p>
             <a:fld id="{BC217E9B-DFCD-4DFE-B7ED-A5F6001EB7CB}" type="datetimeFigureOut">
               <a:rPr kumimoji="1" lang="ja-JP" altLang="en-US" smtClean="0"/>
-              <a:t>2019/5/20</a:t>
+              <a:t>2019/7/2</a:t>
             </a:fld>
             <a:endParaRPr kumimoji="1" lang="ja-JP" altLang="en-US"/>
           </a:p>
@@ -2361,7 +2363,7 @@
           <a:p>
             <a:fld id="{BC217E9B-DFCD-4DFE-B7ED-A5F6001EB7CB}" type="datetimeFigureOut">
               <a:rPr kumimoji="1" lang="ja-JP" altLang="en-US" smtClean="0"/>
-              <a:t>2019/5/20</a:t>
+              <a:t>2019/7/2</a:t>
             </a:fld>
             <a:endParaRPr kumimoji="1" lang="ja-JP" altLang="en-US"/>
           </a:p>
@@ -2614,7 +2616,7 @@
           <a:p>
             <a:fld id="{BC217E9B-DFCD-4DFE-B7ED-A5F6001EB7CB}" type="datetimeFigureOut">
               <a:rPr kumimoji="1" lang="ja-JP" altLang="en-US" smtClean="0"/>
-              <a:t>2019/5/20</a:t>
+              <a:t>2019/7/2</a:t>
             </a:fld>
             <a:endParaRPr kumimoji="1" lang="ja-JP" altLang="en-US"/>
           </a:p>
@@ -2859,7 +2861,7 @@
           <a:p>
             <a:fld id="{BC217E9B-DFCD-4DFE-B7ED-A5F6001EB7CB}" type="datetimeFigureOut">
               <a:rPr kumimoji="1" lang="ja-JP" altLang="en-US" smtClean="0"/>
-              <a:t>2019/5/20</a:t>
+              <a:t>2019/7/2</a:t>
             </a:fld>
             <a:endParaRPr kumimoji="1" lang="ja-JP" altLang="en-US"/>
           </a:p>
@@ -3413,6 +3415,84 @@
 </p:sld>
 </file>
 
+<file path=ppt/slides/slide10.xml><?xml version="1.0" encoding="utf-8"?>
+<p:sld xmlns:a="http://schemas.openxmlformats.org/drawingml/2006/main" xmlns:r="http://schemas.openxmlformats.org/officeDocument/2006/relationships" xmlns:p="http://schemas.openxmlformats.org/presentationml/2006/main">
+  <p:cSld>
+    <p:spTree>
+      <p:nvGrpSpPr>
+        <p:cNvPr id="1" name=""/>
+        <p:cNvGrpSpPr/>
+        <p:nvPr/>
+      </p:nvGrpSpPr>
+      <p:grpSpPr>
+        <a:xfrm>
+          <a:off x="0" y="0"/>
+          <a:ext cx="0" cy="0"/>
+          <a:chOff x="0" y="0"/>
+          <a:chExt cx="0" cy="0"/>
+        </a:xfrm>
+      </p:grpSpPr>
+      <p:pic>
+        <p:nvPicPr>
+          <p:cNvPr id="2" name="図 1"/>
+          <p:cNvPicPr>
+            <a:picLocks noChangeAspect="1"/>
+          </p:cNvPicPr>
+          <p:nvPr/>
+        </p:nvPicPr>
+        <p:blipFill>
+          <a:blip r:embed="rId2"/>
+          <a:stretch>
+            <a:fillRect/>
+          </a:stretch>
+        </p:blipFill>
+        <p:spPr>
+          <a:xfrm>
+            <a:off x="36193" y="16626"/>
+            <a:ext cx="5353050" cy="6819900"/>
+          </a:xfrm>
+          <a:prstGeom prst="rect">
+            <a:avLst/>
+          </a:prstGeom>
+        </p:spPr>
+      </p:pic>
+      <p:pic>
+        <p:nvPicPr>
+          <p:cNvPr id="3" name="図 2"/>
+          <p:cNvPicPr>
+            <a:picLocks noChangeAspect="1"/>
+          </p:cNvPicPr>
+          <p:nvPr/>
+        </p:nvPicPr>
+        <p:blipFill>
+          <a:blip r:embed="rId3"/>
+          <a:stretch>
+            <a:fillRect/>
+          </a:stretch>
+        </p:blipFill>
+        <p:spPr>
+          <a:xfrm>
+            <a:off x="7207137" y="16626"/>
+            <a:ext cx="3325115" cy="6818083"/>
+          </a:xfrm>
+          <a:prstGeom prst="rect">
+            <a:avLst/>
+          </a:prstGeom>
+        </p:spPr>
+      </p:pic>
+    </p:spTree>
+    <p:extLst>
+      <p:ext uri="{BB962C8B-B14F-4D97-AF65-F5344CB8AC3E}">
+        <p14:creationId xmlns:p14="http://schemas.microsoft.com/office/powerpoint/2010/main" val="4088346110"/>
+      </p:ext>
+    </p:extLst>
+  </p:cSld>
+  <p:clrMapOvr>
+    <a:masterClrMapping/>
+  </p:clrMapOvr>
+</p:sld>
+</file>
+
 <file path=ppt/slides/slide2.xml><?xml version="1.0" encoding="utf-8"?>
 <p:sld xmlns:a="http://schemas.openxmlformats.org/drawingml/2006/main" xmlns:r="http://schemas.openxmlformats.org/officeDocument/2006/relationships" xmlns:p="http://schemas.openxmlformats.org/presentationml/2006/main">
   <p:cSld>
@@ -3462,7 +3542,7 @@
         <p:spPr>
           <a:xfrm>
             <a:off x="1541043" y="1757971"/>
-            <a:ext cx="9619989" cy="2308324"/>
+            <a:ext cx="9619989" cy="3416320"/>
           </a:xfrm>
           <a:prstGeom prst="rect">
             <a:avLst/>
@@ -3512,6 +3592,26 @@
             <a:r>
               <a:rPr lang="en-US" altLang="ja-JP" sz="3600" dirty="0" smtClean="0"/>
               <a:t>)</a:t>
+            </a:r>
+          </a:p>
+          <a:p>
+            <a:r>
+              <a:rPr kumimoji="1" lang="ja-JP" altLang="en-US" sz="3600" dirty="0" smtClean="0"/>
+              <a:t>・</a:t>
+            </a:r>
+            <a:r>
+              <a:rPr kumimoji="1" lang="en-US" altLang="ja-JP" sz="3600" dirty="0" smtClean="0"/>
+              <a:t>Training 2-4 </a:t>
+            </a:r>
+          </a:p>
+          <a:p>
+            <a:r>
+              <a:rPr lang="ja-JP" altLang="en-US" sz="3600" dirty="0" smtClean="0"/>
+              <a:t>・</a:t>
+            </a:r>
+            <a:r>
+              <a:rPr lang="en-US" altLang="ja-JP" sz="3600" dirty="0" smtClean="0"/>
+              <a:t>Training 2-5</a:t>
             </a:r>
             <a:endParaRPr kumimoji="1" lang="en-US" altLang="ja-JP" sz="3600" dirty="0" smtClean="0"/>
           </a:p>
@@ -10345,6 +10445,84 @@
           <a:chExt cx="0" cy="0"/>
         </a:xfrm>
       </p:grpSpPr>
+      <p:pic>
+        <p:nvPicPr>
+          <p:cNvPr id="2" name="図 1"/>
+          <p:cNvPicPr>
+            <a:picLocks noChangeAspect="1"/>
+          </p:cNvPicPr>
+          <p:nvPr/>
+        </p:nvPicPr>
+        <p:blipFill>
+          <a:blip r:embed="rId2"/>
+          <a:stretch>
+            <a:fillRect/>
+          </a:stretch>
+        </p:blipFill>
+        <p:spPr>
+          <a:xfrm>
+            <a:off x="102784" y="426114"/>
+            <a:ext cx="5478912" cy="5359546"/>
+          </a:xfrm>
+          <a:prstGeom prst="rect">
+            <a:avLst/>
+          </a:prstGeom>
+        </p:spPr>
+      </p:pic>
+      <p:pic>
+        <p:nvPicPr>
+          <p:cNvPr id="3" name="図 2"/>
+          <p:cNvPicPr>
+            <a:picLocks noChangeAspect="1"/>
+          </p:cNvPicPr>
+          <p:nvPr/>
+        </p:nvPicPr>
+        <p:blipFill>
+          <a:blip r:embed="rId3"/>
+          <a:stretch>
+            <a:fillRect/>
+          </a:stretch>
+        </p:blipFill>
+        <p:spPr>
+          <a:xfrm>
+            <a:off x="6406341" y="88885"/>
+            <a:ext cx="4772214" cy="6710926"/>
+          </a:xfrm>
+          <a:prstGeom prst="rect">
+            <a:avLst/>
+          </a:prstGeom>
+        </p:spPr>
+      </p:pic>
+    </p:spTree>
+    <p:extLst>
+      <p:ext uri="{BB962C8B-B14F-4D97-AF65-F5344CB8AC3E}">
+        <p14:creationId xmlns:p14="http://schemas.microsoft.com/office/powerpoint/2010/main" val="1901534988"/>
+      </p:ext>
+    </p:extLst>
+  </p:cSld>
+  <p:clrMapOvr>
+    <a:masterClrMapping/>
+  </p:clrMapOvr>
+</p:sld>
+</file>
+
+<file path=ppt/slides/slide9.xml><?xml version="1.0" encoding="utf-8"?>
+<p:sld xmlns:a="http://schemas.openxmlformats.org/drawingml/2006/main" xmlns:r="http://schemas.openxmlformats.org/officeDocument/2006/relationships" xmlns:p="http://schemas.openxmlformats.org/presentationml/2006/main">
+  <p:cSld>
+    <p:spTree>
+      <p:nvGrpSpPr>
+        <p:cNvPr id="1" name=""/>
+        <p:cNvGrpSpPr/>
+        <p:nvPr/>
+      </p:nvGrpSpPr>
+      <p:grpSpPr>
+        <a:xfrm>
+          <a:off x="0" y="0"/>
+          <a:ext cx="0" cy="0"/>
+          <a:chOff x="0" y="0"/>
+          <a:chExt cx="0" cy="0"/>
+        </a:xfrm>
+      </p:grpSpPr>
       <p:sp>
         <p:nvSpPr>
           <p:cNvPr id="2" name="タイトル 1"/>
@@ -10363,7 +10541,7 @@
         </p:spPr>
         <p:txBody>
           <a:bodyPr>
-            <a:normAutofit/>
+            <a:normAutofit fontScale="90000"/>
           </a:bodyPr>
           <a:lstStyle/>
           <a:p>
@@ -10378,6 +10556,21 @@
             <a:r>
               <a:rPr kumimoji="1" lang="en-US" altLang="ja-JP" dirty="0" smtClean="0"/>
               <a:t>2-5</a:t>
+            </a:r>
+            <a:br>
+              <a:rPr kumimoji="1" lang="en-US" altLang="ja-JP" dirty="0" smtClean="0"/>
+            </a:br>
+            <a:r>
+              <a:rPr kumimoji="1" lang="en-US" altLang="ja-JP" dirty="0" smtClean="0"/>
+              <a:t>Shaker</a:t>
+            </a:r>
+            <a:r>
+              <a:rPr kumimoji="1" lang="ja-JP" altLang="en-US" dirty="0" smtClean="0"/>
+              <a:t> </a:t>
+            </a:r>
+            <a:r>
+              <a:rPr kumimoji="1" lang="en-US" altLang="ja-JP" dirty="0" smtClean="0"/>
+              <a:t>Sort</a:t>
             </a:r>
             <a:endParaRPr kumimoji="1" lang="ja-JP" altLang="en-US" dirty="0"/>
           </a:p>

--- a/docs/第11回選択法交換法アルゴリズム .pptx
+++ b/docs/第11回選択法交換法アルゴリズム .pptx
@@ -4,20 +4,33 @@
   <p:sldMasterIdLst>
     <p:sldMasterId id="2147483648" r:id="rId1"/>
   </p:sldMasterIdLst>
+  <p:notesMasterIdLst>
+    <p:notesMasterId r:id="rId19"/>
+  </p:notesMasterIdLst>
+  <p:handoutMasterIdLst>
+    <p:handoutMasterId r:id="rId20"/>
+  </p:handoutMasterIdLst>
   <p:sldIdLst>
     <p:sldId id="256" r:id="rId2"/>
     <p:sldId id="257" r:id="rId3"/>
     <p:sldId id="273" r:id="rId4"/>
-    <p:sldId id="274" r:id="rId5"/>
-    <p:sldId id="280" r:id="rId6"/>
-    <p:sldId id="281" r:id="rId7"/>
-    <p:sldId id="278" r:id="rId8"/>
-    <p:sldId id="282" r:id="rId9"/>
-    <p:sldId id="279" r:id="rId10"/>
-    <p:sldId id="283" r:id="rId11"/>
+    <p:sldId id="285" r:id="rId5"/>
+    <p:sldId id="287" r:id="rId6"/>
+    <p:sldId id="286" r:id="rId7"/>
+    <p:sldId id="274" r:id="rId8"/>
+    <p:sldId id="280" r:id="rId9"/>
+    <p:sldId id="284" r:id="rId10"/>
+    <p:sldId id="288" r:id="rId11"/>
+    <p:sldId id="289" r:id="rId12"/>
+    <p:sldId id="290" r:id="rId13"/>
+    <p:sldId id="281" r:id="rId14"/>
+    <p:sldId id="278" r:id="rId15"/>
+    <p:sldId id="282" r:id="rId16"/>
+    <p:sldId id="279" r:id="rId17"/>
+    <p:sldId id="283" r:id="rId18"/>
   </p:sldIdLst>
   <p:sldSz cx="12192000" cy="6858000"/>
-  <p:notesSz cx="6735763" cy="9869488"/>
+  <p:notesSz cx="6735763" cy="9866313"/>
   <p:defaultTextStyle>
     <a:defPPr>
       <a:defRPr lang="ja-JP"/>
@@ -119,6 +132,1981 @@
     </p:ext>
   </p:extLst>
 </p:presentation>
+</file>
+
+<file path=ppt/handoutMasters/handoutMaster1.xml><?xml version="1.0" encoding="utf-8"?>
+<p:handoutMaster xmlns:a="http://schemas.openxmlformats.org/drawingml/2006/main" xmlns:r="http://schemas.openxmlformats.org/officeDocument/2006/relationships" xmlns:p="http://schemas.openxmlformats.org/presentationml/2006/main">
+  <p:cSld>
+    <p:bg>
+      <p:bgRef idx="1001">
+        <a:schemeClr val="bg1"/>
+      </p:bgRef>
+    </p:bg>
+    <p:spTree>
+      <p:nvGrpSpPr>
+        <p:cNvPr id="1" name=""/>
+        <p:cNvGrpSpPr/>
+        <p:nvPr/>
+      </p:nvGrpSpPr>
+      <p:grpSpPr>
+        <a:xfrm>
+          <a:off x="0" y="0"/>
+          <a:ext cx="0" cy="0"/>
+          <a:chOff x="0" y="0"/>
+          <a:chExt cx="0" cy="0"/>
+        </a:xfrm>
+      </p:grpSpPr>
+      <p:sp>
+        <p:nvSpPr>
+          <p:cNvPr id="2" name="ヘッダー プレースホルダー 1"/>
+          <p:cNvSpPr>
+            <a:spLocks noGrp="1"/>
+          </p:cNvSpPr>
+          <p:nvPr>
+            <p:ph type="hdr" sz="quarter"/>
+          </p:nvPr>
+        </p:nvSpPr>
+        <p:spPr>
+          <a:xfrm>
+            <a:off x="1" y="0"/>
+            <a:ext cx="2919413" cy="495141"/>
+          </a:xfrm>
+          <a:prstGeom prst="rect">
+            <a:avLst/>
+          </a:prstGeom>
+        </p:spPr>
+        <p:txBody>
+          <a:bodyPr vert="horz" lIns="91440" tIns="45720" rIns="91440" bIns="45720" rtlCol="0"/>
+          <a:lstStyle>
+            <a:lvl1pPr algn="l">
+              <a:defRPr sz="1200"/>
+            </a:lvl1pPr>
+          </a:lstStyle>
+          <a:p>
+            <a:endParaRPr kumimoji="1" lang="ja-JP" altLang="en-US"/>
+          </a:p>
+        </p:txBody>
+      </p:sp>
+      <p:sp>
+        <p:nvSpPr>
+          <p:cNvPr id="3" name="日付プレースホルダー 2"/>
+          <p:cNvSpPr>
+            <a:spLocks noGrp="1"/>
+          </p:cNvSpPr>
+          <p:nvPr>
+            <p:ph type="dt" sz="quarter" idx="1"/>
+          </p:nvPr>
+        </p:nvSpPr>
+        <p:spPr>
+          <a:xfrm>
+            <a:off x="3814763" y="0"/>
+            <a:ext cx="2919412" cy="495141"/>
+          </a:xfrm>
+          <a:prstGeom prst="rect">
+            <a:avLst/>
+          </a:prstGeom>
+        </p:spPr>
+        <p:txBody>
+          <a:bodyPr vert="horz" lIns="91440" tIns="45720" rIns="91440" bIns="45720" rtlCol="0"/>
+          <a:lstStyle>
+            <a:lvl1pPr algn="r">
+              <a:defRPr sz="1200"/>
+            </a:lvl1pPr>
+          </a:lstStyle>
+          <a:p>
+            <a:fld id="{D9312511-3F7B-4FDA-ACC7-D17C027C099C}" type="datetimeFigureOut">
+              <a:rPr kumimoji="1" lang="ja-JP" altLang="en-US" smtClean="0"/>
+              <a:t>2019/7/2</a:t>
+            </a:fld>
+            <a:endParaRPr kumimoji="1" lang="ja-JP" altLang="en-US"/>
+          </a:p>
+        </p:txBody>
+      </p:sp>
+      <p:sp>
+        <p:nvSpPr>
+          <p:cNvPr id="4" name="フッター プレースホルダー 3"/>
+          <p:cNvSpPr>
+            <a:spLocks noGrp="1"/>
+          </p:cNvSpPr>
+          <p:nvPr>
+            <p:ph type="ftr" sz="quarter" idx="2"/>
+          </p:nvPr>
+        </p:nvSpPr>
+        <p:spPr>
+          <a:xfrm>
+            <a:off x="1" y="9371172"/>
+            <a:ext cx="2919413" cy="495141"/>
+          </a:xfrm>
+          <a:prstGeom prst="rect">
+            <a:avLst/>
+          </a:prstGeom>
+        </p:spPr>
+        <p:txBody>
+          <a:bodyPr vert="horz" lIns="91440" tIns="45720" rIns="91440" bIns="45720" rtlCol="0" anchor="b"/>
+          <a:lstStyle>
+            <a:lvl1pPr algn="l">
+              <a:defRPr sz="1200"/>
+            </a:lvl1pPr>
+          </a:lstStyle>
+          <a:p>
+            <a:endParaRPr kumimoji="1" lang="ja-JP" altLang="en-US"/>
+          </a:p>
+        </p:txBody>
+      </p:sp>
+      <p:sp>
+        <p:nvSpPr>
+          <p:cNvPr id="5" name="スライド番号プレースホルダー 4"/>
+          <p:cNvSpPr>
+            <a:spLocks noGrp="1"/>
+          </p:cNvSpPr>
+          <p:nvPr>
+            <p:ph type="sldNum" sz="quarter" idx="3"/>
+          </p:nvPr>
+        </p:nvSpPr>
+        <p:spPr>
+          <a:xfrm>
+            <a:off x="3814763" y="9371172"/>
+            <a:ext cx="2919412" cy="495141"/>
+          </a:xfrm>
+          <a:prstGeom prst="rect">
+            <a:avLst/>
+          </a:prstGeom>
+        </p:spPr>
+        <p:txBody>
+          <a:bodyPr vert="horz" lIns="91440" tIns="45720" rIns="91440" bIns="45720" rtlCol="0" anchor="b"/>
+          <a:lstStyle>
+            <a:lvl1pPr algn="r">
+              <a:defRPr sz="1200"/>
+            </a:lvl1pPr>
+          </a:lstStyle>
+          <a:p>
+            <a:fld id="{DB3163A4-23AA-4563-95F4-9ABE516A15A5}" type="slidenum">
+              <a:rPr kumimoji="1" lang="ja-JP" altLang="en-US" smtClean="0"/>
+              <a:t>‹#›</a:t>
+            </a:fld>
+            <a:endParaRPr kumimoji="1" lang="ja-JP" altLang="en-US"/>
+          </a:p>
+        </p:txBody>
+      </p:sp>
+    </p:spTree>
+    <p:extLst>
+      <p:ext uri="{BB962C8B-B14F-4D97-AF65-F5344CB8AC3E}">
+        <p14:creationId xmlns:p14="http://schemas.microsoft.com/office/powerpoint/2010/main" val="4247450514"/>
+      </p:ext>
+    </p:extLst>
+  </p:cSld>
+  <p:clrMap bg1="lt1" tx1="dk1" bg2="lt2" tx2="dk2" accent1="accent1" accent2="accent2" accent3="accent3" accent4="accent4" accent5="accent5" accent6="accent6" hlink="hlink" folHlink="folHlink"/>
+</p:handoutMaster>
+</file>
+
+<file path=ppt/notesMasters/notesMaster1.xml><?xml version="1.0" encoding="utf-8"?>
+<p:notesMaster xmlns:a="http://schemas.openxmlformats.org/drawingml/2006/main" xmlns:r="http://schemas.openxmlformats.org/officeDocument/2006/relationships" xmlns:p="http://schemas.openxmlformats.org/presentationml/2006/main">
+  <p:cSld>
+    <p:bg>
+      <p:bgRef idx="1001">
+        <a:schemeClr val="bg1"/>
+      </p:bgRef>
+    </p:bg>
+    <p:spTree>
+      <p:nvGrpSpPr>
+        <p:cNvPr id="1" name=""/>
+        <p:cNvGrpSpPr/>
+        <p:nvPr/>
+      </p:nvGrpSpPr>
+      <p:grpSpPr>
+        <a:xfrm>
+          <a:off x="0" y="0"/>
+          <a:ext cx="0" cy="0"/>
+          <a:chOff x="0" y="0"/>
+          <a:chExt cx="0" cy="0"/>
+        </a:xfrm>
+      </p:grpSpPr>
+      <p:sp>
+        <p:nvSpPr>
+          <p:cNvPr id="2" name="ヘッダー プレースホルダー 1"/>
+          <p:cNvSpPr>
+            <a:spLocks noGrp="1"/>
+          </p:cNvSpPr>
+          <p:nvPr>
+            <p:ph type="hdr" sz="quarter"/>
+          </p:nvPr>
+        </p:nvSpPr>
+        <p:spPr>
+          <a:xfrm>
+            <a:off x="1" y="0"/>
+            <a:ext cx="2919413" cy="495141"/>
+          </a:xfrm>
+          <a:prstGeom prst="rect">
+            <a:avLst/>
+          </a:prstGeom>
+        </p:spPr>
+        <p:txBody>
+          <a:bodyPr vert="horz" lIns="91440" tIns="45720" rIns="91440" bIns="45720" rtlCol="0"/>
+          <a:lstStyle>
+            <a:lvl1pPr algn="l">
+              <a:defRPr sz="1200"/>
+            </a:lvl1pPr>
+          </a:lstStyle>
+          <a:p>
+            <a:endParaRPr kumimoji="1" lang="ja-JP" altLang="en-US"/>
+          </a:p>
+        </p:txBody>
+      </p:sp>
+      <p:sp>
+        <p:nvSpPr>
+          <p:cNvPr id="3" name="日付プレースホルダー 2"/>
+          <p:cNvSpPr>
+            <a:spLocks noGrp="1"/>
+          </p:cNvSpPr>
+          <p:nvPr>
+            <p:ph type="dt" idx="1"/>
+          </p:nvPr>
+        </p:nvSpPr>
+        <p:spPr>
+          <a:xfrm>
+            <a:off x="3814763" y="0"/>
+            <a:ext cx="2919412" cy="495141"/>
+          </a:xfrm>
+          <a:prstGeom prst="rect">
+            <a:avLst/>
+          </a:prstGeom>
+        </p:spPr>
+        <p:txBody>
+          <a:bodyPr vert="horz" lIns="91440" tIns="45720" rIns="91440" bIns="45720" rtlCol="0"/>
+          <a:lstStyle>
+            <a:lvl1pPr algn="r">
+              <a:defRPr sz="1200"/>
+            </a:lvl1pPr>
+          </a:lstStyle>
+          <a:p>
+            <a:fld id="{8109C18A-2426-45D5-984A-8539CA195FEE}" type="datetimeFigureOut">
+              <a:rPr kumimoji="1" lang="ja-JP" altLang="en-US" smtClean="0"/>
+              <a:t>2019/7/2</a:t>
+            </a:fld>
+            <a:endParaRPr kumimoji="1" lang="ja-JP" altLang="en-US"/>
+          </a:p>
+        </p:txBody>
+      </p:sp>
+      <p:sp>
+        <p:nvSpPr>
+          <p:cNvPr id="4" name="スライド イメージ プレースホルダー 3"/>
+          <p:cNvSpPr>
+            <a:spLocks noGrp="1" noRot="1" noChangeAspect="1"/>
+          </p:cNvSpPr>
+          <p:nvPr>
+            <p:ph type="sldImg" idx="2"/>
+          </p:nvPr>
+        </p:nvSpPr>
+        <p:spPr>
+          <a:xfrm>
+            <a:off x="407988" y="1233488"/>
+            <a:ext cx="5919787" cy="3328987"/>
+          </a:xfrm>
+          <a:prstGeom prst="rect">
+            <a:avLst/>
+          </a:prstGeom>
+          <a:noFill/>
+          <a:ln w="12700">
+            <a:solidFill>
+              <a:prstClr val="black"/>
+            </a:solidFill>
+          </a:ln>
+        </p:spPr>
+        <p:txBody>
+          <a:bodyPr vert="horz" lIns="91440" tIns="45720" rIns="91440" bIns="45720" rtlCol="0" anchor="ctr"/>
+          <a:lstStyle/>
+          <a:p>
+            <a:endParaRPr lang="ja-JP" altLang="en-US"/>
+          </a:p>
+        </p:txBody>
+      </p:sp>
+      <p:sp>
+        <p:nvSpPr>
+          <p:cNvPr id="5" name="ノート プレースホルダー 4"/>
+          <p:cNvSpPr>
+            <a:spLocks noGrp="1"/>
+          </p:cNvSpPr>
+          <p:nvPr>
+            <p:ph type="body" sz="quarter" idx="3"/>
+          </p:nvPr>
+        </p:nvSpPr>
+        <p:spPr>
+          <a:xfrm>
+            <a:off x="673100" y="4748272"/>
+            <a:ext cx="5389563" cy="3884950"/>
+          </a:xfrm>
+          <a:prstGeom prst="rect">
+            <a:avLst/>
+          </a:prstGeom>
+        </p:spPr>
+        <p:txBody>
+          <a:bodyPr vert="horz" lIns="91440" tIns="45720" rIns="91440" bIns="45720" rtlCol="0"/>
+          <a:lstStyle/>
+          <a:p>
+            <a:pPr lvl="0"/>
+            <a:r>
+              <a:rPr kumimoji="1" lang="ja-JP" altLang="en-US" smtClean="0"/>
+              <a:t>マスター テキストの書式設定</a:t>
+            </a:r>
+          </a:p>
+          <a:p>
+            <a:pPr lvl="1"/>
+            <a:r>
+              <a:rPr kumimoji="1" lang="ja-JP" altLang="en-US" smtClean="0"/>
+              <a:t>第 </a:t>
+            </a:r>
+            <a:r>
+              <a:rPr kumimoji="1" lang="en-US" altLang="ja-JP" smtClean="0"/>
+              <a:t>2 </a:t>
+            </a:r>
+            <a:r>
+              <a:rPr kumimoji="1" lang="ja-JP" altLang="en-US" smtClean="0"/>
+              <a:t>レベル</a:t>
+            </a:r>
+          </a:p>
+          <a:p>
+            <a:pPr lvl="2"/>
+            <a:r>
+              <a:rPr kumimoji="1" lang="ja-JP" altLang="en-US" smtClean="0"/>
+              <a:t>第 </a:t>
+            </a:r>
+            <a:r>
+              <a:rPr kumimoji="1" lang="en-US" altLang="ja-JP" smtClean="0"/>
+              <a:t>3 </a:t>
+            </a:r>
+            <a:r>
+              <a:rPr kumimoji="1" lang="ja-JP" altLang="en-US" smtClean="0"/>
+              <a:t>レベル</a:t>
+            </a:r>
+          </a:p>
+          <a:p>
+            <a:pPr lvl="3"/>
+            <a:r>
+              <a:rPr kumimoji="1" lang="ja-JP" altLang="en-US" smtClean="0"/>
+              <a:t>第 </a:t>
+            </a:r>
+            <a:r>
+              <a:rPr kumimoji="1" lang="en-US" altLang="ja-JP" smtClean="0"/>
+              <a:t>4 </a:t>
+            </a:r>
+            <a:r>
+              <a:rPr kumimoji="1" lang="ja-JP" altLang="en-US" smtClean="0"/>
+              <a:t>レベル</a:t>
+            </a:r>
+          </a:p>
+          <a:p>
+            <a:pPr lvl="4"/>
+            <a:r>
+              <a:rPr kumimoji="1" lang="ja-JP" altLang="en-US" smtClean="0"/>
+              <a:t>第 </a:t>
+            </a:r>
+            <a:r>
+              <a:rPr kumimoji="1" lang="en-US" altLang="ja-JP" smtClean="0"/>
+              <a:t>5 </a:t>
+            </a:r>
+            <a:r>
+              <a:rPr kumimoji="1" lang="ja-JP" altLang="en-US" smtClean="0"/>
+              <a:t>レベル</a:t>
+            </a:r>
+            <a:endParaRPr kumimoji="1" lang="ja-JP" altLang="en-US"/>
+          </a:p>
+        </p:txBody>
+      </p:sp>
+      <p:sp>
+        <p:nvSpPr>
+          <p:cNvPr id="6" name="フッター プレースホルダー 5"/>
+          <p:cNvSpPr>
+            <a:spLocks noGrp="1"/>
+          </p:cNvSpPr>
+          <p:nvPr>
+            <p:ph type="ftr" sz="quarter" idx="4"/>
+          </p:nvPr>
+        </p:nvSpPr>
+        <p:spPr>
+          <a:xfrm>
+            <a:off x="1" y="9371172"/>
+            <a:ext cx="2919413" cy="495141"/>
+          </a:xfrm>
+          <a:prstGeom prst="rect">
+            <a:avLst/>
+          </a:prstGeom>
+        </p:spPr>
+        <p:txBody>
+          <a:bodyPr vert="horz" lIns="91440" tIns="45720" rIns="91440" bIns="45720" rtlCol="0" anchor="b"/>
+          <a:lstStyle>
+            <a:lvl1pPr algn="l">
+              <a:defRPr sz="1200"/>
+            </a:lvl1pPr>
+          </a:lstStyle>
+          <a:p>
+            <a:endParaRPr kumimoji="1" lang="ja-JP" altLang="en-US"/>
+          </a:p>
+        </p:txBody>
+      </p:sp>
+      <p:sp>
+        <p:nvSpPr>
+          <p:cNvPr id="7" name="スライド番号プレースホルダー 6"/>
+          <p:cNvSpPr>
+            <a:spLocks noGrp="1"/>
+          </p:cNvSpPr>
+          <p:nvPr>
+            <p:ph type="sldNum" sz="quarter" idx="5"/>
+          </p:nvPr>
+        </p:nvSpPr>
+        <p:spPr>
+          <a:xfrm>
+            <a:off x="3814763" y="9371172"/>
+            <a:ext cx="2919412" cy="495141"/>
+          </a:xfrm>
+          <a:prstGeom prst="rect">
+            <a:avLst/>
+          </a:prstGeom>
+        </p:spPr>
+        <p:txBody>
+          <a:bodyPr vert="horz" lIns="91440" tIns="45720" rIns="91440" bIns="45720" rtlCol="0" anchor="b"/>
+          <a:lstStyle>
+            <a:lvl1pPr algn="r">
+              <a:defRPr sz="1200"/>
+            </a:lvl1pPr>
+          </a:lstStyle>
+          <a:p>
+            <a:fld id="{BC6A788D-FEA3-491F-88E5-E4523532A9ED}" type="slidenum">
+              <a:rPr kumimoji="1" lang="ja-JP" altLang="en-US" smtClean="0"/>
+              <a:t>‹#›</a:t>
+            </a:fld>
+            <a:endParaRPr kumimoji="1" lang="ja-JP" altLang="en-US"/>
+          </a:p>
+        </p:txBody>
+      </p:sp>
+    </p:spTree>
+    <p:extLst>
+      <p:ext uri="{BB962C8B-B14F-4D97-AF65-F5344CB8AC3E}">
+        <p14:creationId xmlns:p14="http://schemas.microsoft.com/office/powerpoint/2010/main" val="4226897157"/>
+      </p:ext>
+    </p:extLst>
+  </p:cSld>
+  <p:clrMap bg1="lt1" tx1="dk1" bg2="lt2" tx2="dk2" accent1="accent1" accent2="accent2" accent3="accent3" accent4="accent4" accent5="accent5" accent6="accent6" hlink="hlink" folHlink="folHlink"/>
+  <p:notesStyle>
+    <a:lvl1pPr marL="0" algn="l" defTabSz="914400" rtl="0" eaLnBrk="1" latinLnBrk="0" hangingPunct="1">
+      <a:defRPr kumimoji="1" sz="1200" kern="1200">
+        <a:solidFill>
+          <a:schemeClr val="tx1"/>
+        </a:solidFill>
+        <a:latin typeface="+mn-lt"/>
+        <a:ea typeface="+mn-ea"/>
+        <a:cs typeface="+mn-cs"/>
+      </a:defRPr>
+    </a:lvl1pPr>
+    <a:lvl2pPr marL="457200" algn="l" defTabSz="914400" rtl="0" eaLnBrk="1" latinLnBrk="0" hangingPunct="1">
+      <a:defRPr kumimoji="1" sz="1200" kern="1200">
+        <a:solidFill>
+          <a:schemeClr val="tx1"/>
+        </a:solidFill>
+        <a:latin typeface="+mn-lt"/>
+        <a:ea typeface="+mn-ea"/>
+        <a:cs typeface="+mn-cs"/>
+      </a:defRPr>
+    </a:lvl2pPr>
+    <a:lvl3pPr marL="914400" algn="l" defTabSz="914400" rtl="0" eaLnBrk="1" latinLnBrk="0" hangingPunct="1">
+      <a:defRPr kumimoji="1" sz="1200" kern="1200">
+        <a:solidFill>
+          <a:schemeClr val="tx1"/>
+        </a:solidFill>
+        <a:latin typeface="+mn-lt"/>
+        <a:ea typeface="+mn-ea"/>
+        <a:cs typeface="+mn-cs"/>
+      </a:defRPr>
+    </a:lvl3pPr>
+    <a:lvl4pPr marL="1371600" algn="l" defTabSz="914400" rtl="0" eaLnBrk="1" latinLnBrk="0" hangingPunct="1">
+      <a:defRPr kumimoji="1" sz="1200" kern="1200">
+        <a:solidFill>
+          <a:schemeClr val="tx1"/>
+        </a:solidFill>
+        <a:latin typeface="+mn-lt"/>
+        <a:ea typeface="+mn-ea"/>
+        <a:cs typeface="+mn-cs"/>
+      </a:defRPr>
+    </a:lvl4pPr>
+    <a:lvl5pPr marL="1828800" algn="l" defTabSz="914400" rtl="0" eaLnBrk="1" latinLnBrk="0" hangingPunct="1">
+      <a:defRPr kumimoji="1" sz="1200" kern="1200">
+        <a:solidFill>
+          <a:schemeClr val="tx1"/>
+        </a:solidFill>
+        <a:latin typeface="+mn-lt"/>
+        <a:ea typeface="+mn-ea"/>
+        <a:cs typeface="+mn-cs"/>
+      </a:defRPr>
+    </a:lvl5pPr>
+    <a:lvl6pPr marL="2286000" algn="l" defTabSz="914400" rtl="0" eaLnBrk="1" latinLnBrk="0" hangingPunct="1">
+      <a:defRPr kumimoji="1" sz="1200" kern="1200">
+        <a:solidFill>
+          <a:schemeClr val="tx1"/>
+        </a:solidFill>
+        <a:latin typeface="+mn-lt"/>
+        <a:ea typeface="+mn-ea"/>
+        <a:cs typeface="+mn-cs"/>
+      </a:defRPr>
+    </a:lvl6pPr>
+    <a:lvl7pPr marL="2743200" algn="l" defTabSz="914400" rtl="0" eaLnBrk="1" latinLnBrk="0" hangingPunct="1">
+      <a:defRPr kumimoji="1" sz="1200" kern="1200">
+        <a:solidFill>
+          <a:schemeClr val="tx1"/>
+        </a:solidFill>
+        <a:latin typeface="+mn-lt"/>
+        <a:ea typeface="+mn-ea"/>
+        <a:cs typeface="+mn-cs"/>
+      </a:defRPr>
+    </a:lvl7pPr>
+    <a:lvl8pPr marL="3200400" algn="l" defTabSz="914400" rtl="0" eaLnBrk="1" latinLnBrk="0" hangingPunct="1">
+      <a:defRPr kumimoji="1" sz="1200" kern="1200">
+        <a:solidFill>
+          <a:schemeClr val="tx1"/>
+        </a:solidFill>
+        <a:latin typeface="+mn-lt"/>
+        <a:ea typeface="+mn-ea"/>
+        <a:cs typeface="+mn-cs"/>
+      </a:defRPr>
+    </a:lvl8pPr>
+    <a:lvl9pPr marL="3657600" algn="l" defTabSz="914400" rtl="0" eaLnBrk="1" latinLnBrk="0" hangingPunct="1">
+      <a:defRPr kumimoji="1" sz="1200" kern="1200">
+        <a:solidFill>
+          <a:schemeClr val="tx1"/>
+        </a:solidFill>
+        <a:latin typeface="+mn-lt"/>
+        <a:ea typeface="+mn-ea"/>
+        <a:cs typeface="+mn-cs"/>
+      </a:defRPr>
+    </a:lvl9pPr>
+  </p:notesStyle>
+</p:notesMaster>
+</file>
+
+<file path=ppt/notesSlides/notesSlide1.xml><?xml version="1.0" encoding="utf-8"?>
+<p:notes xmlns:a="http://schemas.openxmlformats.org/drawingml/2006/main" xmlns:r="http://schemas.openxmlformats.org/officeDocument/2006/relationships" xmlns:p="http://schemas.openxmlformats.org/presentationml/2006/main">
+  <p:cSld>
+    <p:spTree>
+      <p:nvGrpSpPr>
+        <p:cNvPr id="1" name=""/>
+        <p:cNvGrpSpPr/>
+        <p:nvPr/>
+      </p:nvGrpSpPr>
+      <p:grpSpPr>
+        <a:xfrm>
+          <a:off x="0" y="0"/>
+          <a:ext cx="0" cy="0"/>
+          <a:chOff x="0" y="0"/>
+          <a:chExt cx="0" cy="0"/>
+        </a:xfrm>
+      </p:grpSpPr>
+      <p:sp>
+        <p:nvSpPr>
+          <p:cNvPr id="2" name="スライド イメージ プレースホルダー 1"/>
+          <p:cNvSpPr>
+            <a:spLocks noGrp="1" noRot="1" noChangeAspect="1"/>
+          </p:cNvSpPr>
+          <p:nvPr>
+            <p:ph type="sldImg"/>
+          </p:nvPr>
+        </p:nvSpPr>
+        <p:spPr/>
+      </p:sp>
+      <p:sp>
+        <p:nvSpPr>
+          <p:cNvPr id="3" name="ノート プレースホルダー 2"/>
+          <p:cNvSpPr>
+            <a:spLocks noGrp="1"/>
+          </p:cNvSpPr>
+          <p:nvPr>
+            <p:ph type="body" idx="1"/>
+          </p:nvPr>
+        </p:nvSpPr>
+        <p:spPr/>
+        <p:txBody>
+          <a:bodyPr/>
+          <a:lstStyle/>
+          <a:p>
+            <a:endParaRPr kumimoji="1" lang="ja-JP" altLang="en-US"/>
+          </a:p>
+        </p:txBody>
+      </p:sp>
+      <p:sp>
+        <p:nvSpPr>
+          <p:cNvPr id="4" name="スライド番号プレースホルダー 3"/>
+          <p:cNvSpPr>
+            <a:spLocks noGrp="1"/>
+          </p:cNvSpPr>
+          <p:nvPr>
+            <p:ph type="sldNum" sz="quarter" idx="10"/>
+          </p:nvPr>
+        </p:nvSpPr>
+        <p:spPr/>
+        <p:txBody>
+          <a:bodyPr/>
+          <a:lstStyle/>
+          <a:p>
+            <a:fld id="{BC6A788D-FEA3-491F-88E5-E4523532A9ED}" type="slidenum">
+              <a:rPr kumimoji="1" lang="ja-JP" altLang="en-US" smtClean="0"/>
+              <a:t>1</a:t>
+            </a:fld>
+            <a:endParaRPr kumimoji="1" lang="ja-JP" altLang="en-US"/>
+          </a:p>
+        </p:txBody>
+      </p:sp>
+    </p:spTree>
+    <p:extLst>
+      <p:ext uri="{BB962C8B-B14F-4D97-AF65-F5344CB8AC3E}">
+        <p14:creationId xmlns:p14="http://schemas.microsoft.com/office/powerpoint/2010/main" val="3651827088"/>
+      </p:ext>
+    </p:extLst>
+  </p:cSld>
+  <p:clrMapOvr>
+    <a:masterClrMapping/>
+  </p:clrMapOvr>
+</p:notes>
+</file>
+
+<file path=ppt/notesSlides/notesSlide10.xml><?xml version="1.0" encoding="utf-8"?>
+<p:notes xmlns:a="http://schemas.openxmlformats.org/drawingml/2006/main" xmlns:r="http://schemas.openxmlformats.org/officeDocument/2006/relationships" xmlns:p="http://schemas.openxmlformats.org/presentationml/2006/main">
+  <p:cSld>
+    <p:spTree>
+      <p:nvGrpSpPr>
+        <p:cNvPr id="1" name=""/>
+        <p:cNvGrpSpPr/>
+        <p:nvPr/>
+      </p:nvGrpSpPr>
+      <p:grpSpPr>
+        <a:xfrm>
+          <a:off x="0" y="0"/>
+          <a:ext cx="0" cy="0"/>
+          <a:chOff x="0" y="0"/>
+          <a:chExt cx="0" cy="0"/>
+        </a:xfrm>
+      </p:grpSpPr>
+      <p:sp>
+        <p:nvSpPr>
+          <p:cNvPr id="2" name="スライド イメージ プレースホルダー 1"/>
+          <p:cNvSpPr>
+            <a:spLocks noGrp="1" noRot="1" noChangeAspect="1"/>
+          </p:cNvSpPr>
+          <p:nvPr>
+            <p:ph type="sldImg"/>
+          </p:nvPr>
+        </p:nvSpPr>
+        <p:spPr/>
+      </p:sp>
+      <p:sp>
+        <p:nvSpPr>
+          <p:cNvPr id="3" name="ノート プレースホルダー 2"/>
+          <p:cNvSpPr>
+            <a:spLocks noGrp="1"/>
+          </p:cNvSpPr>
+          <p:nvPr>
+            <p:ph type="body" idx="1"/>
+          </p:nvPr>
+        </p:nvSpPr>
+        <p:spPr/>
+        <p:txBody>
+          <a:bodyPr/>
+          <a:lstStyle/>
+          <a:p>
+            <a:endParaRPr kumimoji="1" lang="ja-JP" altLang="en-US"/>
+          </a:p>
+        </p:txBody>
+      </p:sp>
+      <p:sp>
+        <p:nvSpPr>
+          <p:cNvPr id="4" name="スライド番号プレースホルダー 3"/>
+          <p:cNvSpPr>
+            <a:spLocks noGrp="1"/>
+          </p:cNvSpPr>
+          <p:nvPr>
+            <p:ph type="sldNum" sz="quarter" idx="10"/>
+          </p:nvPr>
+        </p:nvSpPr>
+        <p:spPr/>
+        <p:txBody>
+          <a:bodyPr/>
+          <a:lstStyle/>
+          <a:p>
+            <a:fld id="{BC6A788D-FEA3-491F-88E5-E4523532A9ED}" type="slidenum">
+              <a:rPr kumimoji="1" lang="ja-JP" altLang="en-US" smtClean="0"/>
+              <a:t>10</a:t>
+            </a:fld>
+            <a:endParaRPr kumimoji="1" lang="ja-JP" altLang="en-US"/>
+          </a:p>
+        </p:txBody>
+      </p:sp>
+    </p:spTree>
+    <p:extLst>
+      <p:ext uri="{BB962C8B-B14F-4D97-AF65-F5344CB8AC3E}">
+        <p14:creationId xmlns:p14="http://schemas.microsoft.com/office/powerpoint/2010/main" val="4057407940"/>
+      </p:ext>
+    </p:extLst>
+  </p:cSld>
+  <p:clrMapOvr>
+    <a:masterClrMapping/>
+  </p:clrMapOvr>
+</p:notes>
+</file>
+
+<file path=ppt/notesSlides/notesSlide11.xml><?xml version="1.0" encoding="utf-8"?>
+<p:notes xmlns:a="http://schemas.openxmlformats.org/drawingml/2006/main" xmlns:r="http://schemas.openxmlformats.org/officeDocument/2006/relationships" xmlns:p="http://schemas.openxmlformats.org/presentationml/2006/main">
+  <p:cSld>
+    <p:spTree>
+      <p:nvGrpSpPr>
+        <p:cNvPr id="1" name=""/>
+        <p:cNvGrpSpPr/>
+        <p:nvPr/>
+      </p:nvGrpSpPr>
+      <p:grpSpPr>
+        <a:xfrm>
+          <a:off x="0" y="0"/>
+          <a:ext cx="0" cy="0"/>
+          <a:chOff x="0" y="0"/>
+          <a:chExt cx="0" cy="0"/>
+        </a:xfrm>
+      </p:grpSpPr>
+      <p:sp>
+        <p:nvSpPr>
+          <p:cNvPr id="2" name="スライド イメージ プレースホルダー 1"/>
+          <p:cNvSpPr>
+            <a:spLocks noGrp="1" noRot="1" noChangeAspect="1"/>
+          </p:cNvSpPr>
+          <p:nvPr>
+            <p:ph type="sldImg"/>
+          </p:nvPr>
+        </p:nvSpPr>
+        <p:spPr/>
+      </p:sp>
+      <p:sp>
+        <p:nvSpPr>
+          <p:cNvPr id="3" name="ノート プレースホルダー 2"/>
+          <p:cNvSpPr>
+            <a:spLocks noGrp="1"/>
+          </p:cNvSpPr>
+          <p:nvPr>
+            <p:ph type="body" idx="1"/>
+          </p:nvPr>
+        </p:nvSpPr>
+        <p:spPr/>
+        <p:txBody>
+          <a:bodyPr/>
+          <a:lstStyle/>
+          <a:p>
+            <a:endParaRPr kumimoji="1" lang="ja-JP" altLang="en-US"/>
+          </a:p>
+        </p:txBody>
+      </p:sp>
+      <p:sp>
+        <p:nvSpPr>
+          <p:cNvPr id="4" name="スライド番号プレースホルダー 3"/>
+          <p:cNvSpPr>
+            <a:spLocks noGrp="1"/>
+          </p:cNvSpPr>
+          <p:nvPr>
+            <p:ph type="sldNum" sz="quarter" idx="10"/>
+          </p:nvPr>
+        </p:nvSpPr>
+        <p:spPr/>
+        <p:txBody>
+          <a:bodyPr/>
+          <a:lstStyle/>
+          <a:p>
+            <a:fld id="{BC6A788D-FEA3-491F-88E5-E4523532A9ED}" type="slidenum">
+              <a:rPr kumimoji="1" lang="ja-JP" altLang="en-US" smtClean="0"/>
+              <a:t>11</a:t>
+            </a:fld>
+            <a:endParaRPr kumimoji="1" lang="ja-JP" altLang="en-US"/>
+          </a:p>
+        </p:txBody>
+      </p:sp>
+    </p:spTree>
+    <p:extLst>
+      <p:ext uri="{BB962C8B-B14F-4D97-AF65-F5344CB8AC3E}">
+        <p14:creationId xmlns:p14="http://schemas.microsoft.com/office/powerpoint/2010/main" val="1348163942"/>
+      </p:ext>
+    </p:extLst>
+  </p:cSld>
+  <p:clrMapOvr>
+    <a:masterClrMapping/>
+  </p:clrMapOvr>
+</p:notes>
+</file>
+
+<file path=ppt/notesSlides/notesSlide12.xml><?xml version="1.0" encoding="utf-8"?>
+<p:notes xmlns:a="http://schemas.openxmlformats.org/drawingml/2006/main" xmlns:r="http://schemas.openxmlformats.org/officeDocument/2006/relationships" xmlns:p="http://schemas.openxmlformats.org/presentationml/2006/main">
+  <p:cSld>
+    <p:spTree>
+      <p:nvGrpSpPr>
+        <p:cNvPr id="1" name=""/>
+        <p:cNvGrpSpPr/>
+        <p:nvPr/>
+      </p:nvGrpSpPr>
+      <p:grpSpPr>
+        <a:xfrm>
+          <a:off x="0" y="0"/>
+          <a:ext cx="0" cy="0"/>
+          <a:chOff x="0" y="0"/>
+          <a:chExt cx="0" cy="0"/>
+        </a:xfrm>
+      </p:grpSpPr>
+      <p:sp>
+        <p:nvSpPr>
+          <p:cNvPr id="2" name="スライド イメージ プレースホルダー 1"/>
+          <p:cNvSpPr>
+            <a:spLocks noGrp="1" noRot="1" noChangeAspect="1"/>
+          </p:cNvSpPr>
+          <p:nvPr>
+            <p:ph type="sldImg"/>
+          </p:nvPr>
+        </p:nvSpPr>
+        <p:spPr/>
+      </p:sp>
+      <p:sp>
+        <p:nvSpPr>
+          <p:cNvPr id="3" name="ノート プレースホルダー 2"/>
+          <p:cNvSpPr>
+            <a:spLocks noGrp="1"/>
+          </p:cNvSpPr>
+          <p:nvPr>
+            <p:ph type="body" idx="1"/>
+          </p:nvPr>
+        </p:nvSpPr>
+        <p:spPr/>
+        <p:txBody>
+          <a:bodyPr/>
+          <a:lstStyle/>
+          <a:p>
+            <a:endParaRPr kumimoji="1" lang="ja-JP" altLang="en-US"/>
+          </a:p>
+        </p:txBody>
+      </p:sp>
+      <p:sp>
+        <p:nvSpPr>
+          <p:cNvPr id="4" name="スライド番号プレースホルダー 3"/>
+          <p:cNvSpPr>
+            <a:spLocks noGrp="1"/>
+          </p:cNvSpPr>
+          <p:nvPr>
+            <p:ph type="sldNum" sz="quarter" idx="10"/>
+          </p:nvPr>
+        </p:nvSpPr>
+        <p:spPr/>
+        <p:txBody>
+          <a:bodyPr/>
+          <a:lstStyle/>
+          <a:p>
+            <a:fld id="{BC6A788D-FEA3-491F-88E5-E4523532A9ED}" type="slidenum">
+              <a:rPr kumimoji="1" lang="ja-JP" altLang="en-US" smtClean="0"/>
+              <a:t>12</a:t>
+            </a:fld>
+            <a:endParaRPr kumimoji="1" lang="ja-JP" altLang="en-US"/>
+          </a:p>
+        </p:txBody>
+      </p:sp>
+    </p:spTree>
+    <p:extLst>
+      <p:ext uri="{BB962C8B-B14F-4D97-AF65-F5344CB8AC3E}">
+        <p14:creationId xmlns:p14="http://schemas.microsoft.com/office/powerpoint/2010/main" val="3637376237"/>
+      </p:ext>
+    </p:extLst>
+  </p:cSld>
+  <p:clrMapOvr>
+    <a:masterClrMapping/>
+  </p:clrMapOvr>
+</p:notes>
+</file>
+
+<file path=ppt/notesSlides/notesSlide13.xml><?xml version="1.0" encoding="utf-8"?>
+<p:notes xmlns:a="http://schemas.openxmlformats.org/drawingml/2006/main" xmlns:r="http://schemas.openxmlformats.org/officeDocument/2006/relationships" xmlns:p="http://schemas.openxmlformats.org/presentationml/2006/main">
+  <p:cSld>
+    <p:spTree>
+      <p:nvGrpSpPr>
+        <p:cNvPr id="1" name=""/>
+        <p:cNvGrpSpPr/>
+        <p:nvPr/>
+      </p:nvGrpSpPr>
+      <p:grpSpPr>
+        <a:xfrm>
+          <a:off x="0" y="0"/>
+          <a:ext cx="0" cy="0"/>
+          <a:chOff x="0" y="0"/>
+          <a:chExt cx="0" cy="0"/>
+        </a:xfrm>
+      </p:grpSpPr>
+      <p:sp>
+        <p:nvSpPr>
+          <p:cNvPr id="2" name="スライド イメージ プレースホルダー 1"/>
+          <p:cNvSpPr>
+            <a:spLocks noGrp="1" noRot="1" noChangeAspect="1"/>
+          </p:cNvSpPr>
+          <p:nvPr>
+            <p:ph type="sldImg"/>
+          </p:nvPr>
+        </p:nvSpPr>
+        <p:spPr/>
+      </p:sp>
+      <p:sp>
+        <p:nvSpPr>
+          <p:cNvPr id="3" name="ノート プレースホルダー 2"/>
+          <p:cNvSpPr>
+            <a:spLocks noGrp="1"/>
+          </p:cNvSpPr>
+          <p:nvPr>
+            <p:ph type="body" idx="1"/>
+          </p:nvPr>
+        </p:nvSpPr>
+        <p:spPr/>
+        <p:txBody>
+          <a:bodyPr/>
+          <a:lstStyle/>
+          <a:p>
+            <a:endParaRPr kumimoji="1" lang="ja-JP" altLang="en-US"/>
+          </a:p>
+        </p:txBody>
+      </p:sp>
+      <p:sp>
+        <p:nvSpPr>
+          <p:cNvPr id="4" name="スライド番号プレースホルダー 3"/>
+          <p:cNvSpPr>
+            <a:spLocks noGrp="1"/>
+          </p:cNvSpPr>
+          <p:nvPr>
+            <p:ph type="sldNum" sz="quarter" idx="10"/>
+          </p:nvPr>
+        </p:nvSpPr>
+        <p:spPr/>
+        <p:txBody>
+          <a:bodyPr/>
+          <a:lstStyle/>
+          <a:p>
+            <a:fld id="{BC6A788D-FEA3-491F-88E5-E4523532A9ED}" type="slidenum">
+              <a:rPr kumimoji="1" lang="ja-JP" altLang="en-US" smtClean="0"/>
+              <a:t>13</a:t>
+            </a:fld>
+            <a:endParaRPr kumimoji="1" lang="ja-JP" altLang="en-US"/>
+          </a:p>
+        </p:txBody>
+      </p:sp>
+    </p:spTree>
+    <p:extLst>
+      <p:ext uri="{BB962C8B-B14F-4D97-AF65-F5344CB8AC3E}">
+        <p14:creationId xmlns:p14="http://schemas.microsoft.com/office/powerpoint/2010/main" val="89729483"/>
+      </p:ext>
+    </p:extLst>
+  </p:cSld>
+  <p:clrMapOvr>
+    <a:masterClrMapping/>
+  </p:clrMapOvr>
+</p:notes>
+</file>
+
+<file path=ppt/notesSlides/notesSlide14.xml><?xml version="1.0" encoding="utf-8"?>
+<p:notes xmlns:a="http://schemas.openxmlformats.org/drawingml/2006/main" xmlns:r="http://schemas.openxmlformats.org/officeDocument/2006/relationships" xmlns:p="http://schemas.openxmlformats.org/presentationml/2006/main">
+  <p:cSld>
+    <p:spTree>
+      <p:nvGrpSpPr>
+        <p:cNvPr id="1" name=""/>
+        <p:cNvGrpSpPr/>
+        <p:nvPr/>
+      </p:nvGrpSpPr>
+      <p:grpSpPr>
+        <a:xfrm>
+          <a:off x="0" y="0"/>
+          <a:ext cx="0" cy="0"/>
+          <a:chOff x="0" y="0"/>
+          <a:chExt cx="0" cy="0"/>
+        </a:xfrm>
+      </p:grpSpPr>
+      <p:sp>
+        <p:nvSpPr>
+          <p:cNvPr id="2" name="スライド イメージ プレースホルダー 1"/>
+          <p:cNvSpPr>
+            <a:spLocks noGrp="1" noRot="1" noChangeAspect="1"/>
+          </p:cNvSpPr>
+          <p:nvPr>
+            <p:ph type="sldImg"/>
+          </p:nvPr>
+        </p:nvSpPr>
+        <p:spPr/>
+      </p:sp>
+      <p:sp>
+        <p:nvSpPr>
+          <p:cNvPr id="3" name="ノート プレースホルダー 2"/>
+          <p:cNvSpPr>
+            <a:spLocks noGrp="1"/>
+          </p:cNvSpPr>
+          <p:nvPr>
+            <p:ph type="body" idx="1"/>
+          </p:nvPr>
+        </p:nvSpPr>
+        <p:spPr/>
+        <p:txBody>
+          <a:bodyPr/>
+          <a:lstStyle/>
+          <a:p>
+            <a:endParaRPr kumimoji="1" lang="ja-JP" altLang="en-US"/>
+          </a:p>
+        </p:txBody>
+      </p:sp>
+      <p:sp>
+        <p:nvSpPr>
+          <p:cNvPr id="4" name="スライド番号プレースホルダー 3"/>
+          <p:cNvSpPr>
+            <a:spLocks noGrp="1"/>
+          </p:cNvSpPr>
+          <p:nvPr>
+            <p:ph type="sldNum" sz="quarter" idx="10"/>
+          </p:nvPr>
+        </p:nvSpPr>
+        <p:spPr/>
+        <p:txBody>
+          <a:bodyPr/>
+          <a:lstStyle/>
+          <a:p>
+            <a:fld id="{BC6A788D-FEA3-491F-88E5-E4523532A9ED}" type="slidenum">
+              <a:rPr kumimoji="1" lang="ja-JP" altLang="en-US" smtClean="0"/>
+              <a:t>14</a:t>
+            </a:fld>
+            <a:endParaRPr kumimoji="1" lang="ja-JP" altLang="en-US"/>
+          </a:p>
+        </p:txBody>
+      </p:sp>
+    </p:spTree>
+    <p:extLst>
+      <p:ext uri="{BB962C8B-B14F-4D97-AF65-F5344CB8AC3E}">
+        <p14:creationId xmlns:p14="http://schemas.microsoft.com/office/powerpoint/2010/main" val="3697336408"/>
+      </p:ext>
+    </p:extLst>
+  </p:cSld>
+  <p:clrMapOvr>
+    <a:masterClrMapping/>
+  </p:clrMapOvr>
+</p:notes>
+</file>
+
+<file path=ppt/notesSlides/notesSlide15.xml><?xml version="1.0" encoding="utf-8"?>
+<p:notes xmlns:a="http://schemas.openxmlformats.org/drawingml/2006/main" xmlns:r="http://schemas.openxmlformats.org/officeDocument/2006/relationships" xmlns:p="http://schemas.openxmlformats.org/presentationml/2006/main">
+  <p:cSld>
+    <p:spTree>
+      <p:nvGrpSpPr>
+        <p:cNvPr id="1" name=""/>
+        <p:cNvGrpSpPr/>
+        <p:nvPr/>
+      </p:nvGrpSpPr>
+      <p:grpSpPr>
+        <a:xfrm>
+          <a:off x="0" y="0"/>
+          <a:ext cx="0" cy="0"/>
+          <a:chOff x="0" y="0"/>
+          <a:chExt cx="0" cy="0"/>
+        </a:xfrm>
+      </p:grpSpPr>
+      <p:sp>
+        <p:nvSpPr>
+          <p:cNvPr id="2" name="スライド イメージ プレースホルダー 1"/>
+          <p:cNvSpPr>
+            <a:spLocks noGrp="1" noRot="1" noChangeAspect="1"/>
+          </p:cNvSpPr>
+          <p:nvPr>
+            <p:ph type="sldImg"/>
+          </p:nvPr>
+        </p:nvSpPr>
+        <p:spPr/>
+      </p:sp>
+      <p:sp>
+        <p:nvSpPr>
+          <p:cNvPr id="3" name="ノート プレースホルダー 2"/>
+          <p:cNvSpPr>
+            <a:spLocks noGrp="1"/>
+          </p:cNvSpPr>
+          <p:nvPr>
+            <p:ph type="body" idx="1"/>
+          </p:nvPr>
+        </p:nvSpPr>
+        <p:spPr/>
+        <p:txBody>
+          <a:bodyPr/>
+          <a:lstStyle/>
+          <a:p>
+            <a:endParaRPr kumimoji="1" lang="ja-JP" altLang="en-US"/>
+          </a:p>
+        </p:txBody>
+      </p:sp>
+      <p:sp>
+        <p:nvSpPr>
+          <p:cNvPr id="4" name="スライド番号プレースホルダー 3"/>
+          <p:cNvSpPr>
+            <a:spLocks noGrp="1"/>
+          </p:cNvSpPr>
+          <p:nvPr>
+            <p:ph type="sldNum" sz="quarter" idx="10"/>
+          </p:nvPr>
+        </p:nvSpPr>
+        <p:spPr/>
+        <p:txBody>
+          <a:bodyPr/>
+          <a:lstStyle/>
+          <a:p>
+            <a:fld id="{BC6A788D-FEA3-491F-88E5-E4523532A9ED}" type="slidenum">
+              <a:rPr kumimoji="1" lang="ja-JP" altLang="en-US" smtClean="0"/>
+              <a:t>15</a:t>
+            </a:fld>
+            <a:endParaRPr kumimoji="1" lang="ja-JP" altLang="en-US"/>
+          </a:p>
+        </p:txBody>
+      </p:sp>
+    </p:spTree>
+    <p:extLst>
+      <p:ext uri="{BB962C8B-B14F-4D97-AF65-F5344CB8AC3E}">
+        <p14:creationId xmlns:p14="http://schemas.microsoft.com/office/powerpoint/2010/main" val="1415461551"/>
+      </p:ext>
+    </p:extLst>
+  </p:cSld>
+  <p:clrMapOvr>
+    <a:masterClrMapping/>
+  </p:clrMapOvr>
+</p:notes>
+</file>
+
+<file path=ppt/notesSlides/notesSlide16.xml><?xml version="1.0" encoding="utf-8"?>
+<p:notes xmlns:a="http://schemas.openxmlformats.org/drawingml/2006/main" xmlns:r="http://schemas.openxmlformats.org/officeDocument/2006/relationships" xmlns:p="http://schemas.openxmlformats.org/presentationml/2006/main">
+  <p:cSld>
+    <p:spTree>
+      <p:nvGrpSpPr>
+        <p:cNvPr id="1" name=""/>
+        <p:cNvGrpSpPr/>
+        <p:nvPr/>
+      </p:nvGrpSpPr>
+      <p:grpSpPr>
+        <a:xfrm>
+          <a:off x="0" y="0"/>
+          <a:ext cx="0" cy="0"/>
+          <a:chOff x="0" y="0"/>
+          <a:chExt cx="0" cy="0"/>
+        </a:xfrm>
+      </p:grpSpPr>
+      <p:sp>
+        <p:nvSpPr>
+          <p:cNvPr id="2" name="スライド イメージ プレースホルダー 1"/>
+          <p:cNvSpPr>
+            <a:spLocks noGrp="1" noRot="1" noChangeAspect="1"/>
+          </p:cNvSpPr>
+          <p:nvPr>
+            <p:ph type="sldImg"/>
+          </p:nvPr>
+        </p:nvSpPr>
+        <p:spPr/>
+      </p:sp>
+      <p:sp>
+        <p:nvSpPr>
+          <p:cNvPr id="3" name="ノート プレースホルダー 2"/>
+          <p:cNvSpPr>
+            <a:spLocks noGrp="1"/>
+          </p:cNvSpPr>
+          <p:nvPr>
+            <p:ph type="body" idx="1"/>
+          </p:nvPr>
+        </p:nvSpPr>
+        <p:spPr/>
+        <p:txBody>
+          <a:bodyPr/>
+          <a:lstStyle/>
+          <a:p>
+            <a:endParaRPr kumimoji="1" lang="ja-JP" altLang="en-US"/>
+          </a:p>
+        </p:txBody>
+      </p:sp>
+      <p:sp>
+        <p:nvSpPr>
+          <p:cNvPr id="4" name="スライド番号プレースホルダー 3"/>
+          <p:cNvSpPr>
+            <a:spLocks noGrp="1"/>
+          </p:cNvSpPr>
+          <p:nvPr>
+            <p:ph type="sldNum" sz="quarter" idx="10"/>
+          </p:nvPr>
+        </p:nvSpPr>
+        <p:spPr/>
+        <p:txBody>
+          <a:bodyPr/>
+          <a:lstStyle/>
+          <a:p>
+            <a:fld id="{BC6A788D-FEA3-491F-88E5-E4523532A9ED}" type="slidenum">
+              <a:rPr kumimoji="1" lang="ja-JP" altLang="en-US" smtClean="0"/>
+              <a:t>16</a:t>
+            </a:fld>
+            <a:endParaRPr kumimoji="1" lang="ja-JP" altLang="en-US"/>
+          </a:p>
+        </p:txBody>
+      </p:sp>
+    </p:spTree>
+    <p:extLst>
+      <p:ext uri="{BB962C8B-B14F-4D97-AF65-F5344CB8AC3E}">
+        <p14:creationId xmlns:p14="http://schemas.microsoft.com/office/powerpoint/2010/main" val="522560286"/>
+      </p:ext>
+    </p:extLst>
+  </p:cSld>
+  <p:clrMapOvr>
+    <a:masterClrMapping/>
+  </p:clrMapOvr>
+</p:notes>
+</file>
+
+<file path=ppt/notesSlides/notesSlide17.xml><?xml version="1.0" encoding="utf-8"?>
+<p:notes xmlns:a="http://schemas.openxmlformats.org/drawingml/2006/main" xmlns:r="http://schemas.openxmlformats.org/officeDocument/2006/relationships" xmlns:p="http://schemas.openxmlformats.org/presentationml/2006/main">
+  <p:cSld>
+    <p:spTree>
+      <p:nvGrpSpPr>
+        <p:cNvPr id="1" name=""/>
+        <p:cNvGrpSpPr/>
+        <p:nvPr/>
+      </p:nvGrpSpPr>
+      <p:grpSpPr>
+        <a:xfrm>
+          <a:off x="0" y="0"/>
+          <a:ext cx="0" cy="0"/>
+          <a:chOff x="0" y="0"/>
+          <a:chExt cx="0" cy="0"/>
+        </a:xfrm>
+      </p:grpSpPr>
+      <p:sp>
+        <p:nvSpPr>
+          <p:cNvPr id="2" name="スライド イメージ プレースホルダー 1"/>
+          <p:cNvSpPr>
+            <a:spLocks noGrp="1" noRot="1" noChangeAspect="1"/>
+          </p:cNvSpPr>
+          <p:nvPr>
+            <p:ph type="sldImg"/>
+          </p:nvPr>
+        </p:nvSpPr>
+        <p:spPr/>
+      </p:sp>
+      <p:sp>
+        <p:nvSpPr>
+          <p:cNvPr id="3" name="ノート プレースホルダー 2"/>
+          <p:cNvSpPr>
+            <a:spLocks noGrp="1"/>
+          </p:cNvSpPr>
+          <p:nvPr>
+            <p:ph type="body" idx="1"/>
+          </p:nvPr>
+        </p:nvSpPr>
+        <p:spPr/>
+        <p:txBody>
+          <a:bodyPr/>
+          <a:lstStyle/>
+          <a:p>
+            <a:endParaRPr kumimoji="1" lang="ja-JP" altLang="en-US"/>
+          </a:p>
+        </p:txBody>
+      </p:sp>
+      <p:sp>
+        <p:nvSpPr>
+          <p:cNvPr id="4" name="スライド番号プレースホルダー 3"/>
+          <p:cNvSpPr>
+            <a:spLocks noGrp="1"/>
+          </p:cNvSpPr>
+          <p:nvPr>
+            <p:ph type="sldNum" sz="quarter" idx="10"/>
+          </p:nvPr>
+        </p:nvSpPr>
+        <p:spPr/>
+        <p:txBody>
+          <a:bodyPr/>
+          <a:lstStyle/>
+          <a:p>
+            <a:fld id="{BC6A788D-FEA3-491F-88E5-E4523532A9ED}" type="slidenum">
+              <a:rPr kumimoji="1" lang="ja-JP" altLang="en-US" smtClean="0"/>
+              <a:t>17</a:t>
+            </a:fld>
+            <a:endParaRPr kumimoji="1" lang="ja-JP" altLang="en-US"/>
+          </a:p>
+        </p:txBody>
+      </p:sp>
+    </p:spTree>
+    <p:extLst>
+      <p:ext uri="{BB962C8B-B14F-4D97-AF65-F5344CB8AC3E}">
+        <p14:creationId xmlns:p14="http://schemas.microsoft.com/office/powerpoint/2010/main" val="3714273120"/>
+      </p:ext>
+    </p:extLst>
+  </p:cSld>
+  <p:clrMapOvr>
+    <a:masterClrMapping/>
+  </p:clrMapOvr>
+</p:notes>
+</file>
+
+<file path=ppt/notesSlides/notesSlide2.xml><?xml version="1.0" encoding="utf-8"?>
+<p:notes xmlns:a="http://schemas.openxmlformats.org/drawingml/2006/main" xmlns:r="http://schemas.openxmlformats.org/officeDocument/2006/relationships" xmlns:p="http://schemas.openxmlformats.org/presentationml/2006/main">
+  <p:cSld>
+    <p:spTree>
+      <p:nvGrpSpPr>
+        <p:cNvPr id="1" name=""/>
+        <p:cNvGrpSpPr/>
+        <p:nvPr/>
+      </p:nvGrpSpPr>
+      <p:grpSpPr>
+        <a:xfrm>
+          <a:off x="0" y="0"/>
+          <a:ext cx="0" cy="0"/>
+          <a:chOff x="0" y="0"/>
+          <a:chExt cx="0" cy="0"/>
+        </a:xfrm>
+      </p:grpSpPr>
+      <p:sp>
+        <p:nvSpPr>
+          <p:cNvPr id="2" name="スライド イメージ プレースホルダー 1"/>
+          <p:cNvSpPr>
+            <a:spLocks noGrp="1" noRot="1" noChangeAspect="1"/>
+          </p:cNvSpPr>
+          <p:nvPr>
+            <p:ph type="sldImg"/>
+          </p:nvPr>
+        </p:nvSpPr>
+        <p:spPr/>
+      </p:sp>
+      <p:sp>
+        <p:nvSpPr>
+          <p:cNvPr id="3" name="ノート プレースホルダー 2"/>
+          <p:cNvSpPr>
+            <a:spLocks noGrp="1"/>
+          </p:cNvSpPr>
+          <p:nvPr>
+            <p:ph type="body" idx="1"/>
+          </p:nvPr>
+        </p:nvSpPr>
+        <p:spPr/>
+        <p:txBody>
+          <a:bodyPr/>
+          <a:lstStyle/>
+          <a:p>
+            <a:endParaRPr kumimoji="1" lang="ja-JP" altLang="en-US"/>
+          </a:p>
+        </p:txBody>
+      </p:sp>
+      <p:sp>
+        <p:nvSpPr>
+          <p:cNvPr id="4" name="スライド番号プレースホルダー 3"/>
+          <p:cNvSpPr>
+            <a:spLocks noGrp="1"/>
+          </p:cNvSpPr>
+          <p:nvPr>
+            <p:ph type="sldNum" sz="quarter" idx="10"/>
+          </p:nvPr>
+        </p:nvSpPr>
+        <p:spPr/>
+        <p:txBody>
+          <a:bodyPr/>
+          <a:lstStyle/>
+          <a:p>
+            <a:fld id="{BC6A788D-FEA3-491F-88E5-E4523532A9ED}" type="slidenum">
+              <a:rPr kumimoji="1" lang="ja-JP" altLang="en-US" smtClean="0"/>
+              <a:t>2</a:t>
+            </a:fld>
+            <a:endParaRPr kumimoji="1" lang="ja-JP" altLang="en-US"/>
+          </a:p>
+        </p:txBody>
+      </p:sp>
+    </p:spTree>
+    <p:extLst>
+      <p:ext uri="{BB962C8B-B14F-4D97-AF65-F5344CB8AC3E}">
+        <p14:creationId xmlns:p14="http://schemas.microsoft.com/office/powerpoint/2010/main" val="500819033"/>
+      </p:ext>
+    </p:extLst>
+  </p:cSld>
+  <p:clrMapOvr>
+    <a:masterClrMapping/>
+  </p:clrMapOvr>
+</p:notes>
+</file>
+
+<file path=ppt/notesSlides/notesSlide3.xml><?xml version="1.0" encoding="utf-8"?>
+<p:notes xmlns:a="http://schemas.openxmlformats.org/drawingml/2006/main" xmlns:r="http://schemas.openxmlformats.org/officeDocument/2006/relationships" xmlns:p="http://schemas.openxmlformats.org/presentationml/2006/main">
+  <p:cSld>
+    <p:spTree>
+      <p:nvGrpSpPr>
+        <p:cNvPr id="1" name=""/>
+        <p:cNvGrpSpPr/>
+        <p:nvPr/>
+      </p:nvGrpSpPr>
+      <p:grpSpPr>
+        <a:xfrm>
+          <a:off x="0" y="0"/>
+          <a:ext cx="0" cy="0"/>
+          <a:chOff x="0" y="0"/>
+          <a:chExt cx="0" cy="0"/>
+        </a:xfrm>
+      </p:grpSpPr>
+      <p:sp>
+        <p:nvSpPr>
+          <p:cNvPr id="2" name="スライド イメージ プレースホルダー 1"/>
+          <p:cNvSpPr>
+            <a:spLocks noGrp="1" noRot="1" noChangeAspect="1"/>
+          </p:cNvSpPr>
+          <p:nvPr>
+            <p:ph type="sldImg"/>
+          </p:nvPr>
+        </p:nvSpPr>
+        <p:spPr/>
+      </p:sp>
+      <p:sp>
+        <p:nvSpPr>
+          <p:cNvPr id="3" name="ノート プレースホルダー 2"/>
+          <p:cNvSpPr>
+            <a:spLocks noGrp="1"/>
+          </p:cNvSpPr>
+          <p:nvPr>
+            <p:ph type="body" idx="1"/>
+          </p:nvPr>
+        </p:nvSpPr>
+        <p:spPr/>
+        <p:txBody>
+          <a:bodyPr/>
+          <a:lstStyle/>
+          <a:p>
+            <a:endParaRPr kumimoji="1" lang="ja-JP" altLang="en-US"/>
+          </a:p>
+        </p:txBody>
+      </p:sp>
+      <p:sp>
+        <p:nvSpPr>
+          <p:cNvPr id="4" name="スライド番号プレースホルダー 3"/>
+          <p:cNvSpPr>
+            <a:spLocks noGrp="1"/>
+          </p:cNvSpPr>
+          <p:nvPr>
+            <p:ph type="sldNum" sz="quarter" idx="10"/>
+          </p:nvPr>
+        </p:nvSpPr>
+        <p:spPr/>
+        <p:txBody>
+          <a:bodyPr/>
+          <a:lstStyle/>
+          <a:p>
+            <a:fld id="{BC6A788D-FEA3-491F-88E5-E4523532A9ED}" type="slidenum">
+              <a:rPr kumimoji="1" lang="ja-JP" altLang="en-US" smtClean="0"/>
+              <a:t>3</a:t>
+            </a:fld>
+            <a:endParaRPr kumimoji="1" lang="ja-JP" altLang="en-US"/>
+          </a:p>
+        </p:txBody>
+      </p:sp>
+    </p:spTree>
+    <p:extLst>
+      <p:ext uri="{BB962C8B-B14F-4D97-AF65-F5344CB8AC3E}">
+        <p14:creationId xmlns:p14="http://schemas.microsoft.com/office/powerpoint/2010/main" val="699804681"/>
+      </p:ext>
+    </p:extLst>
+  </p:cSld>
+  <p:clrMapOvr>
+    <a:masterClrMapping/>
+  </p:clrMapOvr>
+</p:notes>
+</file>
+
+<file path=ppt/notesSlides/notesSlide4.xml><?xml version="1.0" encoding="utf-8"?>
+<p:notes xmlns:a="http://schemas.openxmlformats.org/drawingml/2006/main" xmlns:r="http://schemas.openxmlformats.org/officeDocument/2006/relationships" xmlns:p="http://schemas.openxmlformats.org/presentationml/2006/main">
+  <p:cSld>
+    <p:spTree>
+      <p:nvGrpSpPr>
+        <p:cNvPr id="1" name=""/>
+        <p:cNvGrpSpPr/>
+        <p:nvPr/>
+      </p:nvGrpSpPr>
+      <p:grpSpPr>
+        <a:xfrm>
+          <a:off x="0" y="0"/>
+          <a:ext cx="0" cy="0"/>
+          <a:chOff x="0" y="0"/>
+          <a:chExt cx="0" cy="0"/>
+        </a:xfrm>
+      </p:grpSpPr>
+      <p:sp>
+        <p:nvSpPr>
+          <p:cNvPr id="2" name="スライド イメージ プレースホルダー 1"/>
+          <p:cNvSpPr>
+            <a:spLocks noGrp="1" noRot="1" noChangeAspect="1"/>
+          </p:cNvSpPr>
+          <p:nvPr>
+            <p:ph type="sldImg"/>
+          </p:nvPr>
+        </p:nvSpPr>
+        <p:spPr/>
+      </p:sp>
+      <p:sp>
+        <p:nvSpPr>
+          <p:cNvPr id="3" name="ノート プレースホルダー 2"/>
+          <p:cNvSpPr>
+            <a:spLocks noGrp="1"/>
+          </p:cNvSpPr>
+          <p:nvPr>
+            <p:ph type="body" idx="1"/>
+          </p:nvPr>
+        </p:nvSpPr>
+        <p:spPr/>
+        <p:txBody>
+          <a:bodyPr/>
+          <a:lstStyle/>
+          <a:p>
+            <a:endParaRPr kumimoji="1" lang="ja-JP" altLang="en-US"/>
+          </a:p>
+        </p:txBody>
+      </p:sp>
+      <p:sp>
+        <p:nvSpPr>
+          <p:cNvPr id="4" name="スライド番号プレースホルダー 3"/>
+          <p:cNvSpPr>
+            <a:spLocks noGrp="1"/>
+          </p:cNvSpPr>
+          <p:nvPr>
+            <p:ph type="sldNum" sz="quarter" idx="10"/>
+          </p:nvPr>
+        </p:nvSpPr>
+        <p:spPr/>
+        <p:txBody>
+          <a:bodyPr/>
+          <a:lstStyle/>
+          <a:p>
+            <a:fld id="{BC6A788D-FEA3-491F-88E5-E4523532A9ED}" type="slidenum">
+              <a:rPr kumimoji="1" lang="ja-JP" altLang="en-US" smtClean="0"/>
+              <a:t>4</a:t>
+            </a:fld>
+            <a:endParaRPr kumimoji="1" lang="ja-JP" altLang="en-US"/>
+          </a:p>
+        </p:txBody>
+      </p:sp>
+    </p:spTree>
+    <p:extLst>
+      <p:ext uri="{BB962C8B-B14F-4D97-AF65-F5344CB8AC3E}">
+        <p14:creationId xmlns:p14="http://schemas.microsoft.com/office/powerpoint/2010/main" val="1602430374"/>
+      </p:ext>
+    </p:extLst>
+  </p:cSld>
+  <p:clrMapOvr>
+    <a:masterClrMapping/>
+  </p:clrMapOvr>
+</p:notes>
+</file>
+
+<file path=ppt/notesSlides/notesSlide5.xml><?xml version="1.0" encoding="utf-8"?>
+<p:notes xmlns:a="http://schemas.openxmlformats.org/drawingml/2006/main" xmlns:r="http://schemas.openxmlformats.org/officeDocument/2006/relationships" xmlns:p="http://schemas.openxmlformats.org/presentationml/2006/main">
+  <p:cSld>
+    <p:spTree>
+      <p:nvGrpSpPr>
+        <p:cNvPr id="1" name=""/>
+        <p:cNvGrpSpPr/>
+        <p:nvPr/>
+      </p:nvGrpSpPr>
+      <p:grpSpPr>
+        <a:xfrm>
+          <a:off x="0" y="0"/>
+          <a:ext cx="0" cy="0"/>
+          <a:chOff x="0" y="0"/>
+          <a:chExt cx="0" cy="0"/>
+        </a:xfrm>
+      </p:grpSpPr>
+      <p:sp>
+        <p:nvSpPr>
+          <p:cNvPr id="2" name="スライド イメージ プレースホルダー 1"/>
+          <p:cNvSpPr>
+            <a:spLocks noGrp="1" noRot="1" noChangeAspect="1"/>
+          </p:cNvSpPr>
+          <p:nvPr>
+            <p:ph type="sldImg"/>
+          </p:nvPr>
+        </p:nvSpPr>
+        <p:spPr/>
+      </p:sp>
+      <p:sp>
+        <p:nvSpPr>
+          <p:cNvPr id="3" name="ノート プレースホルダー 2"/>
+          <p:cNvSpPr>
+            <a:spLocks noGrp="1"/>
+          </p:cNvSpPr>
+          <p:nvPr>
+            <p:ph type="body" idx="1"/>
+          </p:nvPr>
+        </p:nvSpPr>
+        <p:spPr/>
+        <p:txBody>
+          <a:bodyPr/>
+          <a:lstStyle/>
+          <a:p>
+            <a:endParaRPr kumimoji="1" lang="ja-JP" altLang="en-US"/>
+          </a:p>
+        </p:txBody>
+      </p:sp>
+      <p:sp>
+        <p:nvSpPr>
+          <p:cNvPr id="4" name="スライド番号プレースホルダー 3"/>
+          <p:cNvSpPr>
+            <a:spLocks noGrp="1"/>
+          </p:cNvSpPr>
+          <p:nvPr>
+            <p:ph type="sldNum" sz="quarter" idx="10"/>
+          </p:nvPr>
+        </p:nvSpPr>
+        <p:spPr/>
+        <p:txBody>
+          <a:bodyPr/>
+          <a:lstStyle/>
+          <a:p>
+            <a:fld id="{BC6A788D-FEA3-491F-88E5-E4523532A9ED}" type="slidenum">
+              <a:rPr kumimoji="1" lang="ja-JP" altLang="en-US" smtClean="0"/>
+              <a:t>5</a:t>
+            </a:fld>
+            <a:endParaRPr kumimoji="1" lang="ja-JP" altLang="en-US"/>
+          </a:p>
+        </p:txBody>
+      </p:sp>
+    </p:spTree>
+    <p:extLst>
+      <p:ext uri="{BB962C8B-B14F-4D97-AF65-F5344CB8AC3E}">
+        <p14:creationId xmlns:p14="http://schemas.microsoft.com/office/powerpoint/2010/main" val="1026942608"/>
+      </p:ext>
+    </p:extLst>
+  </p:cSld>
+  <p:clrMapOvr>
+    <a:masterClrMapping/>
+  </p:clrMapOvr>
+</p:notes>
+</file>
+
+<file path=ppt/notesSlides/notesSlide6.xml><?xml version="1.0" encoding="utf-8"?>
+<p:notes xmlns:a="http://schemas.openxmlformats.org/drawingml/2006/main" xmlns:r="http://schemas.openxmlformats.org/officeDocument/2006/relationships" xmlns:p="http://schemas.openxmlformats.org/presentationml/2006/main">
+  <p:cSld>
+    <p:spTree>
+      <p:nvGrpSpPr>
+        <p:cNvPr id="1" name=""/>
+        <p:cNvGrpSpPr/>
+        <p:nvPr/>
+      </p:nvGrpSpPr>
+      <p:grpSpPr>
+        <a:xfrm>
+          <a:off x="0" y="0"/>
+          <a:ext cx="0" cy="0"/>
+          <a:chOff x="0" y="0"/>
+          <a:chExt cx="0" cy="0"/>
+        </a:xfrm>
+      </p:grpSpPr>
+      <p:sp>
+        <p:nvSpPr>
+          <p:cNvPr id="2" name="スライド イメージ プレースホルダー 1"/>
+          <p:cNvSpPr>
+            <a:spLocks noGrp="1" noRot="1" noChangeAspect="1"/>
+          </p:cNvSpPr>
+          <p:nvPr>
+            <p:ph type="sldImg"/>
+          </p:nvPr>
+        </p:nvSpPr>
+        <p:spPr/>
+      </p:sp>
+      <p:sp>
+        <p:nvSpPr>
+          <p:cNvPr id="3" name="ノート プレースホルダー 2"/>
+          <p:cNvSpPr>
+            <a:spLocks noGrp="1"/>
+          </p:cNvSpPr>
+          <p:nvPr>
+            <p:ph type="body" idx="1"/>
+          </p:nvPr>
+        </p:nvSpPr>
+        <p:spPr/>
+        <p:txBody>
+          <a:bodyPr/>
+          <a:lstStyle/>
+          <a:p>
+            <a:endParaRPr kumimoji="1" lang="ja-JP" altLang="en-US"/>
+          </a:p>
+        </p:txBody>
+      </p:sp>
+      <p:sp>
+        <p:nvSpPr>
+          <p:cNvPr id="4" name="スライド番号プレースホルダー 3"/>
+          <p:cNvSpPr>
+            <a:spLocks noGrp="1"/>
+          </p:cNvSpPr>
+          <p:nvPr>
+            <p:ph type="sldNum" sz="quarter" idx="10"/>
+          </p:nvPr>
+        </p:nvSpPr>
+        <p:spPr/>
+        <p:txBody>
+          <a:bodyPr/>
+          <a:lstStyle/>
+          <a:p>
+            <a:fld id="{BC6A788D-FEA3-491F-88E5-E4523532A9ED}" type="slidenum">
+              <a:rPr kumimoji="1" lang="ja-JP" altLang="en-US" smtClean="0"/>
+              <a:t>6</a:t>
+            </a:fld>
+            <a:endParaRPr kumimoji="1" lang="ja-JP" altLang="en-US"/>
+          </a:p>
+        </p:txBody>
+      </p:sp>
+    </p:spTree>
+    <p:extLst>
+      <p:ext uri="{BB962C8B-B14F-4D97-AF65-F5344CB8AC3E}">
+        <p14:creationId xmlns:p14="http://schemas.microsoft.com/office/powerpoint/2010/main" val="1618723850"/>
+      </p:ext>
+    </p:extLst>
+  </p:cSld>
+  <p:clrMapOvr>
+    <a:masterClrMapping/>
+  </p:clrMapOvr>
+</p:notes>
+</file>
+
+<file path=ppt/notesSlides/notesSlide7.xml><?xml version="1.0" encoding="utf-8"?>
+<p:notes xmlns:a="http://schemas.openxmlformats.org/drawingml/2006/main" xmlns:r="http://schemas.openxmlformats.org/officeDocument/2006/relationships" xmlns:p="http://schemas.openxmlformats.org/presentationml/2006/main">
+  <p:cSld>
+    <p:spTree>
+      <p:nvGrpSpPr>
+        <p:cNvPr id="1" name=""/>
+        <p:cNvGrpSpPr/>
+        <p:nvPr/>
+      </p:nvGrpSpPr>
+      <p:grpSpPr>
+        <a:xfrm>
+          <a:off x="0" y="0"/>
+          <a:ext cx="0" cy="0"/>
+          <a:chOff x="0" y="0"/>
+          <a:chExt cx="0" cy="0"/>
+        </a:xfrm>
+      </p:grpSpPr>
+      <p:sp>
+        <p:nvSpPr>
+          <p:cNvPr id="2" name="スライド イメージ プレースホルダー 1"/>
+          <p:cNvSpPr>
+            <a:spLocks noGrp="1" noRot="1" noChangeAspect="1"/>
+          </p:cNvSpPr>
+          <p:nvPr>
+            <p:ph type="sldImg"/>
+          </p:nvPr>
+        </p:nvSpPr>
+        <p:spPr/>
+      </p:sp>
+      <p:sp>
+        <p:nvSpPr>
+          <p:cNvPr id="3" name="ノート プレースホルダー 2"/>
+          <p:cNvSpPr>
+            <a:spLocks noGrp="1"/>
+          </p:cNvSpPr>
+          <p:nvPr>
+            <p:ph type="body" idx="1"/>
+          </p:nvPr>
+        </p:nvSpPr>
+        <p:spPr/>
+        <p:txBody>
+          <a:bodyPr/>
+          <a:lstStyle/>
+          <a:p>
+            <a:endParaRPr kumimoji="1" lang="ja-JP" altLang="en-US"/>
+          </a:p>
+        </p:txBody>
+      </p:sp>
+      <p:sp>
+        <p:nvSpPr>
+          <p:cNvPr id="4" name="スライド番号プレースホルダー 3"/>
+          <p:cNvSpPr>
+            <a:spLocks noGrp="1"/>
+          </p:cNvSpPr>
+          <p:nvPr>
+            <p:ph type="sldNum" sz="quarter" idx="10"/>
+          </p:nvPr>
+        </p:nvSpPr>
+        <p:spPr/>
+        <p:txBody>
+          <a:bodyPr/>
+          <a:lstStyle/>
+          <a:p>
+            <a:fld id="{BC6A788D-FEA3-491F-88E5-E4523532A9ED}" type="slidenum">
+              <a:rPr kumimoji="1" lang="ja-JP" altLang="en-US" smtClean="0"/>
+              <a:t>7</a:t>
+            </a:fld>
+            <a:endParaRPr kumimoji="1" lang="ja-JP" altLang="en-US"/>
+          </a:p>
+        </p:txBody>
+      </p:sp>
+    </p:spTree>
+    <p:extLst>
+      <p:ext uri="{BB962C8B-B14F-4D97-AF65-F5344CB8AC3E}">
+        <p14:creationId xmlns:p14="http://schemas.microsoft.com/office/powerpoint/2010/main" val="3214963836"/>
+      </p:ext>
+    </p:extLst>
+  </p:cSld>
+  <p:clrMapOvr>
+    <a:masterClrMapping/>
+  </p:clrMapOvr>
+</p:notes>
+</file>
+
+<file path=ppt/notesSlides/notesSlide8.xml><?xml version="1.0" encoding="utf-8"?>
+<p:notes xmlns:a="http://schemas.openxmlformats.org/drawingml/2006/main" xmlns:r="http://schemas.openxmlformats.org/officeDocument/2006/relationships" xmlns:p="http://schemas.openxmlformats.org/presentationml/2006/main">
+  <p:cSld>
+    <p:spTree>
+      <p:nvGrpSpPr>
+        <p:cNvPr id="1" name=""/>
+        <p:cNvGrpSpPr/>
+        <p:nvPr/>
+      </p:nvGrpSpPr>
+      <p:grpSpPr>
+        <a:xfrm>
+          <a:off x="0" y="0"/>
+          <a:ext cx="0" cy="0"/>
+          <a:chOff x="0" y="0"/>
+          <a:chExt cx="0" cy="0"/>
+        </a:xfrm>
+      </p:grpSpPr>
+      <p:sp>
+        <p:nvSpPr>
+          <p:cNvPr id="2" name="スライド イメージ プレースホルダー 1"/>
+          <p:cNvSpPr>
+            <a:spLocks noGrp="1" noRot="1" noChangeAspect="1"/>
+          </p:cNvSpPr>
+          <p:nvPr>
+            <p:ph type="sldImg"/>
+          </p:nvPr>
+        </p:nvSpPr>
+        <p:spPr/>
+      </p:sp>
+      <p:sp>
+        <p:nvSpPr>
+          <p:cNvPr id="3" name="ノート プレースホルダー 2"/>
+          <p:cNvSpPr>
+            <a:spLocks noGrp="1"/>
+          </p:cNvSpPr>
+          <p:nvPr>
+            <p:ph type="body" idx="1"/>
+          </p:nvPr>
+        </p:nvSpPr>
+        <p:spPr/>
+        <p:txBody>
+          <a:bodyPr/>
+          <a:lstStyle/>
+          <a:p>
+            <a:endParaRPr kumimoji="1" lang="ja-JP" altLang="en-US"/>
+          </a:p>
+        </p:txBody>
+      </p:sp>
+      <p:sp>
+        <p:nvSpPr>
+          <p:cNvPr id="4" name="スライド番号プレースホルダー 3"/>
+          <p:cNvSpPr>
+            <a:spLocks noGrp="1"/>
+          </p:cNvSpPr>
+          <p:nvPr>
+            <p:ph type="sldNum" sz="quarter" idx="10"/>
+          </p:nvPr>
+        </p:nvSpPr>
+        <p:spPr/>
+        <p:txBody>
+          <a:bodyPr/>
+          <a:lstStyle/>
+          <a:p>
+            <a:fld id="{BC6A788D-FEA3-491F-88E5-E4523532A9ED}" type="slidenum">
+              <a:rPr kumimoji="1" lang="ja-JP" altLang="en-US" smtClean="0"/>
+              <a:t>8</a:t>
+            </a:fld>
+            <a:endParaRPr kumimoji="1" lang="ja-JP" altLang="en-US"/>
+          </a:p>
+        </p:txBody>
+      </p:sp>
+    </p:spTree>
+    <p:extLst>
+      <p:ext uri="{BB962C8B-B14F-4D97-AF65-F5344CB8AC3E}">
+        <p14:creationId xmlns:p14="http://schemas.microsoft.com/office/powerpoint/2010/main" val="3718965742"/>
+      </p:ext>
+    </p:extLst>
+  </p:cSld>
+  <p:clrMapOvr>
+    <a:masterClrMapping/>
+  </p:clrMapOvr>
+</p:notes>
+</file>
+
+<file path=ppt/notesSlides/notesSlide9.xml><?xml version="1.0" encoding="utf-8"?>
+<p:notes xmlns:a="http://schemas.openxmlformats.org/drawingml/2006/main" xmlns:r="http://schemas.openxmlformats.org/officeDocument/2006/relationships" xmlns:p="http://schemas.openxmlformats.org/presentationml/2006/main">
+  <p:cSld>
+    <p:spTree>
+      <p:nvGrpSpPr>
+        <p:cNvPr id="1" name=""/>
+        <p:cNvGrpSpPr/>
+        <p:nvPr/>
+      </p:nvGrpSpPr>
+      <p:grpSpPr>
+        <a:xfrm>
+          <a:off x="0" y="0"/>
+          <a:ext cx="0" cy="0"/>
+          <a:chOff x="0" y="0"/>
+          <a:chExt cx="0" cy="0"/>
+        </a:xfrm>
+      </p:grpSpPr>
+      <p:sp>
+        <p:nvSpPr>
+          <p:cNvPr id="2" name="スライド イメージ プレースホルダー 1"/>
+          <p:cNvSpPr>
+            <a:spLocks noGrp="1" noRot="1" noChangeAspect="1"/>
+          </p:cNvSpPr>
+          <p:nvPr>
+            <p:ph type="sldImg"/>
+          </p:nvPr>
+        </p:nvSpPr>
+        <p:spPr/>
+      </p:sp>
+      <p:sp>
+        <p:nvSpPr>
+          <p:cNvPr id="3" name="ノート プレースホルダー 2"/>
+          <p:cNvSpPr>
+            <a:spLocks noGrp="1"/>
+          </p:cNvSpPr>
+          <p:nvPr>
+            <p:ph type="body" idx="1"/>
+          </p:nvPr>
+        </p:nvSpPr>
+        <p:spPr/>
+        <p:txBody>
+          <a:bodyPr/>
+          <a:lstStyle/>
+          <a:p>
+            <a:endParaRPr kumimoji="1" lang="ja-JP" altLang="en-US"/>
+          </a:p>
+        </p:txBody>
+      </p:sp>
+      <p:sp>
+        <p:nvSpPr>
+          <p:cNvPr id="4" name="スライド番号プレースホルダー 3"/>
+          <p:cNvSpPr>
+            <a:spLocks noGrp="1"/>
+          </p:cNvSpPr>
+          <p:nvPr>
+            <p:ph type="sldNum" sz="quarter" idx="10"/>
+          </p:nvPr>
+        </p:nvSpPr>
+        <p:spPr/>
+        <p:txBody>
+          <a:bodyPr/>
+          <a:lstStyle/>
+          <a:p>
+            <a:fld id="{BC6A788D-FEA3-491F-88E5-E4523532A9ED}" type="slidenum">
+              <a:rPr kumimoji="1" lang="ja-JP" altLang="en-US" smtClean="0"/>
+              <a:t>9</a:t>
+            </a:fld>
+            <a:endParaRPr kumimoji="1" lang="ja-JP" altLang="en-US"/>
+          </a:p>
+        </p:txBody>
+      </p:sp>
+    </p:spTree>
+    <p:extLst>
+      <p:ext uri="{BB962C8B-B14F-4D97-AF65-F5344CB8AC3E}">
+        <p14:creationId xmlns:p14="http://schemas.microsoft.com/office/powerpoint/2010/main" val="1851928961"/>
+      </p:ext>
+    </p:extLst>
+  </p:cSld>
+  <p:clrMapOvr>
+    <a:masterClrMapping/>
+  </p:clrMapOvr>
+</p:notes>
 </file>
 
 <file path=ppt/slideLayouts/slideLayout1.xml><?xml version="1.0" encoding="utf-8"?>
@@ -3394,7 +5382,7 @@
           <a:p>
             <a:r>
               <a:rPr lang="en-US" altLang="ja-JP" dirty="0">
-                <a:hlinkClick r:id="rId2"/>
+                <a:hlinkClick r:id="rId3"/>
               </a:rPr>
               <a:t>https://github.com/masakage/algorithm</a:t>
             </a:r>
@@ -3412,6 +5400,13 @@
   <p:clrMapOvr>
     <a:masterClrMapping/>
   </p:clrMapOvr>
+  <p:timing>
+    <p:tnLst>
+      <p:par>
+        <p:cTn id="1" dur="indefinite" restart="never" nodeType="tmRoot"/>
+      </p:par>
+    </p:tnLst>
+  </p:timing>
 </p:sld>
 </file>
 
@@ -3441,30 +5436,6 @@
           <p:nvPr/>
         </p:nvPicPr>
         <p:blipFill>
-          <a:blip r:embed="rId2"/>
-          <a:stretch>
-            <a:fillRect/>
-          </a:stretch>
-        </p:blipFill>
-        <p:spPr>
-          <a:xfrm>
-            <a:off x="36193" y="16626"/>
-            <a:ext cx="5353050" cy="6819900"/>
-          </a:xfrm>
-          <a:prstGeom prst="rect">
-            <a:avLst/>
-          </a:prstGeom>
-        </p:spPr>
-      </p:pic>
-      <p:pic>
-        <p:nvPicPr>
-          <p:cNvPr id="3" name="図 2"/>
-          <p:cNvPicPr>
-            <a:picLocks noChangeAspect="1"/>
-          </p:cNvPicPr>
-          <p:nvPr/>
-        </p:nvPicPr>
-        <p:blipFill>
           <a:blip r:embed="rId3"/>
           <a:stretch>
             <a:fillRect/>
@@ -3472,18 +5443,48 @@
         </p:blipFill>
         <p:spPr>
           <a:xfrm>
-            <a:off x="7207137" y="16626"/>
-            <a:ext cx="3325115" cy="6818083"/>
+            <a:off x="2569441" y="1745673"/>
+            <a:ext cx="6524670" cy="4294909"/>
           </a:xfrm>
           <a:prstGeom prst="rect">
             <a:avLst/>
           </a:prstGeom>
         </p:spPr>
       </p:pic>
+      <p:sp>
+        <p:nvSpPr>
+          <p:cNvPr id="3" name="テキスト ボックス 2"/>
+          <p:cNvSpPr txBox="1"/>
+          <p:nvPr/>
+        </p:nvSpPr>
+        <p:spPr>
+          <a:xfrm>
+            <a:off x="2569441" y="452582"/>
+            <a:ext cx="3416320" cy="646331"/>
+          </a:xfrm>
+          <a:prstGeom prst="rect">
+            <a:avLst/>
+          </a:prstGeom>
+          <a:noFill/>
+        </p:spPr>
+        <p:txBody>
+          <a:bodyPr wrap="none" rtlCol="0">
+            <a:spAutoFit/>
+          </a:bodyPr>
+          <a:lstStyle/>
+          <a:p>
+            <a:r>
+              <a:rPr kumimoji="1" lang="ja-JP" altLang="en-US" sz="3600" dirty="0" smtClean="0"/>
+              <a:t>交換法の考え方</a:t>
+            </a:r>
+            <a:endParaRPr kumimoji="1" lang="ja-JP" altLang="en-US" sz="3600" dirty="0"/>
+          </a:p>
+        </p:txBody>
+      </p:sp>
     </p:spTree>
     <p:extLst>
       <p:ext uri="{BB962C8B-B14F-4D97-AF65-F5344CB8AC3E}">
-        <p14:creationId xmlns:p14="http://schemas.microsoft.com/office/powerpoint/2010/main" val="4088346110"/>
+        <p14:creationId xmlns:p14="http://schemas.microsoft.com/office/powerpoint/2010/main" val="3712302351"/>
       </p:ext>
     </p:extLst>
   </p:cSld>
@@ -3493,7 +5494,7 @@
 </p:sld>
 </file>
 
-<file path=ppt/slides/slide2.xml><?xml version="1.0" encoding="utf-8"?>
+<file path=ppt/slides/slide11.xml><?xml version="1.0" encoding="utf-8"?>
 <p:sld xmlns:a="http://schemas.openxmlformats.org/drawingml/2006/main" xmlns:r="http://schemas.openxmlformats.org/officeDocument/2006/relationships" xmlns:p="http://schemas.openxmlformats.org/presentationml/2006/main">
   <p:cSld>
     <p:spTree>
@@ -3510,124 +5511,34 @@
           <a:chExt cx="0" cy="0"/>
         </a:xfrm>
       </p:grpSpPr>
-      <p:sp>
-        <p:nvSpPr>
-          <p:cNvPr id="2" name="タイトル 1"/>
-          <p:cNvSpPr>
-            <a:spLocks noGrp="1"/>
-          </p:cNvSpPr>
-          <p:nvPr>
-            <p:ph type="title"/>
-          </p:nvPr>
-        </p:nvSpPr>
-        <p:spPr/>
-        <p:txBody>
-          <a:bodyPr/>
-          <a:lstStyle/>
-          <a:p>
-            <a:r>
-              <a:rPr kumimoji="1" lang="ja-JP" altLang="en-US" dirty="0" smtClean="0"/>
-              <a:t>本日の進め方</a:t>
-            </a:r>
-            <a:endParaRPr kumimoji="1" lang="ja-JP" altLang="en-US" dirty="0"/>
-          </a:p>
-        </p:txBody>
-      </p:sp>
-      <p:sp>
-        <p:nvSpPr>
-          <p:cNvPr id="3" name="テキスト ボックス 2"/>
-          <p:cNvSpPr txBox="1"/>
+      <p:pic>
+        <p:nvPicPr>
+          <p:cNvPr id="2" name="図 1"/>
+          <p:cNvPicPr>
+            <a:picLocks noChangeAspect="1"/>
+          </p:cNvPicPr>
           <p:nvPr/>
-        </p:nvSpPr>
+        </p:nvPicPr>
+        <p:blipFill>
+          <a:blip r:embed="rId3"/>
+          <a:stretch>
+            <a:fillRect/>
+          </a:stretch>
+        </p:blipFill>
         <p:spPr>
           <a:xfrm>
-            <a:off x="1541043" y="1757971"/>
-            <a:ext cx="9619989" cy="3416320"/>
+            <a:off x="2359168" y="816552"/>
+            <a:ext cx="6923377" cy="5008400"/>
           </a:xfrm>
           <a:prstGeom prst="rect">
             <a:avLst/>
           </a:prstGeom>
-          <a:noFill/>
         </p:spPr>
-        <p:txBody>
-          <a:bodyPr wrap="square" rtlCol="0">
-            <a:spAutoFit/>
-          </a:bodyPr>
-          <a:lstStyle/>
-          <a:p>
-            <a:r>
-              <a:rPr kumimoji="1" lang="ja-JP" altLang="en-US" sz="3600" dirty="0" smtClean="0"/>
-              <a:t>・前回の復習（</a:t>
-            </a:r>
-            <a:r>
-              <a:rPr kumimoji="1" lang="en-US" altLang="ja-JP" sz="3600" dirty="0" smtClean="0"/>
-              <a:t>2</a:t>
-            </a:r>
-            <a:r>
-              <a:rPr kumimoji="1" lang="ja-JP" altLang="en-US" sz="3600" dirty="0" smtClean="0"/>
-              <a:t>分探索）</a:t>
-            </a:r>
-            <a:endParaRPr kumimoji="1" lang="en-US" altLang="ja-JP" sz="3600" dirty="0" smtClean="0"/>
-          </a:p>
-          <a:p>
-            <a:r>
-              <a:rPr kumimoji="1" lang="ja-JP" altLang="en-US" sz="3600" dirty="0" smtClean="0"/>
-              <a:t>・基本アルゴリズム（選択法）</a:t>
-            </a:r>
-            <a:endParaRPr lang="en-US" altLang="ja-JP" sz="3600" dirty="0" smtClean="0"/>
-          </a:p>
-          <a:p>
-            <a:r>
-              <a:rPr kumimoji="1" lang="ja-JP" altLang="en-US" sz="3600" dirty="0" smtClean="0"/>
-              <a:t>・</a:t>
-            </a:r>
-            <a:r>
-              <a:rPr lang="ja-JP" altLang="en-US" sz="3600" dirty="0" smtClean="0"/>
-              <a:t>基本アルゴリズム（交換</a:t>
-            </a:r>
-            <a:r>
-              <a:rPr lang="ja-JP" altLang="en-US" sz="3600" dirty="0"/>
-              <a:t>法</a:t>
-            </a:r>
-            <a:r>
-              <a:rPr lang="en-US" altLang="ja-JP" sz="3600" dirty="0" smtClean="0"/>
-              <a:t>)</a:t>
-            </a:r>
-          </a:p>
-          <a:p>
-            <a:r>
-              <a:rPr kumimoji="1" lang="ja-JP" altLang="en-US" sz="3600" dirty="0" smtClean="0"/>
-              <a:t>・</a:t>
-            </a:r>
-            <a:r>
-              <a:rPr kumimoji="1" lang="en-US" altLang="ja-JP" sz="3600" dirty="0" smtClean="0"/>
-              <a:t>Training 2-4 </a:t>
-            </a:r>
-          </a:p>
-          <a:p>
-            <a:r>
-              <a:rPr lang="ja-JP" altLang="en-US" sz="3600" dirty="0" smtClean="0"/>
-              <a:t>・</a:t>
-            </a:r>
-            <a:r>
-              <a:rPr lang="en-US" altLang="ja-JP" sz="3600" dirty="0" smtClean="0"/>
-              <a:t>Training 2-5</a:t>
-            </a:r>
-            <a:endParaRPr kumimoji="1" lang="en-US" altLang="ja-JP" sz="3600" dirty="0" smtClean="0"/>
-          </a:p>
-          <a:p>
-            <a:r>
-              <a:rPr kumimoji="1" lang="ja-JP" altLang="en-US" sz="3600" dirty="0" smtClean="0"/>
-              <a:t>・まとめ</a:t>
-            </a:r>
-            <a:endParaRPr kumimoji="1" lang="en-US" altLang="ja-JP" sz="3600" dirty="0" smtClean="0"/>
-          </a:p>
-        </p:txBody>
-      </p:sp>
+      </p:pic>
     </p:spTree>
     <p:extLst>
       <p:ext uri="{BB962C8B-B14F-4D97-AF65-F5344CB8AC3E}">
-        <p14:creationId xmlns:p14="http://schemas.microsoft.com/office/powerpoint/2010/main" val="1614450206"/>
+        <p14:creationId xmlns:p14="http://schemas.microsoft.com/office/powerpoint/2010/main" val="3289844181"/>
       </p:ext>
     </p:extLst>
   </p:cSld>
@@ -3637,7 +5548,7 @@
 </p:sld>
 </file>
 
-<file path=ppt/slides/slide3.xml><?xml version="1.0" encoding="utf-8"?>
+<file path=ppt/slides/slide12.xml><?xml version="1.0" encoding="utf-8"?>
 <p:sld xmlns:a="http://schemas.openxmlformats.org/drawingml/2006/main" xmlns:r="http://schemas.openxmlformats.org/officeDocument/2006/relationships" xmlns:p="http://schemas.openxmlformats.org/presentationml/2006/main">
   <p:cSld>
     <p:spTree>
@@ -3654,167 +5565,34 @@
           <a:chExt cx="0" cy="0"/>
         </a:xfrm>
       </p:grpSpPr>
-      <p:sp>
-        <p:nvSpPr>
-          <p:cNvPr id="2" name="タイトル 1"/>
-          <p:cNvSpPr>
-            <a:spLocks noGrp="1"/>
-          </p:cNvSpPr>
-          <p:nvPr>
-            <p:ph type="title"/>
-          </p:nvPr>
-        </p:nvSpPr>
+      <p:pic>
+        <p:nvPicPr>
+          <p:cNvPr id="2" name="図 1"/>
+          <p:cNvPicPr>
+            <a:picLocks noChangeAspect="1"/>
+          </p:cNvPicPr>
+          <p:nvPr/>
+        </p:nvPicPr>
+        <p:blipFill>
+          <a:blip r:embed="rId3"/>
+          <a:stretch>
+            <a:fillRect/>
+          </a:stretch>
+        </p:blipFill>
         <p:spPr>
           <a:xfrm>
-            <a:off x="838200" y="406689"/>
-            <a:ext cx="10515600" cy="1325563"/>
-          </a:xfrm>
-        </p:spPr>
-        <p:txBody>
-          <a:bodyPr>
-            <a:normAutofit/>
-          </a:bodyPr>
-          <a:lstStyle/>
-          <a:p>
-            <a:r>
-              <a:rPr kumimoji="1" lang="en-US" altLang="ja-JP" sz="3600" dirty="0" smtClean="0"/>
-              <a:t>2-4 </a:t>
-            </a:r>
-            <a:r>
-              <a:rPr kumimoji="1" lang="ja-JP" altLang="en-US" sz="3600" dirty="0" smtClean="0"/>
-              <a:t>基本アルゴリズム</a:t>
-            </a:r>
-            <a:r>
-              <a:rPr lang="ja-JP" altLang="en-US" sz="3600" dirty="0"/>
-              <a:t>　</a:t>
-            </a:r>
-            <a:r>
-              <a:rPr lang="ja-JP" altLang="en-US" sz="3600" dirty="0" smtClean="0"/>
-              <a:t>選択法（選択ソート）</a:t>
-            </a:r>
-            <a:endParaRPr kumimoji="1" lang="ja-JP" altLang="en-US" sz="3600" dirty="0"/>
-          </a:p>
-        </p:txBody>
-      </p:sp>
-      <p:sp>
-        <p:nvSpPr>
-          <p:cNvPr id="3" name="テキスト ボックス 2"/>
-          <p:cNvSpPr txBox="1"/>
-          <p:nvPr/>
-        </p:nvSpPr>
-        <p:spPr>
-          <a:xfrm>
-            <a:off x="1211349" y="4615256"/>
-            <a:ext cx="9769301" cy="400110"/>
+            <a:off x="1976436" y="307542"/>
+            <a:ext cx="8202036" cy="5951165"/>
           </a:xfrm>
           <a:prstGeom prst="rect">
             <a:avLst/>
           </a:prstGeom>
-          <a:noFill/>
         </p:spPr>
-        <p:txBody>
-          <a:bodyPr wrap="square" rtlCol="0">
-            <a:spAutoFit/>
-          </a:bodyPr>
-          <a:lstStyle/>
-          <a:p>
-            <a:r>
-              <a:rPr lang="en-US" altLang="ja-JP" sz="2000" dirty="0" smtClean="0"/>
-              <a:t>(</a:t>
-            </a:r>
-            <a:r>
-              <a:rPr lang="en-US" altLang="ja-JP" sz="2000" dirty="0">
-                <a:hlinkClick r:id="rId2"/>
-              </a:rPr>
-              <a:t>https://www.codereading.com/algo_and_ds/algo/selection_sort.html</a:t>
-            </a:r>
-            <a:r>
-              <a:rPr lang="ja-JP" altLang="en-US" sz="2000" dirty="0" smtClean="0"/>
-              <a:t>より）</a:t>
-            </a:r>
-            <a:endParaRPr lang="en-US" altLang="ja-JP" sz="2000" dirty="0" smtClean="0"/>
-          </a:p>
-        </p:txBody>
-      </p:sp>
-      <p:sp>
-        <p:nvSpPr>
-          <p:cNvPr id="4" name="テキスト ボックス 3"/>
-          <p:cNvSpPr txBox="1"/>
-          <p:nvPr/>
-        </p:nvSpPr>
-        <p:spPr>
-          <a:xfrm>
-            <a:off x="1837112" y="2254271"/>
-            <a:ext cx="7571303" cy="1200329"/>
-          </a:xfrm>
-          <a:prstGeom prst="rect">
-            <a:avLst/>
-          </a:prstGeom>
-          <a:noFill/>
-        </p:spPr>
-        <p:txBody>
-          <a:bodyPr wrap="none" rtlCol="0">
-            <a:spAutoFit/>
-          </a:bodyPr>
-          <a:lstStyle/>
-          <a:p>
-            <a:r>
-              <a:rPr lang="ja-JP" altLang="en-US" dirty="0"/>
-              <a:t>選択ソートは配列の最小値</a:t>
-            </a:r>
-            <a:r>
-              <a:rPr lang="en-US" altLang="ja-JP" dirty="0"/>
-              <a:t>(</a:t>
-            </a:r>
-            <a:r>
-              <a:rPr lang="ja-JP" altLang="en-US" dirty="0"/>
-              <a:t>最大値</a:t>
-            </a:r>
-            <a:r>
-              <a:rPr lang="en-US" altLang="ja-JP" dirty="0"/>
-              <a:t>)</a:t>
-            </a:r>
-            <a:r>
-              <a:rPr lang="ja-JP" altLang="en-US" dirty="0"/>
-              <a:t>を持つ要素を探して</a:t>
-            </a:r>
-            <a:r>
-              <a:rPr lang="ja-JP" altLang="en-US" dirty="0" smtClean="0"/>
-              <a:t>、</a:t>
-            </a:r>
-            <a:endParaRPr lang="en-US" altLang="ja-JP" dirty="0" smtClean="0"/>
-          </a:p>
-          <a:p>
-            <a:r>
-              <a:rPr lang="ja-JP" altLang="en-US" dirty="0" smtClean="0"/>
-              <a:t>それ</a:t>
-            </a:r>
-            <a:r>
-              <a:rPr lang="ja-JP" altLang="en-US" dirty="0"/>
-              <a:t>を配列の先頭要素と交換することで整列を行うアルゴリズムです</a:t>
-            </a:r>
-            <a:r>
-              <a:rPr lang="ja-JP" altLang="en-US" dirty="0" smtClean="0"/>
-              <a:t>。</a:t>
-            </a:r>
-            <a:endParaRPr lang="en-US" altLang="ja-JP" dirty="0" smtClean="0"/>
-          </a:p>
-          <a:p>
-            <a:r>
-              <a:rPr lang="ja-JP" altLang="en-US" dirty="0" smtClean="0"/>
-              <a:t>（ホワイトボートで説明する）</a:t>
-            </a:r>
-            <a:endParaRPr lang="ja-JP" altLang="en-US" dirty="0"/>
-          </a:p>
-          <a:p>
-            <a:endParaRPr lang="ja-JP" altLang="en-US" dirty="0"/>
-          </a:p>
-        </p:txBody>
-      </p:sp>
+      </p:pic>
     </p:spTree>
     <p:extLst>
       <p:ext uri="{BB962C8B-B14F-4D97-AF65-F5344CB8AC3E}">
-        <p14:creationId xmlns:p14="http://schemas.microsoft.com/office/powerpoint/2010/main" val="3981903412"/>
+        <p14:creationId xmlns:p14="http://schemas.microsoft.com/office/powerpoint/2010/main" val="393428199"/>
       </p:ext>
     </p:extLst>
   </p:cSld>
@@ -3824,7 +5602,7 @@
 </p:sld>
 </file>
 
-<file path=ppt/slides/slide4.xml><?xml version="1.0" encoding="utf-8"?>
+<file path=ppt/slides/slide13.xml><?xml version="1.0" encoding="utf-8"?>
 <p:sld xmlns:a="http://schemas.openxmlformats.org/drawingml/2006/main" xmlns:r="http://schemas.openxmlformats.org/officeDocument/2006/relationships" xmlns:p="http://schemas.openxmlformats.org/presentationml/2006/main">
   <p:cSld>
     <p:spTree>
@@ -3850,7 +5628,7 @@
         <p:spPr>
           <a:xfrm>
             <a:off x="590204" y="307571"/>
-            <a:ext cx="5763116" cy="6247864"/>
+            <a:ext cx="5968301" cy="5509200"/>
           </a:xfrm>
           <a:prstGeom prst="rect">
             <a:avLst/>
@@ -3865,7 +5643,7 @@
           <a:p>
             <a:r>
               <a:rPr lang="ja-JP" altLang="en-US" sz="1600" dirty="0"/>
-              <a:t>○プログラム名：選択ソート </a:t>
+              <a:t>○プログラム名：バブルソート </a:t>
             </a:r>
             <a:r>
               <a:rPr lang="en-US" altLang="ja-JP" sz="1600" dirty="0"/>
@@ -3877,7 +5655,7 @@
             </a:r>
             <a:r>
               <a:rPr lang="en-US" altLang="ja-JP" sz="1600" dirty="0"/>
-              <a:t>75</a:t>
+              <a:t>84</a:t>
             </a:r>
             <a:r>
               <a:rPr lang="ja-JP" altLang="en-US" sz="1600" dirty="0"/>
@@ -3889,8 +5667,11 @@
             </a:r>
           </a:p>
           <a:p>
-            <a:r>
-              <a:rPr lang="en-US" altLang="ja-JP" sz="1600" dirty="0" smtClean="0"/>
+            <a:endParaRPr lang="en-US" altLang="ja-JP" sz="1600" dirty="0"/>
+          </a:p>
+          <a:p>
+            <a:r>
+              <a:rPr lang="en-US" altLang="ja-JP" sz="1600" dirty="0"/>
               <a:t>○</a:t>
             </a:r>
             <a:r>
@@ -3899,7 +5680,7 @@
             </a:r>
             <a:r>
               <a:rPr lang="en-US" altLang="ja-JP" sz="1600" dirty="0"/>
-              <a:t>SelectionSort1(</a:t>
+              <a:t>BubbleSort1(</a:t>
             </a:r>
             <a:r>
               <a:rPr lang="ja-JP" altLang="en-US" sz="1600" dirty="0"/>
@@ -3929,7 +5710,7 @@
             </a:r>
             <a:r>
               <a:rPr lang="en-US" altLang="ja-JP" sz="1600" dirty="0"/>
-              <a:t>Head</a:t>
+              <a:t>Tail</a:t>
             </a:r>
           </a:p>
           <a:p>
@@ -3957,21 +5738,6 @@
               <a:t>整数型：</a:t>
             </a:r>
             <a:r>
-              <a:rPr lang="en-US" altLang="ja-JP" sz="1600" dirty="0" err="1"/>
-              <a:t>MinIdx</a:t>
-            </a:r>
-            <a:endParaRPr lang="en-US" altLang="ja-JP" sz="1600" dirty="0"/>
-          </a:p>
-          <a:p>
-            <a:r>
-              <a:rPr lang="en-US" altLang="ja-JP" sz="1600" dirty="0"/>
-              <a:t>○</a:t>
-            </a:r>
-            <a:r>
-              <a:rPr lang="ja-JP" altLang="en-US" sz="1600" dirty="0"/>
-              <a:t>整数型：</a:t>
-            </a:r>
-            <a:r>
               <a:rPr lang="en-US" altLang="ja-JP" sz="1600" dirty="0"/>
               <a:t>Work</a:t>
             </a:r>
@@ -3982,18 +5748,24 @@
           <a:p>
             <a:r>
               <a:rPr lang="en-US" altLang="ja-JP" sz="1600" dirty="0"/>
-              <a:t>●Head ← </a:t>
-            </a:r>
-            <a:r>
-              <a:rPr lang="en-US" altLang="ja-JP" sz="1600" dirty="0" smtClean="0"/>
-              <a:t>0</a:t>
-            </a:r>
+              <a:t>●Tail ←</a:t>
+            </a:r>
+            <a:r>
+              <a:rPr lang="ja-JP" altLang="en-US" sz="1600" dirty="0"/>
+              <a:t>　</a:t>
+            </a:r>
+            <a:r>
+              <a:rPr lang="en-US" altLang="ja-JP" sz="1600" dirty="0"/>
+              <a:t>N-1</a:t>
+            </a:r>
+          </a:p>
+          <a:p>
             <a:endParaRPr lang="en-US" altLang="ja-JP" sz="1600" dirty="0"/>
           </a:p>
           <a:p>
             <a:r>
               <a:rPr lang="en-US" altLang="ja-JP" sz="1600" dirty="0"/>
-              <a:t>■Head &lt; N -1</a:t>
+              <a:t>■Tail &gt; 0</a:t>
             </a:r>
           </a:p>
           <a:p>
@@ -4003,19 +5775,123 @@
             </a:r>
             <a:r>
               <a:rPr lang="en-US" altLang="ja-JP" sz="1600" dirty="0" err="1"/>
-              <a:t>MinIdx</a:t>
+              <a:t>Idx</a:t>
             </a:r>
             <a:r>
               <a:rPr lang="en-US" altLang="ja-JP" sz="1600" dirty="0"/>
-              <a:t> ←</a:t>
-            </a:r>
+              <a:t> ← 0</a:t>
+            </a:r>
+          </a:p>
+          <a:p>
             <a:r>
               <a:rPr lang="ja-JP" altLang="en-US" sz="1600" dirty="0"/>
-              <a:t>　</a:t>
+              <a:t>｜■</a:t>
+            </a:r>
+            <a:r>
+              <a:rPr lang="en-US" altLang="ja-JP" sz="1600" dirty="0" err="1"/>
+              <a:t>Idx</a:t>
             </a:r>
             <a:r>
               <a:rPr lang="en-US" altLang="ja-JP" sz="1600" dirty="0"/>
-              <a:t>Head</a:t>
+              <a:t> &lt; Tail</a:t>
+            </a:r>
+          </a:p>
+          <a:p>
+            <a:r>
+              <a:rPr lang="ja-JP" altLang="en-US" sz="1600" dirty="0"/>
+              <a:t>｜｜▲</a:t>
+            </a:r>
+            <a:r>
+              <a:rPr lang="en-US" altLang="ja-JP" sz="1600" dirty="0"/>
+              <a:t>T[</a:t>
+            </a:r>
+            <a:r>
+              <a:rPr lang="en-US" altLang="ja-JP" sz="1600" dirty="0" err="1"/>
+              <a:t>Idx</a:t>
+            </a:r>
+            <a:r>
+              <a:rPr lang="en-US" altLang="ja-JP" sz="1600" dirty="0"/>
+              <a:t>]&gt;T[Idx+1]</a:t>
+            </a:r>
+          </a:p>
+          <a:p>
+            <a:r>
+              <a:rPr lang="ja-JP" altLang="en-US" sz="1600" dirty="0"/>
+              <a:t>｜｜｜●</a:t>
+            </a:r>
+            <a:r>
+              <a:rPr lang="en-US" altLang="ja-JP" sz="1600" dirty="0"/>
+              <a:t>Work ← T[</a:t>
+            </a:r>
+            <a:r>
+              <a:rPr lang="en-US" altLang="ja-JP" sz="1600" dirty="0" err="1"/>
+              <a:t>Idx</a:t>
+            </a:r>
+            <a:r>
+              <a:rPr lang="en-US" altLang="ja-JP" sz="1600" dirty="0"/>
+              <a:t>]</a:t>
+            </a:r>
+          </a:p>
+          <a:p>
+            <a:r>
+              <a:rPr lang="ja-JP" altLang="en-US" sz="1600" dirty="0"/>
+              <a:t>｜｜｜●</a:t>
+            </a:r>
+            <a:r>
+              <a:rPr lang="en-US" altLang="ja-JP" sz="1600" dirty="0"/>
+              <a:t>T[</a:t>
+            </a:r>
+            <a:r>
+              <a:rPr lang="en-US" altLang="ja-JP" sz="1600" dirty="0" err="1"/>
+              <a:t>Idx</a:t>
+            </a:r>
+            <a:r>
+              <a:rPr lang="en-US" altLang="ja-JP" sz="1600" dirty="0"/>
+              <a:t>] ← T[Idx+1]</a:t>
+            </a:r>
+          </a:p>
+          <a:p>
+            <a:r>
+              <a:rPr lang="ja-JP" altLang="en-US" sz="1600" dirty="0"/>
+              <a:t>｜｜｜●</a:t>
+            </a:r>
+            <a:r>
+              <a:rPr lang="en-US" altLang="ja-JP" sz="1600" dirty="0"/>
+              <a:t>T[Idx+1] ← Work</a:t>
+            </a:r>
+          </a:p>
+          <a:p>
+            <a:r>
+              <a:rPr lang="ja-JP" altLang="en-US" sz="1600" dirty="0"/>
+              <a:t>｜｜▼</a:t>
+            </a:r>
+          </a:p>
+          <a:p>
+            <a:r>
+              <a:rPr lang="ja-JP" altLang="en-US" sz="1600" dirty="0"/>
+              <a:t>｜｜●</a:t>
+            </a:r>
+            <a:r>
+              <a:rPr lang="en-US" altLang="ja-JP" sz="1600" dirty="0" err="1"/>
+              <a:t>Idx</a:t>
+            </a:r>
+            <a:r>
+              <a:rPr lang="en-US" altLang="ja-JP" sz="1600" dirty="0"/>
+              <a:t> ← </a:t>
+            </a:r>
+            <a:r>
+              <a:rPr lang="en-US" altLang="ja-JP" sz="1600" dirty="0" err="1"/>
+              <a:t>Idx</a:t>
+            </a:r>
+            <a:r>
+              <a:rPr lang="en-US" altLang="ja-JP" sz="1600" dirty="0"/>
+              <a:t> + 1</a:t>
+            </a:r>
+          </a:p>
+          <a:p>
+            <a:r>
+              <a:rPr lang="ja-JP" altLang="en-US" sz="1600" dirty="0"/>
+              <a:t>｜□</a:t>
             </a:r>
           </a:p>
           <a:p>
@@ -4024,198 +5900,8 @@
               <a:t>｜●</a:t>
             </a:r>
             <a:r>
-              <a:rPr lang="en-US" altLang="ja-JP" sz="1600" dirty="0" err="1"/>
-              <a:t>Idx</a:t>
-            </a:r>
-            <a:r>
               <a:rPr lang="en-US" altLang="ja-JP" sz="1600" dirty="0"/>
-              <a:t> ← Head </a:t>
-            </a:r>
-            <a:r>
-              <a:rPr lang="ja-JP" altLang="en-US" sz="1600" dirty="0"/>
-              <a:t>＋ </a:t>
-            </a:r>
-            <a:r>
-              <a:rPr lang="en-US" altLang="ja-JP" sz="1600" dirty="0"/>
-              <a:t>1</a:t>
-            </a:r>
-          </a:p>
-          <a:p>
-            <a:r>
-              <a:rPr lang="ja-JP" altLang="en-US" sz="1600" dirty="0"/>
-              <a:t>｜■</a:t>
-            </a:r>
-            <a:r>
-              <a:rPr lang="en-US" altLang="ja-JP" sz="1600" dirty="0" err="1"/>
-              <a:t>Idx</a:t>
-            </a:r>
-            <a:r>
-              <a:rPr lang="en-US" altLang="ja-JP" sz="1600" dirty="0"/>
-              <a:t> &lt; N</a:t>
-            </a:r>
-          </a:p>
-          <a:p>
-            <a:r>
-              <a:rPr lang="ja-JP" altLang="en-US" sz="1600" dirty="0"/>
-              <a:t>｜｜▲</a:t>
-            </a:r>
-            <a:r>
-              <a:rPr lang="en-US" altLang="ja-JP" sz="1600" dirty="0"/>
-              <a:t>T[</a:t>
-            </a:r>
-            <a:r>
-              <a:rPr lang="en-US" altLang="ja-JP" sz="1600" dirty="0" err="1"/>
-              <a:t>MinIdx</a:t>
-            </a:r>
-            <a:r>
-              <a:rPr lang="en-US" altLang="ja-JP" sz="1600" dirty="0"/>
-              <a:t>]&gt;T[</a:t>
-            </a:r>
-            <a:r>
-              <a:rPr lang="en-US" altLang="ja-JP" sz="1600" dirty="0" err="1"/>
-              <a:t>Idx</a:t>
-            </a:r>
-            <a:r>
-              <a:rPr lang="en-US" altLang="ja-JP" sz="1600" dirty="0"/>
-              <a:t>]</a:t>
-            </a:r>
-          </a:p>
-          <a:p>
-            <a:r>
-              <a:rPr lang="ja-JP" altLang="en-US" sz="1600" dirty="0"/>
-              <a:t>｜｜｜●</a:t>
-            </a:r>
-            <a:r>
-              <a:rPr lang="en-US" altLang="ja-JP" sz="1600" dirty="0" err="1"/>
-              <a:t>MinIdx</a:t>
-            </a:r>
-            <a:r>
-              <a:rPr lang="en-US" altLang="ja-JP" sz="1600" dirty="0"/>
-              <a:t> ← </a:t>
-            </a:r>
-            <a:r>
-              <a:rPr lang="en-US" altLang="ja-JP" sz="1600" dirty="0" err="1"/>
-              <a:t>Idx</a:t>
-            </a:r>
-            <a:endParaRPr lang="en-US" altLang="ja-JP" sz="1600" dirty="0"/>
-          </a:p>
-          <a:p>
-            <a:r>
-              <a:rPr lang="ja-JP" altLang="en-US" sz="1600" dirty="0"/>
-              <a:t>｜｜▼</a:t>
-            </a:r>
-          </a:p>
-          <a:p>
-            <a:r>
-              <a:rPr lang="ja-JP" altLang="en-US" sz="1600" dirty="0"/>
-              <a:t>｜｜●</a:t>
-            </a:r>
-            <a:r>
-              <a:rPr lang="en-US" altLang="ja-JP" sz="1600" dirty="0" err="1"/>
-              <a:t>Idx</a:t>
-            </a:r>
-            <a:r>
-              <a:rPr lang="en-US" altLang="ja-JP" sz="1600" dirty="0"/>
-              <a:t> ← </a:t>
-            </a:r>
-            <a:r>
-              <a:rPr lang="en-US" altLang="ja-JP" sz="1600" dirty="0" err="1"/>
-              <a:t>Idx</a:t>
-            </a:r>
-            <a:r>
-              <a:rPr lang="en-US" altLang="ja-JP" sz="1600" dirty="0"/>
-              <a:t> </a:t>
-            </a:r>
-            <a:r>
-              <a:rPr lang="ja-JP" altLang="en-US" sz="1600" dirty="0"/>
-              <a:t>＋ </a:t>
-            </a:r>
-            <a:r>
-              <a:rPr lang="en-US" altLang="ja-JP" sz="1600" dirty="0"/>
-              <a:t>1</a:t>
-            </a:r>
-          </a:p>
-          <a:p>
-            <a:r>
-              <a:rPr lang="ja-JP" altLang="en-US" sz="1600" dirty="0"/>
-              <a:t>｜□</a:t>
-            </a:r>
-          </a:p>
-          <a:p>
-            <a:r>
-              <a:rPr lang="ja-JP" altLang="en-US" sz="1600" dirty="0"/>
-              <a:t>｜▲</a:t>
-            </a:r>
-            <a:r>
-              <a:rPr lang="en-US" altLang="ja-JP" sz="1600" dirty="0"/>
-              <a:t>Head ≠ </a:t>
-            </a:r>
-            <a:r>
-              <a:rPr lang="en-US" altLang="ja-JP" sz="1600" dirty="0" err="1"/>
-              <a:t>MinIdx</a:t>
-            </a:r>
-            <a:endParaRPr lang="en-US" altLang="ja-JP" sz="1600" dirty="0"/>
-          </a:p>
-          <a:p>
-            <a:r>
-              <a:rPr lang="ja-JP" altLang="en-US" sz="1600" dirty="0"/>
-              <a:t>｜｜●</a:t>
-            </a:r>
-            <a:r>
-              <a:rPr lang="en-US" altLang="ja-JP" sz="1600" dirty="0"/>
-              <a:t>Work ← T[Head]</a:t>
-            </a:r>
-          </a:p>
-          <a:p>
-            <a:r>
-              <a:rPr lang="ja-JP" altLang="en-US" sz="1600" dirty="0"/>
-              <a:t>｜｜●</a:t>
-            </a:r>
-            <a:r>
-              <a:rPr lang="en-US" altLang="ja-JP" sz="1600" dirty="0"/>
-              <a:t>T[Head] ← T[</a:t>
-            </a:r>
-            <a:r>
-              <a:rPr lang="en-US" altLang="ja-JP" sz="1600" dirty="0" err="1"/>
-              <a:t>MinIdx</a:t>
-            </a:r>
-            <a:r>
-              <a:rPr lang="en-US" altLang="ja-JP" sz="1600" dirty="0"/>
-              <a:t>]</a:t>
-            </a:r>
-          </a:p>
-          <a:p>
-            <a:r>
-              <a:rPr lang="ja-JP" altLang="en-US" sz="1600" dirty="0"/>
-              <a:t>｜｜●</a:t>
-            </a:r>
-            <a:r>
-              <a:rPr lang="en-US" altLang="ja-JP" sz="1600" dirty="0"/>
-              <a:t>T[</a:t>
-            </a:r>
-            <a:r>
-              <a:rPr lang="en-US" altLang="ja-JP" sz="1600" dirty="0" err="1"/>
-              <a:t>MinIdx</a:t>
-            </a:r>
-            <a:r>
-              <a:rPr lang="en-US" altLang="ja-JP" sz="1600" dirty="0"/>
-              <a:t>] ← Work</a:t>
-            </a:r>
-          </a:p>
-          <a:p>
-            <a:r>
-              <a:rPr lang="ja-JP" altLang="en-US" sz="1600" dirty="0"/>
-              <a:t>｜▼</a:t>
-            </a:r>
-          </a:p>
-          <a:p>
-            <a:r>
-              <a:rPr lang="ja-JP" altLang="en-US" sz="1600" dirty="0"/>
-              <a:t>｜●</a:t>
-            </a:r>
-            <a:r>
-              <a:rPr lang="en-US" altLang="ja-JP" sz="1600" dirty="0"/>
-              <a:t>Head ← Head + 1</a:t>
+              <a:t>Tail ← Tail - 1</a:t>
             </a:r>
           </a:p>
           <a:p>
@@ -4236,11 +5922,7 @@
             <a:graphicFrameLocks noGrp="1"/>
           </p:cNvGraphicFramePr>
           <p:nvPr>
-            <p:extLst>
-              <p:ext uri="{D42A27DB-BD31-4B8C-83A1-F6EECF244321}">
-                <p14:modId xmlns:p14="http://schemas.microsoft.com/office/powerpoint/2010/main" val="1422845385"/>
-              </p:ext>
-            </p:extLst>
+            <p:extLst/>
           </p:nvPr>
         </p:nvGraphicFramePr>
         <p:xfrm>
@@ -4457,7 +6139,7 @@
           <p:nvPr>
             <p:extLst>
               <p:ext uri="{D42A27DB-BD31-4B8C-83A1-F6EECF244321}">
-                <p14:modId xmlns:p14="http://schemas.microsoft.com/office/powerpoint/2010/main" val="3933378897"/>
+                <p14:modId xmlns:p14="http://schemas.microsoft.com/office/powerpoint/2010/main" val="1388922585"/>
               </p:ext>
             </p:extLst>
           </p:nvPr>
@@ -4594,35 +6276,35 @@
                     <a:p>
                       <a:r>
                         <a:rPr kumimoji="1" lang="en-US" altLang="ja-JP" dirty="0" smtClean="0"/>
+                        <a:t>4</a:t>
+                      </a:r>
+                      <a:endParaRPr kumimoji="1" lang="ja-JP" altLang="en-US" dirty="0"/>
+                    </a:p>
+                  </a:txBody>
+                  <a:tcPr/>
+                </a:tc>
+                <a:tc>
+                  <a:txBody>
+                    <a:bodyPr/>
+                    <a:lstStyle/>
+                    <a:p>
+                      <a:r>
+                        <a:rPr kumimoji="1" lang="en-US" altLang="ja-JP" dirty="0" smtClean="0"/>
+                        <a:t>5</a:t>
+                      </a:r>
+                      <a:endParaRPr kumimoji="1" lang="ja-JP" altLang="en-US" dirty="0"/>
+                    </a:p>
+                  </a:txBody>
+                  <a:tcPr/>
+                </a:tc>
+                <a:tc>
+                  <a:txBody>
+                    <a:bodyPr/>
+                    <a:lstStyle/>
+                    <a:p>
+                      <a:r>
+                        <a:rPr kumimoji="1" lang="en-US" altLang="ja-JP" dirty="0" smtClean="0"/>
                         <a:t>1</a:t>
-                      </a:r>
-                      <a:endParaRPr kumimoji="1" lang="ja-JP" altLang="en-US" dirty="0"/>
-                    </a:p>
-                  </a:txBody>
-                  <a:tcPr/>
-                </a:tc>
-                <a:tc>
-                  <a:txBody>
-                    <a:bodyPr/>
-                    <a:lstStyle/>
-                    <a:p>
-                      <a:r>
-                        <a:rPr kumimoji="1" lang="en-US" altLang="ja-JP" dirty="0" smtClean="0"/>
-                        <a:t>4</a:t>
-                      </a:r>
-                      <a:endParaRPr kumimoji="1" lang="ja-JP" altLang="en-US" dirty="0"/>
-                    </a:p>
-                  </a:txBody>
-                  <a:tcPr/>
-                </a:tc>
-                <a:tc>
-                  <a:txBody>
-                    <a:bodyPr/>
-                    <a:lstStyle/>
-                    <a:p>
-                      <a:r>
-                        <a:rPr kumimoji="1" lang="en-US" altLang="ja-JP" dirty="0" smtClean="0"/>
-                        <a:t>5</a:t>
                       </a:r>
                       <a:endParaRPr kumimoji="1" lang="ja-JP" altLang="en-US" dirty="0"/>
                     </a:p>
@@ -4676,7 +6358,7 @@
           <p:nvPr>
             <p:extLst>
               <p:ext uri="{D42A27DB-BD31-4B8C-83A1-F6EECF244321}">
-                <p14:modId xmlns:p14="http://schemas.microsoft.com/office/powerpoint/2010/main" val="2499819825"/>
+                <p14:modId xmlns:p14="http://schemas.microsoft.com/office/powerpoint/2010/main" val="3399114485"/>
               </p:ext>
             </p:extLst>
           </p:nvPr>
@@ -4813,6 +6495,20 @@
                     <a:p>
                       <a:r>
                         <a:rPr kumimoji="1" lang="en-US" altLang="ja-JP" dirty="0" smtClean="0"/>
+                        <a:t>4</a:t>
+                      </a:r>
+                      <a:endParaRPr kumimoji="1" lang="ja-JP" altLang="en-US" dirty="0"/>
+                    </a:p>
+                  </a:txBody>
+                  <a:tcPr/>
+                </a:tc>
+                <a:tc>
+                  <a:txBody>
+                    <a:bodyPr/>
+                    <a:lstStyle/>
+                    <a:p>
+                      <a:r>
+                        <a:rPr kumimoji="1" lang="en-US" altLang="ja-JP" dirty="0" smtClean="0"/>
                         <a:t>1</a:t>
                       </a:r>
                       <a:endParaRPr kumimoji="1" lang="ja-JP" altLang="en-US" dirty="0"/>
@@ -4827,49 +6523,35 @@
                     <a:p>
                       <a:r>
                         <a:rPr kumimoji="1" lang="en-US" altLang="ja-JP" dirty="0" smtClean="0"/>
+                        <a:t>5</a:t>
+                      </a:r>
+                      <a:endParaRPr kumimoji="1" lang="ja-JP" altLang="en-US" dirty="0"/>
+                    </a:p>
+                  </a:txBody>
+                  <a:tcPr/>
+                </a:tc>
+                <a:tc>
+                  <a:txBody>
+                    <a:bodyPr/>
+                    <a:lstStyle/>
+                    <a:p>
+                      <a:r>
+                        <a:rPr kumimoji="1" lang="en-US" altLang="ja-JP" dirty="0" smtClean="0"/>
+                        <a:t>8</a:t>
+                      </a:r>
+                      <a:endParaRPr kumimoji="1" lang="ja-JP" altLang="en-US" dirty="0"/>
+                    </a:p>
+                  </a:txBody>
+                  <a:tcPr/>
+                </a:tc>
+                <a:tc>
+                  <a:txBody>
+                    <a:bodyPr/>
+                    <a:lstStyle/>
+                    <a:p>
+                      <a:r>
+                        <a:rPr kumimoji="1" lang="en-US" altLang="ja-JP" dirty="0" smtClean="0"/>
                         <a:t>2</a:t>
-                      </a:r>
-                      <a:endParaRPr kumimoji="1" lang="ja-JP" altLang="en-US" dirty="0"/>
-                    </a:p>
-                  </a:txBody>
-                  <a:tcPr/>
-                </a:tc>
-                <a:tc>
-                  <a:txBody>
-                    <a:bodyPr/>
-                    <a:lstStyle/>
-                    <a:p>
-                      <a:r>
-                        <a:rPr kumimoji="1" lang="en-US" altLang="ja-JP" dirty="0" smtClean="0"/>
-                        <a:t>5</a:t>
-                      </a:r>
-                      <a:endParaRPr kumimoji="1" lang="ja-JP" altLang="en-US" dirty="0"/>
-                    </a:p>
-                  </a:txBody>
-                  <a:tcPr/>
-                </a:tc>
-                <a:tc>
-                  <a:txBody>
-                    <a:bodyPr/>
-                    <a:lstStyle/>
-                    <a:p>
-                      <a:r>
-                        <a:rPr kumimoji="1" lang="en-US" altLang="ja-JP" dirty="0" smtClean="0"/>
-                        <a:t>8</a:t>
-                      </a:r>
-                      <a:endParaRPr kumimoji="1" lang="ja-JP" altLang="en-US" dirty="0"/>
-                    </a:p>
-                  </a:txBody>
-                  <a:tcPr/>
-                </a:tc>
-                <a:tc>
-                  <a:txBody>
-                    <a:bodyPr/>
-                    <a:lstStyle/>
-                    <a:p>
-                      <a:r>
-                        <a:rPr kumimoji="1" lang="en-US" altLang="ja-JP" dirty="0" smtClean="0"/>
-                        <a:t>4</a:t>
                       </a:r>
                       <a:endParaRPr kumimoji="1" lang="ja-JP" altLang="en-US" dirty="0"/>
                     </a:p>
@@ -4895,7 +6577,7 @@
         <p:spPr>
           <a:xfrm>
             <a:off x="5004262" y="1539827"/>
-            <a:ext cx="774571" cy="369332"/>
+            <a:ext cx="779381" cy="369332"/>
           </a:xfrm>
           <a:prstGeom prst="rect">
             <a:avLst/>
@@ -4909,12 +6591,12 @@
           <a:lstStyle/>
           <a:p>
             <a:r>
-              <a:rPr kumimoji="1" lang="en-US" altLang="ja-JP" b="1" dirty="0" smtClean="0">
+              <a:rPr lang="en-US" altLang="ja-JP" b="1" dirty="0">
                 <a:solidFill>
                   <a:srgbClr val="FF0000"/>
                 </a:solidFill>
               </a:rPr>
-              <a:t>0</a:t>
+              <a:t>1</a:t>
             </a:r>
             <a:r>
               <a:rPr kumimoji="1" lang="ja-JP" altLang="en-US" b="1" dirty="0" smtClean="0">
@@ -5001,12 +6683,12 @@
           <a:lstStyle/>
           <a:p>
             <a:r>
-              <a:rPr lang="en-US" altLang="ja-JP" b="1" dirty="0" smtClean="0">
+              <a:rPr kumimoji="1" lang="en-US" altLang="ja-JP" b="1" dirty="0" smtClean="0">
                 <a:solidFill>
                   <a:srgbClr val="FF0000"/>
                 </a:solidFill>
               </a:rPr>
-              <a:t>2</a:t>
+              <a:t>3</a:t>
             </a:r>
             <a:r>
               <a:rPr kumimoji="1" lang="ja-JP" altLang="en-US" b="1" dirty="0" smtClean="0">
@@ -5033,7 +6715,7 @@
           <p:nvPr>
             <p:extLst>
               <p:ext uri="{D42A27DB-BD31-4B8C-83A1-F6EECF244321}">
-                <p14:modId xmlns:p14="http://schemas.microsoft.com/office/powerpoint/2010/main" val="2622755477"/>
+                <p14:modId xmlns:p14="http://schemas.microsoft.com/office/powerpoint/2010/main" val="2159774630"/>
               </p:ext>
             </p:extLst>
           </p:nvPr>
@@ -5170,6 +6852,20 @@
                     <a:p>
                       <a:r>
                         <a:rPr kumimoji="1" lang="en-US" altLang="ja-JP" dirty="0" smtClean="0"/>
+                        <a:t>4</a:t>
+                      </a:r>
+                      <a:endParaRPr kumimoji="1" lang="ja-JP" altLang="en-US" dirty="0"/>
+                    </a:p>
+                  </a:txBody>
+                  <a:tcPr/>
+                </a:tc>
+                <a:tc>
+                  <a:txBody>
+                    <a:bodyPr/>
+                    <a:lstStyle/>
+                    <a:p>
+                      <a:r>
+                        <a:rPr kumimoji="1" lang="en-US" altLang="ja-JP" dirty="0" smtClean="0"/>
                         <a:t>1</a:t>
                       </a:r>
                       <a:endParaRPr kumimoji="1" lang="ja-JP" altLang="en-US" dirty="0"/>
@@ -5184,49 +6880,35 @@
                     <a:p>
                       <a:r>
                         <a:rPr kumimoji="1" lang="en-US" altLang="ja-JP" dirty="0" smtClean="0"/>
+                        <a:t>5</a:t>
+                      </a:r>
+                      <a:endParaRPr kumimoji="1" lang="ja-JP" altLang="en-US" dirty="0"/>
+                    </a:p>
+                  </a:txBody>
+                  <a:tcPr/>
+                </a:tc>
+                <a:tc>
+                  <a:txBody>
+                    <a:bodyPr/>
+                    <a:lstStyle/>
+                    <a:p>
+                      <a:r>
+                        <a:rPr kumimoji="1" lang="en-US" altLang="ja-JP" dirty="0" smtClean="0"/>
+                        <a:t>8</a:t>
+                      </a:r>
+                      <a:endParaRPr kumimoji="1" lang="ja-JP" altLang="en-US" dirty="0"/>
+                    </a:p>
+                  </a:txBody>
+                  <a:tcPr/>
+                </a:tc>
+                <a:tc>
+                  <a:txBody>
+                    <a:bodyPr/>
+                    <a:lstStyle/>
+                    <a:p>
+                      <a:r>
+                        <a:rPr kumimoji="1" lang="en-US" altLang="ja-JP" dirty="0" smtClean="0"/>
                         <a:t>2</a:t>
-                      </a:r>
-                      <a:endParaRPr kumimoji="1" lang="ja-JP" altLang="en-US" dirty="0"/>
-                    </a:p>
-                  </a:txBody>
-                  <a:tcPr/>
-                </a:tc>
-                <a:tc>
-                  <a:txBody>
-                    <a:bodyPr/>
-                    <a:lstStyle/>
-                    <a:p>
-                      <a:r>
-                        <a:rPr kumimoji="1" lang="en-US" altLang="ja-JP" dirty="0" smtClean="0"/>
-                        <a:t>4</a:t>
-                      </a:r>
-                      <a:endParaRPr kumimoji="1" lang="ja-JP" altLang="en-US" dirty="0"/>
-                    </a:p>
-                  </a:txBody>
-                  <a:tcPr/>
-                </a:tc>
-                <a:tc>
-                  <a:txBody>
-                    <a:bodyPr/>
-                    <a:lstStyle/>
-                    <a:p>
-                      <a:r>
-                        <a:rPr kumimoji="1" lang="en-US" altLang="ja-JP" dirty="0" smtClean="0"/>
-                        <a:t>8</a:t>
-                      </a:r>
-                      <a:endParaRPr kumimoji="1" lang="ja-JP" altLang="en-US" dirty="0"/>
-                    </a:p>
-                  </a:txBody>
-                  <a:tcPr/>
-                </a:tc>
-                <a:tc>
-                  <a:txBody>
-                    <a:bodyPr/>
-                    <a:lstStyle/>
-                    <a:p>
-                      <a:r>
-                        <a:rPr kumimoji="1" lang="en-US" altLang="ja-JP" dirty="0" smtClean="0"/>
-                        <a:t>5</a:t>
                       </a:r>
                       <a:endParaRPr kumimoji="1" lang="ja-JP" altLang="en-US" dirty="0"/>
                     </a:p>
@@ -5266,12 +6948,12 @@
           <a:lstStyle/>
           <a:p>
             <a:r>
-              <a:rPr kumimoji="1" lang="en-US" altLang="ja-JP" b="1" dirty="0" smtClean="0">
+              <a:rPr lang="en-US" altLang="ja-JP" b="1" dirty="0">
                 <a:solidFill>
                   <a:srgbClr val="FF0000"/>
                 </a:solidFill>
               </a:rPr>
-              <a:t>3</a:t>
+              <a:t>4</a:t>
             </a:r>
             <a:r>
               <a:rPr kumimoji="1" lang="ja-JP" altLang="en-US" b="1" dirty="0" smtClean="0">
@@ -5291,51 +6973,13 @@
       </p:sp>
       <p:sp>
         <p:nvSpPr>
-          <p:cNvPr id="21" name="テキスト ボックス 20"/>
-          <p:cNvSpPr txBox="1"/>
-          <p:nvPr/>
-        </p:nvSpPr>
-        <p:spPr>
-          <a:xfrm>
-            <a:off x="8340437" y="828430"/>
-            <a:ext cx="877163" cy="369332"/>
-          </a:xfrm>
-          <a:prstGeom prst="rect">
-            <a:avLst/>
-          </a:prstGeom>
-          <a:noFill/>
-        </p:spPr>
-        <p:txBody>
-          <a:bodyPr wrap="none" rtlCol="0">
-            <a:spAutoFit/>
-          </a:bodyPr>
-          <a:lstStyle/>
-          <a:p>
-            <a:r>
-              <a:rPr kumimoji="1" lang="ja-JP" altLang="en-US" b="1" dirty="0" smtClean="0">
-                <a:solidFill>
-                  <a:srgbClr val="FF0000"/>
-                </a:solidFill>
-              </a:rPr>
-              <a:t>最小値</a:t>
-            </a:r>
-            <a:endParaRPr kumimoji="1" lang="ja-JP" altLang="en-US" b="1" dirty="0">
-              <a:solidFill>
-                <a:srgbClr val="FF0000"/>
-              </a:solidFill>
-            </a:endParaRPr>
-          </a:p>
-        </p:txBody>
-      </p:sp>
-      <p:sp>
-        <p:nvSpPr>
           <p:cNvPr id="23" name="正方形/長方形 22"/>
           <p:cNvSpPr/>
           <p:nvPr/>
         </p:nvSpPr>
         <p:spPr>
           <a:xfrm>
-            <a:off x="8303200" y="1300544"/>
+            <a:off x="7369900" y="1294987"/>
             <a:ext cx="914400" cy="914400"/>
           </a:xfrm>
           <a:prstGeom prst="rect">
@@ -5427,8 +7071,8 @@
         </p:nvSpPr>
         <p:spPr>
           <a:xfrm>
-            <a:off x="10197699" y="2292014"/>
-            <a:ext cx="913644" cy="815163"/>
+            <a:off x="8349673" y="2375657"/>
+            <a:ext cx="867927" cy="922842"/>
           </a:xfrm>
           <a:prstGeom prst="rect">
             <a:avLst/>
@@ -5473,8 +7117,8 @@
         </p:nvSpPr>
         <p:spPr>
           <a:xfrm>
-            <a:off x="10386579" y="3128252"/>
-            <a:ext cx="877163" cy="369332"/>
+            <a:off x="6386680" y="858196"/>
+            <a:ext cx="522900" cy="369332"/>
           </a:xfrm>
           <a:prstGeom prst="rect">
             <a:avLst/>
@@ -5488,12 +7132,12 @@
           <a:lstStyle/>
           <a:p>
             <a:r>
-              <a:rPr kumimoji="1" lang="ja-JP" altLang="en-US" b="1" dirty="0" smtClean="0">
+              <a:rPr kumimoji="1" lang="en-US" altLang="ja-JP" b="1" dirty="0" err="1" smtClean="0">
                 <a:solidFill>
                   <a:srgbClr val="FF0000"/>
                 </a:solidFill>
               </a:rPr>
-              <a:t>最小値</a:t>
+              <a:t>Idx</a:t>
             </a:r>
             <a:endParaRPr kumimoji="1" lang="ja-JP" altLang="en-US" b="1" dirty="0">
               <a:solidFill>
@@ -5557,7 +7201,7 @@
         </p:nvSpPr>
         <p:spPr>
           <a:xfrm>
-            <a:off x="10197699" y="3452156"/>
+            <a:off x="9298495" y="3435931"/>
             <a:ext cx="914400" cy="914400"/>
           </a:xfrm>
           <a:prstGeom prst="rect">
@@ -5641,44 +7285,6 @@
           </a:p>
         </p:txBody>
       </p:sp>
-      <p:sp>
-        <p:nvSpPr>
-          <p:cNvPr id="30" name="テキスト ボックス 29"/>
-          <p:cNvSpPr txBox="1"/>
-          <p:nvPr/>
-        </p:nvSpPr>
-        <p:spPr>
-          <a:xfrm>
-            <a:off x="10373479" y="1959220"/>
-            <a:ext cx="877163" cy="369332"/>
-          </a:xfrm>
-          <a:prstGeom prst="rect">
-            <a:avLst/>
-          </a:prstGeom>
-          <a:noFill/>
-        </p:spPr>
-        <p:txBody>
-          <a:bodyPr wrap="none" rtlCol="0">
-            <a:spAutoFit/>
-          </a:bodyPr>
-          <a:lstStyle/>
-          <a:p>
-            <a:r>
-              <a:rPr kumimoji="1" lang="ja-JP" altLang="en-US" b="1" dirty="0" smtClean="0">
-                <a:solidFill>
-                  <a:srgbClr val="FF0000"/>
-                </a:solidFill>
-              </a:rPr>
-              <a:t>最小値</a:t>
-            </a:r>
-            <a:endParaRPr kumimoji="1" lang="ja-JP" altLang="en-US" b="1" dirty="0">
-              <a:solidFill>
-                <a:srgbClr val="FF0000"/>
-              </a:solidFill>
-            </a:endParaRPr>
-          </a:p>
-        </p:txBody>
-      </p:sp>
       <p:graphicFrame>
         <p:nvGraphicFramePr>
           <p:cNvPr id="31" name="表 30"/>
@@ -5688,7 +7294,7 @@
           <p:nvPr>
             <p:extLst>
               <p:ext uri="{D42A27DB-BD31-4B8C-83A1-F6EECF244321}">
-                <p14:modId xmlns:p14="http://schemas.microsoft.com/office/powerpoint/2010/main" val="1747117527"/>
+                <p14:modId xmlns:p14="http://schemas.microsoft.com/office/powerpoint/2010/main" val="480801450"/>
               </p:ext>
             </p:extLst>
           </p:nvPr>
@@ -5825,6 +7431,20 @@
                     <a:p>
                       <a:r>
                         <a:rPr kumimoji="1" lang="en-US" altLang="ja-JP" dirty="0" smtClean="0"/>
+                        <a:t>4</a:t>
+                      </a:r>
+                      <a:endParaRPr kumimoji="1" lang="ja-JP" altLang="en-US" dirty="0"/>
+                    </a:p>
+                  </a:txBody>
+                  <a:tcPr/>
+                </a:tc>
+                <a:tc>
+                  <a:txBody>
+                    <a:bodyPr/>
+                    <a:lstStyle/>
+                    <a:p>
+                      <a:r>
+                        <a:rPr kumimoji="1" lang="en-US" altLang="ja-JP" dirty="0" smtClean="0"/>
                         <a:t>1</a:t>
                       </a:r>
                       <a:endParaRPr kumimoji="1" lang="ja-JP" altLang="en-US" dirty="0"/>
@@ -5839,35 +7459,21 @@
                     <a:p>
                       <a:r>
                         <a:rPr kumimoji="1" lang="en-US" altLang="ja-JP" dirty="0" smtClean="0"/>
+                        <a:t>5</a:t>
+                      </a:r>
+                      <a:endParaRPr kumimoji="1" lang="ja-JP" altLang="en-US" dirty="0"/>
+                    </a:p>
+                  </a:txBody>
+                  <a:tcPr/>
+                </a:tc>
+                <a:tc>
+                  <a:txBody>
+                    <a:bodyPr/>
+                    <a:lstStyle/>
+                    <a:p>
+                      <a:r>
+                        <a:rPr kumimoji="1" lang="en-US" altLang="ja-JP" dirty="0" smtClean="0"/>
                         <a:t>2</a:t>
-                      </a:r>
-                      <a:endParaRPr kumimoji="1" lang="ja-JP" altLang="en-US" dirty="0"/>
-                    </a:p>
-                  </a:txBody>
-                  <a:tcPr/>
-                </a:tc>
-                <a:tc>
-                  <a:txBody>
-                    <a:bodyPr/>
-                    <a:lstStyle/>
-                    <a:p>
-                      <a:r>
-                        <a:rPr kumimoji="1" lang="en-US" altLang="ja-JP" dirty="0" smtClean="0"/>
-                        <a:t>4</a:t>
-                      </a:r>
-                      <a:endParaRPr kumimoji="1" lang="ja-JP" altLang="en-US" dirty="0"/>
-                    </a:p>
-                  </a:txBody>
-                  <a:tcPr/>
-                </a:tc>
-                <a:tc>
-                  <a:txBody>
-                    <a:bodyPr/>
-                    <a:lstStyle/>
-                    <a:p>
-                      <a:r>
-                        <a:rPr kumimoji="1" lang="en-US" altLang="ja-JP" dirty="0" smtClean="0"/>
-                        <a:t>5</a:t>
                       </a:r>
                       <a:endParaRPr kumimoji="1" lang="ja-JP" altLang="en-US" dirty="0"/>
                     </a:p>
@@ -5906,8 +7512,8 @@
         </p:nvSpPr>
         <p:spPr>
           <a:xfrm>
-            <a:off x="4999452" y="5663055"/>
-            <a:ext cx="646331" cy="369332"/>
+            <a:off x="4604312" y="5748041"/>
+            <a:ext cx="1569660" cy="369332"/>
           </a:xfrm>
           <a:prstGeom prst="rect">
             <a:avLst/>
@@ -5920,6 +7526,14 @@
           </a:bodyPr>
           <a:lstStyle/>
           <a:p>
+            <a:r>
+              <a:rPr lang="ja-JP" altLang="en-US" b="1" dirty="0" smtClean="0">
+                <a:solidFill>
+                  <a:srgbClr val="FF0000"/>
+                </a:solidFill>
+              </a:rPr>
+              <a:t>いったん</a:t>
+            </a:r>
             <a:r>
               <a:rPr kumimoji="1" lang="ja-JP" altLang="en-US" b="1" dirty="0" smtClean="0">
                 <a:solidFill>
@@ -6030,14 +7644,14 @@
       </p:sp>
       <p:sp>
         <p:nvSpPr>
-          <p:cNvPr id="35" name="テキスト ボックス 34"/>
+          <p:cNvPr id="36" name="テキスト ボックス 35"/>
           <p:cNvSpPr txBox="1"/>
           <p:nvPr/>
         </p:nvSpPr>
         <p:spPr>
           <a:xfrm>
-            <a:off x="11097822" y="4433796"/>
-            <a:ext cx="877163" cy="369332"/>
+            <a:off x="7405600" y="861542"/>
+            <a:ext cx="827471" cy="369332"/>
           </a:xfrm>
           <a:prstGeom prst="rect">
             <a:avLst/>
@@ -6051,12 +7665,12 @@
           <a:lstStyle/>
           <a:p>
             <a:r>
-              <a:rPr kumimoji="1" lang="ja-JP" altLang="en-US" b="1" dirty="0" smtClean="0">
+              <a:rPr kumimoji="1" lang="en-US" altLang="ja-JP" b="1" dirty="0" smtClean="0">
                 <a:solidFill>
                   <a:srgbClr val="FF0000"/>
                 </a:solidFill>
               </a:rPr>
-              <a:t>最小値</a:t>
+              <a:t>Idx+1</a:t>
             </a:r>
             <a:endParaRPr kumimoji="1" lang="ja-JP" altLang="en-US" b="1" dirty="0">
               <a:solidFill>
@@ -6069,7 +7683,775 @@
     </p:spTree>
     <p:extLst>
       <p:ext uri="{BB962C8B-B14F-4D97-AF65-F5344CB8AC3E}">
-        <p14:creationId xmlns:p14="http://schemas.microsoft.com/office/powerpoint/2010/main" val="1343879201"/>
+        <p14:creationId xmlns:p14="http://schemas.microsoft.com/office/powerpoint/2010/main" val="3933360771"/>
+      </p:ext>
+    </p:extLst>
+  </p:cSld>
+  <p:clrMapOvr>
+    <a:masterClrMapping/>
+  </p:clrMapOvr>
+</p:sld>
+</file>
+
+<file path=ppt/slides/slide14.xml><?xml version="1.0" encoding="utf-8"?>
+<p:sld xmlns:a="http://schemas.openxmlformats.org/drawingml/2006/main" xmlns:r="http://schemas.openxmlformats.org/officeDocument/2006/relationships" xmlns:p="http://schemas.openxmlformats.org/presentationml/2006/main">
+  <p:cSld>
+    <p:spTree>
+      <p:nvGrpSpPr>
+        <p:cNvPr id="1" name=""/>
+        <p:cNvGrpSpPr/>
+        <p:nvPr/>
+      </p:nvGrpSpPr>
+      <p:grpSpPr>
+        <a:xfrm>
+          <a:off x="0" y="0"/>
+          <a:ext cx="0" cy="0"/>
+          <a:chOff x="0" y="0"/>
+          <a:chExt cx="0" cy="0"/>
+        </a:xfrm>
+      </p:grpSpPr>
+      <p:sp>
+        <p:nvSpPr>
+          <p:cNvPr id="2" name="タイトル 1"/>
+          <p:cNvSpPr>
+            <a:spLocks noGrp="1"/>
+          </p:cNvSpPr>
+          <p:nvPr>
+            <p:ph type="title"/>
+          </p:nvPr>
+        </p:nvSpPr>
+        <p:spPr>
+          <a:xfrm>
+            <a:off x="375243" y="2053889"/>
+            <a:ext cx="11638565" cy="2771329"/>
+          </a:xfrm>
+        </p:spPr>
+        <p:txBody>
+          <a:bodyPr>
+            <a:normAutofit fontScale="90000"/>
+          </a:bodyPr>
+          <a:lstStyle/>
+          <a:p>
+            <a:r>
+              <a:rPr kumimoji="1" lang="en-US" altLang="ja-JP" dirty="0" smtClean="0"/>
+              <a:t>Training</a:t>
+            </a:r>
+            <a:r>
+              <a:rPr kumimoji="1" lang="ja-JP" altLang="en-US" dirty="0" smtClean="0"/>
+              <a:t>　</a:t>
+            </a:r>
+            <a:r>
+              <a:rPr kumimoji="1" lang="en-US" altLang="ja-JP" dirty="0" smtClean="0"/>
+              <a:t>2-4</a:t>
+            </a:r>
+            <a:br>
+              <a:rPr kumimoji="1" lang="en-US" altLang="ja-JP" dirty="0" smtClean="0"/>
+            </a:br>
+            <a:r>
+              <a:rPr lang="en-US" altLang="ja-JP" dirty="0"/>
+              <a:t/>
+            </a:r>
+            <a:br>
+              <a:rPr lang="en-US" altLang="ja-JP" dirty="0"/>
+            </a:br>
+            <a:r>
+              <a:rPr lang="ja-JP" altLang="en-US" dirty="0" smtClean="0"/>
+              <a:t>計算を省略して高速化する</a:t>
+            </a:r>
+            <a:r>
+              <a:rPr lang="en-US" altLang="ja-JP" dirty="0" smtClean="0"/>
+              <a:t/>
+            </a:r>
+            <a:br>
+              <a:rPr lang="en-US" altLang="ja-JP" dirty="0" smtClean="0"/>
+            </a:br>
+            <a:r>
+              <a:rPr lang="en-US" altLang="ja-JP" dirty="0" err="1" smtClean="0"/>
+              <a:t>LastSwap</a:t>
+            </a:r>
+            <a:r>
+              <a:rPr lang="ja-JP" altLang="en-US" dirty="0" smtClean="0"/>
+              <a:t>した値の手前まで隣接交換すると考える。</a:t>
+            </a:r>
+            <a:endParaRPr kumimoji="1" lang="ja-JP" altLang="en-US" dirty="0"/>
+          </a:p>
+        </p:txBody>
+      </p:sp>
+    </p:spTree>
+    <p:extLst>
+      <p:ext uri="{BB962C8B-B14F-4D97-AF65-F5344CB8AC3E}">
+        <p14:creationId xmlns:p14="http://schemas.microsoft.com/office/powerpoint/2010/main" val="3041200670"/>
+      </p:ext>
+    </p:extLst>
+  </p:cSld>
+  <p:clrMapOvr>
+    <a:masterClrMapping/>
+  </p:clrMapOvr>
+</p:sld>
+</file>
+
+<file path=ppt/slides/slide15.xml><?xml version="1.0" encoding="utf-8"?>
+<p:sld xmlns:a="http://schemas.openxmlformats.org/drawingml/2006/main" xmlns:r="http://schemas.openxmlformats.org/officeDocument/2006/relationships" xmlns:p="http://schemas.openxmlformats.org/presentationml/2006/main">
+  <p:cSld>
+    <p:spTree>
+      <p:nvGrpSpPr>
+        <p:cNvPr id="1" name=""/>
+        <p:cNvGrpSpPr/>
+        <p:nvPr/>
+      </p:nvGrpSpPr>
+      <p:grpSpPr>
+        <a:xfrm>
+          <a:off x="0" y="0"/>
+          <a:ext cx="0" cy="0"/>
+          <a:chOff x="0" y="0"/>
+          <a:chExt cx="0" cy="0"/>
+        </a:xfrm>
+      </p:grpSpPr>
+      <p:pic>
+        <p:nvPicPr>
+          <p:cNvPr id="2" name="図 1"/>
+          <p:cNvPicPr>
+            <a:picLocks noChangeAspect="1"/>
+          </p:cNvPicPr>
+          <p:nvPr/>
+        </p:nvPicPr>
+        <p:blipFill>
+          <a:blip r:embed="rId3"/>
+          <a:stretch>
+            <a:fillRect/>
+          </a:stretch>
+        </p:blipFill>
+        <p:spPr>
+          <a:xfrm>
+            <a:off x="102784" y="426114"/>
+            <a:ext cx="5478912" cy="5359546"/>
+          </a:xfrm>
+          <a:prstGeom prst="rect">
+            <a:avLst/>
+          </a:prstGeom>
+        </p:spPr>
+      </p:pic>
+      <p:pic>
+        <p:nvPicPr>
+          <p:cNvPr id="3" name="図 2"/>
+          <p:cNvPicPr>
+            <a:picLocks noChangeAspect="1"/>
+          </p:cNvPicPr>
+          <p:nvPr/>
+        </p:nvPicPr>
+        <p:blipFill>
+          <a:blip r:embed="rId4"/>
+          <a:stretch>
+            <a:fillRect/>
+          </a:stretch>
+        </p:blipFill>
+        <p:spPr>
+          <a:xfrm>
+            <a:off x="6406341" y="88885"/>
+            <a:ext cx="4772214" cy="6710926"/>
+          </a:xfrm>
+          <a:prstGeom prst="rect">
+            <a:avLst/>
+          </a:prstGeom>
+        </p:spPr>
+      </p:pic>
+    </p:spTree>
+    <p:extLst>
+      <p:ext uri="{BB962C8B-B14F-4D97-AF65-F5344CB8AC3E}">
+        <p14:creationId xmlns:p14="http://schemas.microsoft.com/office/powerpoint/2010/main" val="1901534988"/>
+      </p:ext>
+    </p:extLst>
+  </p:cSld>
+  <p:clrMapOvr>
+    <a:masterClrMapping/>
+  </p:clrMapOvr>
+</p:sld>
+</file>
+
+<file path=ppt/slides/slide16.xml><?xml version="1.0" encoding="utf-8"?>
+<p:sld xmlns:a="http://schemas.openxmlformats.org/drawingml/2006/main" xmlns:r="http://schemas.openxmlformats.org/officeDocument/2006/relationships" xmlns:p="http://schemas.openxmlformats.org/presentationml/2006/main">
+  <p:cSld>
+    <p:spTree>
+      <p:nvGrpSpPr>
+        <p:cNvPr id="1" name=""/>
+        <p:cNvGrpSpPr/>
+        <p:nvPr/>
+      </p:nvGrpSpPr>
+      <p:grpSpPr>
+        <a:xfrm>
+          <a:off x="0" y="0"/>
+          <a:ext cx="0" cy="0"/>
+          <a:chOff x="0" y="0"/>
+          <a:chExt cx="0" cy="0"/>
+        </a:xfrm>
+      </p:grpSpPr>
+      <p:sp>
+        <p:nvSpPr>
+          <p:cNvPr id="2" name="タイトル 1"/>
+          <p:cNvSpPr>
+            <a:spLocks noGrp="1"/>
+          </p:cNvSpPr>
+          <p:nvPr>
+            <p:ph type="title"/>
+          </p:nvPr>
+        </p:nvSpPr>
+        <p:spPr>
+          <a:xfrm>
+            <a:off x="4229791" y="2518124"/>
+            <a:ext cx="3858493" cy="1106226"/>
+          </a:xfrm>
+        </p:spPr>
+        <p:txBody>
+          <a:bodyPr>
+            <a:normAutofit fontScale="90000"/>
+          </a:bodyPr>
+          <a:lstStyle/>
+          <a:p>
+            <a:r>
+              <a:rPr kumimoji="1" lang="en-US" altLang="ja-JP" dirty="0" smtClean="0"/>
+              <a:t>Training</a:t>
+            </a:r>
+            <a:r>
+              <a:rPr kumimoji="1" lang="ja-JP" altLang="en-US" dirty="0" smtClean="0"/>
+              <a:t>　</a:t>
+            </a:r>
+            <a:r>
+              <a:rPr kumimoji="1" lang="en-US" altLang="ja-JP" dirty="0" smtClean="0"/>
+              <a:t>2-5</a:t>
+            </a:r>
+            <a:br>
+              <a:rPr kumimoji="1" lang="en-US" altLang="ja-JP" dirty="0" smtClean="0"/>
+            </a:br>
+            <a:r>
+              <a:rPr kumimoji="1" lang="en-US" altLang="ja-JP" dirty="0" smtClean="0"/>
+              <a:t>Shaker</a:t>
+            </a:r>
+            <a:r>
+              <a:rPr kumimoji="1" lang="ja-JP" altLang="en-US" dirty="0" smtClean="0"/>
+              <a:t> </a:t>
+            </a:r>
+            <a:r>
+              <a:rPr kumimoji="1" lang="en-US" altLang="ja-JP" dirty="0" smtClean="0"/>
+              <a:t>Sort</a:t>
+            </a:r>
+            <a:endParaRPr kumimoji="1" lang="ja-JP" altLang="en-US" dirty="0"/>
+          </a:p>
+        </p:txBody>
+      </p:sp>
+    </p:spTree>
+    <p:extLst>
+      <p:ext uri="{BB962C8B-B14F-4D97-AF65-F5344CB8AC3E}">
+        <p14:creationId xmlns:p14="http://schemas.microsoft.com/office/powerpoint/2010/main" val="3812349210"/>
+      </p:ext>
+    </p:extLst>
+  </p:cSld>
+  <p:clrMapOvr>
+    <a:masterClrMapping/>
+  </p:clrMapOvr>
+</p:sld>
+</file>
+
+<file path=ppt/slides/slide17.xml><?xml version="1.0" encoding="utf-8"?>
+<p:sld xmlns:a="http://schemas.openxmlformats.org/drawingml/2006/main" xmlns:r="http://schemas.openxmlformats.org/officeDocument/2006/relationships" xmlns:p="http://schemas.openxmlformats.org/presentationml/2006/main">
+  <p:cSld>
+    <p:spTree>
+      <p:nvGrpSpPr>
+        <p:cNvPr id="1" name=""/>
+        <p:cNvGrpSpPr/>
+        <p:nvPr/>
+      </p:nvGrpSpPr>
+      <p:grpSpPr>
+        <a:xfrm>
+          <a:off x="0" y="0"/>
+          <a:ext cx="0" cy="0"/>
+          <a:chOff x="0" y="0"/>
+          <a:chExt cx="0" cy="0"/>
+        </a:xfrm>
+      </p:grpSpPr>
+      <p:pic>
+        <p:nvPicPr>
+          <p:cNvPr id="2" name="図 1"/>
+          <p:cNvPicPr>
+            <a:picLocks noChangeAspect="1"/>
+          </p:cNvPicPr>
+          <p:nvPr/>
+        </p:nvPicPr>
+        <p:blipFill>
+          <a:blip r:embed="rId3"/>
+          <a:stretch>
+            <a:fillRect/>
+          </a:stretch>
+        </p:blipFill>
+        <p:spPr>
+          <a:xfrm>
+            <a:off x="36193" y="16626"/>
+            <a:ext cx="5353050" cy="6819900"/>
+          </a:xfrm>
+          <a:prstGeom prst="rect">
+            <a:avLst/>
+          </a:prstGeom>
+        </p:spPr>
+      </p:pic>
+      <p:pic>
+        <p:nvPicPr>
+          <p:cNvPr id="3" name="図 2"/>
+          <p:cNvPicPr>
+            <a:picLocks noChangeAspect="1"/>
+          </p:cNvPicPr>
+          <p:nvPr/>
+        </p:nvPicPr>
+        <p:blipFill>
+          <a:blip r:embed="rId4"/>
+          <a:stretch>
+            <a:fillRect/>
+          </a:stretch>
+        </p:blipFill>
+        <p:spPr>
+          <a:xfrm>
+            <a:off x="7207137" y="16626"/>
+            <a:ext cx="3325115" cy="6818083"/>
+          </a:xfrm>
+          <a:prstGeom prst="rect">
+            <a:avLst/>
+          </a:prstGeom>
+        </p:spPr>
+      </p:pic>
+    </p:spTree>
+    <p:extLst>
+      <p:ext uri="{BB962C8B-B14F-4D97-AF65-F5344CB8AC3E}">
+        <p14:creationId xmlns:p14="http://schemas.microsoft.com/office/powerpoint/2010/main" val="4088346110"/>
+      </p:ext>
+    </p:extLst>
+  </p:cSld>
+  <p:clrMapOvr>
+    <a:masterClrMapping/>
+  </p:clrMapOvr>
+</p:sld>
+</file>
+
+<file path=ppt/slides/slide2.xml><?xml version="1.0" encoding="utf-8"?>
+<p:sld xmlns:a="http://schemas.openxmlformats.org/drawingml/2006/main" xmlns:r="http://schemas.openxmlformats.org/officeDocument/2006/relationships" xmlns:p="http://schemas.openxmlformats.org/presentationml/2006/main">
+  <p:cSld>
+    <p:spTree>
+      <p:nvGrpSpPr>
+        <p:cNvPr id="1" name=""/>
+        <p:cNvGrpSpPr/>
+        <p:nvPr/>
+      </p:nvGrpSpPr>
+      <p:grpSpPr>
+        <a:xfrm>
+          <a:off x="0" y="0"/>
+          <a:ext cx="0" cy="0"/>
+          <a:chOff x="0" y="0"/>
+          <a:chExt cx="0" cy="0"/>
+        </a:xfrm>
+      </p:grpSpPr>
+      <p:sp>
+        <p:nvSpPr>
+          <p:cNvPr id="2" name="タイトル 1"/>
+          <p:cNvSpPr>
+            <a:spLocks noGrp="1"/>
+          </p:cNvSpPr>
+          <p:nvPr>
+            <p:ph type="title"/>
+          </p:nvPr>
+        </p:nvSpPr>
+        <p:spPr/>
+        <p:txBody>
+          <a:bodyPr/>
+          <a:lstStyle/>
+          <a:p>
+            <a:r>
+              <a:rPr kumimoji="1" lang="ja-JP" altLang="en-US" dirty="0" smtClean="0"/>
+              <a:t>本日の進め方</a:t>
+            </a:r>
+            <a:endParaRPr kumimoji="1" lang="ja-JP" altLang="en-US" dirty="0"/>
+          </a:p>
+        </p:txBody>
+      </p:sp>
+      <p:sp>
+        <p:nvSpPr>
+          <p:cNvPr id="3" name="テキスト ボックス 2"/>
+          <p:cNvSpPr txBox="1"/>
+          <p:nvPr/>
+        </p:nvSpPr>
+        <p:spPr>
+          <a:xfrm>
+            <a:off x="1541043" y="1757971"/>
+            <a:ext cx="9619989" cy="3416320"/>
+          </a:xfrm>
+          <a:prstGeom prst="rect">
+            <a:avLst/>
+          </a:prstGeom>
+          <a:noFill/>
+        </p:spPr>
+        <p:txBody>
+          <a:bodyPr wrap="square" rtlCol="0">
+            <a:spAutoFit/>
+          </a:bodyPr>
+          <a:lstStyle/>
+          <a:p>
+            <a:r>
+              <a:rPr kumimoji="1" lang="ja-JP" altLang="en-US" sz="3600" dirty="0" smtClean="0"/>
+              <a:t>・前回の復習（</a:t>
+            </a:r>
+            <a:r>
+              <a:rPr kumimoji="1" lang="en-US" altLang="ja-JP" sz="3600" dirty="0" smtClean="0"/>
+              <a:t>2</a:t>
+            </a:r>
+            <a:r>
+              <a:rPr kumimoji="1" lang="ja-JP" altLang="en-US" sz="3600" dirty="0" smtClean="0"/>
+              <a:t>分探索）</a:t>
+            </a:r>
+            <a:endParaRPr kumimoji="1" lang="en-US" altLang="ja-JP" sz="3600" dirty="0" smtClean="0"/>
+          </a:p>
+          <a:p>
+            <a:r>
+              <a:rPr kumimoji="1" lang="ja-JP" altLang="en-US" sz="3600" dirty="0" smtClean="0"/>
+              <a:t>・基本アルゴリズム（選択法）</a:t>
+            </a:r>
+            <a:endParaRPr lang="en-US" altLang="ja-JP" sz="3600" dirty="0" smtClean="0"/>
+          </a:p>
+          <a:p>
+            <a:r>
+              <a:rPr kumimoji="1" lang="ja-JP" altLang="en-US" sz="3600" dirty="0" smtClean="0"/>
+              <a:t>・</a:t>
+            </a:r>
+            <a:r>
+              <a:rPr lang="ja-JP" altLang="en-US" sz="3600" dirty="0" smtClean="0"/>
+              <a:t>基本アルゴリズム（交換</a:t>
+            </a:r>
+            <a:r>
+              <a:rPr lang="ja-JP" altLang="en-US" sz="3600" dirty="0"/>
+              <a:t>法</a:t>
+            </a:r>
+            <a:r>
+              <a:rPr lang="en-US" altLang="ja-JP" sz="3600" dirty="0" smtClean="0"/>
+              <a:t>)</a:t>
+            </a:r>
+          </a:p>
+          <a:p>
+            <a:r>
+              <a:rPr kumimoji="1" lang="ja-JP" altLang="en-US" sz="3600" dirty="0" smtClean="0"/>
+              <a:t>・</a:t>
+            </a:r>
+            <a:r>
+              <a:rPr kumimoji="1" lang="en-US" altLang="ja-JP" sz="3600" dirty="0" smtClean="0"/>
+              <a:t>Training 2-4 </a:t>
+            </a:r>
+          </a:p>
+          <a:p>
+            <a:r>
+              <a:rPr lang="ja-JP" altLang="en-US" sz="3600" dirty="0" smtClean="0"/>
+              <a:t>・</a:t>
+            </a:r>
+            <a:r>
+              <a:rPr lang="en-US" altLang="ja-JP" sz="3600" dirty="0" smtClean="0"/>
+              <a:t>Training 2-5</a:t>
+            </a:r>
+            <a:endParaRPr kumimoji="1" lang="en-US" altLang="ja-JP" sz="3600" dirty="0" smtClean="0"/>
+          </a:p>
+          <a:p>
+            <a:r>
+              <a:rPr kumimoji="1" lang="ja-JP" altLang="en-US" sz="3600" dirty="0" smtClean="0"/>
+              <a:t>・まとめ</a:t>
+            </a:r>
+            <a:endParaRPr kumimoji="1" lang="en-US" altLang="ja-JP" sz="3600" dirty="0" smtClean="0"/>
+          </a:p>
+        </p:txBody>
+      </p:sp>
+    </p:spTree>
+    <p:extLst>
+      <p:ext uri="{BB962C8B-B14F-4D97-AF65-F5344CB8AC3E}">
+        <p14:creationId xmlns:p14="http://schemas.microsoft.com/office/powerpoint/2010/main" val="1614450206"/>
+      </p:ext>
+    </p:extLst>
+  </p:cSld>
+  <p:clrMapOvr>
+    <a:masterClrMapping/>
+  </p:clrMapOvr>
+</p:sld>
+</file>
+
+<file path=ppt/slides/slide3.xml><?xml version="1.0" encoding="utf-8"?>
+<p:sld xmlns:a="http://schemas.openxmlformats.org/drawingml/2006/main" xmlns:r="http://schemas.openxmlformats.org/officeDocument/2006/relationships" xmlns:p="http://schemas.openxmlformats.org/presentationml/2006/main">
+  <p:cSld>
+    <p:spTree>
+      <p:nvGrpSpPr>
+        <p:cNvPr id="1" name=""/>
+        <p:cNvGrpSpPr/>
+        <p:nvPr/>
+      </p:nvGrpSpPr>
+      <p:grpSpPr>
+        <a:xfrm>
+          <a:off x="0" y="0"/>
+          <a:ext cx="0" cy="0"/>
+          <a:chOff x="0" y="0"/>
+          <a:chExt cx="0" cy="0"/>
+        </a:xfrm>
+      </p:grpSpPr>
+      <p:sp>
+        <p:nvSpPr>
+          <p:cNvPr id="2" name="タイトル 1"/>
+          <p:cNvSpPr>
+            <a:spLocks noGrp="1"/>
+          </p:cNvSpPr>
+          <p:nvPr>
+            <p:ph type="title"/>
+          </p:nvPr>
+        </p:nvSpPr>
+        <p:spPr>
+          <a:xfrm>
+            <a:off x="838200" y="406689"/>
+            <a:ext cx="10515600" cy="1325563"/>
+          </a:xfrm>
+        </p:spPr>
+        <p:txBody>
+          <a:bodyPr>
+            <a:normAutofit/>
+          </a:bodyPr>
+          <a:lstStyle/>
+          <a:p>
+            <a:r>
+              <a:rPr kumimoji="1" lang="en-US" altLang="ja-JP" sz="3600" dirty="0" smtClean="0"/>
+              <a:t>2-4 </a:t>
+            </a:r>
+            <a:r>
+              <a:rPr kumimoji="1" lang="ja-JP" altLang="en-US" sz="3600" dirty="0" smtClean="0"/>
+              <a:t>基本アルゴリズム</a:t>
+            </a:r>
+            <a:r>
+              <a:rPr lang="ja-JP" altLang="en-US" sz="3600" dirty="0"/>
+              <a:t>　</a:t>
+            </a:r>
+            <a:r>
+              <a:rPr lang="ja-JP" altLang="en-US" sz="3600" dirty="0" smtClean="0"/>
+              <a:t>選択法（選択ソート）</a:t>
+            </a:r>
+            <a:endParaRPr kumimoji="1" lang="ja-JP" altLang="en-US" sz="3600" dirty="0"/>
+          </a:p>
+        </p:txBody>
+      </p:sp>
+      <p:sp>
+        <p:nvSpPr>
+          <p:cNvPr id="3" name="テキスト ボックス 2"/>
+          <p:cNvSpPr txBox="1"/>
+          <p:nvPr/>
+        </p:nvSpPr>
+        <p:spPr>
+          <a:xfrm>
+            <a:off x="1211349" y="4615256"/>
+            <a:ext cx="9769301" cy="1323439"/>
+          </a:xfrm>
+          <a:prstGeom prst="rect">
+            <a:avLst/>
+          </a:prstGeom>
+          <a:noFill/>
+        </p:spPr>
+        <p:txBody>
+          <a:bodyPr wrap="square" rtlCol="0">
+            <a:spAutoFit/>
+          </a:bodyPr>
+          <a:lstStyle/>
+          <a:p>
+            <a:r>
+              <a:rPr lang="en-US" altLang="ja-JP" sz="2000" dirty="0" smtClean="0"/>
+              <a:t>(</a:t>
+            </a:r>
+            <a:r>
+              <a:rPr lang="en-US" altLang="ja-JP" sz="2000" dirty="0">
+                <a:hlinkClick r:id="rId3"/>
+              </a:rPr>
+              <a:t>https://www.codereading.com/algo_and_ds/algo/selection_sort.html</a:t>
+            </a:r>
+            <a:r>
+              <a:rPr lang="ja-JP" altLang="en-US" sz="2000" dirty="0" smtClean="0"/>
+              <a:t>より）</a:t>
+            </a:r>
+            <a:endParaRPr lang="en-US" altLang="ja-JP" sz="2000" dirty="0" smtClean="0"/>
+          </a:p>
+          <a:p>
+            <a:endParaRPr lang="en-US" altLang="ja-JP" sz="2000" dirty="0"/>
+          </a:p>
+          <a:p>
+            <a:r>
+              <a:rPr lang="ja-JP" altLang="en-US" sz="2000" dirty="0" smtClean="0"/>
+              <a:t>★先頭のデータから</a:t>
+            </a:r>
+            <a:r>
+              <a:rPr lang="ja-JP" altLang="en-US" sz="2000" dirty="0"/>
+              <a:t>確定していきます。</a:t>
+            </a:r>
+            <a:endParaRPr lang="en-US" altLang="ja-JP" sz="2000" dirty="0"/>
+          </a:p>
+          <a:p>
+            <a:endParaRPr lang="en-US" altLang="ja-JP" sz="2000" dirty="0" smtClean="0"/>
+          </a:p>
+        </p:txBody>
+      </p:sp>
+      <p:sp>
+        <p:nvSpPr>
+          <p:cNvPr id="4" name="テキスト ボックス 3"/>
+          <p:cNvSpPr txBox="1"/>
+          <p:nvPr/>
+        </p:nvSpPr>
+        <p:spPr>
+          <a:xfrm>
+            <a:off x="1211349" y="2180379"/>
+            <a:ext cx="10033516" cy="1569660"/>
+          </a:xfrm>
+          <a:prstGeom prst="rect">
+            <a:avLst/>
+          </a:prstGeom>
+          <a:noFill/>
+        </p:spPr>
+        <p:txBody>
+          <a:bodyPr wrap="none" rtlCol="0">
+            <a:spAutoFit/>
+          </a:bodyPr>
+          <a:lstStyle/>
+          <a:p>
+            <a:r>
+              <a:rPr lang="ja-JP" altLang="en-US" sz="2400" dirty="0"/>
+              <a:t>選択ソートは配列の最小値</a:t>
+            </a:r>
+            <a:r>
+              <a:rPr lang="en-US" altLang="ja-JP" sz="2400" dirty="0"/>
+              <a:t>(</a:t>
+            </a:r>
+            <a:r>
+              <a:rPr lang="ja-JP" altLang="en-US" sz="2400" dirty="0"/>
+              <a:t>最大値</a:t>
+            </a:r>
+            <a:r>
+              <a:rPr lang="en-US" altLang="ja-JP" sz="2400" dirty="0"/>
+              <a:t>)</a:t>
+            </a:r>
+            <a:r>
+              <a:rPr lang="ja-JP" altLang="en-US" sz="2400" dirty="0"/>
+              <a:t>を持つ要素を探して</a:t>
+            </a:r>
+            <a:r>
+              <a:rPr lang="ja-JP" altLang="en-US" sz="2400" dirty="0" smtClean="0"/>
+              <a:t>、</a:t>
+            </a:r>
+            <a:endParaRPr lang="en-US" altLang="ja-JP" sz="2400" dirty="0" smtClean="0"/>
+          </a:p>
+          <a:p>
+            <a:r>
+              <a:rPr lang="ja-JP" altLang="en-US" sz="2400" dirty="0" smtClean="0"/>
+              <a:t>それ</a:t>
+            </a:r>
+            <a:r>
+              <a:rPr lang="ja-JP" altLang="en-US" sz="2400" dirty="0"/>
+              <a:t>を配列の先頭要素と交換することで整列を行うアルゴリズムです</a:t>
+            </a:r>
+            <a:r>
+              <a:rPr lang="ja-JP" altLang="en-US" sz="2400" dirty="0" smtClean="0"/>
+              <a:t>。</a:t>
+            </a:r>
+            <a:endParaRPr lang="en-US" altLang="ja-JP" sz="2400" dirty="0" smtClean="0"/>
+          </a:p>
+          <a:p>
+            <a:r>
+              <a:rPr lang="ja-JP" altLang="en-US" sz="2400" dirty="0" smtClean="0"/>
+              <a:t>先頭から小さな数字を並べて、整列させていく。</a:t>
+            </a:r>
+            <a:endParaRPr lang="en-US" altLang="ja-JP" sz="2400" dirty="0" smtClean="0"/>
+          </a:p>
+          <a:p>
+            <a:endParaRPr lang="ja-JP" altLang="en-US" sz="2400" dirty="0"/>
+          </a:p>
+        </p:txBody>
+      </p:sp>
+    </p:spTree>
+    <p:extLst>
+      <p:ext uri="{BB962C8B-B14F-4D97-AF65-F5344CB8AC3E}">
+        <p14:creationId xmlns:p14="http://schemas.microsoft.com/office/powerpoint/2010/main" val="3981903412"/>
+      </p:ext>
+    </p:extLst>
+  </p:cSld>
+  <p:clrMapOvr>
+    <a:masterClrMapping/>
+  </p:clrMapOvr>
+</p:sld>
+</file>
+
+<file path=ppt/slides/slide4.xml><?xml version="1.0" encoding="utf-8"?>
+<p:sld xmlns:a="http://schemas.openxmlformats.org/drawingml/2006/main" xmlns:r="http://schemas.openxmlformats.org/officeDocument/2006/relationships" xmlns:p="http://schemas.openxmlformats.org/presentationml/2006/main">
+  <p:cSld>
+    <p:spTree>
+      <p:nvGrpSpPr>
+        <p:cNvPr id="1" name=""/>
+        <p:cNvGrpSpPr/>
+        <p:nvPr/>
+      </p:nvGrpSpPr>
+      <p:grpSpPr>
+        <a:xfrm>
+          <a:off x="0" y="0"/>
+          <a:ext cx="0" cy="0"/>
+          <a:chOff x="0" y="0"/>
+          <a:chExt cx="0" cy="0"/>
+        </a:xfrm>
+      </p:grpSpPr>
+      <p:pic>
+        <p:nvPicPr>
+          <p:cNvPr id="2" name="図 1"/>
+          <p:cNvPicPr>
+            <a:picLocks noChangeAspect="1"/>
+          </p:cNvPicPr>
+          <p:nvPr/>
+        </p:nvPicPr>
+        <p:blipFill>
+          <a:blip r:embed="rId3"/>
+          <a:stretch>
+            <a:fillRect/>
+          </a:stretch>
+        </p:blipFill>
+        <p:spPr>
+          <a:xfrm>
+            <a:off x="1854055" y="1550842"/>
+            <a:ext cx="7977081" cy="4462029"/>
+          </a:xfrm>
+          <a:prstGeom prst="rect">
+            <a:avLst/>
+          </a:prstGeom>
+        </p:spPr>
+      </p:pic>
+      <p:sp>
+        <p:nvSpPr>
+          <p:cNvPr id="3" name="テキスト ボックス 2"/>
+          <p:cNvSpPr txBox="1"/>
+          <p:nvPr/>
+        </p:nvSpPr>
+        <p:spPr>
+          <a:xfrm>
+            <a:off x="2364509" y="378691"/>
+            <a:ext cx="3775393" cy="707886"/>
+          </a:xfrm>
+          <a:prstGeom prst="rect">
+            <a:avLst/>
+          </a:prstGeom>
+          <a:noFill/>
+        </p:spPr>
+        <p:txBody>
+          <a:bodyPr wrap="none" rtlCol="0">
+            <a:spAutoFit/>
+          </a:bodyPr>
+          <a:lstStyle/>
+          <a:p>
+            <a:r>
+              <a:rPr lang="ja-JP" altLang="en-US" sz="4000" dirty="0" smtClean="0"/>
+              <a:t>選択法の考え方</a:t>
+            </a:r>
+            <a:endParaRPr kumimoji="1" lang="ja-JP" altLang="en-US" sz="4000" dirty="0"/>
+          </a:p>
+        </p:txBody>
+      </p:sp>
+    </p:spTree>
+    <p:extLst>
+      <p:ext uri="{BB962C8B-B14F-4D97-AF65-F5344CB8AC3E}">
+        <p14:creationId xmlns:p14="http://schemas.microsoft.com/office/powerpoint/2010/main" val="1022960211"/>
       </p:ext>
     </p:extLst>
   </p:cSld>
@@ -6096,6 +8478,129 @@
           <a:chExt cx="0" cy="0"/>
         </a:xfrm>
       </p:grpSpPr>
+      <p:pic>
+        <p:nvPicPr>
+          <p:cNvPr id="2" name="図 1"/>
+          <p:cNvPicPr>
+            <a:picLocks noChangeAspect="1"/>
+          </p:cNvPicPr>
+          <p:nvPr/>
+        </p:nvPicPr>
+        <p:blipFill>
+          <a:blip r:embed="rId3"/>
+          <a:stretch>
+            <a:fillRect/>
+          </a:stretch>
+        </p:blipFill>
+        <p:spPr>
+          <a:xfrm>
+            <a:off x="2003714" y="752474"/>
+            <a:ext cx="8621276" cy="5112617"/>
+          </a:xfrm>
+          <a:prstGeom prst="rect">
+            <a:avLst/>
+          </a:prstGeom>
+        </p:spPr>
+      </p:pic>
+    </p:spTree>
+    <p:extLst>
+      <p:ext uri="{BB962C8B-B14F-4D97-AF65-F5344CB8AC3E}">
+        <p14:creationId xmlns:p14="http://schemas.microsoft.com/office/powerpoint/2010/main" val="1123464883"/>
+      </p:ext>
+    </p:extLst>
+  </p:cSld>
+  <p:clrMapOvr>
+    <a:masterClrMapping/>
+  </p:clrMapOvr>
+</p:sld>
+</file>
+
+<file path=ppt/slides/slide6.xml><?xml version="1.0" encoding="utf-8"?>
+<p:sld xmlns:a="http://schemas.openxmlformats.org/drawingml/2006/main" xmlns:r="http://schemas.openxmlformats.org/officeDocument/2006/relationships" xmlns:p="http://schemas.openxmlformats.org/presentationml/2006/main">
+  <p:cSld>
+    <p:spTree>
+      <p:nvGrpSpPr>
+        <p:cNvPr id="1" name=""/>
+        <p:cNvGrpSpPr/>
+        <p:nvPr/>
+      </p:nvGrpSpPr>
+      <p:grpSpPr>
+        <a:xfrm>
+          <a:off x="0" y="0"/>
+          <a:ext cx="0" cy="0"/>
+          <a:chOff x="0" y="0"/>
+          <a:chExt cx="0" cy="0"/>
+        </a:xfrm>
+      </p:grpSpPr>
+      <p:sp>
+        <p:nvSpPr>
+          <p:cNvPr id="2" name="タイトル 1"/>
+          <p:cNvSpPr>
+            <a:spLocks noGrp="1"/>
+          </p:cNvSpPr>
+          <p:nvPr>
+            <p:ph type="title"/>
+          </p:nvPr>
+        </p:nvSpPr>
+        <p:spPr>
+          <a:xfrm>
+            <a:off x="1170709" y="2738870"/>
+            <a:ext cx="10515600" cy="1325563"/>
+          </a:xfrm>
+        </p:spPr>
+        <p:txBody>
+          <a:bodyPr/>
+          <a:lstStyle/>
+          <a:p>
+            <a:r>
+              <a:rPr kumimoji="1" lang="ja-JP" altLang="en-US" dirty="0" smtClean="0"/>
+              <a:t>各自カードを配りますので</a:t>
+            </a:r>
+            <a:r>
+              <a:rPr kumimoji="1" lang="en-US" altLang="ja-JP" dirty="0" smtClean="0"/>
+              <a:t/>
+            </a:r>
+            <a:br>
+              <a:rPr kumimoji="1" lang="en-US" altLang="ja-JP" dirty="0" smtClean="0"/>
+            </a:br>
+            <a:r>
+              <a:rPr lang="ja-JP" altLang="en-US" dirty="0" smtClean="0"/>
+              <a:t>アルゴリズムを再現してください。</a:t>
+            </a:r>
+            <a:endParaRPr kumimoji="1" lang="ja-JP" altLang="en-US" dirty="0"/>
+          </a:p>
+        </p:txBody>
+      </p:sp>
+    </p:spTree>
+    <p:extLst>
+      <p:ext uri="{BB962C8B-B14F-4D97-AF65-F5344CB8AC3E}">
+        <p14:creationId xmlns:p14="http://schemas.microsoft.com/office/powerpoint/2010/main" val="1854087227"/>
+      </p:ext>
+    </p:extLst>
+  </p:cSld>
+  <p:clrMapOvr>
+    <a:masterClrMapping/>
+  </p:clrMapOvr>
+</p:sld>
+</file>
+
+<file path=ppt/slides/slide7.xml><?xml version="1.0" encoding="utf-8"?>
+<p:sld xmlns:a="http://schemas.openxmlformats.org/drawingml/2006/main" xmlns:r="http://schemas.openxmlformats.org/officeDocument/2006/relationships" xmlns:p="http://schemas.openxmlformats.org/presentationml/2006/main">
+  <p:cSld>
+    <p:spTree>
+      <p:nvGrpSpPr>
+        <p:cNvPr id="1" name=""/>
+        <p:cNvGrpSpPr/>
+        <p:nvPr/>
+      </p:nvGrpSpPr>
+      <p:grpSpPr>
+        <a:xfrm>
+          <a:off x="0" y="0"/>
+          <a:ext cx="0" cy="0"/>
+          <a:chOff x="0" y="0"/>
+          <a:chExt cx="0" cy="0"/>
+        </a:xfrm>
+      </p:grpSpPr>
       <p:sp>
         <p:nvSpPr>
           <p:cNvPr id="3" name="テキスト ボックス 2"/>
@@ -6105,7 +8610,7 @@
         <p:spPr>
           <a:xfrm>
             <a:off x="590204" y="307571"/>
-            <a:ext cx="5763116" cy="5509200"/>
+            <a:ext cx="5763116" cy="6247864"/>
           </a:xfrm>
           <a:prstGeom prst="rect">
             <a:avLst/>
@@ -6132,7 +8637,7 @@
             </a:r>
             <a:r>
               <a:rPr lang="en-US" altLang="ja-JP" sz="1600" dirty="0"/>
-              <a:t>76</a:t>
+              <a:t>75</a:t>
             </a:r>
             <a:r>
               <a:rPr lang="ja-JP" altLang="en-US" sz="1600" dirty="0"/>
@@ -6144,7 +8649,34 @@
             </a:r>
           </a:p>
           <a:p>
-            <a:endParaRPr lang="en-US" altLang="ja-JP" sz="1600" dirty="0"/>
+            <a:r>
+              <a:rPr lang="en-US" altLang="ja-JP" sz="1600" dirty="0" smtClean="0"/>
+              <a:t>○</a:t>
+            </a:r>
+            <a:r>
+              <a:rPr lang="ja-JP" altLang="en-US" sz="1600" dirty="0"/>
+              <a:t>整数型：</a:t>
+            </a:r>
+            <a:r>
+              <a:rPr lang="en-US" altLang="ja-JP" sz="1600" dirty="0"/>
+              <a:t>SelectionSort1(</a:t>
+            </a:r>
+            <a:r>
+              <a:rPr lang="ja-JP" altLang="en-US" sz="1600" dirty="0"/>
+              <a:t>整数型：</a:t>
+            </a:r>
+            <a:r>
+              <a:rPr lang="en-US" altLang="ja-JP" sz="1600" dirty="0"/>
+              <a:t>T[],</a:t>
+            </a:r>
+            <a:r>
+              <a:rPr lang="ja-JP" altLang="en-US" sz="1600" dirty="0"/>
+              <a:t>整数型：</a:t>
+            </a:r>
+            <a:r>
+              <a:rPr lang="en-US" altLang="ja-JP" sz="1600" dirty="0"/>
+              <a:t>N)</a:t>
+            </a:r>
           </a:p>
           <a:p>
             <a:r>
@@ -6157,24 +8689,38 @@
             </a:r>
             <a:r>
               <a:rPr lang="en-US" altLang="ja-JP" sz="1600" dirty="0"/>
-              <a:t>SelectionSort2(</a:t>
+              <a:t>Head</a:t>
+            </a:r>
+          </a:p>
+          <a:p>
+            <a:r>
+              <a:rPr lang="en-US" altLang="ja-JP" sz="1600" dirty="0"/>
+              <a:t>○</a:t>
             </a:r>
             <a:r>
               <a:rPr lang="ja-JP" altLang="en-US" sz="1600" dirty="0"/>
               <a:t>整数型：</a:t>
             </a:r>
             <a:r>
+              <a:rPr lang="en-US" altLang="ja-JP" sz="1600" dirty="0" err="1"/>
+              <a:t>Idx</a:t>
+            </a:r>
+            <a:endParaRPr lang="en-US" altLang="ja-JP" sz="1600" dirty="0"/>
+          </a:p>
+          <a:p>
+            <a:r>
               <a:rPr lang="en-US" altLang="ja-JP" sz="1600" dirty="0"/>
-              <a:t>T[],</a:t>
+              <a:t>○</a:t>
             </a:r>
             <a:r>
               <a:rPr lang="ja-JP" altLang="en-US" sz="1600" dirty="0"/>
               <a:t>整数型：</a:t>
             </a:r>
             <a:r>
-              <a:rPr lang="en-US" altLang="ja-JP" sz="1600" dirty="0"/>
-              <a:t>N)</a:t>
-            </a:r>
+              <a:rPr lang="en-US" altLang="ja-JP" sz="1600" dirty="0" err="1"/>
+              <a:t>MinIdx</a:t>
+            </a:r>
+            <a:endParaRPr lang="en-US" altLang="ja-JP" sz="1600" dirty="0"/>
           </a:p>
           <a:p>
             <a:r>
@@ -6187,60 +8733,239 @@
             </a:r>
             <a:r>
               <a:rPr lang="en-US" altLang="ja-JP" sz="1600" dirty="0"/>
+              <a:t>Work</a:t>
+            </a:r>
+          </a:p>
+          <a:p>
+            <a:endParaRPr lang="en-US" altLang="ja-JP" sz="1600" dirty="0"/>
+          </a:p>
+          <a:p>
+            <a:r>
+              <a:rPr lang="en-US" altLang="ja-JP" sz="1600" dirty="0"/>
+              <a:t>●Head ← </a:t>
+            </a:r>
+            <a:r>
+              <a:rPr lang="en-US" altLang="ja-JP" sz="1600" dirty="0" smtClean="0"/>
+              <a:t>0</a:t>
+            </a:r>
+            <a:endParaRPr lang="en-US" altLang="ja-JP" sz="1600" dirty="0"/>
+          </a:p>
+          <a:p>
+            <a:r>
+              <a:rPr lang="en-US" altLang="ja-JP" sz="1600" dirty="0"/>
+              <a:t>■Head &lt; N -1</a:t>
+            </a:r>
+          </a:p>
+          <a:p>
+            <a:r>
+              <a:rPr lang="ja-JP" altLang="en-US" sz="1600" dirty="0"/>
+              <a:t>｜●</a:t>
+            </a:r>
+            <a:r>
+              <a:rPr lang="en-US" altLang="ja-JP" sz="1600" dirty="0" err="1"/>
+              <a:t>MinIdx</a:t>
+            </a:r>
+            <a:r>
+              <a:rPr lang="en-US" altLang="ja-JP" sz="1600" dirty="0"/>
+              <a:t> ←</a:t>
+            </a:r>
+            <a:r>
+              <a:rPr lang="ja-JP" altLang="en-US" sz="1600" dirty="0"/>
+              <a:t>　</a:t>
+            </a:r>
+            <a:r>
+              <a:rPr lang="en-US" altLang="ja-JP" sz="1600" dirty="0"/>
               <a:t>Head</a:t>
             </a:r>
           </a:p>
           <a:p>
             <a:r>
-              <a:rPr lang="en-US" altLang="ja-JP" sz="1600" dirty="0"/>
-              <a:t>○</a:t>
-            </a:r>
-            <a:r>
               <a:rPr lang="ja-JP" altLang="en-US" sz="1600" dirty="0"/>
-              <a:t>整数型：</a:t>
+              <a:t>｜●</a:t>
             </a:r>
             <a:r>
               <a:rPr lang="en-US" altLang="ja-JP" sz="1600" dirty="0" err="1"/>
               <a:t>Idx</a:t>
             </a:r>
-            <a:endParaRPr lang="en-US" altLang="ja-JP" sz="1600" dirty="0"/>
-          </a:p>
-          <a:p>
             <a:r>
               <a:rPr lang="en-US" altLang="ja-JP" sz="1600" dirty="0"/>
-              <a:t>○</a:t>
+              <a:t> ← Head </a:t>
             </a:r>
             <a:r>
               <a:rPr lang="ja-JP" altLang="en-US" sz="1600" dirty="0"/>
-              <a:t>整数型：</a:t>
+              <a:t>＋ </a:t>
+            </a:r>
+            <a:r>
+              <a:rPr lang="en-US" altLang="ja-JP" sz="1600" dirty="0"/>
+              <a:t>1</a:t>
+            </a:r>
+          </a:p>
+          <a:p>
+            <a:r>
+              <a:rPr lang="ja-JP" altLang="en-US" sz="1600" dirty="0"/>
+              <a:t>｜■</a:t>
+            </a:r>
+            <a:r>
+              <a:rPr lang="en-US" altLang="ja-JP" sz="1600" dirty="0" err="1"/>
+              <a:t>Idx</a:t>
+            </a:r>
+            <a:r>
+              <a:rPr lang="en-US" altLang="ja-JP" sz="1600" dirty="0"/>
+              <a:t> &lt; N</a:t>
+            </a:r>
+          </a:p>
+          <a:p>
+            <a:r>
+              <a:rPr lang="ja-JP" altLang="en-US" sz="1600" dirty="0"/>
+              <a:t>｜｜▲</a:t>
+            </a:r>
+            <a:r>
+              <a:rPr lang="en-US" altLang="ja-JP" sz="1600" dirty="0"/>
+              <a:t>T[</a:t>
             </a:r>
             <a:r>
               <a:rPr lang="en-US" altLang="ja-JP" sz="1600" dirty="0" err="1"/>
               <a:t>MinIdx</a:t>
             </a:r>
+            <a:r>
+              <a:rPr lang="en-US" altLang="ja-JP" sz="1600" dirty="0"/>
+              <a:t>]&gt;T[</a:t>
+            </a:r>
+            <a:r>
+              <a:rPr lang="en-US" altLang="ja-JP" sz="1600" dirty="0" err="1"/>
+              <a:t>Idx</a:t>
+            </a:r>
+            <a:r>
+              <a:rPr lang="en-US" altLang="ja-JP" sz="1600" dirty="0"/>
+              <a:t>]</a:t>
+            </a:r>
+          </a:p>
+          <a:p>
+            <a:r>
+              <a:rPr lang="ja-JP" altLang="en-US" sz="1600" dirty="0"/>
+              <a:t>｜｜｜●</a:t>
+            </a:r>
+            <a:r>
+              <a:rPr lang="en-US" altLang="ja-JP" sz="1600" dirty="0" err="1"/>
+              <a:t>MinIdx</a:t>
+            </a:r>
+            <a:r>
+              <a:rPr lang="en-US" altLang="ja-JP" sz="1600" dirty="0"/>
+              <a:t> ← </a:t>
+            </a:r>
+            <a:r>
+              <a:rPr lang="en-US" altLang="ja-JP" sz="1600" dirty="0" err="1"/>
+              <a:t>Idx</a:t>
+            </a:r>
             <a:endParaRPr lang="en-US" altLang="ja-JP" sz="1600" dirty="0"/>
           </a:p>
           <a:p>
             <a:r>
+              <a:rPr lang="ja-JP" altLang="en-US" sz="1600" dirty="0"/>
+              <a:t>｜｜▼</a:t>
+            </a:r>
+          </a:p>
+          <a:p>
+            <a:r>
+              <a:rPr lang="ja-JP" altLang="en-US" sz="1600" dirty="0"/>
+              <a:t>｜｜●</a:t>
+            </a:r>
+            <a:r>
+              <a:rPr lang="en-US" altLang="ja-JP" sz="1600" dirty="0" err="1"/>
+              <a:t>Idx</a:t>
+            </a:r>
+            <a:r>
               <a:rPr lang="en-US" altLang="ja-JP" sz="1600" dirty="0"/>
-              <a:t>○</a:t>
+              <a:t> ← </a:t>
+            </a:r>
+            <a:r>
+              <a:rPr lang="en-US" altLang="ja-JP" sz="1600" dirty="0" err="1"/>
+              <a:t>Idx</a:t>
+            </a:r>
+            <a:r>
+              <a:rPr lang="en-US" altLang="ja-JP" sz="1600" dirty="0"/>
+              <a:t> </a:t>
             </a:r>
             <a:r>
               <a:rPr lang="ja-JP" altLang="en-US" sz="1600" dirty="0"/>
-              <a:t>整数型：</a:t>
+              <a:t>＋ </a:t>
             </a:r>
             <a:r>
               <a:rPr lang="en-US" altLang="ja-JP" sz="1600" dirty="0"/>
-              <a:t>Work</a:t>
-            </a:r>
-          </a:p>
-          <a:p>
+              <a:t>1</a:t>
+            </a:r>
+          </a:p>
+          <a:p>
+            <a:r>
+              <a:rPr lang="ja-JP" altLang="en-US" sz="1600" dirty="0"/>
+              <a:t>｜□</a:t>
+            </a:r>
+          </a:p>
+          <a:p>
+            <a:r>
+              <a:rPr lang="ja-JP" altLang="en-US" sz="1600" dirty="0"/>
+              <a:t>｜▲</a:t>
+            </a:r>
+            <a:r>
+              <a:rPr lang="en-US" altLang="ja-JP" sz="1600" dirty="0"/>
+              <a:t>Head ≠ </a:t>
+            </a:r>
+            <a:r>
+              <a:rPr lang="en-US" altLang="ja-JP" sz="1600" dirty="0" err="1"/>
+              <a:t>MinIdx</a:t>
+            </a:r>
             <a:endParaRPr lang="en-US" altLang="ja-JP" sz="1600" dirty="0"/>
           </a:p>
           <a:p>
             <a:r>
+              <a:rPr lang="ja-JP" altLang="en-US" sz="1600" dirty="0"/>
+              <a:t>｜｜●</a:t>
+            </a:r>
+            <a:r>
               <a:rPr lang="en-US" altLang="ja-JP" sz="1600" dirty="0"/>
-              <a:t>■Head:0,Head &lt; N-1,1</a:t>
+              <a:t>Work ← T[Head]</a:t>
+            </a:r>
+          </a:p>
+          <a:p>
+            <a:r>
+              <a:rPr lang="ja-JP" altLang="en-US" sz="1600" dirty="0"/>
+              <a:t>｜｜●</a:t>
+            </a:r>
+            <a:r>
+              <a:rPr lang="en-US" altLang="ja-JP" sz="1600" dirty="0"/>
+              <a:t>T[Head] ← T[</a:t>
+            </a:r>
+            <a:r>
+              <a:rPr lang="en-US" altLang="ja-JP" sz="1600" dirty="0" err="1"/>
+              <a:t>MinIdx</a:t>
+            </a:r>
+            <a:r>
+              <a:rPr lang="en-US" altLang="ja-JP" sz="1600" dirty="0"/>
+              <a:t>]</a:t>
+            </a:r>
+          </a:p>
+          <a:p>
+            <a:r>
+              <a:rPr lang="ja-JP" altLang="en-US" sz="1600" dirty="0"/>
+              <a:t>｜｜●</a:t>
+            </a:r>
+            <a:r>
+              <a:rPr lang="en-US" altLang="ja-JP" sz="1600" dirty="0"/>
+              <a:t>T[</a:t>
+            </a:r>
+            <a:r>
+              <a:rPr lang="en-US" altLang="ja-JP" sz="1600" dirty="0" err="1"/>
+              <a:t>MinIdx</a:t>
+            </a:r>
+            <a:r>
+              <a:rPr lang="en-US" altLang="ja-JP" sz="1600" dirty="0"/>
+              <a:t>] ← Work</a:t>
+            </a:r>
+          </a:p>
+          <a:p>
+            <a:r>
+              <a:rPr lang="ja-JP" altLang="en-US" sz="1600" dirty="0"/>
+              <a:t>｜▼</a:t>
             </a:r>
           </a:p>
           <a:p>
@@ -6249,159 +8974,13 @@
               <a:t>｜●</a:t>
             </a:r>
             <a:r>
-              <a:rPr lang="en-US" altLang="ja-JP" sz="1600" dirty="0" err="1"/>
-              <a:t>MinIdx</a:t>
-            </a:r>
-            <a:r>
               <a:rPr lang="en-US" altLang="ja-JP" sz="1600" dirty="0"/>
-              <a:t> ←</a:t>
-            </a:r>
-            <a:r>
-              <a:rPr lang="ja-JP" altLang="en-US" sz="1600" dirty="0"/>
-              <a:t>　</a:t>
-            </a:r>
+              <a:t>Head ← Head + 1</a:t>
+            </a:r>
+          </a:p>
+          <a:p>
             <a:r>
               <a:rPr lang="en-US" altLang="ja-JP" sz="1600" dirty="0"/>
-              <a:t>Head</a:t>
-            </a:r>
-          </a:p>
-          <a:p>
-            <a:r>
-              <a:rPr lang="ja-JP" altLang="en-US" sz="1600" dirty="0"/>
-              <a:t>｜■</a:t>
-            </a:r>
-            <a:r>
-              <a:rPr lang="en-US" altLang="ja-JP" sz="1600" dirty="0"/>
-              <a:t>Idx:Head+1,Idx &lt; N, 1</a:t>
-            </a:r>
-          </a:p>
-          <a:p>
-            <a:r>
-              <a:rPr lang="ja-JP" altLang="en-US" sz="1600" dirty="0"/>
-              <a:t>｜｜▲</a:t>
-            </a:r>
-            <a:r>
-              <a:rPr lang="en-US" altLang="ja-JP" sz="1600" dirty="0"/>
-              <a:t>T[</a:t>
-            </a:r>
-            <a:r>
-              <a:rPr lang="en-US" altLang="ja-JP" sz="1600" dirty="0" err="1"/>
-              <a:t>MinIdx</a:t>
-            </a:r>
-            <a:r>
-              <a:rPr lang="en-US" altLang="ja-JP" sz="1600" dirty="0"/>
-              <a:t>]&gt;T[</a:t>
-            </a:r>
-            <a:r>
-              <a:rPr lang="en-US" altLang="ja-JP" sz="1600" dirty="0" err="1"/>
-              <a:t>Idx</a:t>
-            </a:r>
-            <a:r>
-              <a:rPr lang="en-US" altLang="ja-JP" sz="1600" dirty="0"/>
-              <a:t>]</a:t>
-            </a:r>
-          </a:p>
-          <a:p>
-            <a:r>
-              <a:rPr lang="ja-JP" altLang="en-US" sz="1600" dirty="0"/>
-              <a:t>｜｜｜●</a:t>
-            </a:r>
-            <a:r>
-              <a:rPr lang="en-US" altLang="ja-JP" sz="1600" dirty="0" err="1"/>
-              <a:t>MinIdx</a:t>
-            </a:r>
-            <a:r>
-              <a:rPr lang="en-US" altLang="ja-JP" sz="1600" dirty="0"/>
-              <a:t> ← </a:t>
-            </a:r>
-            <a:r>
-              <a:rPr lang="en-US" altLang="ja-JP" sz="1600" dirty="0" err="1"/>
-              <a:t>Idx</a:t>
-            </a:r>
-            <a:endParaRPr lang="en-US" altLang="ja-JP" sz="1600" dirty="0"/>
-          </a:p>
-          <a:p>
-            <a:r>
-              <a:rPr lang="ja-JP" altLang="en-US" sz="1600" dirty="0"/>
-              <a:t>｜｜▼</a:t>
-            </a:r>
-          </a:p>
-          <a:p>
-            <a:r>
-              <a:rPr lang="ja-JP" altLang="en-US" sz="1600" dirty="0"/>
-              <a:t>｜□</a:t>
-            </a:r>
-          </a:p>
-          <a:p>
-            <a:r>
-              <a:rPr lang="ja-JP" altLang="en-US" sz="1600" dirty="0"/>
-              <a:t>｜▲</a:t>
-            </a:r>
-            <a:r>
-              <a:rPr lang="en-US" altLang="ja-JP" sz="1600" dirty="0"/>
-              <a:t>Head ≠ </a:t>
-            </a:r>
-            <a:r>
-              <a:rPr lang="en-US" altLang="ja-JP" sz="1600" dirty="0" err="1"/>
-              <a:t>MinIdx</a:t>
-            </a:r>
-            <a:endParaRPr lang="en-US" altLang="ja-JP" sz="1600" dirty="0"/>
-          </a:p>
-          <a:p>
-            <a:r>
-              <a:rPr lang="ja-JP" altLang="en-US" sz="1600" dirty="0"/>
-              <a:t>｜｜●</a:t>
-            </a:r>
-            <a:r>
-              <a:rPr lang="en-US" altLang="ja-JP" sz="1600" dirty="0"/>
-              <a:t>Work ← T[Head]</a:t>
-            </a:r>
-          </a:p>
-          <a:p>
-            <a:r>
-              <a:rPr lang="ja-JP" altLang="en-US" sz="1600" dirty="0"/>
-              <a:t>｜｜●</a:t>
-            </a:r>
-            <a:r>
-              <a:rPr lang="en-US" altLang="ja-JP" sz="1600" dirty="0"/>
-              <a:t>T[Head] ← T[</a:t>
-            </a:r>
-            <a:r>
-              <a:rPr lang="en-US" altLang="ja-JP" sz="1600" dirty="0" err="1"/>
-              <a:t>MinIdx</a:t>
-            </a:r>
-            <a:r>
-              <a:rPr lang="en-US" altLang="ja-JP" sz="1600" dirty="0"/>
-              <a:t>]</a:t>
-            </a:r>
-          </a:p>
-          <a:p>
-            <a:r>
-              <a:rPr lang="ja-JP" altLang="en-US" sz="1600" dirty="0"/>
-              <a:t>｜｜●</a:t>
-            </a:r>
-            <a:r>
-              <a:rPr lang="en-US" altLang="ja-JP" sz="1600" dirty="0"/>
-              <a:t>T[</a:t>
-            </a:r>
-            <a:r>
-              <a:rPr lang="en-US" altLang="ja-JP" sz="1600" dirty="0" err="1"/>
-              <a:t>MinIdx</a:t>
-            </a:r>
-            <a:r>
-              <a:rPr lang="en-US" altLang="ja-JP" sz="1600" dirty="0"/>
-              <a:t>] ← Work</a:t>
-            </a:r>
-          </a:p>
-          <a:p>
-            <a:r>
-              <a:rPr lang="ja-JP" altLang="en-US" sz="1600" dirty="0"/>
-              <a:t>｜▼</a:t>
-            </a:r>
-          </a:p>
-          <a:p>
-            <a:r>
-              <a:rPr lang="ja-JP" altLang="en-US" sz="1600" dirty="0"/>
               <a:t>□</a:t>
             </a:r>
           </a:p>
@@ -6417,7 +8996,11 @@
             <a:graphicFrameLocks noGrp="1"/>
           </p:cNvGraphicFramePr>
           <p:nvPr>
-            <p:extLst/>
+            <p:extLst>
+              <p:ext uri="{D42A27DB-BD31-4B8C-83A1-F6EECF244321}">
+                <p14:modId xmlns:p14="http://schemas.microsoft.com/office/powerpoint/2010/main" val="1422845385"/>
+              </p:ext>
+            </p:extLst>
           </p:nvPr>
         </p:nvGraphicFramePr>
         <p:xfrm>
@@ -6632,7 +9215,11 @@
             <a:graphicFrameLocks noGrp="1"/>
           </p:cNvGraphicFramePr>
           <p:nvPr>
-            <p:extLst/>
+            <p:extLst>
+              <p:ext uri="{D42A27DB-BD31-4B8C-83A1-F6EECF244321}">
+                <p14:modId xmlns:p14="http://schemas.microsoft.com/office/powerpoint/2010/main" val="3933378897"/>
+              </p:ext>
+            </p:extLst>
           </p:nvPr>
         </p:nvGraphicFramePr>
         <p:xfrm>
@@ -6847,7 +9434,11 @@
             <a:graphicFrameLocks noGrp="1"/>
           </p:cNvGraphicFramePr>
           <p:nvPr>
-            <p:extLst/>
+            <p:extLst>
+              <p:ext uri="{D42A27DB-BD31-4B8C-83A1-F6EECF244321}">
+                <p14:modId xmlns:p14="http://schemas.microsoft.com/office/powerpoint/2010/main" val="2499819825"/>
+              </p:ext>
+            </p:extLst>
           </p:nvPr>
         </p:nvGraphicFramePr>
         <p:xfrm>
@@ -7200,7 +9791,11 @@
             <a:graphicFrameLocks noGrp="1"/>
           </p:cNvGraphicFramePr>
           <p:nvPr>
-            <p:extLst/>
+            <p:extLst>
+              <p:ext uri="{D42A27DB-BD31-4B8C-83A1-F6EECF244321}">
+                <p14:modId xmlns:p14="http://schemas.microsoft.com/office/powerpoint/2010/main" val="2622755477"/>
+              </p:ext>
+            </p:extLst>
           </p:nvPr>
         </p:nvGraphicFramePr>
         <p:xfrm>
@@ -7851,7 +10446,11 @@
             <a:graphicFrameLocks noGrp="1"/>
           </p:cNvGraphicFramePr>
           <p:nvPr>
-            <p:extLst/>
+            <p:extLst>
+              <p:ext uri="{D42A27DB-BD31-4B8C-83A1-F6EECF244321}">
+                <p14:modId xmlns:p14="http://schemas.microsoft.com/office/powerpoint/2010/main" val="1747117527"/>
+              </p:ext>
+            </p:extLst>
           </p:nvPr>
         </p:nvGraphicFramePr>
         <p:xfrm>
@@ -8230,7 +10829,7 @@
     </p:spTree>
     <p:extLst>
       <p:ext uri="{BB962C8B-B14F-4D97-AF65-F5344CB8AC3E}">
-        <p14:creationId xmlns:p14="http://schemas.microsoft.com/office/powerpoint/2010/main" val="276934397"/>
+        <p14:creationId xmlns:p14="http://schemas.microsoft.com/office/powerpoint/2010/main" val="1343879201"/>
       </p:ext>
     </p:extLst>
   </p:cSld>
@@ -8240,7 +10839,7 @@
 </p:sld>
 </file>
 
-<file path=ppt/slides/slide6.xml><?xml version="1.0" encoding="utf-8"?>
+<file path=ppt/slides/slide8.xml><?xml version="1.0" encoding="utf-8"?>
 <p:sld xmlns:a="http://schemas.openxmlformats.org/drawingml/2006/main" xmlns:r="http://schemas.openxmlformats.org/officeDocument/2006/relationships" xmlns:p="http://schemas.openxmlformats.org/presentationml/2006/main">
   <p:cSld>
     <p:spTree>
@@ -8266,7 +10865,7 @@
         <p:spPr>
           <a:xfrm>
             <a:off x="590204" y="307571"/>
-            <a:ext cx="5968301" cy="5509200"/>
+            <a:ext cx="5763116" cy="5509200"/>
           </a:xfrm>
           <a:prstGeom prst="rect">
             <a:avLst/>
@@ -8281,7 +10880,7 @@
           <a:p>
             <a:r>
               <a:rPr lang="ja-JP" altLang="en-US" sz="1600" dirty="0"/>
-              <a:t>○プログラム名：バブルソート </a:t>
+              <a:t>○プログラム名：選択ソート </a:t>
             </a:r>
             <a:r>
               <a:rPr lang="en-US" altLang="ja-JP" sz="1600" dirty="0"/>
@@ -8293,7 +10892,7 @@
             </a:r>
             <a:r>
               <a:rPr lang="en-US" altLang="ja-JP" sz="1600" dirty="0"/>
-              <a:t>84</a:t>
+              <a:t>76</a:t>
             </a:r>
             <a:r>
               <a:rPr lang="ja-JP" altLang="en-US" sz="1600" dirty="0"/>
@@ -8318,7 +10917,7 @@
             </a:r>
             <a:r>
               <a:rPr lang="en-US" altLang="ja-JP" sz="1600" dirty="0"/>
-              <a:t>BubbleSort1(</a:t>
+              <a:t>SelectionSort2(</a:t>
             </a:r>
             <a:r>
               <a:rPr lang="ja-JP" altLang="en-US" sz="1600" dirty="0"/>
@@ -8348,7 +10947,7 @@
             </a:r>
             <a:r>
               <a:rPr lang="en-US" altLang="ja-JP" sz="1600" dirty="0"/>
-              <a:t>Tail</a:t>
+              <a:t>Head</a:t>
             </a:r>
           </a:p>
           <a:p>
@@ -8376,6 +10975,21 @@
               <a:t>整数型：</a:t>
             </a:r>
             <a:r>
+              <a:rPr lang="en-US" altLang="ja-JP" sz="1600" dirty="0" err="1"/>
+              <a:t>MinIdx</a:t>
+            </a:r>
+            <a:endParaRPr lang="en-US" altLang="ja-JP" sz="1600" dirty="0"/>
+          </a:p>
+          <a:p>
+            <a:r>
+              <a:rPr lang="en-US" altLang="ja-JP" sz="1600" dirty="0"/>
+              <a:t>○</a:t>
+            </a:r>
+            <a:r>
+              <a:rPr lang="ja-JP" altLang="en-US" sz="1600" dirty="0"/>
+              <a:t>整数型：</a:t>
+            </a:r>
+            <a:r>
               <a:rPr lang="en-US" altLang="ja-JP" sz="1600" dirty="0"/>
               <a:t>Work</a:t>
             </a:r>
@@ -8386,7 +11000,21 @@
           <a:p>
             <a:r>
               <a:rPr lang="en-US" altLang="ja-JP" sz="1600" dirty="0"/>
-              <a:t>●Tail ←</a:t>
+              <a:t>■Head:0,Head &lt; N-1,1</a:t>
+            </a:r>
+          </a:p>
+          <a:p>
+            <a:r>
+              <a:rPr lang="ja-JP" altLang="en-US" sz="1600" dirty="0"/>
+              <a:t>｜●</a:t>
+            </a:r>
+            <a:r>
+              <a:rPr lang="en-US" altLang="ja-JP" sz="1600" dirty="0" err="1"/>
+              <a:t>MinIdx</a:t>
+            </a:r>
+            <a:r>
+              <a:rPr lang="en-US" altLang="ja-JP" sz="1600" dirty="0"/>
+              <a:t> ←</a:t>
             </a:r>
             <a:r>
               <a:rPr lang="ja-JP" altLang="en-US" sz="1600" dirty="0"/>
@@ -8394,22 +11022,35 @@
             </a:r>
             <a:r>
               <a:rPr lang="en-US" altLang="ja-JP" sz="1600" dirty="0"/>
-              <a:t>N-1</a:t>
-            </a:r>
-          </a:p>
-          <a:p>
-            <a:endParaRPr lang="en-US" altLang="ja-JP" sz="1600" dirty="0"/>
-          </a:p>
-          <a:p>
+              <a:t>Head</a:t>
+            </a:r>
+          </a:p>
+          <a:p>
+            <a:r>
+              <a:rPr lang="ja-JP" altLang="en-US" sz="1600" dirty="0"/>
+              <a:t>｜■</a:t>
+            </a:r>
             <a:r>
               <a:rPr lang="en-US" altLang="ja-JP" sz="1600" dirty="0"/>
-              <a:t>■Tail &gt; 0</a:t>
+              <a:t>Idx:Head+1,Idx &lt; N, 1</a:t>
             </a:r>
           </a:p>
           <a:p>
             <a:r>
               <a:rPr lang="ja-JP" altLang="en-US" sz="1600" dirty="0"/>
-              <a:t>｜●</a:t>
+              <a:t>｜｜▲</a:t>
+            </a:r>
+            <a:r>
+              <a:rPr lang="en-US" altLang="ja-JP" sz="1600" dirty="0"/>
+              <a:t>T[</a:t>
+            </a:r>
+            <a:r>
+              <a:rPr lang="en-US" altLang="ja-JP" sz="1600" dirty="0" err="1"/>
+              <a:t>MinIdx</a:t>
+            </a:r>
+            <a:r>
+              <a:rPr lang="en-US" altLang="ja-JP" sz="1600" dirty="0"/>
+              <a:t>]&gt;T[</a:t>
             </a:r>
             <a:r>
               <a:rPr lang="en-US" altLang="ja-JP" sz="1600" dirty="0" err="1"/>
@@ -8417,27 +11058,87 @@
             </a:r>
             <a:r>
               <a:rPr lang="en-US" altLang="ja-JP" sz="1600" dirty="0"/>
-              <a:t> ← 0</a:t>
+              <a:t>]</a:t>
             </a:r>
           </a:p>
           <a:p>
             <a:r>
               <a:rPr lang="ja-JP" altLang="en-US" sz="1600" dirty="0"/>
-              <a:t>｜■</a:t>
+              <a:t>｜｜｜●</a:t>
+            </a:r>
+            <a:r>
+              <a:rPr lang="en-US" altLang="ja-JP" sz="1600" dirty="0" err="1"/>
+              <a:t>MinIdx</a:t>
+            </a:r>
+            <a:r>
+              <a:rPr lang="en-US" altLang="ja-JP" sz="1600" dirty="0"/>
+              <a:t> ← </a:t>
             </a:r>
             <a:r>
               <a:rPr lang="en-US" altLang="ja-JP" sz="1600" dirty="0" err="1"/>
               <a:t>Idx</a:t>
             </a:r>
+            <a:endParaRPr lang="en-US" altLang="ja-JP" sz="1600" dirty="0"/>
+          </a:p>
+          <a:p>
+            <a:r>
+              <a:rPr lang="ja-JP" altLang="en-US" sz="1600" dirty="0"/>
+              <a:t>｜｜▼</a:t>
+            </a:r>
+          </a:p>
+          <a:p>
+            <a:r>
+              <a:rPr lang="ja-JP" altLang="en-US" sz="1600" dirty="0"/>
+              <a:t>｜□</a:t>
+            </a:r>
+          </a:p>
+          <a:p>
+            <a:r>
+              <a:rPr lang="ja-JP" altLang="en-US" sz="1600" dirty="0"/>
+              <a:t>｜▲</a:t>
+            </a:r>
             <a:r>
               <a:rPr lang="en-US" altLang="ja-JP" sz="1600" dirty="0"/>
-              <a:t> &lt; Tail</a:t>
-            </a:r>
+              <a:t>Head ≠ </a:t>
+            </a:r>
+            <a:r>
+              <a:rPr lang="en-US" altLang="ja-JP" sz="1600" dirty="0" err="1"/>
+              <a:t>MinIdx</a:t>
+            </a:r>
+            <a:endParaRPr lang="en-US" altLang="ja-JP" sz="1600" dirty="0"/>
           </a:p>
           <a:p>
             <a:r>
               <a:rPr lang="ja-JP" altLang="en-US" sz="1600" dirty="0"/>
-              <a:t>｜｜▲</a:t>
+              <a:t>｜｜●</a:t>
+            </a:r>
+            <a:r>
+              <a:rPr lang="en-US" altLang="ja-JP" sz="1600" dirty="0"/>
+              <a:t>Work ← T[Head]</a:t>
+            </a:r>
+          </a:p>
+          <a:p>
+            <a:r>
+              <a:rPr lang="ja-JP" altLang="en-US" sz="1600" dirty="0"/>
+              <a:t>｜｜●</a:t>
+            </a:r>
+            <a:r>
+              <a:rPr lang="en-US" altLang="ja-JP" sz="1600" dirty="0"/>
+              <a:t>T[Head] ← T[</a:t>
+            </a:r>
+            <a:r>
+              <a:rPr lang="en-US" altLang="ja-JP" sz="1600" dirty="0" err="1"/>
+              <a:t>MinIdx</a:t>
+            </a:r>
+            <a:r>
+              <a:rPr lang="en-US" altLang="ja-JP" sz="1600" dirty="0"/>
+              <a:t>]</a:t>
+            </a:r>
+          </a:p>
+          <a:p>
+            <a:r>
+              <a:rPr lang="ja-JP" altLang="en-US" sz="1600" dirty="0"/>
+              <a:t>｜｜●</a:t>
             </a:r>
             <a:r>
               <a:rPr lang="en-US" altLang="ja-JP" sz="1600" dirty="0"/>
@@ -8445,106 +11146,22 @@
             </a:r>
             <a:r>
               <a:rPr lang="en-US" altLang="ja-JP" sz="1600" dirty="0" err="1"/>
-              <a:t>Idx</a:t>
+              <a:t>MinIdx</a:t>
             </a:r>
             <a:r>
               <a:rPr lang="en-US" altLang="ja-JP" sz="1600" dirty="0"/>
-              <a:t>]&gt;T[Idx+1]</a:t>
+              <a:t>] ← Work</a:t>
             </a:r>
           </a:p>
           <a:p>
             <a:r>
               <a:rPr lang="ja-JP" altLang="en-US" sz="1600" dirty="0"/>
-              <a:t>｜｜｜●</a:t>
-            </a:r>
-            <a:r>
-              <a:rPr lang="en-US" altLang="ja-JP" sz="1600" dirty="0"/>
-              <a:t>Work ← T[</a:t>
-            </a:r>
-            <a:r>
-              <a:rPr lang="en-US" altLang="ja-JP" sz="1600" dirty="0" err="1"/>
-              <a:t>Idx</a:t>
-            </a:r>
-            <a:r>
-              <a:rPr lang="en-US" altLang="ja-JP" sz="1600" dirty="0"/>
-              <a:t>]</a:t>
+              <a:t>｜▼</a:t>
             </a:r>
           </a:p>
           <a:p>
             <a:r>
               <a:rPr lang="ja-JP" altLang="en-US" sz="1600" dirty="0"/>
-              <a:t>｜｜｜●</a:t>
-            </a:r>
-            <a:r>
-              <a:rPr lang="en-US" altLang="ja-JP" sz="1600" dirty="0"/>
-              <a:t>T[</a:t>
-            </a:r>
-            <a:r>
-              <a:rPr lang="en-US" altLang="ja-JP" sz="1600" dirty="0" err="1"/>
-              <a:t>Idx</a:t>
-            </a:r>
-            <a:r>
-              <a:rPr lang="en-US" altLang="ja-JP" sz="1600" dirty="0"/>
-              <a:t>] ← T[Idx+1]</a:t>
-            </a:r>
-          </a:p>
-          <a:p>
-            <a:r>
-              <a:rPr lang="ja-JP" altLang="en-US" sz="1600" dirty="0"/>
-              <a:t>｜｜｜●</a:t>
-            </a:r>
-            <a:r>
-              <a:rPr lang="en-US" altLang="ja-JP" sz="1600" dirty="0"/>
-              <a:t>T[Idx+1] ← Work</a:t>
-            </a:r>
-          </a:p>
-          <a:p>
-            <a:r>
-              <a:rPr lang="ja-JP" altLang="en-US" sz="1600" dirty="0"/>
-              <a:t>｜｜▼</a:t>
-            </a:r>
-          </a:p>
-          <a:p>
-            <a:r>
-              <a:rPr lang="ja-JP" altLang="en-US" sz="1600" dirty="0"/>
-              <a:t>｜｜●</a:t>
-            </a:r>
-            <a:r>
-              <a:rPr lang="en-US" altLang="ja-JP" sz="1600" dirty="0" err="1"/>
-              <a:t>Idx</a:t>
-            </a:r>
-            <a:r>
-              <a:rPr lang="en-US" altLang="ja-JP" sz="1600" dirty="0"/>
-              <a:t> ← </a:t>
-            </a:r>
-            <a:r>
-              <a:rPr lang="en-US" altLang="ja-JP" sz="1600" dirty="0" err="1"/>
-              <a:t>Idx</a:t>
-            </a:r>
-            <a:r>
-              <a:rPr lang="en-US" altLang="ja-JP" sz="1600" dirty="0"/>
-              <a:t> + 1</a:t>
-            </a:r>
-          </a:p>
-          <a:p>
-            <a:r>
-              <a:rPr lang="ja-JP" altLang="en-US" sz="1600" dirty="0"/>
-              <a:t>｜□</a:t>
-            </a:r>
-          </a:p>
-          <a:p>
-            <a:r>
-              <a:rPr lang="ja-JP" altLang="en-US" sz="1600" dirty="0"/>
-              <a:t>｜●</a:t>
-            </a:r>
-            <a:r>
-              <a:rPr lang="en-US" altLang="ja-JP" sz="1600" dirty="0"/>
-              <a:t>Tail ← Tail - 1</a:t>
-            </a:r>
-          </a:p>
-          <a:p>
-            <a:r>
-              <a:rPr lang="en-US" altLang="ja-JP" sz="1600" dirty="0"/>
               <a:t>□</a:t>
             </a:r>
           </a:p>
@@ -8775,11 +11392,7 @@
             <a:graphicFrameLocks noGrp="1"/>
           </p:cNvGraphicFramePr>
           <p:nvPr>
-            <p:extLst>
-              <p:ext uri="{D42A27DB-BD31-4B8C-83A1-F6EECF244321}">
-                <p14:modId xmlns:p14="http://schemas.microsoft.com/office/powerpoint/2010/main" val="1388922585"/>
-              </p:ext>
-            </p:extLst>
+            <p:extLst/>
           </p:nvPr>
         </p:nvGraphicFramePr>
         <p:xfrm>
@@ -8914,6 +11527,20 @@
                     <a:p>
                       <a:r>
                         <a:rPr kumimoji="1" lang="en-US" altLang="ja-JP" dirty="0" smtClean="0"/>
+                        <a:t>1</a:t>
+                      </a:r>
+                      <a:endParaRPr kumimoji="1" lang="ja-JP" altLang="en-US" dirty="0"/>
+                    </a:p>
+                  </a:txBody>
+                  <a:tcPr/>
+                </a:tc>
+                <a:tc>
+                  <a:txBody>
+                    <a:bodyPr/>
+                    <a:lstStyle/>
+                    <a:p>
+                      <a:r>
+                        <a:rPr kumimoji="1" lang="en-US" altLang="ja-JP" dirty="0" smtClean="0"/>
                         <a:t>4</a:t>
                       </a:r>
                       <a:endParaRPr kumimoji="1" lang="ja-JP" altLang="en-US" dirty="0"/>
@@ -8929,20 +11556,6 @@
                       <a:r>
                         <a:rPr kumimoji="1" lang="en-US" altLang="ja-JP" dirty="0" smtClean="0"/>
                         <a:t>5</a:t>
-                      </a:r>
-                      <a:endParaRPr kumimoji="1" lang="ja-JP" altLang="en-US" dirty="0"/>
-                    </a:p>
-                  </a:txBody>
-                  <a:tcPr/>
-                </a:tc>
-                <a:tc>
-                  <a:txBody>
-                    <a:bodyPr/>
-                    <a:lstStyle/>
-                    <a:p>
-                      <a:r>
-                        <a:rPr kumimoji="1" lang="en-US" altLang="ja-JP" dirty="0" smtClean="0"/>
-                        <a:t>1</a:t>
                       </a:r>
                       <a:endParaRPr kumimoji="1" lang="ja-JP" altLang="en-US" dirty="0"/>
                     </a:p>
@@ -8994,11 +11607,7 @@
             <a:graphicFrameLocks noGrp="1"/>
           </p:cNvGraphicFramePr>
           <p:nvPr>
-            <p:extLst>
-              <p:ext uri="{D42A27DB-BD31-4B8C-83A1-F6EECF244321}">
-                <p14:modId xmlns:p14="http://schemas.microsoft.com/office/powerpoint/2010/main" val="3399114485"/>
-              </p:ext>
-            </p:extLst>
+            <p:extLst/>
           </p:nvPr>
         </p:nvGraphicFramePr>
         <p:xfrm>
@@ -9133,63 +11742,63 @@
                     <a:p>
                       <a:r>
                         <a:rPr kumimoji="1" lang="en-US" altLang="ja-JP" dirty="0" smtClean="0"/>
+                        <a:t>1</a:t>
+                      </a:r>
+                      <a:endParaRPr kumimoji="1" lang="ja-JP" altLang="en-US" dirty="0"/>
+                    </a:p>
+                  </a:txBody>
+                  <a:tcPr/>
+                </a:tc>
+                <a:tc>
+                  <a:txBody>
+                    <a:bodyPr/>
+                    <a:lstStyle/>
+                    <a:p>
+                      <a:r>
+                        <a:rPr kumimoji="1" lang="en-US" altLang="ja-JP" dirty="0" smtClean="0"/>
+                        <a:t>2</a:t>
+                      </a:r>
+                      <a:endParaRPr kumimoji="1" lang="ja-JP" altLang="en-US" dirty="0"/>
+                    </a:p>
+                  </a:txBody>
+                  <a:tcPr/>
+                </a:tc>
+                <a:tc>
+                  <a:txBody>
+                    <a:bodyPr/>
+                    <a:lstStyle/>
+                    <a:p>
+                      <a:r>
+                        <a:rPr kumimoji="1" lang="en-US" altLang="ja-JP" dirty="0" smtClean="0"/>
+                        <a:t>5</a:t>
+                      </a:r>
+                      <a:endParaRPr kumimoji="1" lang="ja-JP" altLang="en-US" dirty="0"/>
+                    </a:p>
+                  </a:txBody>
+                  <a:tcPr/>
+                </a:tc>
+                <a:tc>
+                  <a:txBody>
+                    <a:bodyPr/>
+                    <a:lstStyle/>
+                    <a:p>
+                      <a:r>
+                        <a:rPr kumimoji="1" lang="en-US" altLang="ja-JP" dirty="0" smtClean="0"/>
+                        <a:t>8</a:t>
+                      </a:r>
+                      <a:endParaRPr kumimoji="1" lang="ja-JP" altLang="en-US" dirty="0"/>
+                    </a:p>
+                  </a:txBody>
+                  <a:tcPr/>
+                </a:tc>
+                <a:tc>
+                  <a:txBody>
+                    <a:bodyPr/>
+                    <a:lstStyle/>
+                    <a:p>
+                      <a:r>
+                        <a:rPr kumimoji="1" lang="en-US" altLang="ja-JP" dirty="0" smtClean="0"/>
                         <a:t>4</a:t>
-                      </a:r>
-                      <a:endParaRPr kumimoji="1" lang="ja-JP" altLang="en-US" dirty="0"/>
-                    </a:p>
-                  </a:txBody>
-                  <a:tcPr/>
-                </a:tc>
-                <a:tc>
-                  <a:txBody>
-                    <a:bodyPr/>
-                    <a:lstStyle/>
-                    <a:p>
-                      <a:r>
-                        <a:rPr kumimoji="1" lang="en-US" altLang="ja-JP" dirty="0" smtClean="0"/>
-                        <a:t>1</a:t>
-                      </a:r>
-                      <a:endParaRPr kumimoji="1" lang="ja-JP" altLang="en-US" dirty="0"/>
-                    </a:p>
-                  </a:txBody>
-                  <a:tcPr/>
-                </a:tc>
-                <a:tc>
-                  <a:txBody>
-                    <a:bodyPr/>
-                    <a:lstStyle/>
-                    <a:p>
-                      <a:r>
-                        <a:rPr kumimoji="1" lang="en-US" altLang="ja-JP" dirty="0" smtClean="0"/>
-                        <a:t>5</a:t>
-                      </a:r>
-                      <a:endParaRPr kumimoji="1" lang="ja-JP" altLang="en-US" dirty="0"/>
-                    </a:p>
-                  </a:txBody>
-                  <a:tcPr/>
-                </a:tc>
-                <a:tc>
-                  <a:txBody>
-                    <a:bodyPr/>
-                    <a:lstStyle/>
-                    <a:p>
-                      <a:r>
-                        <a:rPr kumimoji="1" lang="en-US" altLang="ja-JP" dirty="0" smtClean="0"/>
-                        <a:t>8</a:t>
-                      </a:r>
-                      <a:endParaRPr kumimoji="1" lang="ja-JP" altLang="en-US" dirty="0"/>
-                    </a:p>
-                  </a:txBody>
-                  <a:tcPr/>
-                </a:tc>
-                <a:tc>
-                  <a:txBody>
-                    <a:bodyPr/>
-                    <a:lstStyle/>
-                    <a:p>
-                      <a:r>
-                        <a:rPr kumimoji="1" lang="en-US" altLang="ja-JP" dirty="0" smtClean="0"/>
-                        <a:t>2</a:t>
                       </a:r>
                       <a:endParaRPr kumimoji="1" lang="ja-JP" altLang="en-US" dirty="0"/>
                     </a:p>
@@ -9215,7 +11824,7 @@
         <p:spPr>
           <a:xfrm>
             <a:off x="5004262" y="1539827"/>
-            <a:ext cx="779381" cy="369332"/>
+            <a:ext cx="774571" cy="369332"/>
           </a:xfrm>
           <a:prstGeom prst="rect">
             <a:avLst/>
@@ -9229,12 +11838,12 @@
           <a:lstStyle/>
           <a:p>
             <a:r>
-              <a:rPr lang="en-US" altLang="ja-JP" b="1" dirty="0">
+              <a:rPr kumimoji="1" lang="en-US" altLang="ja-JP" b="1" dirty="0" smtClean="0">
                 <a:solidFill>
                   <a:srgbClr val="FF0000"/>
                 </a:solidFill>
               </a:rPr>
-              <a:t>1</a:t>
+              <a:t>0</a:t>
             </a:r>
             <a:r>
               <a:rPr kumimoji="1" lang="ja-JP" altLang="en-US" b="1" dirty="0" smtClean="0">
@@ -9321,12 +11930,12 @@
           <a:lstStyle/>
           <a:p>
             <a:r>
-              <a:rPr kumimoji="1" lang="en-US" altLang="ja-JP" b="1" dirty="0" smtClean="0">
+              <a:rPr lang="en-US" altLang="ja-JP" b="1" dirty="0" smtClean="0">
                 <a:solidFill>
                   <a:srgbClr val="FF0000"/>
                 </a:solidFill>
               </a:rPr>
-              <a:t>3</a:t>
+              <a:t>2</a:t>
             </a:r>
             <a:r>
               <a:rPr kumimoji="1" lang="ja-JP" altLang="en-US" b="1" dirty="0" smtClean="0">
@@ -9351,11 +11960,7 @@
             <a:graphicFrameLocks noGrp="1"/>
           </p:cNvGraphicFramePr>
           <p:nvPr>
-            <p:extLst>
-              <p:ext uri="{D42A27DB-BD31-4B8C-83A1-F6EECF244321}">
-                <p14:modId xmlns:p14="http://schemas.microsoft.com/office/powerpoint/2010/main" val="2159774630"/>
-              </p:ext>
-            </p:extLst>
+            <p:extLst/>
           </p:nvPr>
         </p:nvGraphicFramePr>
         <p:xfrm>
@@ -9490,6 +12095,34 @@
                     <a:p>
                       <a:r>
                         <a:rPr kumimoji="1" lang="en-US" altLang="ja-JP" dirty="0" smtClean="0"/>
+                        <a:t>1</a:t>
+                      </a:r>
+                      <a:endParaRPr kumimoji="1" lang="ja-JP" altLang="en-US" dirty="0"/>
+                    </a:p>
+                  </a:txBody>
+                  <a:tcPr/>
+                </a:tc>
+                <a:tc>
+                  <a:txBody>
+                    <a:bodyPr/>
+                    <a:lstStyle/>
+                    <a:p>
+                      <a:r>
+                        <a:rPr kumimoji="1" lang="en-US" altLang="ja-JP" dirty="0" smtClean="0"/>
+                        <a:t>2</a:t>
+                      </a:r>
+                      <a:endParaRPr kumimoji="1" lang="ja-JP" altLang="en-US" dirty="0"/>
+                    </a:p>
+                  </a:txBody>
+                  <a:tcPr/>
+                </a:tc>
+                <a:tc>
+                  <a:txBody>
+                    <a:bodyPr/>
+                    <a:lstStyle/>
+                    <a:p>
+                      <a:r>
+                        <a:rPr kumimoji="1" lang="en-US" altLang="ja-JP" dirty="0" smtClean="0"/>
                         <a:t>4</a:t>
                       </a:r>
                       <a:endParaRPr kumimoji="1" lang="ja-JP" altLang="en-US" dirty="0"/>
@@ -9504,7 +12137,7 @@
                     <a:p>
                       <a:r>
                         <a:rPr kumimoji="1" lang="en-US" altLang="ja-JP" dirty="0" smtClean="0"/>
-                        <a:t>1</a:t>
+                        <a:t>8</a:t>
                       </a:r>
                       <a:endParaRPr kumimoji="1" lang="ja-JP" altLang="en-US" dirty="0"/>
                     </a:p>
@@ -9519,34 +12152,6 @@
                       <a:r>
                         <a:rPr kumimoji="1" lang="en-US" altLang="ja-JP" dirty="0" smtClean="0"/>
                         <a:t>5</a:t>
-                      </a:r>
-                      <a:endParaRPr kumimoji="1" lang="ja-JP" altLang="en-US" dirty="0"/>
-                    </a:p>
-                  </a:txBody>
-                  <a:tcPr/>
-                </a:tc>
-                <a:tc>
-                  <a:txBody>
-                    <a:bodyPr/>
-                    <a:lstStyle/>
-                    <a:p>
-                      <a:r>
-                        <a:rPr kumimoji="1" lang="en-US" altLang="ja-JP" dirty="0" smtClean="0"/>
-                        <a:t>8</a:t>
-                      </a:r>
-                      <a:endParaRPr kumimoji="1" lang="ja-JP" altLang="en-US" dirty="0"/>
-                    </a:p>
-                  </a:txBody>
-                  <a:tcPr/>
-                </a:tc>
-                <a:tc>
-                  <a:txBody>
-                    <a:bodyPr/>
-                    <a:lstStyle/>
-                    <a:p>
-                      <a:r>
-                        <a:rPr kumimoji="1" lang="en-US" altLang="ja-JP" dirty="0" smtClean="0"/>
-                        <a:t>2</a:t>
                       </a:r>
                       <a:endParaRPr kumimoji="1" lang="ja-JP" altLang="en-US" dirty="0"/>
                     </a:p>
@@ -9586,12 +12191,12 @@
           <a:lstStyle/>
           <a:p>
             <a:r>
-              <a:rPr lang="en-US" altLang="ja-JP" b="1" dirty="0">
+              <a:rPr kumimoji="1" lang="en-US" altLang="ja-JP" b="1" dirty="0" smtClean="0">
                 <a:solidFill>
                   <a:srgbClr val="FF0000"/>
                 </a:solidFill>
               </a:rPr>
-              <a:t>4</a:t>
+              <a:t>3</a:t>
             </a:r>
             <a:r>
               <a:rPr kumimoji="1" lang="ja-JP" altLang="en-US" b="1" dirty="0" smtClean="0">
@@ -9611,13 +12216,51 @@
       </p:sp>
       <p:sp>
         <p:nvSpPr>
+          <p:cNvPr id="21" name="テキスト ボックス 20"/>
+          <p:cNvSpPr txBox="1"/>
+          <p:nvPr/>
+        </p:nvSpPr>
+        <p:spPr>
+          <a:xfrm>
+            <a:off x="8340437" y="828430"/>
+            <a:ext cx="877163" cy="369332"/>
+          </a:xfrm>
+          <a:prstGeom prst="rect">
+            <a:avLst/>
+          </a:prstGeom>
+          <a:noFill/>
+        </p:spPr>
+        <p:txBody>
+          <a:bodyPr wrap="none" rtlCol="0">
+            <a:spAutoFit/>
+          </a:bodyPr>
+          <a:lstStyle/>
+          <a:p>
+            <a:r>
+              <a:rPr kumimoji="1" lang="ja-JP" altLang="en-US" b="1" dirty="0" smtClean="0">
+                <a:solidFill>
+                  <a:srgbClr val="FF0000"/>
+                </a:solidFill>
+              </a:rPr>
+              <a:t>最小値</a:t>
+            </a:r>
+            <a:endParaRPr kumimoji="1" lang="ja-JP" altLang="en-US" b="1" dirty="0">
+              <a:solidFill>
+                <a:srgbClr val="FF0000"/>
+              </a:solidFill>
+            </a:endParaRPr>
+          </a:p>
+        </p:txBody>
+      </p:sp>
+      <p:sp>
+        <p:nvSpPr>
           <p:cNvPr id="23" name="正方形/長方形 22"/>
           <p:cNvSpPr/>
           <p:nvPr/>
         </p:nvSpPr>
         <p:spPr>
           <a:xfrm>
-            <a:off x="7369900" y="1294987"/>
+            <a:off x="8303200" y="1300544"/>
             <a:ext cx="914400" cy="914400"/>
           </a:xfrm>
           <a:prstGeom prst="rect">
@@ -9709,8 +12352,8 @@
         </p:nvSpPr>
         <p:spPr>
           <a:xfrm>
-            <a:off x="8349673" y="2375657"/>
-            <a:ext cx="867927" cy="922842"/>
+            <a:off x="10197699" y="2292014"/>
+            <a:ext cx="913644" cy="815163"/>
           </a:xfrm>
           <a:prstGeom prst="rect">
             <a:avLst/>
@@ -9755,8 +12398,8 @@
         </p:nvSpPr>
         <p:spPr>
           <a:xfrm>
-            <a:off x="6386680" y="858196"/>
-            <a:ext cx="522900" cy="369332"/>
+            <a:off x="10386579" y="3128252"/>
+            <a:ext cx="877163" cy="369332"/>
           </a:xfrm>
           <a:prstGeom prst="rect">
             <a:avLst/>
@@ -9770,12 +12413,12 @@
           <a:lstStyle/>
           <a:p>
             <a:r>
-              <a:rPr kumimoji="1" lang="en-US" altLang="ja-JP" b="1" dirty="0" err="1" smtClean="0">
+              <a:rPr kumimoji="1" lang="ja-JP" altLang="en-US" b="1" dirty="0" smtClean="0">
                 <a:solidFill>
                   <a:srgbClr val="FF0000"/>
                 </a:solidFill>
               </a:rPr>
-              <a:t>Idx</a:t>
+              <a:t>最小値</a:t>
             </a:r>
             <a:endParaRPr kumimoji="1" lang="ja-JP" altLang="en-US" b="1" dirty="0">
               <a:solidFill>
@@ -9839,7 +12482,7 @@
         </p:nvSpPr>
         <p:spPr>
           <a:xfrm>
-            <a:off x="9298495" y="3435931"/>
+            <a:off x="10197699" y="3452156"/>
             <a:ext cx="914400" cy="914400"/>
           </a:xfrm>
           <a:prstGeom prst="rect">
@@ -9923,6 +12566,44 @@
           </a:p>
         </p:txBody>
       </p:sp>
+      <p:sp>
+        <p:nvSpPr>
+          <p:cNvPr id="30" name="テキスト ボックス 29"/>
+          <p:cNvSpPr txBox="1"/>
+          <p:nvPr/>
+        </p:nvSpPr>
+        <p:spPr>
+          <a:xfrm>
+            <a:off x="10373479" y="1959220"/>
+            <a:ext cx="877163" cy="369332"/>
+          </a:xfrm>
+          <a:prstGeom prst="rect">
+            <a:avLst/>
+          </a:prstGeom>
+          <a:noFill/>
+        </p:spPr>
+        <p:txBody>
+          <a:bodyPr wrap="none" rtlCol="0">
+            <a:spAutoFit/>
+          </a:bodyPr>
+          <a:lstStyle/>
+          <a:p>
+            <a:r>
+              <a:rPr kumimoji="1" lang="ja-JP" altLang="en-US" b="1" dirty="0" smtClean="0">
+                <a:solidFill>
+                  <a:srgbClr val="FF0000"/>
+                </a:solidFill>
+              </a:rPr>
+              <a:t>最小値</a:t>
+            </a:r>
+            <a:endParaRPr kumimoji="1" lang="ja-JP" altLang="en-US" b="1" dirty="0">
+              <a:solidFill>
+                <a:srgbClr val="FF0000"/>
+              </a:solidFill>
+            </a:endParaRPr>
+          </a:p>
+        </p:txBody>
+      </p:sp>
       <p:graphicFrame>
         <p:nvGraphicFramePr>
           <p:cNvPr id="31" name="表 30"/>
@@ -9930,11 +12611,7 @@
             <a:graphicFrameLocks noGrp="1"/>
           </p:cNvGraphicFramePr>
           <p:nvPr>
-            <p:extLst>
-              <p:ext uri="{D42A27DB-BD31-4B8C-83A1-F6EECF244321}">
-                <p14:modId xmlns:p14="http://schemas.microsoft.com/office/powerpoint/2010/main" val="480801450"/>
-              </p:ext>
-            </p:extLst>
+            <p:extLst/>
           </p:nvPr>
         </p:nvGraphicFramePr>
         <p:xfrm>
@@ -10069,6 +12746,34 @@
                     <a:p>
                       <a:r>
                         <a:rPr kumimoji="1" lang="en-US" altLang="ja-JP" dirty="0" smtClean="0"/>
+                        <a:t>1</a:t>
+                      </a:r>
+                      <a:endParaRPr kumimoji="1" lang="ja-JP" altLang="en-US" dirty="0"/>
+                    </a:p>
+                  </a:txBody>
+                  <a:tcPr/>
+                </a:tc>
+                <a:tc>
+                  <a:txBody>
+                    <a:bodyPr/>
+                    <a:lstStyle/>
+                    <a:p>
+                      <a:r>
+                        <a:rPr kumimoji="1" lang="en-US" altLang="ja-JP" dirty="0" smtClean="0"/>
+                        <a:t>2</a:t>
+                      </a:r>
+                      <a:endParaRPr kumimoji="1" lang="ja-JP" altLang="en-US" dirty="0"/>
+                    </a:p>
+                  </a:txBody>
+                  <a:tcPr/>
+                </a:tc>
+                <a:tc>
+                  <a:txBody>
+                    <a:bodyPr/>
+                    <a:lstStyle/>
+                    <a:p>
+                      <a:r>
+                        <a:rPr kumimoji="1" lang="en-US" altLang="ja-JP" dirty="0" smtClean="0"/>
                         <a:t>4</a:t>
                       </a:r>
                       <a:endParaRPr kumimoji="1" lang="ja-JP" altLang="en-US" dirty="0"/>
@@ -10083,35 +12788,7 @@
                     <a:p>
                       <a:r>
                         <a:rPr kumimoji="1" lang="en-US" altLang="ja-JP" dirty="0" smtClean="0"/>
-                        <a:t>1</a:t>
-                      </a:r>
-                      <a:endParaRPr kumimoji="1" lang="ja-JP" altLang="en-US" dirty="0"/>
-                    </a:p>
-                  </a:txBody>
-                  <a:tcPr/>
-                </a:tc>
-                <a:tc>
-                  <a:txBody>
-                    <a:bodyPr/>
-                    <a:lstStyle/>
-                    <a:p>
-                      <a:r>
-                        <a:rPr kumimoji="1" lang="en-US" altLang="ja-JP" dirty="0" smtClean="0"/>
                         <a:t>5</a:t>
-                      </a:r>
-                      <a:endParaRPr kumimoji="1" lang="ja-JP" altLang="en-US" dirty="0"/>
-                    </a:p>
-                  </a:txBody>
-                  <a:tcPr/>
-                </a:tc>
-                <a:tc>
-                  <a:txBody>
-                    <a:bodyPr/>
-                    <a:lstStyle/>
-                    <a:p>
-                      <a:r>
-                        <a:rPr kumimoji="1" lang="en-US" altLang="ja-JP" dirty="0" smtClean="0"/>
-                        <a:t>2</a:t>
                       </a:r>
                       <a:endParaRPr kumimoji="1" lang="ja-JP" altLang="en-US" dirty="0"/>
                     </a:p>
@@ -10150,8 +12827,8 @@
         </p:nvSpPr>
         <p:spPr>
           <a:xfrm>
-            <a:off x="4604312" y="5748041"/>
-            <a:ext cx="1569660" cy="369332"/>
+            <a:off x="4999452" y="5663055"/>
+            <a:ext cx="646331" cy="369332"/>
           </a:xfrm>
           <a:prstGeom prst="rect">
             <a:avLst/>
@@ -10164,14 +12841,6 @@
           </a:bodyPr>
           <a:lstStyle/>
           <a:p>
-            <a:r>
-              <a:rPr lang="ja-JP" altLang="en-US" b="1" dirty="0" smtClean="0">
-                <a:solidFill>
-                  <a:srgbClr val="FF0000"/>
-                </a:solidFill>
-              </a:rPr>
-              <a:t>いったん</a:t>
-            </a:r>
             <a:r>
               <a:rPr kumimoji="1" lang="ja-JP" altLang="en-US" b="1" dirty="0" smtClean="0">
                 <a:solidFill>
@@ -10282,14 +12951,14 @@
       </p:sp>
       <p:sp>
         <p:nvSpPr>
-          <p:cNvPr id="36" name="テキスト ボックス 35"/>
+          <p:cNvPr id="35" name="テキスト ボックス 34"/>
           <p:cNvSpPr txBox="1"/>
           <p:nvPr/>
         </p:nvSpPr>
         <p:spPr>
           <a:xfrm>
-            <a:off x="7405600" y="861542"/>
-            <a:ext cx="827471" cy="369332"/>
+            <a:off x="11097822" y="4433796"/>
+            <a:ext cx="877163" cy="369332"/>
           </a:xfrm>
           <a:prstGeom prst="rect">
             <a:avLst/>
@@ -10303,12 +12972,12 @@
           <a:lstStyle/>
           <a:p>
             <a:r>
-              <a:rPr kumimoji="1" lang="en-US" altLang="ja-JP" b="1" dirty="0" smtClean="0">
+              <a:rPr kumimoji="1" lang="ja-JP" altLang="en-US" b="1" dirty="0" smtClean="0">
                 <a:solidFill>
                   <a:srgbClr val="FF0000"/>
                 </a:solidFill>
               </a:rPr>
-              <a:t>Idx+1</a:t>
+              <a:t>最小値</a:t>
             </a:r>
             <a:endParaRPr kumimoji="1" lang="ja-JP" altLang="en-US" b="1" dirty="0">
               <a:solidFill>
@@ -10321,182 +12990,7 @@
     </p:spTree>
     <p:extLst>
       <p:ext uri="{BB962C8B-B14F-4D97-AF65-F5344CB8AC3E}">
-        <p14:creationId xmlns:p14="http://schemas.microsoft.com/office/powerpoint/2010/main" val="3933360771"/>
-      </p:ext>
-    </p:extLst>
-  </p:cSld>
-  <p:clrMapOvr>
-    <a:masterClrMapping/>
-  </p:clrMapOvr>
-</p:sld>
-</file>
-
-<file path=ppt/slides/slide7.xml><?xml version="1.0" encoding="utf-8"?>
-<p:sld xmlns:a="http://schemas.openxmlformats.org/drawingml/2006/main" xmlns:r="http://schemas.openxmlformats.org/officeDocument/2006/relationships" xmlns:p="http://schemas.openxmlformats.org/presentationml/2006/main">
-  <p:cSld>
-    <p:spTree>
-      <p:nvGrpSpPr>
-        <p:cNvPr id="1" name=""/>
-        <p:cNvGrpSpPr/>
-        <p:nvPr/>
-      </p:nvGrpSpPr>
-      <p:grpSpPr>
-        <a:xfrm>
-          <a:off x="0" y="0"/>
-          <a:ext cx="0" cy="0"/>
-          <a:chOff x="0" y="0"/>
-          <a:chExt cx="0" cy="0"/>
-        </a:xfrm>
-      </p:grpSpPr>
-      <p:sp>
-        <p:nvSpPr>
-          <p:cNvPr id="2" name="タイトル 1"/>
-          <p:cNvSpPr>
-            <a:spLocks noGrp="1"/>
-          </p:cNvSpPr>
-          <p:nvPr>
-            <p:ph type="title"/>
-          </p:nvPr>
-        </p:nvSpPr>
-        <p:spPr>
-          <a:xfrm>
-            <a:off x="375243" y="2053889"/>
-            <a:ext cx="11638565" cy="2771329"/>
-          </a:xfrm>
-        </p:spPr>
-        <p:txBody>
-          <a:bodyPr>
-            <a:normAutofit fontScale="90000"/>
-          </a:bodyPr>
-          <a:lstStyle/>
-          <a:p>
-            <a:r>
-              <a:rPr kumimoji="1" lang="en-US" altLang="ja-JP" dirty="0" smtClean="0"/>
-              <a:t>Training</a:t>
-            </a:r>
-            <a:r>
-              <a:rPr kumimoji="1" lang="ja-JP" altLang="en-US" dirty="0" smtClean="0"/>
-              <a:t>　</a:t>
-            </a:r>
-            <a:r>
-              <a:rPr kumimoji="1" lang="en-US" altLang="ja-JP" dirty="0" smtClean="0"/>
-              <a:t>2-4</a:t>
-            </a:r>
-            <a:br>
-              <a:rPr kumimoji="1" lang="en-US" altLang="ja-JP" dirty="0" smtClean="0"/>
-            </a:br>
-            <a:r>
-              <a:rPr lang="en-US" altLang="ja-JP" dirty="0"/>
-              <a:t/>
-            </a:r>
-            <a:br>
-              <a:rPr lang="en-US" altLang="ja-JP" dirty="0"/>
-            </a:br>
-            <a:r>
-              <a:rPr lang="ja-JP" altLang="en-US" dirty="0" smtClean="0"/>
-              <a:t>計算を省略して高速化する</a:t>
-            </a:r>
-            <a:r>
-              <a:rPr lang="en-US" altLang="ja-JP" dirty="0" smtClean="0"/>
-              <a:t/>
-            </a:r>
-            <a:br>
-              <a:rPr lang="en-US" altLang="ja-JP" dirty="0" smtClean="0"/>
-            </a:br>
-            <a:r>
-              <a:rPr lang="en-US" altLang="ja-JP" dirty="0" err="1" smtClean="0"/>
-              <a:t>LastSwap</a:t>
-            </a:r>
-            <a:r>
-              <a:rPr lang="ja-JP" altLang="en-US" dirty="0" smtClean="0"/>
-              <a:t>した値の手前まで隣接交換すると考える。</a:t>
-            </a:r>
-            <a:endParaRPr kumimoji="1" lang="ja-JP" altLang="en-US" dirty="0"/>
-          </a:p>
-        </p:txBody>
-      </p:sp>
-    </p:spTree>
-    <p:extLst>
-      <p:ext uri="{BB962C8B-B14F-4D97-AF65-F5344CB8AC3E}">
-        <p14:creationId xmlns:p14="http://schemas.microsoft.com/office/powerpoint/2010/main" val="3041200670"/>
-      </p:ext>
-    </p:extLst>
-  </p:cSld>
-  <p:clrMapOvr>
-    <a:masterClrMapping/>
-  </p:clrMapOvr>
-</p:sld>
-</file>
-
-<file path=ppt/slides/slide8.xml><?xml version="1.0" encoding="utf-8"?>
-<p:sld xmlns:a="http://schemas.openxmlformats.org/drawingml/2006/main" xmlns:r="http://schemas.openxmlformats.org/officeDocument/2006/relationships" xmlns:p="http://schemas.openxmlformats.org/presentationml/2006/main">
-  <p:cSld>
-    <p:spTree>
-      <p:nvGrpSpPr>
-        <p:cNvPr id="1" name=""/>
-        <p:cNvGrpSpPr/>
-        <p:nvPr/>
-      </p:nvGrpSpPr>
-      <p:grpSpPr>
-        <a:xfrm>
-          <a:off x="0" y="0"/>
-          <a:ext cx="0" cy="0"/>
-          <a:chOff x="0" y="0"/>
-          <a:chExt cx="0" cy="0"/>
-        </a:xfrm>
-      </p:grpSpPr>
-      <p:pic>
-        <p:nvPicPr>
-          <p:cNvPr id="2" name="図 1"/>
-          <p:cNvPicPr>
-            <a:picLocks noChangeAspect="1"/>
-          </p:cNvPicPr>
-          <p:nvPr/>
-        </p:nvPicPr>
-        <p:blipFill>
-          <a:blip r:embed="rId2"/>
-          <a:stretch>
-            <a:fillRect/>
-          </a:stretch>
-        </p:blipFill>
-        <p:spPr>
-          <a:xfrm>
-            <a:off x="102784" y="426114"/>
-            <a:ext cx="5478912" cy="5359546"/>
-          </a:xfrm>
-          <a:prstGeom prst="rect">
-            <a:avLst/>
-          </a:prstGeom>
-        </p:spPr>
-      </p:pic>
-      <p:pic>
-        <p:nvPicPr>
-          <p:cNvPr id="3" name="図 2"/>
-          <p:cNvPicPr>
-            <a:picLocks noChangeAspect="1"/>
-          </p:cNvPicPr>
-          <p:nvPr/>
-        </p:nvPicPr>
-        <p:blipFill>
-          <a:blip r:embed="rId3"/>
-          <a:stretch>
-            <a:fillRect/>
-          </a:stretch>
-        </p:blipFill>
-        <p:spPr>
-          <a:xfrm>
-            <a:off x="6406341" y="88885"/>
-            <a:ext cx="4772214" cy="6710926"/>
-          </a:xfrm>
-          <a:prstGeom prst="rect">
-            <a:avLst/>
-          </a:prstGeom>
-        </p:spPr>
-      </p:pic>
-    </p:spTree>
-    <p:extLst>
-      <p:ext uri="{BB962C8B-B14F-4D97-AF65-F5344CB8AC3E}">
-        <p14:creationId xmlns:p14="http://schemas.microsoft.com/office/powerpoint/2010/main" val="1901534988"/>
+        <p14:creationId xmlns:p14="http://schemas.microsoft.com/office/powerpoint/2010/main" val="276934397"/>
       </p:ext>
     </p:extLst>
   </p:cSld>
@@ -10535,51 +13029,192 @@
         </p:nvSpPr>
         <p:spPr>
           <a:xfrm>
-            <a:off x="4229791" y="2518124"/>
-            <a:ext cx="3858493" cy="1106226"/>
+            <a:off x="838200" y="406689"/>
+            <a:ext cx="10515600" cy="1325563"/>
           </a:xfrm>
         </p:spPr>
         <p:txBody>
           <a:bodyPr>
-            <a:normAutofit fontScale="90000"/>
+            <a:normAutofit/>
           </a:bodyPr>
           <a:lstStyle/>
           <a:p>
             <a:r>
-              <a:rPr kumimoji="1" lang="en-US" altLang="ja-JP" dirty="0" smtClean="0"/>
-              <a:t>Training</a:t>
-            </a:r>
-            <a:r>
-              <a:rPr kumimoji="1" lang="ja-JP" altLang="en-US" dirty="0" smtClean="0"/>
+              <a:rPr kumimoji="1" lang="en-US" altLang="ja-JP" sz="3600" dirty="0" smtClean="0"/>
+              <a:t>2-5 </a:t>
+            </a:r>
+            <a:r>
+              <a:rPr kumimoji="1" lang="ja-JP" altLang="en-US" sz="3600" dirty="0" smtClean="0"/>
+              <a:t>基本アルゴリズム</a:t>
+            </a:r>
+            <a:r>
+              <a:rPr lang="ja-JP" altLang="en-US" sz="3600" dirty="0"/>
               <a:t>　</a:t>
             </a:r>
             <a:r>
-              <a:rPr kumimoji="1" lang="en-US" altLang="ja-JP" dirty="0" smtClean="0"/>
-              <a:t>2-5</a:t>
-            </a:r>
-            <a:br>
-              <a:rPr kumimoji="1" lang="en-US" altLang="ja-JP" dirty="0" smtClean="0"/>
-            </a:br>
-            <a:r>
-              <a:rPr kumimoji="1" lang="en-US" altLang="ja-JP" dirty="0" smtClean="0"/>
-              <a:t>Shaker</a:t>
-            </a:r>
-            <a:r>
-              <a:rPr kumimoji="1" lang="ja-JP" altLang="en-US" dirty="0" smtClean="0"/>
-              <a:t> </a:t>
-            </a:r>
-            <a:r>
-              <a:rPr kumimoji="1" lang="en-US" altLang="ja-JP" dirty="0" smtClean="0"/>
-              <a:t>Sort</a:t>
-            </a:r>
-            <a:endParaRPr kumimoji="1" lang="ja-JP" altLang="en-US" dirty="0"/>
+              <a:rPr lang="ja-JP" altLang="en-US" sz="3600" dirty="0" smtClean="0"/>
+              <a:t>交換法（バブルソート）</a:t>
+            </a:r>
+            <a:endParaRPr kumimoji="1" lang="ja-JP" altLang="en-US" sz="3600" dirty="0"/>
+          </a:p>
+        </p:txBody>
+      </p:sp>
+      <p:sp>
+        <p:nvSpPr>
+          <p:cNvPr id="4" name="テキスト ボックス 3"/>
+          <p:cNvSpPr txBox="1"/>
+          <p:nvPr/>
+        </p:nvSpPr>
+        <p:spPr>
+          <a:xfrm>
+            <a:off x="872129" y="1663143"/>
+            <a:ext cx="10784161" cy="4893647"/>
+          </a:xfrm>
+          <a:prstGeom prst="rect">
+            <a:avLst/>
+          </a:prstGeom>
+          <a:noFill/>
+        </p:spPr>
+        <p:txBody>
+          <a:bodyPr wrap="square" rtlCol="0">
+            <a:spAutoFit/>
+          </a:bodyPr>
+          <a:lstStyle/>
+          <a:p>
+            <a:r>
+              <a:rPr lang="ja-JP" altLang="en-US" sz="2400" dirty="0" smtClean="0"/>
+              <a:t>　バブルソート</a:t>
+            </a:r>
+            <a:r>
+              <a:rPr lang="ja-JP" altLang="en-US" sz="2400" dirty="0"/>
+              <a:t>はリストにおいて隣り合うふたつの要素の値を比較して条件に応じた交換を行う整列アルゴリズムです</a:t>
+            </a:r>
+            <a:r>
+              <a:rPr lang="ja-JP" altLang="en-US" sz="2400" dirty="0" smtClean="0"/>
+              <a:t>。</a:t>
+            </a:r>
+            <a:endParaRPr lang="ja-JP" altLang="en-US" sz="2400" dirty="0"/>
+          </a:p>
+          <a:p>
+            <a:r>
+              <a:rPr lang="ja-JP" altLang="en-US" sz="2400" dirty="0"/>
+              <a:t>条件とは値の大小関係です。「値の大きい順</a:t>
+            </a:r>
+            <a:r>
+              <a:rPr lang="en-US" altLang="ja-JP" sz="2400" dirty="0"/>
+              <a:t>(</a:t>
+            </a:r>
+            <a:r>
+              <a:rPr lang="ja-JP" altLang="en-US" sz="2400" dirty="0"/>
+              <a:t>降順</a:t>
+            </a:r>
+            <a:r>
+              <a:rPr lang="en-US" altLang="ja-JP" sz="2400" dirty="0"/>
+              <a:t>)</a:t>
+            </a:r>
+            <a:r>
+              <a:rPr lang="ja-JP" altLang="en-US" sz="2400" dirty="0"/>
+              <a:t>」か「値の小さい順</a:t>
+            </a:r>
+            <a:r>
+              <a:rPr lang="en-US" altLang="ja-JP" sz="2400" dirty="0"/>
+              <a:t>(</a:t>
+            </a:r>
+            <a:r>
+              <a:rPr lang="ja-JP" altLang="en-US" sz="2400" dirty="0"/>
+              <a:t>昇順</a:t>
+            </a:r>
+            <a:r>
+              <a:rPr lang="en-US" altLang="ja-JP" sz="2400" dirty="0"/>
+              <a:t>)</a:t>
+            </a:r>
+            <a:r>
+              <a:rPr lang="ja-JP" altLang="en-US" sz="2400" dirty="0"/>
+              <a:t>」にリストを並び替えます。</a:t>
+            </a:r>
+          </a:p>
+          <a:p>
+            <a:endParaRPr lang="ja-JP" altLang="en-US" sz="2400" dirty="0"/>
+          </a:p>
+          <a:p>
+            <a:r>
+              <a:rPr lang="ja-JP" altLang="en-US" sz="2400" dirty="0" smtClean="0"/>
+              <a:t>　この</a:t>
+            </a:r>
+            <a:r>
+              <a:rPr lang="ja-JP" altLang="en-US" sz="2400" dirty="0"/>
+              <a:t>ソートを実行すると値の大きいまたは小さい要素が浮かびあがってくるように見えることから、バブル</a:t>
+            </a:r>
+            <a:r>
+              <a:rPr lang="en-US" altLang="ja-JP" sz="2400" dirty="0"/>
+              <a:t>(bubble: </a:t>
+            </a:r>
+            <a:r>
+              <a:rPr lang="ja-JP" altLang="en-US" sz="2400" dirty="0"/>
+              <a:t>泡</a:t>
+            </a:r>
+            <a:r>
+              <a:rPr lang="en-US" altLang="ja-JP" sz="2400" dirty="0"/>
+              <a:t>)</a:t>
+            </a:r>
+            <a:r>
+              <a:rPr lang="ja-JP" altLang="en-US" sz="2400" dirty="0"/>
+              <a:t>ソートと呼ばれます。</a:t>
+            </a:r>
+            <a:endParaRPr lang="en-US" altLang="ja-JP" sz="2400" dirty="0" smtClean="0"/>
+          </a:p>
+          <a:p>
+            <a:endParaRPr lang="en-US" altLang="ja-JP" sz="2400" dirty="0" smtClean="0"/>
+          </a:p>
+          <a:p>
+            <a:endParaRPr lang="en-US" altLang="ja-JP" sz="2400" dirty="0"/>
+          </a:p>
+          <a:p>
+            <a:r>
+              <a:rPr lang="en-US" altLang="ja-JP" sz="2400" dirty="0">
+                <a:hlinkClick r:id="rId3"/>
+              </a:rPr>
+              <a:t>https://</a:t>
+            </a:r>
+            <a:r>
+              <a:rPr lang="en-US" altLang="ja-JP" sz="2400" dirty="0" smtClean="0">
+                <a:hlinkClick r:id="rId3"/>
+              </a:rPr>
+              <a:t>www.codereading.com/algo_and_ds/algo/bubble_sort.html</a:t>
+            </a:r>
+            <a:r>
+              <a:rPr lang="ja-JP" altLang="en-US" sz="2400" dirty="0" smtClean="0"/>
+              <a:t>　より</a:t>
+            </a:r>
+            <a:endParaRPr lang="en-US" altLang="ja-JP" sz="2400" dirty="0" smtClean="0"/>
+          </a:p>
+          <a:p>
+            <a:endParaRPr lang="en-US" altLang="ja-JP" sz="2400" dirty="0"/>
+          </a:p>
+          <a:p>
+            <a:endParaRPr lang="en-US" altLang="ja-JP" sz="2400" dirty="0" smtClean="0"/>
+          </a:p>
+          <a:p>
+            <a:r>
+              <a:rPr lang="ja-JP" altLang="en-US" sz="2400" dirty="0" smtClean="0"/>
+              <a:t>★選択法と違い　</a:t>
+            </a:r>
+            <a:r>
+              <a:rPr lang="en-US" altLang="ja-JP" sz="2400" dirty="0" smtClean="0"/>
+              <a:t>N</a:t>
+            </a:r>
+            <a:r>
+              <a:rPr lang="ja-JP" altLang="en-US" sz="2400" dirty="0" smtClean="0"/>
+              <a:t>番目のデータ（末尾）から確定していきます。</a:t>
+            </a:r>
+            <a:endParaRPr lang="en-US" altLang="ja-JP" sz="2400" dirty="0"/>
           </a:p>
         </p:txBody>
       </p:sp>
     </p:spTree>
     <p:extLst>
       <p:ext uri="{BB962C8B-B14F-4D97-AF65-F5344CB8AC3E}">
-        <p14:creationId xmlns:p14="http://schemas.microsoft.com/office/powerpoint/2010/main" val="3812349210"/>
+        <p14:creationId xmlns:p14="http://schemas.microsoft.com/office/powerpoint/2010/main" val="1822232788"/>
       </p:ext>
     </p:extLst>
   </p:cSld>
@@ -10848,4 +13483,526 @@
     </a:ext>
   </a:extLst>
 </a:theme>
+</file>
+
+<file path=ppt/theme/theme2.xml><?xml version="1.0" encoding="utf-8"?>
+<a:theme xmlns:a="http://schemas.openxmlformats.org/drawingml/2006/main" name="Office テーマ">
+  <a:themeElements>
+    <a:clrScheme name="Office">
+      <a:dk1>
+        <a:sysClr val="windowText" lastClr="000000"/>
+      </a:dk1>
+      <a:lt1>
+        <a:sysClr val="window" lastClr="FFFFFF"/>
+      </a:lt1>
+      <a:dk2>
+        <a:srgbClr val="44546A"/>
+      </a:dk2>
+      <a:lt2>
+        <a:srgbClr val="E7E6E6"/>
+      </a:lt2>
+      <a:accent1>
+        <a:srgbClr val="5B9BD5"/>
+      </a:accent1>
+      <a:accent2>
+        <a:srgbClr val="ED7D31"/>
+      </a:accent2>
+      <a:accent3>
+        <a:srgbClr val="A5A5A5"/>
+      </a:accent3>
+      <a:accent4>
+        <a:srgbClr val="FFC000"/>
+      </a:accent4>
+      <a:accent5>
+        <a:srgbClr val="4472C4"/>
+      </a:accent5>
+      <a:accent6>
+        <a:srgbClr val="70AD47"/>
+      </a:accent6>
+      <a:hlink>
+        <a:srgbClr val="0563C1"/>
+      </a:hlink>
+      <a:folHlink>
+        <a:srgbClr val="954F72"/>
+      </a:folHlink>
+    </a:clrScheme>
+    <a:fontScheme name="Office">
+      <a:majorFont>
+        <a:latin typeface="游ゴシック Light" panose="020F0302020204030204"/>
+        <a:ea typeface=""/>
+        <a:cs typeface=""/>
+        <a:font script="Jpan" typeface="游ゴシック Light"/>
+        <a:font script="Hang" typeface="맑은 고딕"/>
+        <a:font script="Hans" typeface="等线 Light"/>
+        <a:font script="Hant" typeface="新細明體"/>
+        <a:font script="Arab" typeface="Times New Roman"/>
+        <a:font script="Hebr" typeface="Times New Roman"/>
+        <a:font script="Thai" typeface="Angsana New"/>
+        <a:font script="Ethi" typeface="Nyala"/>
+        <a:font script="Beng" typeface="Vrinda"/>
+        <a:font script="Gujr" typeface="Shruti"/>
+        <a:font script="Khmr" typeface="MoolBoran"/>
+        <a:font script="Knda" typeface="Tunga"/>
+        <a:font script="Guru" typeface="Raavi"/>
+        <a:font script="Cans" typeface="Euphemia"/>
+        <a:font script="Cher" typeface="Plantagenet Cherokee"/>
+        <a:font script="Yiii" typeface="Microsoft Yi Baiti"/>
+        <a:font script="Tibt" typeface="Microsoft Himalaya"/>
+        <a:font script="Thaa" typeface="MV Boli"/>
+        <a:font script="Deva" typeface="Mangal"/>
+        <a:font script="Telu" typeface="Gautami"/>
+        <a:font script="Taml" typeface="Latha"/>
+        <a:font script="Syrc" typeface="Estrangelo Edessa"/>
+        <a:font script="Orya" typeface="Kalinga"/>
+        <a:font script="Mlym" typeface="Kartika"/>
+        <a:font script="Laoo" typeface="DokChampa"/>
+        <a:font script="Sinh" typeface="Iskoola Pota"/>
+        <a:font script="Mong" typeface="Mongolian Baiti"/>
+        <a:font script="Viet" typeface="Times New Roman"/>
+        <a:font script="Uigh" typeface="Microsoft Uighur"/>
+        <a:font script="Geor" typeface="Sylfaen"/>
+      </a:majorFont>
+      <a:minorFont>
+        <a:latin typeface="游ゴシック" panose="020F0502020204030204"/>
+        <a:ea typeface=""/>
+        <a:cs typeface=""/>
+        <a:font script="Jpan" typeface="游ゴシック"/>
+        <a:font script="Hang" typeface="맑은 고딕"/>
+        <a:font script="Hans" typeface="等线"/>
+        <a:font script="Hant" typeface="新細明體"/>
+        <a:font script="Arab" typeface="Arial"/>
+        <a:font script="Hebr" typeface="Arial"/>
+        <a:font script="Thai" typeface="Cordia New"/>
+        <a:font script="Ethi" typeface="Nyala"/>
+        <a:font script="Beng" typeface="Vrinda"/>
+        <a:font script="Gujr" typeface="Shruti"/>
+        <a:font script="Khmr" typeface="DaunPenh"/>
+        <a:font script="Knda" typeface="Tunga"/>
+        <a:font script="Guru" typeface="Raavi"/>
+        <a:font script="Cans" typeface="Euphemia"/>
+        <a:font script="Cher" typeface="Plantagenet Cherokee"/>
+        <a:font script="Yiii" typeface="Microsoft Yi Baiti"/>
+        <a:font script="Tibt" typeface="Microsoft Himalaya"/>
+        <a:font script="Thaa" typeface="MV Boli"/>
+        <a:font script="Deva" typeface="Mangal"/>
+        <a:font script="Telu" typeface="Gautami"/>
+        <a:font script="Taml" typeface="Latha"/>
+        <a:font script="Syrc" typeface="Estrangelo Edessa"/>
+        <a:font script="Orya" typeface="Kalinga"/>
+        <a:font script="Mlym" typeface="Kartika"/>
+        <a:font script="Laoo" typeface="DokChampa"/>
+        <a:font script="Sinh" typeface="Iskoola Pota"/>
+        <a:font script="Mong" typeface="Mongolian Baiti"/>
+        <a:font script="Viet" typeface="Arial"/>
+        <a:font script="Uigh" typeface="Microsoft Uighur"/>
+        <a:font script="Geor" typeface="Sylfaen"/>
+      </a:minorFont>
+    </a:fontScheme>
+    <a:fmtScheme name="Office">
+      <a:fillStyleLst>
+        <a:solidFill>
+          <a:schemeClr val="phClr"/>
+        </a:solidFill>
+        <a:gradFill rotWithShape="1">
+          <a:gsLst>
+            <a:gs pos="0">
+              <a:schemeClr val="phClr">
+                <a:lumMod val="110000"/>
+                <a:satMod val="105000"/>
+                <a:tint val="67000"/>
+              </a:schemeClr>
+            </a:gs>
+            <a:gs pos="50000">
+              <a:schemeClr val="phClr">
+                <a:lumMod val="105000"/>
+                <a:satMod val="103000"/>
+                <a:tint val="73000"/>
+              </a:schemeClr>
+            </a:gs>
+            <a:gs pos="100000">
+              <a:schemeClr val="phClr">
+                <a:lumMod val="105000"/>
+                <a:satMod val="109000"/>
+                <a:tint val="81000"/>
+              </a:schemeClr>
+            </a:gs>
+          </a:gsLst>
+          <a:lin ang="5400000" scaled="0"/>
+        </a:gradFill>
+        <a:gradFill rotWithShape="1">
+          <a:gsLst>
+            <a:gs pos="0">
+              <a:schemeClr val="phClr">
+                <a:satMod val="103000"/>
+                <a:lumMod val="102000"/>
+                <a:tint val="94000"/>
+              </a:schemeClr>
+            </a:gs>
+            <a:gs pos="50000">
+              <a:schemeClr val="phClr">
+                <a:satMod val="110000"/>
+                <a:lumMod val="100000"/>
+                <a:shade val="100000"/>
+              </a:schemeClr>
+            </a:gs>
+            <a:gs pos="100000">
+              <a:schemeClr val="phClr">
+                <a:lumMod val="99000"/>
+                <a:satMod val="120000"/>
+                <a:shade val="78000"/>
+              </a:schemeClr>
+            </a:gs>
+          </a:gsLst>
+          <a:lin ang="5400000" scaled="0"/>
+        </a:gradFill>
+      </a:fillStyleLst>
+      <a:lnStyleLst>
+        <a:ln w="6350" cap="flat" cmpd="sng" algn="ctr">
+          <a:solidFill>
+            <a:schemeClr val="phClr"/>
+          </a:solidFill>
+          <a:prstDash val="solid"/>
+          <a:miter lim="800000"/>
+        </a:ln>
+        <a:ln w="12700" cap="flat" cmpd="sng" algn="ctr">
+          <a:solidFill>
+            <a:schemeClr val="phClr"/>
+          </a:solidFill>
+          <a:prstDash val="solid"/>
+          <a:miter lim="800000"/>
+        </a:ln>
+        <a:ln w="19050" cap="flat" cmpd="sng" algn="ctr">
+          <a:solidFill>
+            <a:schemeClr val="phClr"/>
+          </a:solidFill>
+          <a:prstDash val="solid"/>
+          <a:miter lim="800000"/>
+        </a:ln>
+      </a:lnStyleLst>
+      <a:effectStyleLst>
+        <a:effectStyle>
+          <a:effectLst/>
+        </a:effectStyle>
+        <a:effectStyle>
+          <a:effectLst/>
+        </a:effectStyle>
+        <a:effectStyle>
+          <a:effectLst>
+            <a:outerShdw blurRad="57150" dist="19050" dir="5400000" algn="ctr" rotWithShape="0">
+              <a:srgbClr val="000000">
+                <a:alpha val="63000"/>
+              </a:srgbClr>
+            </a:outerShdw>
+          </a:effectLst>
+        </a:effectStyle>
+      </a:effectStyleLst>
+      <a:bgFillStyleLst>
+        <a:solidFill>
+          <a:schemeClr val="phClr"/>
+        </a:solidFill>
+        <a:solidFill>
+          <a:schemeClr val="phClr">
+            <a:tint val="95000"/>
+            <a:satMod val="170000"/>
+          </a:schemeClr>
+        </a:solidFill>
+        <a:gradFill rotWithShape="1">
+          <a:gsLst>
+            <a:gs pos="0">
+              <a:schemeClr val="phClr">
+                <a:tint val="93000"/>
+                <a:satMod val="150000"/>
+                <a:shade val="98000"/>
+                <a:lumMod val="102000"/>
+              </a:schemeClr>
+            </a:gs>
+            <a:gs pos="50000">
+              <a:schemeClr val="phClr">
+                <a:tint val="98000"/>
+                <a:satMod val="130000"/>
+                <a:shade val="90000"/>
+                <a:lumMod val="103000"/>
+              </a:schemeClr>
+            </a:gs>
+            <a:gs pos="100000">
+              <a:schemeClr val="phClr">
+                <a:shade val="63000"/>
+                <a:satMod val="120000"/>
+              </a:schemeClr>
+            </a:gs>
+          </a:gsLst>
+          <a:lin ang="5400000" scaled="0"/>
+        </a:gradFill>
+      </a:bgFillStyleLst>
+    </a:fmtScheme>
+  </a:themeElements>
+  <a:objectDefaults/>
+  <a:extraClrSchemeLst/>
+  <a:extLst>
+    <a:ext uri="{05A4C25C-085E-4340-85A3-A5531E510DB2}">
+      <thm15:themeFamily xmlns:thm15="http://schemas.microsoft.com/office/thememl/2012/main" name="Office Theme" id="{62F939B6-93AF-4DB8-9C6B-D6C7DFDC589F}" vid="{4A3C46E8-61CC-4603-A589-7422A47A8E4A}"/>
+    </a:ext>
+  </a:extLst>
+</a:theme>
+</file>
+
+<file path=ppt/theme/theme3.xml><?xml version="1.0" encoding="utf-8"?>
+<a:theme xmlns:a="http://schemas.openxmlformats.org/drawingml/2006/main" name="Office テーマ">
+  <a:themeElements>
+    <a:clrScheme name="Office">
+      <a:dk1>
+        <a:sysClr val="windowText" lastClr="000000"/>
+      </a:dk1>
+      <a:lt1>
+        <a:sysClr val="window" lastClr="FFFFFF"/>
+      </a:lt1>
+      <a:dk2>
+        <a:srgbClr val="44546A"/>
+      </a:dk2>
+      <a:lt2>
+        <a:srgbClr val="E7E6E6"/>
+      </a:lt2>
+      <a:accent1>
+        <a:srgbClr val="5B9BD5"/>
+      </a:accent1>
+      <a:accent2>
+        <a:srgbClr val="ED7D31"/>
+      </a:accent2>
+      <a:accent3>
+        <a:srgbClr val="A5A5A5"/>
+      </a:accent3>
+      <a:accent4>
+        <a:srgbClr val="FFC000"/>
+      </a:accent4>
+      <a:accent5>
+        <a:srgbClr val="4472C4"/>
+      </a:accent5>
+      <a:accent6>
+        <a:srgbClr val="70AD47"/>
+      </a:accent6>
+      <a:hlink>
+        <a:srgbClr val="0563C1"/>
+      </a:hlink>
+      <a:folHlink>
+        <a:srgbClr val="954F72"/>
+      </a:folHlink>
+    </a:clrScheme>
+    <a:fontScheme name="Office">
+      <a:majorFont>
+        <a:latin typeface="游ゴシック Light" panose="020F0302020204030204"/>
+        <a:ea typeface=""/>
+        <a:cs typeface=""/>
+        <a:font script="Jpan" typeface="游ゴシック Light"/>
+        <a:font script="Hang" typeface="맑은 고딕"/>
+        <a:font script="Hans" typeface="等线 Light"/>
+        <a:font script="Hant" typeface="新細明體"/>
+        <a:font script="Arab" typeface="Times New Roman"/>
+        <a:font script="Hebr" typeface="Times New Roman"/>
+        <a:font script="Thai" typeface="Angsana New"/>
+        <a:font script="Ethi" typeface="Nyala"/>
+        <a:font script="Beng" typeface="Vrinda"/>
+        <a:font script="Gujr" typeface="Shruti"/>
+        <a:font script="Khmr" typeface="MoolBoran"/>
+        <a:font script="Knda" typeface="Tunga"/>
+        <a:font script="Guru" typeface="Raavi"/>
+        <a:font script="Cans" typeface="Euphemia"/>
+        <a:font script="Cher" typeface="Plantagenet Cherokee"/>
+        <a:font script="Yiii" typeface="Microsoft Yi Baiti"/>
+        <a:font script="Tibt" typeface="Microsoft Himalaya"/>
+        <a:font script="Thaa" typeface="MV Boli"/>
+        <a:font script="Deva" typeface="Mangal"/>
+        <a:font script="Telu" typeface="Gautami"/>
+        <a:font script="Taml" typeface="Latha"/>
+        <a:font script="Syrc" typeface="Estrangelo Edessa"/>
+        <a:font script="Orya" typeface="Kalinga"/>
+        <a:font script="Mlym" typeface="Kartika"/>
+        <a:font script="Laoo" typeface="DokChampa"/>
+        <a:font script="Sinh" typeface="Iskoola Pota"/>
+        <a:font script="Mong" typeface="Mongolian Baiti"/>
+        <a:font script="Viet" typeface="Times New Roman"/>
+        <a:font script="Uigh" typeface="Microsoft Uighur"/>
+        <a:font script="Geor" typeface="Sylfaen"/>
+      </a:majorFont>
+      <a:minorFont>
+        <a:latin typeface="游ゴシック" panose="020F0502020204030204"/>
+        <a:ea typeface=""/>
+        <a:cs typeface=""/>
+        <a:font script="Jpan" typeface="游ゴシック"/>
+        <a:font script="Hang" typeface="맑은 고딕"/>
+        <a:font script="Hans" typeface="等线"/>
+        <a:font script="Hant" typeface="新細明體"/>
+        <a:font script="Arab" typeface="Arial"/>
+        <a:font script="Hebr" typeface="Arial"/>
+        <a:font script="Thai" typeface="Cordia New"/>
+        <a:font script="Ethi" typeface="Nyala"/>
+        <a:font script="Beng" typeface="Vrinda"/>
+        <a:font script="Gujr" typeface="Shruti"/>
+        <a:font script="Khmr" typeface="DaunPenh"/>
+        <a:font script="Knda" typeface="Tunga"/>
+        <a:font script="Guru" typeface="Raavi"/>
+        <a:font script="Cans" typeface="Euphemia"/>
+        <a:font script="Cher" typeface="Plantagenet Cherokee"/>
+        <a:font script="Yiii" typeface="Microsoft Yi Baiti"/>
+        <a:font script="Tibt" typeface="Microsoft Himalaya"/>
+        <a:font script="Thaa" typeface="MV Boli"/>
+        <a:font script="Deva" typeface="Mangal"/>
+        <a:font script="Telu" typeface="Gautami"/>
+        <a:font script="Taml" typeface="Latha"/>
+        <a:font script="Syrc" typeface="Estrangelo Edessa"/>
+        <a:font script="Orya" typeface="Kalinga"/>
+        <a:font script="Mlym" typeface="Kartika"/>
+        <a:font script="Laoo" typeface="DokChampa"/>
+        <a:font script="Sinh" typeface="Iskoola Pota"/>
+        <a:font script="Mong" typeface="Mongolian Baiti"/>
+        <a:font script="Viet" typeface="Arial"/>
+        <a:font script="Uigh" typeface="Microsoft Uighur"/>
+        <a:font script="Geor" typeface="Sylfaen"/>
+      </a:minorFont>
+    </a:fontScheme>
+    <a:fmtScheme name="Office">
+      <a:fillStyleLst>
+        <a:solidFill>
+          <a:schemeClr val="phClr"/>
+        </a:solidFill>
+        <a:gradFill rotWithShape="1">
+          <a:gsLst>
+            <a:gs pos="0">
+              <a:schemeClr val="phClr">
+                <a:lumMod val="110000"/>
+                <a:satMod val="105000"/>
+                <a:tint val="67000"/>
+              </a:schemeClr>
+            </a:gs>
+            <a:gs pos="50000">
+              <a:schemeClr val="phClr">
+                <a:lumMod val="105000"/>
+                <a:satMod val="103000"/>
+                <a:tint val="73000"/>
+              </a:schemeClr>
+            </a:gs>
+            <a:gs pos="100000">
+              <a:schemeClr val="phClr">
+                <a:lumMod val="105000"/>
+                <a:satMod val="109000"/>
+                <a:tint val="81000"/>
+              </a:schemeClr>
+            </a:gs>
+          </a:gsLst>
+          <a:lin ang="5400000" scaled="0"/>
+        </a:gradFill>
+        <a:gradFill rotWithShape="1">
+          <a:gsLst>
+            <a:gs pos="0">
+              <a:schemeClr val="phClr">
+                <a:satMod val="103000"/>
+                <a:lumMod val="102000"/>
+                <a:tint val="94000"/>
+              </a:schemeClr>
+            </a:gs>
+            <a:gs pos="50000">
+              <a:schemeClr val="phClr">
+                <a:satMod val="110000"/>
+                <a:lumMod val="100000"/>
+                <a:shade val="100000"/>
+              </a:schemeClr>
+            </a:gs>
+            <a:gs pos="100000">
+              <a:schemeClr val="phClr">
+                <a:lumMod val="99000"/>
+                <a:satMod val="120000"/>
+                <a:shade val="78000"/>
+              </a:schemeClr>
+            </a:gs>
+          </a:gsLst>
+          <a:lin ang="5400000" scaled="0"/>
+        </a:gradFill>
+      </a:fillStyleLst>
+      <a:lnStyleLst>
+        <a:ln w="6350" cap="flat" cmpd="sng" algn="ctr">
+          <a:solidFill>
+            <a:schemeClr val="phClr"/>
+          </a:solidFill>
+          <a:prstDash val="solid"/>
+          <a:miter lim="800000"/>
+        </a:ln>
+        <a:ln w="12700" cap="flat" cmpd="sng" algn="ctr">
+          <a:solidFill>
+            <a:schemeClr val="phClr"/>
+          </a:solidFill>
+          <a:prstDash val="solid"/>
+          <a:miter lim="800000"/>
+        </a:ln>
+        <a:ln w="19050" cap="flat" cmpd="sng" algn="ctr">
+          <a:solidFill>
+            <a:schemeClr val="phClr"/>
+          </a:solidFill>
+          <a:prstDash val="solid"/>
+          <a:miter lim="800000"/>
+        </a:ln>
+      </a:lnStyleLst>
+      <a:effectStyleLst>
+        <a:effectStyle>
+          <a:effectLst/>
+        </a:effectStyle>
+        <a:effectStyle>
+          <a:effectLst/>
+        </a:effectStyle>
+        <a:effectStyle>
+          <a:effectLst>
+            <a:outerShdw blurRad="57150" dist="19050" dir="5400000" algn="ctr" rotWithShape="0">
+              <a:srgbClr val="000000">
+                <a:alpha val="63000"/>
+              </a:srgbClr>
+            </a:outerShdw>
+          </a:effectLst>
+        </a:effectStyle>
+      </a:effectStyleLst>
+      <a:bgFillStyleLst>
+        <a:solidFill>
+          <a:schemeClr val="phClr"/>
+        </a:solidFill>
+        <a:solidFill>
+          <a:schemeClr val="phClr">
+            <a:tint val="95000"/>
+            <a:satMod val="170000"/>
+          </a:schemeClr>
+        </a:solidFill>
+        <a:gradFill rotWithShape="1">
+          <a:gsLst>
+            <a:gs pos="0">
+              <a:schemeClr val="phClr">
+                <a:tint val="93000"/>
+                <a:satMod val="150000"/>
+                <a:shade val="98000"/>
+                <a:lumMod val="102000"/>
+              </a:schemeClr>
+            </a:gs>
+            <a:gs pos="50000">
+              <a:schemeClr val="phClr">
+                <a:tint val="98000"/>
+                <a:satMod val="130000"/>
+                <a:shade val="90000"/>
+                <a:lumMod val="103000"/>
+              </a:schemeClr>
+            </a:gs>
+            <a:gs pos="100000">
+              <a:schemeClr val="phClr">
+                <a:shade val="63000"/>
+                <a:satMod val="120000"/>
+              </a:schemeClr>
+            </a:gs>
+          </a:gsLst>
+          <a:lin ang="5400000" scaled="0"/>
+        </a:gradFill>
+      </a:bgFillStyleLst>
+    </a:fmtScheme>
+  </a:themeElements>
+  <a:objectDefaults/>
+  <a:extraClrSchemeLst/>
+  <a:extLst>
+    <a:ext uri="{05A4C25C-085E-4340-85A3-A5531E510DB2}">
+      <thm15:themeFamily xmlns:thm15="http://schemas.microsoft.com/office/thememl/2012/main" name="Office Theme" id="{62F939B6-93AF-4DB8-9C6B-D6C7DFDC589F}" vid="{4A3C46E8-61CC-4603-A589-7422A47A8E4A}"/>
+    </a:ext>
+  </a:extLst>
+</a:theme>
 </file>